--- a/sldies.pptx
+++ b/sldies.pptx
@@ -6,6 +6,7 @@
   </p:sldMasterIdLst>
   <p:sldIdLst>
     <p:sldId id="256" r:id="rId2"/>
+    <p:sldId id="257" r:id="rId3"/>
   </p:sldIdLst>
   <p:sldSz cx="12192000" cy="6858000"/>
   <p:notesSz cx="6858000" cy="9144000"/>
@@ -104,6 +105,11 @@
       </a:defRPr>
     </a:lvl9pPr>
   </p:defaultTextStyle>
+  <p:extLst>
+    <p:ext uri="{EFAFB233-063F-42B5-8137-9DF3F51BA10A}">
+      <p15:sldGuideLst xmlns:p15="http://schemas.microsoft.com/office/powerpoint/2012/main"/>
+    </p:ext>
+  </p:extLst>
 </p:presentation>
 </file>
 
@@ -254,7 +260,7 @@
           <a:p>
             <a:fld id="{5B54AEB9-7A1A-DD4D-8954-79F63FD1F740}" type="datetimeFigureOut">
               <a:rPr lang="en-US" smtClean="0"/>
-              <a:t>8/19/21</a:t>
+              <a:t>10/4/21</a:t>
             </a:fld>
             <a:endParaRPr lang="en-US"/>
           </a:p>
@@ -452,7 +458,7 @@
           <a:p>
             <a:fld id="{5B54AEB9-7A1A-DD4D-8954-79F63FD1F740}" type="datetimeFigureOut">
               <a:rPr lang="en-US" smtClean="0"/>
-              <a:t>8/19/21</a:t>
+              <a:t>10/4/21</a:t>
             </a:fld>
             <a:endParaRPr lang="en-US"/>
           </a:p>
@@ -660,7 +666,7 @@
           <a:p>
             <a:fld id="{5B54AEB9-7A1A-DD4D-8954-79F63FD1F740}" type="datetimeFigureOut">
               <a:rPr lang="en-US" smtClean="0"/>
-              <a:t>8/19/21</a:t>
+              <a:t>10/4/21</a:t>
             </a:fld>
             <a:endParaRPr lang="en-US"/>
           </a:p>
@@ -858,7 +864,7 @@
           <a:p>
             <a:fld id="{5B54AEB9-7A1A-DD4D-8954-79F63FD1F740}" type="datetimeFigureOut">
               <a:rPr lang="en-US" smtClean="0"/>
-              <a:t>8/19/21</a:t>
+              <a:t>10/4/21</a:t>
             </a:fld>
             <a:endParaRPr lang="en-US"/>
           </a:p>
@@ -1133,7 +1139,7 @@
           <a:p>
             <a:fld id="{5B54AEB9-7A1A-DD4D-8954-79F63FD1F740}" type="datetimeFigureOut">
               <a:rPr lang="en-US" smtClean="0"/>
-              <a:t>8/19/21</a:t>
+              <a:t>10/4/21</a:t>
             </a:fld>
             <a:endParaRPr lang="en-US"/>
           </a:p>
@@ -1398,7 +1404,7 @@
           <a:p>
             <a:fld id="{5B54AEB9-7A1A-DD4D-8954-79F63FD1F740}" type="datetimeFigureOut">
               <a:rPr lang="en-US" smtClean="0"/>
-              <a:t>8/19/21</a:t>
+              <a:t>10/4/21</a:t>
             </a:fld>
             <a:endParaRPr lang="en-US"/>
           </a:p>
@@ -1810,7 +1816,7 @@
           <a:p>
             <a:fld id="{5B54AEB9-7A1A-DD4D-8954-79F63FD1F740}" type="datetimeFigureOut">
               <a:rPr lang="en-US" smtClean="0"/>
-              <a:t>8/19/21</a:t>
+              <a:t>10/4/21</a:t>
             </a:fld>
             <a:endParaRPr lang="en-US"/>
           </a:p>
@@ -1951,7 +1957,7 @@
           <a:p>
             <a:fld id="{5B54AEB9-7A1A-DD4D-8954-79F63FD1F740}" type="datetimeFigureOut">
               <a:rPr lang="en-US" smtClean="0"/>
-              <a:t>8/19/21</a:t>
+              <a:t>10/4/21</a:t>
             </a:fld>
             <a:endParaRPr lang="en-US"/>
           </a:p>
@@ -2064,7 +2070,7 @@
           <a:p>
             <a:fld id="{5B54AEB9-7A1A-DD4D-8954-79F63FD1F740}" type="datetimeFigureOut">
               <a:rPr lang="en-US" smtClean="0"/>
-              <a:t>8/19/21</a:t>
+              <a:t>10/4/21</a:t>
             </a:fld>
             <a:endParaRPr lang="en-US"/>
           </a:p>
@@ -2375,7 +2381,7 @@
           <a:p>
             <a:fld id="{5B54AEB9-7A1A-DD4D-8954-79F63FD1F740}" type="datetimeFigureOut">
               <a:rPr lang="en-US" smtClean="0"/>
-              <a:t>8/19/21</a:t>
+              <a:t>10/4/21</a:t>
             </a:fld>
             <a:endParaRPr lang="en-US"/>
           </a:p>
@@ -2663,7 +2669,7 @@
           <a:p>
             <a:fld id="{5B54AEB9-7A1A-DD4D-8954-79F63FD1F740}" type="datetimeFigureOut">
               <a:rPr lang="en-US" smtClean="0"/>
-              <a:t>8/19/21</a:t>
+              <a:t>10/4/21</a:t>
             </a:fld>
             <a:endParaRPr lang="en-US"/>
           </a:p>
@@ -2904,7 +2910,7 @@
           <a:p>
             <a:fld id="{5B54AEB9-7A1A-DD4D-8954-79F63FD1F740}" type="datetimeFigureOut">
               <a:rPr lang="en-US" smtClean="0"/>
-              <a:t>8/19/21</a:t>
+              <a:t>10/4/21</a:t>
             </a:fld>
             <a:endParaRPr lang="en-US"/>
           </a:p>
@@ -4500,8 +4506,8 @@
           </a:p>
         </p:txBody>
       </p:sp>
-      <mc:AlternateContent xmlns:mc="http://schemas.openxmlformats.org/markup-compatibility/2006">
-        <mc:Choice xmlns:a14="http://schemas.microsoft.com/office/drawing/2010/main" Requires="a14">
+      <mc:AlternateContent xmlns:mc="http://schemas.openxmlformats.org/markup-compatibility/2006" xmlns:a14="http://schemas.microsoft.com/office/drawing/2010/main">
+        <mc:Choice Requires="a14">
           <p:sp>
             <p:nvSpPr>
               <p:cNvPr id="93" name="Oval 92">
@@ -4578,7 +4584,7 @@
             </p:txBody>
           </p:sp>
         </mc:Choice>
-        <mc:Fallback>
+        <mc:Fallback xmlns="">
           <p:sp>
             <p:nvSpPr>
               <p:cNvPr id="93" name="Oval 92">
@@ -4961,8 +4967,8 @@
           </a:p>
         </p:txBody>
       </p:sp>
-      <mc:AlternateContent xmlns:mc="http://schemas.openxmlformats.org/markup-compatibility/2006">
-        <mc:Choice xmlns:a14="http://schemas.microsoft.com/office/drawing/2010/main" Requires="a14">
+      <mc:AlternateContent xmlns:mc="http://schemas.openxmlformats.org/markup-compatibility/2006" xmlns:a14="http://schemas.microsoft.com/office/drawing/2010/main">
+        <mc:Choice Requires="a14">
           <p:sp>
             <p:nvSpPr>
               <p:cNvPr id="113" name="TextBox 112">
@@ -5021,7 +5027,7 @@
             </p:txBody>
           </p:sp>
         </mc:Choice>
-        <mc:Fallback>
+        <mc:Fallback xmlns="">
           <p:sp>
             <p:nvSpPr>
               <p:cNvPr id="113" name="TextBox 112">
@@ -5632,61 +5638,6 @@
             </a:p>
           </p:txBody>
         </p:sp>
-        <p:sp>
-          <p:nvSpPr>
-            <p:cNvPr id="168" name="Oval 167">
-              <a:extLst>
-                <a:ext uri="{FF2B5EF4-FFF2-40B4-BE49-F238E27FC236}">
-                  <a16:creationId xmlns:a16="http://schemas.microsoft.com/office/drawing/2014/main" id="{36FB3D93-93B2-2741-ADF9-5534C2C7DB55}"/>
-                </a:ext>
-              </a:extLst>
-            </p:cNvPr>
-            <p:cNvSpPr/>
-            <p:nvPr/>
-          </p:nvSpPr>
-          <p:spPr>
-            <a:xfrm>
-              <a:off x="1426281" y="4741909"/>
-              <a:ext cx="177702" cy="824437"/>
-            </a:xfrm>
-            <a:prstGeom prst="ellipse">
-              <a:avLst/>
-            </a:prstGeom>
-            <a:noFill/>
-            <a:ln w="3175">
-              <a:solidFill>
-                <a:schemeClr val="bg1">
-                  <a:lumMod val="75000"/>
-                </a:schemeClr>
-              </a:solidFill>
-              <a:prstDash val="dash"/>
-            </a:ln>
-          </p:spPr>
-          <p:style>
-            <a:lnRef idx="2">
-              <a:schemeClr val="accent1">
-                <a:shade val="50000"/>
-              </a:schemeClr>
-            </a:lnRef>
-            <a:fillRef idx="1">
-              <a:schemeClr val="accent1"/>
-            </a:fillRef>
-            <a:effectRef idx="0">
-              <a:schemeClr val="accent1"/>
-            </a:effectRef>
-            <a:fontRef idx="minor">
-              <a:schemeClr val="lt1"/>
-            </a:fontRef>
-          </p:style>
-          <p:txBody>
-            <a:bodyPr rtlCol="0" anchor="ctr"/>
-            <a:lstStyle/>
-            <a:p>
-              <a:pPr algn="ctr"/>
-              <a:endParaRPr lang="en-US" sz="1600"/>
-            </a:p>
-          </p:txBody>
-        </p:sp>
         <p:cxnSp>
           <p:nvCxnSpPr>
             <p:cNvPr id="1060" name="Straight Connector 1059">
@@ -5745,8 +5696,6 @@
             </p:cNvPr>
             <p:cNvCxnSpPr>
               <a:cxnSpLocks/>
-              <a:stCxn id="168" idx="0"/>
-              <a:endCxn id="168" idx="4"/>
             </p:cNvCxnSpPr>
             <p:nvPr/>
           </p:nvCxnSpPr>
@@ -7351,8 +7300,8 @@
             </a:p>
           </p:txBody>
         </p:sp>
-        <mc:AlternateContent xmlns:mc="http://schemas.openxmlformats.org/markup-compatibility/2006">
-          <mc:Choice xmlns:a14="http://schemas.microsoft.com/office/drawing/2010/main" Requires="a14">
+        <mc:AlternateContent xmlns:mc="http://schemas.openxmlformats.org/markup-compatibility/2006" xmlns:a14="http://schemas.microsoft.com/office/drawing/2010/main">
+          <mc:Choice Requires="a14">
             <p:sp>
               <p:nvSpPr>
                 <p:cNvPr id="239" name="Rounded Rectangle 238">
@@ -7418,7 +7367,7 @@
               </p:txBody>
             </p:sp>
           </mc:Choice>
-          <mc:Fallback>
+          <mc:Fallback xmlns="">
             <p:sp>
               <p:nvSpPr>
                 <p:cNvPr id="239" name="Rounded Rectangle 238">
@@ -7872,8 +7821,8 @@
             </a:fontRef>
           </p:style>
         </p:cxnSp>
-        <mc:AlternateContent xmlns:mc="http://schemas.openxmlformats.org/markup-compatibility/2006">
-          <mc:Choice xmlns:a14="http://schemas.microsoft.com/office/drawing/2010/main" Requires="a14">
+        <mc:AlternateContent xmlns:mc="http://schemas.openxmlformats.org/markup-compatibility/2006" xmlns:a14="http://schemas.microsoft.com/office/drawing/2010/main">
+          <mc:Choice Requires="a14">
             <p:sp>
               <p:nvSpPr>
                 <p:cNvPr id="274" name="Rounded Rectangle 273">
@@ -7939,7 +7888,7 @@
               </p:txBody>
             </p:sp>
           </mc:Choice>
-          <mc:Fallback>
+          <mc:Fallback xmlns="">
             <p:sp>
               <p:nvSpPr>
                 <p:cNvPr id="274" name="Rounded Rectangle 273">
@@ -8333,6 +8282,4697 @@
           </a:p>
         </p:txBody>
       </p:sp>
+      <mc:AlternateContent xmlns:mc="http://schemas.openxmlformats.org/markup-compatibility/2006" xmlns:a14="http://schemas.microsoft.com/office/drawing/2010/main">
+        <mc:Choice Requires="a14">
+          <p:sp>
+            <p:nvSpPr>
+              <p:cNvPr id="312" name="TextBox 311">
+                <a:extLst>
+                  <a:ext uri="{FF2B5EF4-FFF2-40B4-BE49-F238E27FC236}">
+                    <a16:creationId xmlns:a16="http://schemas.microsoft.com/office/drawing/2014/main" id="{FC1D5890-5309-474B-BE87-AC630E620104}"/>
+                  </a:ext>
+                </a:extLst>
+              </p:cNvPr>
+              <p:cNvSpPr txBox="1"/>
+              <p:nvPr/>
+            </p:nvSpPr>
+            <p:spPr>
+              <a:xfrm>
+                <a:off x="6641022" y="4590110"/>
+                <a:ext cx="1515479" cy="338554"/>
+              </a:xfrm>
+              <a:prstGeom prst="rect">
+                <a:avLst/>
+              </a:prstGeom>
+              <a:noFill/>
+            </p:spPr>
+            <p:txBody>
+              <a:bodyPr wrap="none" rtlCol="0">
+                <a:spAutoFit/>
+              </a:bodyPr>
+              <a:lstStyle/>
+              <a:p>
+                <a:r>
+                  <a:rPr lang="en-US" sz="1600" dirty="0">
+                    <a:latin typeface="Times New Roman" panose="02020603050405020304" pitchFamily="18" charset="0"/>
+                    <a:cs typeface="Times New Roman" panose="02020603050405020304" pitchFamily="18" charset="0"/>
+                  </a:rPr>
+                  <a:t>Repeat </a:t>
+                </a:r>
+                <a14:m>
+                  <m:oMath xmlns:m="http://schemas.openxmlformats.org/officeDocument/2006/math">
+                    <m:r>
+                      <a:rPr lang="en-US" sz="1600" b="0" i="1" smtClean="0">
+                        <a:latin typeface="Cambria Math" panose="02040503050406030204" pitchFamily="18" charset="0"/>
+                        <a:cs typeface="Times New Roman" panose="02020603050405020304" pitchFamily="18" charset="0"/>
+                      </a:rPr>
+                      <m:t>𝑛</m:t>
+                    </m:r>
+                  </m:oMath>
+                </a14:m>
+                <a:r>
+                  <a:rPr lang="en-US" sz="1600" dirty="0">
+                    <a:latin typeface="Times New Roman" panose="02020603050405020304" pitchFamily="18" charset="0"/>
+                    <a:cs typeface="Times New Roman" panose="02020603050405020304" pitchFamily="18" charset="0"/>
+                  </a:rPr>
+                  <a:t> blocks</a:t>
+                </a:r>
+              </a:p>
+            </p:txBody>
+          </p:sp>
+        </mc:Choice>
+        <mc:Fallback xmlns="">
+          <p:sp>
+            <p:nvSpPr>
+              <p:cNvPr id="312" name="TextBox 311">
+                <a:extLst>
+                  <a:ext uri="{FF2B5EF4-FFF2-40B4-BE49-F238E27FC236}">
+                    <a16:creationId xmlns:a16="http://schemas.microsoft.com/office/drawing/2014/main" id="{FC1D5890-5309-474B-BE87-AC630E620104}"/>
+                  </a:ext>
+                </a:extLst>
+              </p:cNvPr>
+              <p:cNvSpPr txBox="1">
+                <a:spLocks noRot="1" noChangeAspect="1" noMove="1" noResize="1" noEditPoints="1" noAdjustHandles="1" noChangeArrowheads="1" noChangeShapeType="1" noTextEdit="1"/>
+              </p:cNvSpPr>
+              <p:nvPr/>
+            </p:nvSpPr>
+            <p:spPr>
+              <a:xfrm>
+                <a:off x="6641022" y="4590110"/>
+                <a:ext cx="1515479" cy="338554"/>
+              </a:xfrm>
+              <a:prstGeom prst="rect">
+                <a:avLst/>
+              </a:prstGeom>
+              <a:blipFill>
+                <a:blip r:embed="rId10"/>
+                <a:stretch>
+                  <a:fillRect l="-1653" t="-3571" r="-826" b="-17857"/>
+                </a:stretch>
+              </a:blipFill>
+            </p:spPr>
+            <p:txBody>
+              <a:bodyPr/>
+              <a:lstStyle/>
+              <a:p>
+                <a:r>
+                  <a:rPr lang="en-US">
+                    <a:noFill/>
+                  </a:rPr>
+                  <a:t> </a:t>
+                </a:r>
+              </a:p>
+            </p:txBody>
+          </p:sp>
+        </mc:Fallback>
+      </mc:AlternateContent>
+      <p:sp>
+        <p:nvSpPr>
+          <p:cNvPr id="318" name="TextBox 317">
+            <a:extLst>
+              <a:ext uri="{FF2B5EF4-FFF2-40B4-BE49-F238E27FC236}">
+                <a16:creationId xmlns:a16="http://schemas.microsoft.com/office/drawing/2014/main" id="{D5654776-DE57-BC4B-B07C-F4E4825E9E62}"/>
+              </a:ext>
+            </a:extLst>
+          </p:cNvPr>
+          <p:cNvSpPr txBox="1"/>
+          <p:nvPr/>
+        </p:nvSpPr>
+        <p:spPr>
+          <a:xfrm>
+            <a:off x="8068356" y="5603809"/>
+            <a:ext cx="1526380" cy="584775"/>
+          </a:xfrm>
+          <a:prstGeom prst="rect">
+            <a:avLst/>
+          </a:prstGeom>
+          <a:noFill/>
+        </p:spPr>
+        <p:txBody>
+          <a:bodyPr wrap="none" rtlCol="0">
+            <a:spAutoFit/>
+          </a:bodyPr>
+          <a:lstStyle/>
+          <a:p>
+            <a:pPr algn="ctr"/>
+            <a:r>
+              <a:rPr lang="en-US" sz="1600" dirty="0">
+                <a:latin typeface="Times New Roman" panose="02020603050405020304" pitchFamily="18" charset="0"/>
+                <a:cs typeface="Times New Roman" panose="02020603050405020304" pitchFamily="18" charset="0"/>
+              </a:rPr>
+              <a:t>Shared Residual</a:t>
+            </a:r>
+          </a:p>
+          <a:p>
+            <a:pPr algn="ctr"/>
+            <a:r>
+              <a:rPr lang="en-US" sz="1600" dirty="0">
+                <a:latin typeface="Times New Roman" panose="02020603050405020304" pitchFamily="18" charset="0"/>
+                <a:cs typeface="Times New Roman" panose="02020603050405020304" pitchFamily="18" charset="0"/>
+              </a:rPr>
+              <a:t>MLP Blocks</a:t>
+            </a:r>
+          </a:p>
+        </p:txBody>
+      </p:sp>
+      <p:sp>
+        <p:nvSpPr>
+          <p:cNvPr id="319" name="TextBox 318">
+            <a:extLst>
+              <a:ext uri="{FF2B5EF4-FFF2-40B4-BE49-F238E27FC236}">
+                <a16:creationId xmlns:a16="http://schemas.microsoft.com/office/drawing/2014/main" id="{F8533405-17C9-734C-8ACA-9B7283B9369E}"/>
+              </a:ext>
+            </a:extLst>
+          </p:cNvPr>
+          <p:cNvSpPr txBox="1"/>
+          <p:nvPr/>
+        </p:nvSpPr>
+        <p:spPr>
+          <a:xfrm>
+            <a:off x="1040910" y="5952633"/>
+            <a:ext cx="3465631" cy="338554"/>
+          </a:xfrm>
+          <a:prstGeom prst="rect">
+            <a:avLst/>
+          </a:prstGeom>
+          <a:noFill/>
+        </p:spPr>
+        <p:txBody>
+          <a:bodyPr wrap="square" rtlCol="0">
+            <a:spAutoFit/>
+          </a:bodyPr>
+          <a:lstStyle/>
+          <a:p>
+            <a:pPr algn="ctr"/>
+            <a:r>
+              <a:rPr lang="en-US" sz="1600" dirty="0">
+                <a:latin typeface="Times New Roman" panose="02020603050405020304" pitchFamily="18" charset="0"/>
+                <a:cs typeface="Times New Roman" panose="02020603050405020304" pitchFamily="18" charset="0"/>
+              </a:rPr>
+              <a:t>Local Points Normalization</a:t>
+            </a:r>
+          </a:p>
+        </p:txBody>
+      </p:sp>
+      <p:sp>
+        <p:nvSpPr>
+          <p:cNvPr id="331" name="Oval 330">
+            <a:extLst>
+              <a:ext uri="{FF2B5EF4-FFF2-40B4-BE49-F238E27FC236}">
+                <a16:creationId xmlns:a16="http://schemas.microsoft.com/office/drawing/2014/main" id="{E8A660CD-ABAB-CB46-8444-6AC9DA587DE1}"/>
+              </a:ext>
+            </a:extLst>
+          </p:cNvPr>
+          <p:cNvSpPr/>
+          <p:nvPr/>
+        </p:nvSpPr>
+        <p:spPr>
+          <a:xfrm>
+            <a:off x="9896920" y="4667146"/>
+            <a:ext cx="137436" cy="128618"/>
+          </a:xfrm>
+          <a:prstGeom prst="ellipse">
+            <a:avLst/>
+          </a:prstGeom>
+        </p:spPr>
+        <p:style>
+          <a:lnRef idx="0">
+            <a:schemeClr val="accent6"/>
+          </a:lnRef>
+          <a:fillRef idx="3">
+            <a:schemeClr val="accent6"/>
+          </a:fillRef>
+          <a:effectRef idx="3">
+            <a:schemeClr val="accent6"/>
+          </a:effectRef>
+          <a:fontRef idx="minor">
+            <a:schemeClr val="lt1"/>
+          </a:fontRef>
+        </p:style>
+        <p:txBody>
+          <a:bodyPr rtlCol="0" anchor="ctr"/>
+          <a:lstStyle/>
+          <a:p>
+            <a:pPr algn="ctr"/>
+            <a:endParaRPr lang="en-US" sz="1600"/>
+          </a:p>
+        </p:txBody>
+      </p:sp>
+      <p:sp>
+        <p:nvSpPr>
+          <p:cNvPr id="332" name="5-Point Star 331">
+            <a:extLst>
+              <a:ext uri="{FF2B5EF4-FFF2-40B4-BE49-F238E27FC236}">
+                <a16:creationId xmlns:a16="http://schemas.microsoft.com/office/drawing/2014/main" id="{E20564E9-188D-CB46-A0B1-1B0BEB4790B0}"/>
+              </a:ext>
+            </a:extLst>
+          </p:cNvPr>
+          <p:cNvSpPr/>
+          <p:nvPr/>
+        </p:nvSpPr>
+        <p:spPr>
+          <a:xfrm>
+            <a:off x="9886760" y="4390974"/>
+            <a:ext cx="157440" cy="157033"/>
+          </a:xfrm>
+          <a:prstGeom prst="star5">
+            <a:avLst/>
+          </a:prstGeom>
+          <a:solidFill>
+            <a:srgbClr val="FF0000"/>
+          </a:solidFill>
+        </p:spPr>
+        <p:style>
+          <a:lnRef idx="0">
+            <a:schemeClr val="accent2"/>
+          </a:lnRef>
+          <a:fillRef idx="3">
+            <a:schemeClr val="accent2"/>
+          </a:fillRef>
+          <a:effectRef idx="3">
+            <a:schemeClr val="accent2"/>
+          </a:effectRef>
+          <a:fontRef idx="minor">
+            <a:schemeClr val="lt1"/>
+          </a:fontRef>
+        </p:style>
+        <p:txBody>
+          <a:bodyPr rtlCol="0" anchor="ctr"/>
+          <a:lstStyle/>
+          <a:p>
+            <a:pPr algn="ctr"/>
+            <a:endParaRPr lang="en-US" sz="1600"/>
+          </a:p>
+        </p:txBody>
+      </p:sp>
+      <p:sp>
+        <p:nvSpPr>
+          <p:cNvPr id="334" name="TextBox 333">
+            <a:extLst>
+              <a:ext uri="{FF2B5EF4-FFF2-40B4-BE49-F238E27FC236}">
+                <a16:creationId xmlns:a16="http://schemas.microsoft.com/office/drawing/2014/main" id="{2DB833C5-120F-2B45-9D21-C64A23FF6744}"/>
+              </a:ext>
+            </a:extLst>
+          </p:cNvPr>
+          <p:cNvSpPr txBox="1"/>
+          <p:nvPr/>
+        </p:nvSpPr>
+        <p:spPr>
+          <a:xfrm>
+            <a:off x="10280221" y="4288682"/>
+            <a:ext cx="1274708" cy="338554"/>
+          </a:xfrm>
+          <a:prstGeom prst="rect">
+            <a:avLst/>
+          </a:prstGeom>
+          <a:noFill/>
+        </p:spPr>
+        <p:txBody>
+          <a:bodyPr wrap="none" rtlCol="0">
+            <a:spAutoFit/>
+          </a:bodyPr>
+          <a:lstStyle/>
+          <a:p>
+            <a:pPr algn="ctr"/>
+            <a:r>
+              <a:rPr lang="en-US" sz="1600" dirty="0">
+                <a:latin typeface="Times New Roman" panose="02020603050405020304" pitchFamily="18" charset="0"/>
+                <a:cs typeface="Times New Roman" panose="02020603050405020304" pitchFamily="18" charset="0"/>
+              </a:rPr>
+              <a:t>Anchor point</a:t>
+            </a:r>
+          </a:p>
+        </p:txBody>
+      </p:sp>
+      <p:sp>
+        <p:nvSpPr>
+          <p:cNvPr id="335" name="TextBox 334">
+            <a:extLst>
+              <a:ext uri="{FF2B5EF4-FFF2-40B4-BE49-F238E27FC236}">
+                <a16:creationId xmlns:a16="http://schemas.microsoft.com/office/drawing/2014/main" id="{D5FB60C3-4648-5747-99A9-3A912E6FB2F1}"/>
+              </a:ext>
+            </a:extLst>
+          </p:cNvPr>
+          <p:cNvSpPr txBox="1"/>
+          <p:nvPr/>
+        </p:nvSpPr>
+        <p:spPr>
+          <a:xfrm>
+            <a:off x="10276840" y="4571868"/>
+            <a:ext cx="1435008" cy="338554"/>
+          </a:xfrm>
+          <a:prstGeom prst="rect">
+            <a:avLst/>
+          </a:prstGeom>
+          <a:noFill/>
+        </p:spPr>
+        <p:txBody>
+          <a:bodyPr wrap="none" rtlCol="0">
+            <a:spAutoFit/>
+          </a:bodyPr>
+          <a:lstStyle/>
+          <a:p>
+            <a:pPr algn="ctr"/>
+            <a:r>
+              <a:rPr lang="en-US" sz="1600" dirty="0">
+                <a:latin typeface="Times New Roman" panose="02020603050405020304" pitchFamily="18" charset="0"/>
+                <a:cs typeface="Times New Roman" panose="02020603050405020304" pitchFamily="18" charset="0"/>
+              </a:rPr>
+              <a:t>Neighbor point</a:t>
+            </a:r>
+          </a:p>
+        </p:txBody>
+      </p:sp>
+      <mc:AlternateContent xmlns:mc="http://schemas.openxmlformats.org/markup-compatibility/2006" xmlns:a14="http://schemas.microsoft.com/office/drawing/2010/main">
+        <mc:Choice Requires="a14">
+          <p:sp>
+            <p:nvSpPr>
+              <p:cNvPr id="337" name="Oval 336">
+                <a:extLst>
+                  <a:ext uri="{FF2B5EF4-FFF2-40B4-BE49-F238E27FC236}">
+                    <a16:creationId xmlns:a16="http://schemas.microsoft.com/office/drawing/2014/main" id="{E1DD1A53-C12F-AB42-BFF4-7FCE01B17880}"/>
+                  </a:ext>
+                </a:extLst>
+              </p:cNvPr>
+              <p:cNvSpPr/>
+              <p:nvPr/>
+            </p:nvSpPr>
+            <p:spPr>
+              <a:xfrm>
+                <a:off x="9866440" y="4970304"/>
+                <a:ext cx="201168" cy="201168"/>
+              </a:xfrm>
+              <a:prstGeom prst="ellipse">
+                <a:avLst/>
+              </a:prstGeom>
+              <a:noFill/>
+              <a:ln>
+                <a:solidFill>
+                  <a:schemeClr val="tx1"/>
+                </a:solidFill>
+              </a:ln>
+            </p:spPr>
+            <p:style>
+              <a:lnRef idx="2">
+                <a:schemeClr val="accent1">
+                  <a:shade val="50000"/>
+                </a:schemeClr>
+              </a:lnRef>
+              <a:fillRef idx="1">
+                <a:schemeClr val="accent1"/>
+              </a:fillRef>
+              <a:effectRef idx="0">
+                <a:schemeClr val="accent1"/>
+              </a:effectRef>
+              <a:fontRef idx="minor">
+                <a:schemeClr val="lt1"/>
+              </a:fontRef>
+            </p:style>
+            <p:txBody>
+              <a:bodyPr lIns="18288" rIns="0" rtlCol="0" anchor="ctr"/>
+              <a:lstStyle/>
+              <a:p>
+                <a:pPr algn="ctr"/>
+                <a14:m>
+                  <m:oMathPara xmlns:m="http://schemas.openxmlformats.org/officeDocument/2006/math">
+                    <m:oMathParaPr>
+                      <m:jc m:val="centerGroup"/>
+                    </m:oMathParaPr>
+                    <m:oMath xmlns:m="http://schemas.openxmlformats.org/officeDocument/2006/math">
+                      <m:r>
+                        <a:rPr lang="en-US" sz="1400" i="1" smtClean="0">
+                          <a:solidFill>
+                            <a:schemeClr val="tx1"/>
+                          </a:solidFill>
+                          <a:latin typeface="Cambria Math" panose="02040503050406030204" pitchFamily="18" charset="0"/>
+                          <a:ea typeface="Cambria Math" panose="02040503050406030204" pitchFamily="18" charset="0"/>
+                        </a:rPr>
+                        <m:t>𝒜</m:t>
+                      </m:r>
+                    </m:oMath>
+                  </m:oMathPara>
+                </a14:m>
+                <a:endParaRPr lang="en-US" sz="1400" dirty="0">
+                  <a:solidFill>
+                    <a:schemeClr val="tx1"/>
+                  </a:solidFill>
+                </a:endParaRPr>
+              </a:p>
+            </p:txBody>
+          </p:sp>
+        </mc:Choice>
+        <mc:Fallback xmlns="">
+          <p:sp>
+            <p:nvSpPr>
+              <p:cNvPr id="337" name="Oval 336">
+                <a:extLst>
+                  <a:ext uri="{FF2B5EF4-FFF2-40B4-BE49-F238E27FC236}">
+                    <a16:creationId xmlns:a16="http://schemas.microsoft.com/office/drawing/2014/main" id="{E1DD1A53-C12F-AB42-BFF4-7FCE01B17880}"/>
+                  </a:ext>
+                </a:extLst>
+              </p:cNvPr>
+              <p:cNvSpPr>
+                <a:spLocks noRot="1" noChangeAspect="1" noMove="1" noResize="1" noEditPoints="1" noAdjustHandles="1" noChangeArrowheads="1" noChangeShapeType="1" noTextEdit="1"/>
+              </p:cNvSpPr>
+              <p:nvPr/>
+            </p:nvSpPr>
+            <p:spPr>
+              <a:xfrm>
+                <a:off x="9866440" y="4970304"/>
+                <a:ext cx="201168" cy="201168"/>
+              </a:xfrm>
+              <a:prstGeom prst="ellipse">
+                <a:avLst/>
+              </a:prstGeom>
+              <a:blipFill>
+                <a:blip r:embed="rId11"/>
+                <a:stretch>
+                  <a:fillRect l="-22222" r="-5556" b="-5556"/>
+                </a:stretch>
+              </a:blipFill>
+              <a:ln>
+                <a:solidFill>
+                  <a:schemeClr val="tx1"/>
+                </a:solidFill>
+              </a:ln>
+            </p:spPr>
+            <p:txBody>
+              <a:bodyPr/>
+              <a:lstStyle/>
+              <a:p>
+                <a:r>
+                  <a:rPr lang="en-US">
+                    <a:noFill/>
+                  </a:rPr>
+                  <a:t> </a:t>
+                </a:r>
+              </a:p>
+            </p:txBody>
+          </p:sp>
+        </mc:Fallback>
+      </mc:AlternateContent>
+      <p:sp>
+        <p:nvSpPr>
+          <p:cNvPr id="339" name="TextBox 338">
+            <a:extLst>
+              <a:ext uri="{FF2B5EF4-FFF2-40B4-BE49-F238E27FC236}">
+                <a16:creationId xmlns:a16="http://schemas.microsoft.com/office/drawing/2014/main" id="{6CFAE7BB-182F-9249-A292-75E8A7465D3D}"/>
+              </a:ext>
+            </a:extLst>
+          </p:cNvPr>
+          <p:cNvSpPr txBox="1"/>
+          <p:nvPr/>
+        </p:nvSpPr>
+        <p:spPr>
+          <a:xfrm>
+            <a:off x="10253738" y="4897494"/>
+            <a:ext cx="1212191" cy="338554"/>
+          </a:xfrm>
+          <a:prstGeom prst="rect">
+            <a:avLst/>
+          </a:prstGeom>
+          <a:noFill/>
+        </p:spPr>
+        <p:txBody>
+          <a:bodyPr wrap="none" rtlCol="0">
+            <a:spAutoFit/>
+          </a:bodyPr>
+          <a:lstStyle/>
+          <a:p>
+            <a:pPr algn="ctr"/>
+            <a:r>
+              <a:rPr lang="en-US" sz="1600" dirty="0">
+                <a:latin typeface="Times New Roman" panose="02020603050405020304" pitchFamily="18" charset="0"/>
+                <a:cs typeface="Times New Roman" panose="02020603050405020304" pitchFamily="18" charset="0"/>
+              </a:rPr>
+              <a:t>Aggregation</a:t>
+            </a:r>
+          </a:p>
+        </p:txBody>
+      </p:sp>
+      <p:sp>
+        <p:nvSpPr>
+          <p:cNvPr id="340" name="Or 339">
+            <a:extLst>
+              <a:ext uri="{FF2B5EF4-FFF2-40B4-BE49-F238E27FC236}">
+                <a16:creationId xmlns:a16="http://schemas.microsoft.com/office/drawing/2014/main" id="{5B6F96A2-B029-BE40-AFF0-72B44BA25BCC}"/>
+              </a:ext>
+            </a:extLst>
+          </p:cNvPr>
+          <p:cNvSpPr/>
+          <p:nvPr/>
+        </p:nvSpPr>
+        <p:spPr>
+          <a:xfrm>
+            <a:off x="9856280" y="5317004"/>
+            <a:ext cx="201168" cy="201168"/>
+          </a:xfrm>
+          <a:prstGeom prst="flowChartOr">
+            <a:avLst/>
+          </a:prstGeom>
+          <a:noFill/>
+          <a:ln>
+            <a:solidFill>
+              <a:schemeClr val="tx1"/>
+            </a:solidFill>
+          </a:ln>
+        </p:spPr>
+        <p:style>
+          <a:lnRef idx="2">
+            <a:schemeClr val="accent1">
+              <a:shade val="50000"/>
+            </a:schemeClr>
+          </a:lnRef>
+          <a:fillRef idx="1">
+            <a:schemeClr val="accent1"/>
+          </a:fillRef>
+          <a:effectRef idx="0">
+            <a:schemeClr val="accent1"/>
+          </a:effectRef>
+          <a:fontRef idx="minor">
+            <a:schemeClr val="lt1"/>
+          </a:fontRef>
+        </p:style>
+        <p:txBody>
+          <a:bodyPr rtlCol="0" anchor="ctr"/>
+          <a:lstStyle/>
+          <a:p>
+            <a:pPr algn="ctr"/>
+            <a:endParaRPr lang="en-US" sz="1600"/>
+          </a:p>
+        </p:txBody>
+      </p:sp>
+      <p:sp>
+        <p:nvSpPr>
+          <p:cNvPr id="346" name="TextBox 345">
+            <a:extLst>
+              <a:ext uri="{FF2B5EF4-FFF2-40B4-BE49-F238E27FC236}">
+                <a16:creationId xmlns:a16="http://schemas.microsoft.com/office/drawing/2014/main" id="{C8C609A9-3C52-D649-A276-2209DBDD3A15}"/>
+              </a:ext>
+            </a:extLst>
+          </p:cNvPr>
+          <p:cNvSpPr txBox="1"/>
+          <p:nvPr/>
+        </p:nvSpPr>
+        <p:spPr>
+          <a:xfrm>
+            <a:off x="10258709" y="5240795"/>
+            <a:ext cx="1837361" cy="338554"/>
+          </a:xfrm>
+          <a:prstGeom prst="rect">
+            <a:avLst/>
+          </a:prstGeom>
+          <a:noFill/>
+        </p:spPr>
+        <p:txBody>
+          <a:bodyPr wrap="none" rtlCol="0">
+            <a:spAutoFit/>
+          </a:bodyPr>
+          <a:lstStyle/>
+          <a:p>
+            <a:pPr algn="ctr"/>
+            <a:r>
+              <a:rPr lang="en-US" sz="1600" dirty="0">
+                <a:latin typeface="Times New Roman" panose="02020603050405020304" pitchFamily="18" charset="0"/>
+                <a:cs typeface="Times New Roman" panose="02020603050405020304" pitchFamily="18" charset="0"/>
+              </a:rPr>
+              <a:t>Element summation</a:t>
+            </a:r>
+          </a:p>
+        </p:txBody>
+      </p:sp>
+      <p:sp>
+        <p:nvSpPr>
+          <p:cNvPr id="348" name="TextBox 347">
+            <a:extLst>
+              <a:ext uri="{FF2B5EF4-FFF2-40B4-BE49-F238E27FC236}">
+                <a16:creationId xmlns:a16="http://schemas.microsoft.com/office/drawing/2014/main" id="{99CEBBE5-BAB9-E948-B995-A6E0ADE7E759}"/>
+              </a:ext>
+            </a:extLst>
+          </p:cNvPr>
+          <p:cNvSpPr txBox="1"/>
+          <p:nvPr/>
+        </p:nvSpPr>
+        <p:spPr>
+          <a:xfrm>
+            <a:off x="9744663" y="5584727"/>
+            <a:ext cx="434734" cy="338554"/>
+          </a:xfrm>
+          <a:prstGeom prst="rect">
+            <a:avLst/>
+          </a:prstGeom>
+          <a:noFill/>
+        </p:spPr>
+        <p:txBody>
+          <a:bodyPr wrap="none" rtlCol="0">
+            <a:spAutoFit/>
+          </a:bodyPr>
+          <a:lstStyle/>
+          <a:p>
+            <a:pPr algn="ctr"/>
+            <a:r>
+              <a:rPr lang="en-US" sz="1600" dirty="0">
+                <a:latin typeface="Times New Roman" panose="02020603050405020304" pitchFamily="18" charset="0"/>
+                <a:cs typeface="Times New Roman" panose="02020603050405020304" pitchFamily="18" charset="0"/>
+              </a:rPr>
+              <a:t>FC</a:t>
+            </a:r>
+          </a:p>
+        </p:txBody>
+      </p:sp>
+      <p:sp>
+        <p:nvSpPr>
+          <p:cNvPr id="349" name="TextBox 348">
+            <a:extLst>
+              <a:ext uri="{FF2B5EF4-FFF2-40B4-BE49-F238E27FC236}">
+                <a16:creationId xmlns:a16="http://schemas.microsoft.com/office/drawing/2014/main" id="{0F529D4F-9156-FC4B-8626-129890906AE2}"/>
+              </a:ext>
+            </a:extLst>
+          </p:cNvPr>
+          <p:cNvSpPr txBox="1"/>
+          <p:nvPr/>
+        </p:nvSpPr>
+        <p:spPr>
+          <a:xfrm>
+            <a:off x="9722665" y="5895092"/>
+            <a:ext cx="468398" cy="338554"/>
+          </a:xfrm>
+          <a:prstGeom prst="rect">
+            <a:avLst/>
+          </a:prstGeom>
+          <a:noFill/>
+        </p:spPr>
+        <p:txBody>
+          <a:bodyPr wrap="none" rtlCol="0">
+            <a:spAutoFit/>
+          </a:bodyPr>
+          <a:lstStyle/>
+          <a:p>
+            <a:pPr algn="ctr"/>
+            <a:r>
+              <a:rPr lang="en-US" sz="1600" dirty="0">
+                <a:latin typeface="Times New Roman" panose="02020603050405020304" pitchFamily="18" charset="0"/>
+                <a:cs typeface="Times New Roman" panose="02020603050405020304" pitchFamily="18" charset="0"/>
+              </a:rPr>
+              <a:t>BN</a:t>
+            </a:r>
+          </a:p>
+        </p:txBody>
+      </p:sp>
+      <mc:AlternateContent xmlns:mc="http://schemas.openxmlformats.org/markup-compatibility/2006" xmlns:a14="http://schemas.microsoft.com/office/drawing/2010/main">
+        <mc:Choice Requires="a14">
+          <p:sp>
+            <p:nvSpPr>
+              <p:cNvPr id="264" name="Rectangle 263">
+                <a:extLst>
+                  <a:ext uri="{FF2B5EF4-FFF2-40B4-BE49-F238E27FC236}">
+                    <a16:creationId xmlns:a16="http://schemas.microsoft.com/office/drawing/2014/main" id="{0F4737BE-BABB-644B-9186-040316591198}"/>
+                  </a:ext>
+                </a:extLst>
+              </p:cNvPr>
+              <p:cNvSpPr/>
+              <p:nvPr/>
+            </p:nvSpPr>
+            <p:spPr>
+              <a:xfrm>
+                <a:off x="9804796" y="6160821"/>
+                <a:ext cx="382669" cy="369332"/>
+              </a:xfrm>
+              <a:prstGeom prst="rect">
+                <a:avLst/>
+              </a:prstGeom>
+            </p:spPr>
+            <p:txBody>
+              <a:bodyPr wrap="none">
+                <a:spAutoFit/>
+              </a:bodyPr>
+              <a:lstStyle/>
+              <a:p>
+                <a:pPr algn="ctr"/>
+                <a14:m>
+                  <m:oMathPara xmlns:m="http://schemas.openxmlformats.org/officeDocument/2006/math">
+                    <m:oMathParaPr>
+                      <m:jc m:val="centerGroup"/>
+                    </m:oMathParaPr>
+                    <m:oMath xmlns:m="http://schemas.openxmlformats.org/officeDocument/2006/math">
+                      <m:r>
+                        <a:rPr lang="en-US" i="1">
+                          <a:latin typeface="Cambria Math" panose="02040503050406030204" pitchFamily="18" charset="0"/>
+                          <a:ea typeface="Cambria Math" panose="02040503050406030204" pitchFamily="18" charset="0"/>
+                          <a:cs typeface="Times New Roman" panose="02020603050405020304" pitchFamily="18" charset="0"/>
+                        </a:rPr>
+                        <m:t>𝜎</m:t>
+                      </m:r>
+                    </m:oMath>
+                  </m:oMathPara>
+                </a14:m>
+                <a:endParaRPr lang="en-US" dirty="0">
+                  <a:latin typeface="Times New Roman" panose="02020603050405020304" pitchFamily="18" charset="0"/>
+                  <a:cs typeface="Times New Roman" panose="02020603050405020304" pitchFamily="18" charset="0"/>
+                </a:endParaRPr>
+              </a:p>
+            </p:txBody>
+          </p:sp>
+        </mc:Choice>
+        <mc:Fallback xmlns="">
+          <p:sp>
+            <p:nvSpPr>
+              <p:cNvPr id="264" name="Rectangle 263">
+                <a:extLst>
+                  <a:ext uri="{FF2B5EF4-FFF2-40B4-BE49-F238E27FC236}">
+                    <a16:creationId xmlns:a16="http://schemas.microsoft.com/office/drawing/2014/main" id="{0F4737BE-BABB-644B-9186-040316591198}"/>
+                  </a:ext>
+                </a:extLst>
+              </p:cNvPr>
+              <p:cNvSpPr>
+                <a:spLocks noRot="1" noChangeAspect="1" noMove="1" noResize="1" noEditPoints="1" noAdjustHandles="1" noChangeArrowheads="1" noChangeShapeType="1" noTextEdit="1"/>
+              </p:cNvSpPr>
+              <p:nvPr/>
+            </p:nvSpPr>
+            <p:spPr>
+              <a:xfrm>
+                <a:off x="9804796" y="6160821"/>
+                <a:ext cx="382669" cy="369332"/>
+              </a:xfrm>
+              <a:prstGeom prst="rect">
+                <a:avLst/>
+              </a:prstGeom>
+              <a:blipFill>
+                <a:blip r:embed="rId12"/>
+                <a:stretch>
+                  <a:fillRect/>
+                </a:stretch>
+              </a:blipFill>
+            </p:spPr>
+            <p:txBody>
+              <a:bodyPr/>
+              <a:lstStyle/>
+              <a:p>
+                <a:r>
+                  <a:rPr lang="en-US">
+                    <a:noFill/>
+                  </a:rPr>
+                  <a:t> </a:t>
+                </a:r>
+              </a:p>
+            </p:txBody>
+          </p:sp>
+        </mc:Fallback>
+      </mc:AlternateContent>
+      <p:sp>
+        <p:nvSpPr>
+          <p:cNvPr id="357" name="TextBox 356">
+            <a:extLst>
+              <a:ext uri="{FF2B5EF4-FFF2-40B4-BE49-F238E27FC236}">
+                <a16:creationId xmlns:a16="http://schemas.microsoft.com/office/drawing/2014/main" id="{12943BB3-8B80-6D4E-A214-DDA77D0DE91C}"/>
+              </a:ext>
+            </a:extLst>
+          </p:cNvPr>
+          <p:cNvSpPr txBox="1"/>
+          <p:nvPr/>
+        </p:nvSpPr>
+        <p:spPr>
+          <a:xfrm>
+            <a:off x="10257976" y="5582624"/>
+            <a:ext cx="1635384" cy="338554"/>
+          </a:xfrm>
+          <a:prstGeom prst="rect">
+            <a:avLst/>
+          </a:prstGeom>
+          <a:noFill/>
+        </p:spPr>
+        <p:txBody>
+          <a:bodyPr wrap="none" rtlCol="0">
+            <a:spAutoFit/>
+          </a:bodyPr>
+          <a:lstStyle/>
+          <a:p>
+            <a:pPr algn="ctr"/>
+            <a:r>
+              <a:rPr lang="en-US" sz="1600" dirty="0">
+                <a:latin typeface="Times New Roman" panose="02020603050405020304" pitchFamily="18" charset="0"/>
+                <a:cs typeface="Times New Roman" panose="02020603050405020304" pitchFamily="18" charset="0"/>
+              </a:rPr>
+              <a:t>Fully-Connection</a:t>
+            </a:r>
+          </a:p>
+        </p:txBody>
+      </p:sp>
+      <p:sp>
+        <p:nvSpPr>
+          <p:cNvPr id="358" name="TextBox 357">
+            <a:extLst>
+              <a:ext uri="{FF2B5EF4-FFF2-40B4-BE49-F238E27FC236}">
+                <a16:creationId xmlns:a16="http://schemas.microsoft.com/office/drawing/2014/main" id="{05988C13-80F3-EE43-A4AD-AFD3A54FBE94}"/>
+              </a:ext>
+            </a:extLst>
+          </p:cNvPr>
+          <p:cNvSpPr txBox="1"/>
+          <p:nvPr/>
+        </p:nvSpPr>
+        <p:spPr>
+          <a:xfrm>
+            <a:off x="10253738" y="5895092"/>
+            <a:ext cx="1922321" cy="338554"/>
+          </a:xfrm>
+          <a:prstGeom prst="rect">
+            <a:avLst/>
+          </a:prstGeom>
+          <a:noFill/>
+        </p:spPr>
+        <p:txBody>
+          <a:bodyPr wrap="none" rtlCol="0">
+            <a:spAutoFit/>
+          </a:bodyPr>
+          <a:lstStyle/>
+          <a:p>
+            <a:pPr algn="ctr"/>
+            <a:r>
+              <a:rPr lang="en-US" sz="1600" dirty="0">
+                <a:latin typeface="Times New Roman" panose="02020603050405020304" pitchFamily="18" charset="0"/>
+                <a:cs typeface="Times New Roman" panose="02020603050405020304" pitchFamily="18" charset="0"/>
+              </a:rPr>
+              <a:t>Batch-Normalization</a:t>
+            </a:r>
+          </a:p>
+        </p:txBody>
+      </p:sp>
+      <p:sp>
+        <p:nvSpPr>
+          <p:cNvPr id="359" name="TextBox 358">
+            <a:extLst>
+              <a:ext uri="{FF2B5EF4-FFF2-40B4-BE49-F238E27FC236}">
+                <a16:creationId xmlns:a16="http://schemas.microsoft.com/office/drawing/2014/main" id="{524E7D68-3BD7-1549-BE1C-742A95AF79E3}"/>
+              </a:ext>
+            </a:extLst>
+          </p:cNvPr>
+          <p:cNvSpPr txBox="1"/>
+          <p:nvPr/>
+        </p:nvSpPr>
+        <p:spPr>
+          <a:xfrm>
+            <a:off x="10257976" y="6162571"/>
+            <a:ext cx="1053495" cy="338554"/>
+          </a:xfrm>
+          <a:prstGeom prst="rect">
+            <a:avLst/>
+          </a:prstGeom>
+          <a:noFill/>
+        </p:spPr>
+        <p:txBody>
+          <a:bodyPr wrap="none" rtlCol="0">
+            <a:spAutoFit/>
+          </a:bodyPr>
+          <a:lstStyle/>
+          <a:p>
+            <a:pPr algn="ctr"/>
+            <a:r>
+              <a:rPr lang="en-US" sz="1600" dirty="0">
+                <a:latin typeface="Times New Roman" panose="02020603050405020304" pitchFamily="18" charset="0"/>
+                <a:cs typeface="Times New Roman" panose="02020603050405020304" pitchFamily="18" charset="0"/>
+              </a:rPr>
+              <a:t>Activation</a:t>
+            </a:r>
+          </a:p>
+        </p:txBody>
+      </p:sp>
+      <mc:AlternateContent xmlns:mc="http://schemas.openxmlformats.org/markup-compatibility/2006" xmlns:a14="http://schemas.microsoft.com/office/drawing/2010/main">
+        <mc:Choice Requires="a14">
+          <p:sp>
+            <p:nvSpPr>
+              <p:cNvPr id="276" name="TextBox 275">
+                <a:extLst>
+                  <a:ext uri="{FF2B5EF4-FFF2-40B4-BE49-F238E27FC236}">
+                    <a16:creationId xmlns:a16="http://schemas.microsoft.com/office/drawing/2014/main" id="{77972FF4-2E80-E74A-83A8-3609D57974B9}"/>
+                  </a:ext>
+                </a:extLst>
+              </p:cNvPr>
+              <p:cNvSpPr txBox="1"/>
+              <p:nvPr/>
+            </p:nvSpPr>
+            <p:spPr>
+              <a:xfrm>
+                <a:off x="4643922" y="2858909"/>
+                <a:ext cx="141705" cy="215444"/>
+              </a:xfrm>
+              <a:prstGeom prst="rect">
+                <a:avLst/>
+              </a:prstGeom>
+              <a:noFill/>
+            </p:spPr>
+            <p:txBody>
+              <a:bodyPr wrap="none" lIns="0" tIns="0" rIns="0" bIns="0" rtlCol="0">
+                <a:spAutoFit/>
+              </a:bodyPr>
+              <a:lstStyle/>
+              <a:p>
+                <a:pPr/>
+                <a14:m>
+                  <m:oMathPara xmlns:m="http://schemas.openxmlformats.org/officeDocument/2006/math">
+                    <m:oMathParaPr>
+                      <m:jc m:val="centerGroup"/>
+                    </m:oMathParaPr>
+                    <m:oMath xmlns:m="http://schemas.openxmlformats.org/officeDocument/2006/math">
+                      <m:r>
+                        <a:rPr lang="en-US" sz="1400" b="0" i="1" smtClean="0">
+                          <a:latin typeface="Cambria Math" panose="02040503050406030204" pitchFamily="18" charset="0"/>
+                        </a:rPr>
+                        <m:t>𝑥</m:t>
+                      </m:r>
+                    </m:oMath>
+                  </m:oMathPara>
+                </a14:m>
+                <a:endParaRPr lang="en-US" sz="1400" dirty="0"/>
+              </a:p>
+            </p:txBody>
+          </p:sp>
+        </mc:Choice>
+        <mc:Fallback xmlns="">
+          <p:sp>
+            <p:nvSpPr>
+              <p:cNvPr id="276" name="TextBox 275">
+                <a:extLst>
+                  <a:ext uri="{FF2B5EF4-FFF2-40B4-BE49-F238E27FC236}">
+                    <a16:creationId xmlns:a16="http://schemas.microsoft.com/office/drawing/2014/main" id="{77972FF4-2E80-E74A-83A8-3609D57974B9}"/>
+                  </a:ext>
+                </a:extLst>
+              </p:cNvPr>
+              <p:cNvSpPr txBox="1">
+                <a:spLocks noRot="1" noChangeAspect="1" noMove="1" noResize="1" noEditPoints="1" noAdjustHandles="1" noChangeArrowheads="1" noChangeShapeType="1" noTextEdit="1"/>
+              </p:cNvSpPr>
+              <p:nvPr/>
+            </p:nvSpPr>
+            <p:spPr>
+              <a:xfrm>
+                <a:off x="4643922" y="2858909"/>
+                <a:ext cx="141705" cy="215444"/>
+              </a:xfrm>
+              <a:prstGeom prst="rect">
+                <a:avLst/>
+              </a:prstGeom>
+              <a:blipFill>
+                <a:blip r:embed="rId13"/>
+                <a:stretch>
+                  <a:fillRect l="-16667" r="-16667"/>
+                </a:stretch>
+              </a:blipFill>
+            </p:spPr>
+            <p:txBody>
+              <a:bodyPr/>
+              <a:lstStyle/>
+              <a:p>
+                <a:r>
+                  <a:rPr lang="en-US">
+                    <a:noFill/>
+                  </a:rPr>
+                  <a:t> </a:t>
+                </a:r>
+              </a:p>
+            </p:txBody>
+          </p:sp>
+        </mc:Fallback>
+      </mc:AlternateContent>
+      <mc:AlternateContent xmlns:mc="http://schemas.openxmlformats.org/markup-compatibility/2006" xmlns:a14="http://schemas.microsoft.com/office/drawing/2010/main">
+        <mc:Choice Requires="a14">
+          <p:sp>
+            <p:nvSpPr>
+              <p:cNvPr id="363" name="TextBox 362">
+                <a:extLst>
+                  <a:ext uri="{FF2B5EF4-FFF2-40B4-BE49-F238E27FC236}">
+                    <a16:creationId xmlns:a16="http://schemas.microsoft.com/office/drawing/2014/main" id="{19BC8A65-22A2-6241-B843-A979904F7A32}"/>
+                  </a:ext>
+                </a:extLst>
+              </p:cNvPr>
+              <p:cNvSpPr txBox="1"/>
+              <p:nvPr/>
+            </p:nvSpPr>
+            <p:spPr>
+              <a:xfrm>
+                <a:off x="4599423" y="2186716"/>
+                <a:ext cx="144142" cy="215444"/>
+              </a:xfrm>
+              <a:prstGeom prst="rect">
+                <a:avLst/>
+              </a:prstGeom>
+              <a:noFill/>
+            </p:spPr>
+            <p:txBody>
+              <a:bodyPr wrap="none" lIns="0" tIns="0" rIns="0" bIns="0" rtlCol="0">
+                <a:spAutoFit/>
+              </a:bodyPr>
+              <a:lstStyle/>
+              <a:p>
+                <a:pPr/>
+                <a14:m>
+                  <m:oMathPara xmlns:m="http://schemas.openxmlformats.org/officeDocument/2006/math">
+                    <m:oMathParaPr>
+                      <m:jc m:val="centerGroup"/>
+                    </m:oMathParaPr>
+                    <m:oMath xmlns:m="http://schemas.openxmlformats.org/officeDocument/2006/math">
+                      <m:r>
+                        <a:rPr lang="en-US" sz="1400" b="0" i="1" smtClean="0">
+                          <a:latin typeface="Cambria Math" panose="02040503050406030204" pitchFamily="18" charset="0"/>
+                        </a:rPr>
+                        <m:t>𝑦</m:t>
+                      </m:r>
+                    </m:oMath>
+                  </m:oMathPara>
+                </a14:m>
+                <a:endParaRPr lang="en-US" sz="1400" dirty="0"/>
+              </a:p>
+            </p:txBody>
+          </p:sp>
+        </mc:Choice>
+        <mc:Fallback xmlns="">
+          <p:sp>
+            <p:nvSpPr>
+              <p:cNvPr id="363" name="TextBox 362">
+                <a:extLst>
+                  <a:ext uri="{FF2B5EF4-FFF2-40B4-BE49-F238E27FC236}">
+                    <a16:creationId xmlns:a16="http://schemas.microsoft.com/office/drawing/2014/main" id="{19BC8A65-22A2-6241-B843-A979904F7A32}"/>
+                  </a:ext>
+                </a:extLst>
+              </p:cNvPr>
+              <p:cNvSpPr txBox="1">
+                <a:spLocks noRot="1" noChangeAspect="1" noMove="1" noResize="1" noEditPoints="1" noAdjustHandles="1" noChangeArrowheads="1" noChangeShapeType="1" noTextEdit="1"/>
+              </p:cNvSpPr>
+              <p:nvPr/>
+            </p:nvSpPr>
+            <p:spPr>
+              <a:xfrm>
+                <a:off x="4599423" y="2186716"/>
+                <a:ext cx="144142" cy="215444"/>
+              </a:xfrm>
+              <a:prstGeom prst="rect">
+                <a:avLst/>
+              </a:prstGeom>
+              <a:blipFill>
+                <a:blip r:embed="rId14"/>
+                <a:stretch>
+                  <a:fillRect l="-23077" r="-23077" b="-22222"/>
+                </a:stretch>
+              </a:blipFill>
+            </p:spPr>
+            <p:txBody>
+              <a:bodyPr/>
+              <a:lstStyle/>
+              <a:p>
+                <a:r>
+                  <a:rPr lang="en-US">
+                    <a:noFill/>
+                  </a:rPr>
+                  <a:t> </a:t>
+                </a:r>
+              </a:p>
+            </p:txBody>
+          </p:sp>
+        </mc:Fallback>
+      </mc:AlternateContent>
+      <mc:AlternateContent xmlns:mc="http://schemas.openxmlformats.org/markup-compatibility/2006" xmlns:a14="http://schemas.microsoft.com/office/drawing/2010/main">
+        <mc:Choice Requires="a14">
+          <p:sp>
+            <p:nvSpPr>
+              <p:cNvPr id="364" name="TextBox 363">
+                <a:extLst>
+                  <a:ext uri="{FF2B5EF4-FFF2-40B4-BE49-F238E27FC236}">
+                    <a16:creationId xmlns:a16="http://schemas.microsoft.com/office/drawing/2014/main" id="{3519EB30-B61B-BF4C-A835-F39223002233}"/>
+                  </a:ext>
+                </a:extLst>
+              </p:cNvPr>
+              <p:cNvSpPr txBox="1"/>
+              <p:nvPr/>
+            </p:nvSpPr>
+            <p:spPr>
+              <a:xfrm>
+                <a:off x="3725162" y="1597980"/>
+                <a:ext cx="129714" cy="215444"/>
+              </a:xfrm>
+              <a:prstGeom prst="rect">
+                <a:avLst/>
+              </a:prstGeom>
+              <a:noFill/>
+            </p:spPr>
+            <p:txBody>
+              <a:bodyPr wrap="none" lIns="0" tIns="0" rIns="0" bIns="0" rtlCol="0">
+                <a:spAutoFit/>
+              </a:bodyPr>
+              <a:lstStyle/>
+              <a:p>
+                <a:pPr/>
+                <a14:m>
+                  <m:oMathPara xmlns:m="http://schemas.openxmlformats.org/officeDocument/2006/math">
+                    <m:oMathParaPr>
+                      <m:jc m:val="centerGroup"/>
+                    </m:oMathParaPr>
+                    <m:oMath xmlns:m="http://schemas.openxmlformats.org/officeDocument/2006/math">
+                      <m:r>
+                        <a:rPr lang="en-US" sz="1400" b="0" i="1" smtClean="0">
+                          <a:latin typeface="Cambria Math" panose="02040503050406030204" pitchFamily="18" charset="0"/>
+                        </a:rPr>
+                        <m:t>𝑧</m:t>
+                      </m:r>
+                    </m:oMath>
+                  </m:oMathPara>
+                </a14:m>
+                <a:endParaRPr lang="en-US" sz="1400" dirty="0"/>
+              </a:p>
+            </p:txBody>
+          </p:sp>
+        </mc:Choice>
+        <mc:Fallback xmlns="">
+          <p:sp>
+            <p:nvSpPr>
+              <p:cNvPr id="364" name="TextBox 363">
+                <a:extLst>
+                  <a:ext uri="{FF2B5EF4-FFF2-40B4-BE49-F238E27FC236}">
+                    <a16:creationId xmlns:a16="http://schemas.microsoft.com/office/drawing/2014/main" id="{3519EB30-B61B-BF4C-A835-F39223002233}"/>
+                  </a:ext>
+                </a:extLst>
+              </p:cNvPr>
+              <p:cNvSpPr txBox="1">
+                <a:spLocks noRot="1" noChangeAspect="1" noMove="1" noResize="1" noEditPoints="1" noAdjustHandles="1" noChangeArrowheads="1" noChangeShapeType="1" noTextEdit="1"/>
+              </p:cNvSpPr>
+              <p:nvPr/>
+            </p:nvSpPr>
+            <p:spPr>
+              <a:xfrm>
+                <a:off x="3725162" y="1597980"/>
+                <a:ext cx="129714" cy="215444"/>
+              </a:xfrm>
+              <a:prstGeom prst="rect">
+                <a:avLst/>
+              </a:prstGeom>
+              <a:blipFill>
+                <a:blip r:embed="rId15"/>
+                <a:stretch>
+                  <a:fillRect l="-18182" r="-18182"/>
+                </a:stretch>
+              </a:blipFill>
+            </p:spPr>
+            <p:txBody>
+              <a:bodyPr/>
+              <a:lstStyle/>
+              <a:p>
+                <a:r>
+                  <a:rPr lang="en-US">
+                    <a:noFill/>
+                  </a:rPr>
+                  <a:t> </a:t>
+                </a:r>
+              </a:p>
+            </p:txBody>
+          </p:sp>
+        </mc:Fallback>
+      </mc:AlternateContent>
+      <mc:AlternateContent xmlns:mc="http://schemas.openxmlformats.org/markup-compatibility/2006" xmlns:a14="http://schemas.microsoft.com/office/drawing/2010/main">
+        <mc:Choice Requires="a14">
+          <p:sp>
+            <p:nvSpPr>
+              <p:cNvPr id="365" name="TextBox 364">
+                <a:extLst>
+                  <a:ext uri="{FF2B5EF4-FFF2-40B4-BE49-F238E27FC236}">
+                    <a16:creationId xmlns:a16="http://schemas.microsoft.com/office/drawing/2014/main" id="{B6EAB3AE-D898-8D42-BEB8-AB8EFCA65106}"/>
+                  </a:ext>
+                </a:extLst>
+              </p:cNvPr>
+              <p:cNvSpPr txBox="1"/>
+              <p:nvPr/>
+            </p:nvSpPr>
+            <p:spPr>
+              <a:xfrm>
+                <a:off x="7335884" y="2820009"/>
+                <a:ext cx="141705" cy="215444"/>
+              </a:xfrm>
+              <a:prstGeom prst="rect">
+                <a:avLst/>
+              </a:prstGeom>
+              <a:noFill/>
+            </p:spPr>
+            <p:txBody>
+              <a:bodyPr wrap="none" lIns="0" tIns="0" rIns="0" bIns="0" rtlCol="0">
+                <a:spAutoFit/>
+              </a:bodyPr>
+              <a:lstStyle/>
+              <a:p>
+                <a:pPr/>
+                <a14:m>
+                  <m:oMathPara xmlns:m="http://schemas.openxmlformats.org/officeDocument/2006/math">
+                    <m:oMathParaPr>
+                      <m:jc m:val="centerGroup"/>
+                    </m:oMathParaPr>
+                    <m:oMath xmlns:m="http://schemas.openxmlformats.org/officeDocument/2006/math">
+                      <m:r>
+                        <a:rPr lang="en-US" sz="1400" b="0" i="1" smtClean="0">
+                          <a:solidFill>
+                            <a:srgbClr val="A6A6A6"/>
+                          </a:solidFill>
+                          <a:latin typeface="Cambria Math" panose="02040503050406030204" pitchFamily="18" charset="0"/>
+                        </a:rPr>
+                        <m:t>𝑥</m:t>
+                      </m:r>
+                    </m:oMath>
+                  </m:oMathPara>
+                </a14:m>
+                <a:endParaRPr lang="en-US" sz="1400" dirty="0"/>
+              </a:p>
+            </p:txBody>
+          </p:sp>
+        </mc:Choice>
+        <mc:Fallback xmlns="">
+          <p:sp>
+            <p:nvSpPr>
+              <p:cNvPr id="365" name="TextBox 364">
+                <a:extLst>
+                  <a:ext uri="{FF2B5EF4-FFF2-40B4-BE49-F238E27FC236}">
+                    <a16:creationId xmlns:a16="http://schemas.microsoft.com/office/drawing/2014/main" id="{B6EAB3AE-D898-8D42-BEB8-AB8EFCA65106}"/>
+                  </a:ext>
+                </a:extLst>
+              </p:cNvPr>
+              <p:cNvSpPr txBox="1">
+                <a:spLocks noRot="1" noChangeAspect="1" noMove="1" noResize="1" noEditPoints="1" noAdjustHandles="1" noChangeArrowheads="1" noChangeShapeType="1" noTextEdit="1"/>
+              </p:cNvSpPr>
+              <p:nvPr/>
+            </p:nvSpPr>
+            <p:spPr>
+              <a:xfrm>
+                <a:off x="7335884" y="2820009"/>
+                <a:ext cx="141705" cy="215444"/>
+              </a:xfrm>
+              <a:prstGeom prst="rect">
+                <a:avLst/>
+              </a:prstGeom>
+              <a:blipFill>
+                <a:blip r:embed="rId16"/>
+                <a:stretch>
+                  <a:fillRect l="-16667" r="-16667"/>
+                </a:stretch>
+              </a:blipFill>
+            </p:spPr>
+            <p:txBody>
+              <a:bodyPr/>
+              <a:lstStyle/>
+              <a:p>
+                <a:r>
+                  <a:rPr lang="en-US">
+                    <a:noFill/>
+                  </a:rPr>
+                  <a:t> </a:t>
+                </a:r>
+              </a:p>
+            </p:txBody>
+          </p:sp>
+        </mc:Fallback>
+      </mc:AlternateContent>
+      <mc:AlternateContent xmlns:mc="http://schemas.openxmlformats.org/markup-compatibility/2006" xmlns:a14="http://schemas.microsoft.com/office/drawing/2010/main">
+        <mc:Choice Requires="a14">
+          <p:sp>
+            <p:nvSpPr>
+              <p:cNvPr id="366" name="TextBox 365">
+                <a:extLst>
+                  <a:ext uri="{FF2B5EF4-FFF2-40B4-BE49-F238E27FC236}">
+                    <a16:creationId xmlns:a16="http://schemas.microsoft.com/office/drawing/2014/main" id="{A5A93974-EE17-7B46-96CB-7BD6A65A2B7E}"/>
+                  </a:ext>
+                </a:extLst>
+              </p:cNvPr>
+              <p:cNvSpPr txBox="1"/>
+              <p:nvPr/>
+            </p:nvSpPr>
+            <p:spPr>
+              <a:xfrm>
+                <a:off x="7223453" y="2172490"/>
+                <a:ext cx="144142" cy="215444"/>
+              </a:xfrm>
+              <a:prstGeom prst="rect">
+                <a:avLst/>
+              </a:prstGeom>
+              <a:noFill/>
+            </p:spPr>
+            <p:txBody>
+              <a:bodyPr wrap="none" lIns="0" tIns="0" rIns="0" bIns="0" rtlCol="0">
+                <a:spAutoFit/>
+              </a:bodyPr>
+              <a:lstStyle/>
+              <a:p>
+                <a:pPr/>
+                <a14:m>
+                  <m:oMathPara xmlns:m="http://schemas.openxmlformats.org/officeDocument/2006/math">
+                    <m:oMathParaPr>
+                      <m:jc m:val="centerGroup"/>
+                    </m:oMathParaPr>
+                    <m:oMath xmlns:m="http://schemas.openxmlformats.org/officeDocument/2006/math">
+                      <m:r>
+                        <a:rPr lang="en-US" sz="1400" b="0" i="1" smtClean="0">
+                          <a:solidFill>
+                            <a:srgbClr val="A6A6A6"/>
+                          </a:solidFill>
+                          <a:latin typeface="Cambria Math" panose="02040503050406030204" pitchFamily="18" charset="0"/>
+                        </a:rPr>
+                        <m:t>𝑦</m:t>
+                      </m:r>
+                    </m:oMath>
+                  </m:oMathPara>
+                </a14:m>
+                <a:endParaRPr lang="en-US" sz="1400" dirty="0"/>
+              </a:p>
+            </p:txBody>
+          </p:sp>
+        </mc:Choice>
+        <mc:Fallback xmlns="">
+          <p:sp>
+            <p:nvSpPr>
+              <p:cNvPr id="366" name="TextBox 365">
+                <a:extLst>
+                  <a:ext uri="{FF2B5EF4-FFF2-40B4-BE49-F238E27FC236}">
+                    <a16:creationId xmlns:a16="http://schemas.microsoft.com/office/drawing/2014/main" id="{A5A93974-EE17-7B46-96CB-7BD6A65A2B7E}"/>
+                  </a:ext>
+                </a:extLst>
+              </p:cNvPr>
+              <p:cNvSpPr txBox="1">
+                <a:spLocks noRot="1" noChangeAspect="1" noMove="1" noResize="1" noEditPoints="1" noAdjustHandles="1" noChangeArrowheads="1" noChangeShapeType="1" noTextEdit="1"/>
+              </p:cNvSpPr>
+              <p:nvPr/>
+            </p:nvSpPr>
+            <p:spPr>
+              <a:xfrm>
+                <a:off x="7223453" y="2172490"/>
+                <a:ext cx="144142" cy="215444"/>
+              </a:xfrm>
+              <a:prstGeom prst="rect">
+                <a:avLst/>
+              </a:prstGeom>
+              <a:blipFill>
+                <a:blip r:embed="rId17"/>
+                <a:stretch>
+                  <a:fillRect l="-30769" r="-23077" b="-21053"/>
+                </a:stretch>
+              </a:blipFill>
+            </p:spPr>
+            <p:txBody>
+              <a:bodyPr/>
+              <a:lstStyle/>
+              <a:p>
+                <a:r>
+                  <a:rPr lang="en-US">
+                    <a:noFill/>
+                  </a:rPr>
+                  <a:t> </a:t>
+                </a:r>
+              </a:p>
+            </p:txBody>
+          </p:sp>
+        </mc:Fallback>
+      </mc:AlternateContent>
+      <mc:AlternateContent xmlns:mc="http://schemas.openxmlformats.org/markup-compatibility/2006" xmlns:a14="http://schemas.microsoft.com/office/drawing/2010/main">
+        <mc:Choice Requires="a14">
+          <p:sp>
+            <p:nvSpPr>
+              <p:cNvPr id="367" name="TextBox 366">
+                <a:extLst>
+                  <a:ext uri="{FF2B5EF4-FFF2-40B4-BE49-F238E27FC236}">
+                    <a16:creationId xmlns:a16="http://schemas.microsoft.com/office/drawing/2014/main" id="{BEA29F84-D2B7-C24F-A0D9-BE62CF345901}"/>
+                  </a:ext>
+                </a:extLst>
+              </p:cNvPr>
+              <p:cNvSpPr txBox="1"/>
+              <p:nvPr/>
+            </p:nvSpPr>
+            <p:spPr>
+              <a:xfrm>
+                <a:off x="6319938" y="1513012"/>
+                <a:ext cx="129714" cy="215444"/>
+              </a:xfrm>
+              <a:prstGeom prst="rect">
+                <a:avLst/>
+              </a:prstGeom>
+              <a:noFill/>
+            </p:spPr>
+            <p:txBody>
+              <a:bodyPr wrap="none" lIns="0" tIns="0" rIns="0" bIns="0" rtlCol="0">
+                <a:spAutoFit/>
+              </a:bodyPr>
+              <a:lstStyle/>
+              <a:p>
+                <a:pPr/>
+                <a14:m>
+                  <m:oMathPara xmlns:m="http://schemas.openxmlformats.org/officeDocument/2006/math">
+                    <m:oMathParaPr>
+                      <m:jc m:val="centerGroup"/>
+                    </m:oMathParaPr>
+                    <m:oMath xmlns:m="http://schemas.openxmlformats.org/officeDocument/2006/math">
+                      <m:r>
+                        <a:rPr lang="en-US" sz="1400" b="0" i="1" smtClean="0">
+                          <a:solidFill>
+                            <a:srgbClr val="A6A6A6"/>
+                          </a:solidFill>
+                          <a:latin typeface="Cambria Math" panose="02040503050406030204" pitchFamily="18" charset="0"/>
+                        </a:rPr>
+                        <m:t>𝑧</m:t>
+                      </m:r>
+                    </m:oMath>
+                  </m:oMathPara>
+                </a14:m>
+                <a:endParaRPr lang="en-US" sz="1400" dirty="0"/>
+              </a:p>
+            </p:txBody>
+          </p:sp>
+        </mc:Choice>
+        <mc:Fallback xmlns="">
+          <p:sp>
+            <p:nvSpPr>
+              <p:cNvPr id="367" name="TextBox 366">
+                <a:extLst>
+                  <a:ext uri="{FF2B5EF4-FFF2-40B4-BE49-F238E27FC236}">
+                    <a16:creationId xmlns:a16="http://schemas.microsoft.com/office/drawing/2014/main" id="{BEA29F84-D2B7-C24F-A0D9-BE62CF345901}"/>
+                  </a:ext>
+                </a:extLst>
+              </p:cNvPr>
+              <p:cNvSpPr txBox="1">
+                <a:spLocks noRot="1" noChangeAspect="1" noMove="1" noResize="1" noEditPoints="1" noAdjustHandles="1" noChangeArrowheads="1" noChangeShapeType="1" noTextEdit="1"/>
+              </p:cNvSpPr>
+              <p:nvPr/>
+            </p:nvSpPr>
+            <p:spPr>
+              <a:xfrm>
+                <a:off x="6319938" y="1513012"/>
+                <a:ext cx="129714" cy="215444"/>
+              </a:xfrm>
+              <a:prstGeom prst="rect">
+                <a:avLst/>
+              </a:prstGeom>
+              <a:blipFill>
+                <a:blip r:embed="rId18"/>
+                <a:stretch>
+                  <a:fillRect l="-18182" r="-18182"/>
+                </a:stretch>
+              </a:blipFill>
+            </p:spPr>
+            <p:txBody>
+              <a:bodyPr/>
+              <a:lstStyle/>
+              <a:p>
+                <a:r>
+                  <a:rPr lang="en-US">
+                    <a:noFill/>
+                  </a:rPr>
+                  <a:t> </a:t>
+                </a:r>
+              </a:p>
+            </p:txBody>
+          </p:sp>
+        </mc:Fallback>
+      </mc:AlternateContent>
+      <p:sp>
+        <p:nvSpPr>
+          <p:cNvPr id="127" name="Oval 126">
+            <a:extLst>
+              <a:ext uri="{FF2B5EF4-FFF2-40B4-BE49-F238E27FC236}">
+                <a16:creationId xmlns:a16="http://schemas.microsoft.com/office/drawing/2014/main" id="{CC11FDEC-7C7B-C74F-8742-72197875B79C}"/>
+              </a:ext>
+            </a:extLst>
+          </p:cNvPr>
+          <p:cNvSpPr/>
+          <p:nvPr/>
+        </p:nvSpPr>
+        <p:spPr>
+          <a:xfrm>
+            <a:off x="10810600" y="2557120"/>
+            <a:ext cx="194234" cy="173741"/>
+          </a:xfrm>
+          <a:prstGeom prst="ellipse">
+            <a:avLst/>
+          </a:prstGeom>
+          <a:noFill/>
+          <a:ln>
+            <a:solidFill>
+              <a:schemeClr val="bg2">
+                <a:lumMod val="50000"/>
+              </a:schemeClr>
+            </a:solidFill>
+            <a:prstDash val="lgDash"/>
+          </a:ln>
+        </p:spPr>
+        <p:style>
+          <a:lnRef idx="2">
+            <a:schemeClr val="accent1">
+              <a:shade val="50000"/>
+            </a:schemeClr>
+          </a:lnRef>
+          <a:fillRef idx="1">
+            <a:schemeClr val="accent1"/>
+          </a:fillRef>
+          <a:effectRef idx="0">
+            <a:schemeClr val="accent1"/>
+          </a:effectRef>
+          <a:fontRef idx="minor">
+            <a:schemeClr val="lt1"/>
+          </a:fontRef>
+        </p:style>
+        <p:txBody>
+          <a:bodyPr rtlCol="0" anchor="ctr"/>
+          <a:lstStyle/>
+          <a:p>
+            <a:pPr algn="ctr"/>
+            <a:endParaRPr lang="en-US"/>
+          </a:p>
+        </p:txBody>
+      </p:sp>
+    </p:spTree>
+    <p:extLst>
+      <p:ext uri="{BB962C8B-B14F-4D97-AF65-F5344CB8AC3E}">
+        <p14:creationId xmlns:p14="http://schemas.microsoft.com/office/powerpoint/2010/main" val="448008625"/>
+      </p:ext>
+    </p:extLst>
+  </p:cSld>
+  <p:clrMapOvr>
+    <a:masterClrMapping/>
+  </p:clrMapOvr>
+</p:sld>
+</file>
+
+<file path=ppt/slides/slide2.xml><?xml version="1.0" encoding="utf-8"?>
+<p:sld xmlns:a="http://schemas.openxmlformats.org/drawingml/2006/main" xmlns:r="http://schemas.openxmlformats.org/officeDocument/2006/relationships" xmlns:p="http://schemas.openxmlformats.org/presentationml/2006/main">
+  <p:cSld>
+    <p:spTree>
+      <p:nvGrpSpPr>
+        <p:cNvPr id="1" name=""/>
+        <p:cNvGrpSpPr/>
+        <p:nvPr/>
+      </p:nvGrpSpPr>
+      <p:grpSpPr>
+        <a:xfrm>
+          <a:off x="0" y="0"/>
+          <a:ext cx="0" cy="0"/>
+          <a:chOff x="0" y="0"/>
+          <a:chExt cx="0" cy="0"/>
+        </a:xfrm>
+      </p:grpSpPr>
+      <p:sp>
+        <p:nvSpPr>
+          <p:cNvPr id="176" name="Down Arrow 175">
+            <a:extLst>
+              <a:ext uri="{FF2B5EF4-FFF2-40B4-BE49-F238E27FC236}">
+                <a16:creationId xmlns:a16="http://schemas.microsoft.com/office/drawing/2014/main" id="{40159A90-0BAA-184A-9396-C19634E97D94}"/>
+              </a:ext>
+            </a:extLst>
+          </p:cNvPr>
+          <p:cNvSpPr/>
+          <p:nvPr/>
+        </p:nvSpPr>
+        <p:spPr>
+          <a:xfrm rot="1118636">
+            <a:off x="2219056" y="2705599"/>
+            <a:ext cx="301509" cy="1755831"/>
+          </a:xfrm>
+          <a:prstGeom prst="downArrow">
+            <a:avLst/>
+          </a:prstGeom>
+          <a:solidFill>
+            <a:schemeClr val="bg1">
+              <a:lumMod val="95000"/>
+            </a:schemeClr>
+          </a:solidFill>
+          <a:ln>
+            <a:solidFill>
+              <a:schemeClr val="accent6"/>
+            </a:solidFill>
+            <a:prstDash val="dash"/>
+          </a:ln>
+        </p:spPr>
+        <p:style>
+          <a:lnRef idx="2">
+            <a:schemeClr val="accent1">
+              <a:shade val="50000"/>
+            </a:schemeClr>
+          </a:lnRef>
+          <a:fillRef idx="1">
+            <a:schemeClr val="accent1"/>
+          </a:fillRef>
+          <a:effectRef idx="0">
+            <a:schemeClr val="accent1"/>
+          </a:effectRef>
+          <a:fontRef idx="minor">
+            <a:schemeClr val="lt1"/>
+          </a:fontRef>
+        </p:style>
+        <p:txBody>
+          <a:bodyPr rtlCol="0" anchor="ctr"/>
+          <a:lstStyle/>
+          <a:p>
+            <a:pPr algn="ctr"/>
+            <a:endParaRPr lang="en-US">
+              <a:solidFill>
+                <a:schemeClr val="accent6">
+                  <a:lumMod val="60000"/>
+                  <a:lumOff val="40000"/>
+                </a:schemeClr>
+              </a:solidFill>
+            </a:endParaRPr>
+          </a:p>
+        </p:txBody>
+      </p:sp>
+      <p:sp>
+        <p:nvSpPr>
+          <p:cNvPr id="175" name="Down Arrow 174">
+            <a:extLst>
+              <a:ext uri="{FF2B5EF4-FFF2-40B4-BE49-F238E27FC236}">
+                <a16:creationId xmlns:a16="http://schemas.microsoft.com/office/drawing/2014/main" id="{A994FD21-F186-0C47-88F9-DD6DE4989136}"/>
+              </a:ext>
+            </a:extLst>
+          </p:cNvPr>
+          <p:cNvSpPr/>
+          <p:nvPr/>
+        </p:nvSpPr>
+        <p:spPr>
+          <a:xfrm rot="2456036">
+            <a:off x="6919198" y="2876417"/>
+            <a:ext cx="301509" cy="1755831"/>
+          </a:xfrm>
+          <a:prstGeom prst="downArrow">
+            <a:avLst/>
+          </a:prstGeom>
+          <a:solidFill>
+            <a:schemeClr val="bg1">
+              <a:lumMod val="95000"/>
+            </a:schemeClr>
+          </a:solidFill>
+          <a:ln>
+            <a:solidFill>
+              <a:schemeClr val="accent2">
+                <a:lumMod val="60000"/>
+                <a:lumOff val="40000"/>
+              </a:schemeClr>
+            </a:solidFill>
+            <a:prstDash val="dash"/>
+          </a:ln>
+        </p:spPr>
+        <p:style>
+          <a:lnRef idx="2">
+            <a:schemeClr val="accent1">
+              <a:shade val="50000"/>
+            </a:schemeClr>
+          </a:lnRef>
+          <a:fillRef idx="1">
+            <a:schemeClr val="accent1"/>
+          </a:fillRef>
+          <a:effectRef idx="0">
+            <a:schemeClr val="accent1"/>
+          </a:effectRef>
+          <a:fontRef idx="minor">
+            <a:schemeClr val="lt1"/>
+          </a:fontRef>
+        </p:style>
+        <p:txBody>
+          <a:bodyPr rtlCol="0" anchor="ctr"/>
+          <a:lstStyle/>
+          <a:p>
+            <a:pPr algn="ctr"/>
+            <a:endParaRPr lang="en-US"/>
+          </a:p>
+        </p:txBody>
+      </p:sp>
+      <p:sp>
+        <p:nvSpPr>
+          <p:cNvPr id="21" name="Down Arrow 20">
+            <a:extLst>
+              <a:ext uri="{FF2B5EF4-FFF2-40B4-BE49-F238E27FC236}">
+                <a16:creationId xmlns:a16="http://schemas.microsoft.com/office/drawing/2014/main" id="{D2053057-9929-3447-AE86-647DFD44B857}"/>
+              </a:ext>
+            </a:extLst>
+          </p:cNvPr>
+          <p:cNvSpPr/>
+          <p:nvPr/>
+        </p:nvSpPr>
+        <p:spPr>
+          <a:xfrm rot="18885415">
+            <a:off x="5541477" y="2920064"/>
+            <a:ext cx="301509" cy="1755831"/>
+          </a:xfrm>
+          <a:prstGeom prst="downArrow">
+            <a:avLst/>
+          </a:prstGeom>
+          <a:solidFill>
+            <a:schemeClr val="bg1">
+              <a:lumMod val="95000"/>
+            </a:schemeClr>
+          </a:solidFill>
+          <a:ln>
+            <a:solidFill>
+              <a:schemeClr val="accent2">
+                <a:lumMod val="60000"/>
+                <a:lumOff val="40000"/>
+              </a:schemeClr>
+            </a:solidFill>
+            <a:prstDash val="dash"/>
+          </a:ln>
+        </p:spPr>
+        <p:style>
+          <a:lnRef idx="2">
+            <a:schemeClr val="accent1">
+              <a:shade val="50000"/>
+            </a:schemeClr>
+          </a:lnRef>
+          <a:fillRef idx="1">
+            <a:schemeClr val="accent1"/>
+          </a:fillRef>
+          <a:effectRef idx="0">
+            <a:schemeClr val="accent1"/>
+          </a:effectRef>
+          <a:fontRef idx="minor">
+            <a:schemeClr val="lt1"/>
+          </a:fontRef>
+        </p:style>
+        <p:txBody>
+          <a:bodyPr rtlCol="0" anchor="ctr"/>
+          <a:lstStyle/>
+          <a:p>
+            <a:pPr algn="ctr"/>
+            <a:endParaRPr lang="en-US"/>
+          </a:p>
+        </p:txBody>
+      </p:sp>
+      <p:sp>
+        <p:nvSpPr>
+          <p:cNvPr id="130" name="Rounded Rectangle 129">
+            <a:extLst>
+              <a:ext uri="{FF2B5EF4-FFF2-40B4-BE49-F238E27FC236}">
+                <a16:creationId xmlns:a16="http://schemas.microsoft.com/office/drawing/2014/main" id="{6471CB8C-7CD6-704D-99F4-FE4A622ADDF4}"/>
+              </a:ext>
+            </a:extLst>
+          </p:cNvPr>
+          <p:cNvSpPr/>
+          <p:nvPr/>
+        </p:nvSpPr>
+        <p:spPr>
+          <a:xfrm>
+            <a:off x="-85374" y="4430371"/>
+            <a:ext cx="4616389" cy="1683160"/>
+          </a:xfrm>
+          <a:prstGeom prst="roundRect">
+            <a:avLst>
+              <a:gd name="adj" fmla="val 5507"/>
+            </a:avLst>
+          </a:prstGeom>
+          <a:solidFill>
+            <a:schemeClr val="accent6">
+              <a:lumMod val="20000"/>
+              <a:lumOff val="80000"/>
+            </a:schemeClr>
+          </a:solidFill>
+          <a:ln>
+            <a:solidFill>
+              <a:schemeClr val="bg2">
+                <a:lumMod val="75000"/>
+              </a:schemeClr>
+            </a:solidFill>
+            <a:prstDash val="dash"/>
+          </a:ln>
+        </p:spPr>
+        <p:style>
+          <a:lnRef idx="2">
+            <a:schemeClr val="accent1">
+              <a:shade val="50000"/>
+            </a:schemeClr>
+          </a:lnRef>
+          <a:fillRef idx="1">
+            <a:schemeClr val="accent1"/>
+          </a:fillRef>
+          <a:effectRef idx="0">
+            <a:schemeClr val="accent1"/>
+          </a:effectRef>
+          <a:fontRef idx="minor">
+            <a:schemeClr val="lt1"/>
+          </a:fontRef>
+        </p:style>
+        <p:txBody>
+          <a:bodyPr rtlCol="0" anchor="ctr"/>
+          <a:lstStyle/>
+          <a:p>
+            <a:pPr algn="ctr"/>
+            <a:endParaRPr lang="en-US" dirty="0"/>
+          </a:p>
+        </p:txBody>
+      </p:sp>
+      <p:sp>
+        <p:nvSpPr>
+          <p:cNvPr id="15" name="Freeform 14">
+            <a:extLst>
+              <a:ext uri="{FF2B5EF4-FFF2-40B4-BE49-F238E27FC236}">
+                <a16:creationId xmlns:a16="http://schemas.microsoft.com/office/drawing/2014/main" id="{F6661B10-67A7-7149-B94E-31C25A474E51}"/>
+              </a:ext>
+            </a:extLst>
+          </p:cNvPr>
+          <p:cNvSpPr/>
+          <p:nvPr/>
+        </p:nvSpPr>
+        <p:spPr>
+          <a:xfrm>
+            <a:off x="276685" y="4765729"/>
+            <a:ext cx="948260" cy="991891"/>
+          </a:xfrm>
+          <a:custGeom>
+            <a:avLst/>
+            <a:gdLst>
+              <a:gd name="connsiteX0" fmla="*/ 0 w 948260"/>
+              <a:gd name="connsiteY0" fmla="*/ 449451 h 991891"/>
+              <a:gd name="connsiteX1" fmla="*/ 0 w 948260"/>
+              <a:gd name="connsiteY1" fmla="*/ 449451 h 991891"/>
+              <a:gd name="connsiteX2" fmla="*/ 7749 w 948260"/>
+              <a:gd name="connsiteY2" fmla="*/ 286718 h 991891"/>
+              <a:gd name="connsiteX3" fmla="*/ 38746 w 948260"/>
+              <a:gd name="connsiteY3" fmla="*/ 224725 h 991891"/>
+              <a:gd name="connsiteX4" fmla="*/ 54244 w 948260"/>
+              <a:gd name="connsiteY4" fmla="*/ 201478 h 991891"/>
+              <a:gd name="connsiteX5" fmla="*/ 92990 w 948260"/>
+              <a:gd name="connsiteY5" fmla="*/ 162732 h 991891"/>
+              <a:gd name="connsiteX6" fmla="*/ 131735 w 948260"/>
+              <a:gd name="connsiteY6" fmla="*/ 123986 h 991891"/>
+              <a:gd name="connsiteX7" fmla="*/ 147234 w 948260"/>
+              <a:gd name="connsiteY7" fmla="*/ 108488 h 991891"/>
+              <a:gd name="connsiteX8" fmla="*/ 216976 w 948260"/>
+              <a:gd name="connsiteY8" fmla="*/ 69742 h 991891"/>
+              <a:gd name="connsiteX9" fmla="*/ 247973 w 948260"/>
+              <a:gd name="connsiteY9" fmla="*/ 46495 h 991891"/>
+              <a:gd name="connsiteX10" fmla="*/ 294468 w 948260"/>
+              <a:gd name="connsiteY10" fmla="*/ 15498 h 991891"/>
+              <a:gd name="connsiteX11" fmla="*/ 387457 w 948260"/>
+              <a:gd name="connsiteY11" fmla="*/ 0 h 991891"/>
+              <a:gd name="connsiteX12" fmla="*/ 627681 w 948260"/>
+              <a:gd name="connsiteY12" fmla="*/ 15498 h 991891"/>
+              <a:gd name="connsiteX13" fmla="*/ 650929 w 948260"/>
+              <a:gd name="connsiteY13" fmla="*/ 23247 h 991891"/>
+              <a:gd name="connsiteX14" fmla="*/ 728420 w 948260"/>
+              <a:gd name="connsiteY14" fmla="*/ 54244 h 991891"/>
+              <a:gd name="connsiteX15" fmla="*/ 751668 w 948260"/>
+              <a:gd name="connsiteY15" fmla="*/ 61993 h 991891"/>
+              <a:gd name="connsiteX16" fmla="*/ 774915 w 948260"/>
+              <a:gd name="connsiteY16" fmla="*/ 69742 h 991891"/>
+              <a:gd name="connsiteX17" fmla="*/ 813661 w 948260"/>
+              <a:gd name="connsiteY17" fmla="*/ 108488 h 991891"/>
+              <a:gd name="connsiteX18" fmla="*/ 829159 w 948260"/>
+              <a:gd name="connsiteY18" fmla="*/ 131735 h 991891"/>
+              <a:gd name="connsiteX19" fmla="*/ 852407 w 948260"/>
+              <a:gd name="connsiteY19" fmla="*/ 147234 h 991891"/>
+              <a:gd name="connsiteX20" fmla="*/ 875654 w 948260"/>
+              <a:gd name="connsiteY20" fmla="*/ 178230 h 991891"/>
+              <a:gd name="connsiteX21" fmla="*/ 906651 w 948260"/>
+              <a:gd name="connsiteY21" fmla="*/ 209227 h 991891"/>
+              <a:gd name="connsiteX22" fmla="*/ 937647 w 948260"/>
+              <a:gd name="connsiteY22" fmla="*/ 247973 h 991891"/>
+              <a:gd name="connsiteX23" fmla="*/ 945396 w 948260"/>
+              <a:gd name="connsiteY23" fmla="*/ 348712 h 991891"/>
+              <a:gd name="connsiteX24" fmla="*/ 922149 w 948260"/>
+              <a:gd name="connsiteY24" fmla="*/ 503695 h 991891"/>
+              <a:gd name="connsiteX25" fmla="*/ 898901 w 948260"/>
+              <a:gd name="connsiteY25" fmla="*/ 526942 h 991891"/>
+              <a:gd name="connsiteX26" fmla="*/ 883403 w 948260"/>
+              <a:gd name="connsiteY26" fmla="*/ 550190 h 991891"/>
+              <a:gd name="connsiteX27" fmla="*/ 860156 w 948260"/>
+              <a:gd name="connsiteY27" fmla="*/ 565688 h 991891"/>
+              <a:gd name="connsiteX28" fmla="*/ 829159 w 948260"/>
+              <a:gd name="connsiteY28" fmla="*/ 604434 h 991891"/>
+              <a:gd name="connsiteX29" fmla="*/ 805912 w 948260"/>
+              <a:gd name="connsiteY29" fmla="*/ 619932 h 991891"/>
+              <a:gd name="connsiteX30" fmla="*/ 790413 w 948260"/>
+              <a:gd name="connsiteY30" fmla="*/ 635430 h 991891"/>
+              <a:gd name="connsiteX31" fmla="*/ 759417 w 948260"/>
+              <a:gd name="connsiteY31" fmla="*/ 681925 h 991891"/>
+              <a:gd name="connsiteX32" fmla="*/ 743918 w 948260"/>
+              <a:gd name="connsiteY32" fmla="*/ 728420 h 991891"/>
+              <a:gd name="connsiteX33" fmla="*/ 736169 w 948260"/>
+              <a:gd name="connsiteY33" fmla="*/ 751668 h 991891"/>
+              <a:gd name="connsiteX34" fmla="*/ 728420 w 948260"/>
+              <a:gd name="connsiteY34" fmla="*/ 790413 h 991891"/>
+              <a:gd name="connsiteX35" fmla="*/ 712922 w 948260"/>
+              <a:gd name="connsiteY35" fmla="*/ 898902 h 991891"/>
+              <a:gd name="connsiteX36" fmla="*/ 689674 w 948260"/>
+              <a:gd name="connsiteY36" fmla="*/ 937647 h 991891"/>
+              <a:gd name="connsiteX37" fmla="*/ 666427 w 948260"/>
+              <a:gd name="connsiteY37" fmla="*/ 945396 h 991891"/>
+              <a:gd name="connsiteX38" fmla="*/ 627681 w 948260"/>
+              <a:gd name="connsiteY38" fmla="*/ 968644 h 991891"/>
+              <a:gd name="connsiteX39" fmla="*/ 581186 w 948260"/>
+              <a:gd name="connsiteY39" fmla="*/ 991891 h 991891"/>
+              <a:gd name="connsiteX40" fmla="*/ 464949 w 948260"/>
+              <a:gd name="connsiteY40" fmla="*/ 984142 h 991891"/>
+              <a:gd name="connsiteX41" fmla="*/ 418454 w 948260"/>
+              <a:gd name="connsiteY41" fmla="*/ 953146 h 991891"/>
+              <a:gd name="connsiteX42" fmla="*/ 395207 w 948260"/>
+              <a:gd name="connsiteY42" fmla="*/ 937647 h 991891"/>
+              <a:gd name="connsiteX43" fmla="*/ 356461 w 948260"/>
+              <a:gd name="connsiteY43" fmla="*/ 906651 h 991891"/>
+              <a:gd name="connsiteX44" fmla="*/ 317715 w 948260"/>
+              <a:gd name="connsiteY44" fmla="*/ 883403 h 991891"/>
+              <a:gd name="connsiteX45" fmla="*/ 247973 w 948260"/>
+              <a:gd name="connsiteY45" fmla="*/ 891152 h 991891"/>
+              <a:gd name="connsiteX46" fmla="*/ 216976 w 948260"/>
+              <a:gd name="connsiteY46" fmla="*/ 898902 h 991891"/>
+              <a:gd name="connsiteX47" fmla="*/ 178230 w 948260"/>
+              <a:gd name="connsiteY47" fmla="*/ 906651 h 991891"/>
+              <a:gd name="connsiteX48" fmla="*/ 100739 w 948260"/>
+              <a:gd name="connsiteY48" fmla="*/ 898902 h 991891"/>
+              <a:gd name="connsiteX49" fmla="*/ 69742 w 948260"/>
+              <a:gd name="connsiteY49" fmla="*/ 852407 h 991891"/>
+              <a:gd name="connsiteX50" fmla="*/ 54244 w 948260"/>
+              <a:gd name="connsiteY50" fmla="*/ 836908 h 991891"/>
+              <a:gd name="connsiteX51" fmla="*/ 30996 w 948260"/>
+              <a:gd name="connsiteY51" fmla="*/ 790413 h 991891"/>
+              <a:gd name="connsiteX52" fmla="*/ 38746 w 948260"/>
+              <a:gd name="connsiteY52" fmla="*/ 643179 h 991891"/>
+              <a:gd name="connsiteX53" fmla="*/ 54244 w 948260"/>
+              <a:gd name="connsiteY53" fmla="*/ 596685 h 991891"/>
+              <a:gd name="connsiteX54" fmla="*/ 61993 w 948260"/>
+              <a:gd name="connsiteY54" fmla="*/ 573437 h 991891"/>
+              <a:gd name="connsiteX55" fmla="*/ 54244 w 948260"/>
+              <a:gd name="connsiteY55" fmla="*/ 472698 h 991891"/>
+              <a:gd name="connsiteX56" fmla="*/ 46495 w 948260"/>
+              <a:gd name="connsiteY56" fmla="*/ 449451 h 991891"/>
+              <a:gd name="connsiteX57" fmla="*/ 30996 w 948260"/>
+              <a:gd name="connsiteY57" fmla="*/ 433952 h 991891"/>
+              <a:gd name="connsiteX58" fmla="*/ 0 w 948260"/>
+              <a:gd name="connsiteY58" fmla="*/ 449451 h 991891"/>
+            </a:gdLst>
+            <a:ahLst/>
+            <a:cxnLst>
+              <a:cxn ang="0">
+                <a:pos x="connsiteX0" y="connsiteY0"/>
+              </a:cxn>
+              <a:cxn ang="0">
+                <a:pos x="connsiteX1" y="connsiteY1"/>
+              </a:cxn>
+              <a:cxn ang="0">
+                <a:pos x="connsiteX2" y="connsiteY2"/>
+              </a:cxn>
+              <a:cxn ang="0">
+                <a:pos x="connsiteX3" y="connsiteY3"/>
+              </a:cxn>
+              <a:cxn ang="0">
+                <a:pos x="connsiteX4" y="connsiteY4"/>
+              </a:cxn>
+              <a:cxn ang="0">
+                <a:pos x="connsiteX5" y="connsiteY5"/>
+              </a:cxn>
+              <a:cxn ang="0">
+                <a:pos x="connsiteX6" y="connsiteY6"/>
+              </a:cxn>
+              <a:cxn ang="0">
+                <a:pos x="connsiteX7" y="connsiteY7"/>
+              </a:cxn>
+              <a:cxn ang="0">
+                <a:pos x="connsiteX8" y="connsiteY8"/>
+              </a:cxn>
+              <a:cxn ang="0">
+                <a:pos x="connsiteX9" y="connsiteY9"/>
+              </a:cxn>
+              <a:cxn ang="0">
+                <a:pos x="connsiteX10" y="connsiteY10"/>
+              </a:cxn>
+              <a:cxn ang="0">
+                <a:pos x="connsiteX11" y="connsiteY11"/>
+              </a:cxn>
+              <a:cxn ang="0">
+                <a:pos x="connsiteX12" y="connsiteY12"/>
+              </a:cxn>
+              <a:cxn ang="0">
+                <a:pos x="connsiteX13" y="connsiteY13"/>
+              </a:cxn>
+              <a:cxn ang="0">
+                <a:pos x="connsiteX14" y="connsiteY14"/>
+              </a:cxn>
+              <a:cxn ang="0">
+                <a:pos x="connsiteX15" y="connsiteY15"/>
+              </a:cxn>
+              <a:cxn ang="0">
+                <a:pos x="connsiteX16" y="connsiteY16"/>
+              </a:cxn>
+              <a:cxn ang="0">
+                <a:pos x="connsiteX17" y="connsiteY17"/>
+              </a:cxn>
+              <a:cxn ang="0">
+                <a:pos x="connsiteX18" y="connsiteY18"/>
+              </a:cxn>
+              <a:cxn ang="0">
+                <a:pos x="connsiteX19" y="connsiteY19"/>
+              </a:cxn>
+              <a:cxn ang="0">
+                <a:pos x="connsiteX20" y="connsiteY20"/>
+              </a:cxn>
+              <a:cxn ang="0">
+                <a:pos x="connsiteX21" y="connsiteY21"/>
+              </a:cxn>
+              <a:cxn ang="0">
+                <a:pos x="connsiteX22" y="connsiteY22"/>
+              </a:cxn>
+              <a:cxn ang="0">
+                <a:pos x="connsiteX23" y="connsiteY23"/>
+              </a:cxn>
+              <a:cxn ang="0">
+                <a:pos x="connsiteX24" y="connsiteY24"/>
+              </a:cxn>
+              <a:cxn ang="0">
+                <a:pos x="connsiteX25" y="connsiteY25"/>
+              </a:cxn>
+              <a:cxn ang="0">
+                <a:pos x="connsiteX26" y="connsiteY26"/>
+              </a:cxn>
+              <a:cxn ang="0">
+                <a:pos x="connsiteX27" y="connsiteY27"/>
+              </a:cxn>
+              <a:cxn ang="0">
+                <a:pos x="connsiteX28" y="connsiteY28"/>
+              </a:cxn>
+              <a:cxn ang="0">
+                <a:pos x="connsiteX29" y="connsiteY29"/>
+              </a:cxn>
+              <a:cxn ang="0">
+                <a:pos x="connsiteX30" y="connsiteY30"/>
+              </a:cxn>
+              <a:cxn ang="0">
+                <a:pos x="connsiteX31" y="connsiteY31"/>
+              </a:cxn>
+              <a:cxn ang="0">
+                <a:pos x="connsiteX32" y="connsiteY32"/>
+              </a:cxn>
+              <a:cxn ang="0">
+                <a:pos x="connsiteX33" y="connsiteY33"/>
+              </a:cxn>
+              <a:cxn ang="0">
+                <a:pos x="connsiteX34" y="connsiteY34"/>
+              </a:cxn>
+              <a:cxn ang="0">
+                <a:pos x="connsiteX35" y="connsiteY35"/>
+              </a:cxn>
+              <a:cxn ang="0">
+                <a:pos x="connsiteX36" y="connsiteY36"/>
+              </a:cxn>
+              <a:cxn ang="0">
+                <a:pos x="connsiteX37" y="connsiteY37"/>
+              </a:cxn>
+              <a:cxn ang="0">
+                <a:pos x="connsiteX38" y="connsiteY38"/>
+              </a:cxn>
+              <a:cxn ang="0">
+                <a:pos x="connsiteX39" y="connsiteY39"/>
+              </a:cxn>
+              <a:cxn ang="0">
+                <a:pos x="connsiteX40" y="connsiteY40"/>
+              </a:cxn>
+              <a:cxn ang="0">
+                <a:pos x="connsiteX41" y="connsiteY41"/>
+              </a:cxn>
+              <a:cxn ang="0">
+                <a:pos x="connsiteX42" y="connsiteY42"/>
+              </a:cxn>
+              <a:cxn ang="0">
+                <a:pos x="connsiteX43" y="connsiteY43"/>
+              </a:cxn>
+              <a:cxn ang="0">
+                <a:pos x="connsiteX44" y="connsiteY44"/>
+              </a:cxn>
+              <a:cxn ang="0">
+                <a:pos x="connsiteX45" y="connsiteY45"/>
+              </a:cxn>
+              <a:cxn ang="0">
+                <a:pos x="connsiteX46" y="connsiteY46"/>
+              </a:cxn>
+              <a:cxn ang="0">
+                <a:pos x="connsiteX47" y="connsiteY47"/>
+              </a:cxn>
+              <a:cxn ang="0">
+                <a:pos x="connsiteX48" y="connsiteY48"/>
+              </a:cxn>
+              <a:cxn ang="0">
+                <a:pos x="connsiteX49" y="connsiteY49"/>
+              </a:cxn>
+              <a:cxn ang="0">
+                <a:pos x="connsiteX50" y="connsiteY50"/>
+              </a:cxn>
+              <a:cxn ang="0">
+                <a:pos x="connsiteX51" y="connsiteY51"/>
+              </a:cxn>
+              <a:cxn ang="0">
+                <a:pos x="connsiteX52" y="connsiteY52"/>
+              </a:cxn>
+              <a:cxn ang="0">
+                <a:pos x="connsiteX53" y="connsiteY53"/>
+              </a:cxn>
+              <a:cxn ang="0">
+                <a:pos x="connsiteX54" y="connsiteY54"/>
+              </a:cxn>
+              <a:cxn ang="0">
+                <a:pos x="connsiteX55" y="connsiteY55"/>
+              </a:cxn>
+              <a:cxn ang="0">
+                <a:pos x="connsiteX56" y="connsiteY56"/>
+              </a:cxn>
+              <a:cxn ang="0">
+                <a:pos x="connsiteX57" y="connsiteY57"/>
+              </a:cxn>
+              <a:cxn ang="0">
+                <a:pos x="connsiteX58" y="connsiteY58"/>
+              </a:cxn>
+            </a:cxnLst>
+            <a:rect l="l" t="t" r="r" b="b"/>
+            <a:pathLst>
+              <a:path w="948260" h="991891">
+                <a:moveTo>
+                  <a:pt x="0" y="449451"/>
+                </a:moveTo>
+                <a:lnTo>
+                  <a:pt x="0" y="449451"/>
+                </a:lnTo>
+                <a:cubicBezTo>
+                  <a:pt x="2583" y="395207"/>
+                  <a:pt x="1752" y="340692"/>
+                  <a:pt x="7749" y="286718"/>
+                </a:cubicBezTo>
+                <a:cubicBezTo>
+                  <a:pt x="13721" y="232968"/>
+                  <a:pt x="16989" y="251921"/>
+                  <a:pt x="38746" y="224725"/>
+                </a:cubicBezTo>
+                <a:cubicBezTo>
+                  <a:pt x="44564" y="217453"/>
+                  <a:pt x="48111" y="208487"/>
+                  <a:pt x="54244" y="201478"/>
+                </a:cubicBezTo>
+                <a:cubicBezTo>
+                  <a:pt x="66272" y="187732"/>
+                  <a:pt x="82858" y="177929"/>
+                  <a:pt x="92990" y="162732"/>
+                </a:cubicBezTo>
+                <a:cubicBezTo>
+                  <a:pt x="119556" y="122883"/>
+                  <a:pt x="94837" y="153505"/>
+                  <a:pt x="131735" y="123986"/>
+                </a:cubicBezTo>
+                <a:cubicBezTo>
+                  <a:pt x="137440" y="119422"/>
+                  <a:pt x="141389" y="112872"/>
+                  <a:pt x="147234" y="108488"/>
+                </a:cubicBezTo>
+                <a:cubicBezTo>
+                  <a:pt x="189869" y="76512"/>
+                  <a:pt x="180731" y="81824"/>
+                  <a:pt x="216976" y="69742"/>
+                </a:cubicBezTo>
+                <a:cubicBezTo>
+                  <a:pt x="227308" y="61993"/>
+                  <a:pt x="237392" y="53901"/>
+                  <a:pt x="247973" y="46495"/>
+                </a:cubicBezTo>
+                <a:cubicBezTo>
+                  <a:pt x="263233" y="35813"/>
+                  <a:pt x="276397" y="20016"/>
+                  <a:pt x="294468" y="15498"/>
+                </a:cubicBezTo>
+                <a:cubicBezTo>
+                  <a:pt x="345667" y="2698"/>
+                  <a:pt x="314896" y="9070"/>
+                  <a:pt x="387457" y="0"/>
+                </a:cubicBezTo>
+                <a:cubicBezTo>
+                  <a:pt x="514447" y="4703"/>
+                  <a:pt x="543152" y="-8653"/>
+                  <a:pt x="627681" y="15498"/>
+                </a:cubicBezTo>
+                <a:cubicBezTo>
+                  <a:pt x="635535" y="17742"/>
+                  <a:pt x="643421" y="20029"/>
+                  <a:pt x="650929" y="23247"/>
+                </a:cubicBezTo>
+                <a:cubicBezTo>
+                  <a:pt x="730745" y="57455"/>
+                  <a:pt x="622588" y="18968"/>
+                  <a:pt x="728420" y="54244"/>
+                </a:cubicBezTo>
+                <a:lnTo>
+                  <a:pt x="751668" y="61993"/>
+                </a:lnTo>
+                <a:lnTo>
+                  <a:pt x="774915" y="69742"/>
+                </a:lnTo>
+                <a:cubicBezTo>
+                  <a:pt x="816240" y="131733"/>
+                  <a:pt x="762002" y="56831"/>
+                  <a:pt x="813661" y="108488"/>
+                </a:cubicBezTo>
+                <a:cubicBezTo>
+                  <a:pt x="820246" y="115073"/>
+                  <a:pt x="822574" y="125150"/>
+                  <a:pt x="829159" y="131735"/>
+                </a:cubicBezTo>
+                <a:cubicBezTo>
+                  <a:pt x="835745" y="138321"/>
+                  <a:pt x="845821" y="140648"/>
+                  <a:pt x="852407" y="147234"/>
+                </a:cubicBezTo>
+                <a:cubicBezTo>
+                  <a:pt x="861539" y="156366"/>
+                  <a:pt x="867149" y="168510"/>
+                  <a:pt x="875654" y="178230"/>
+                </a:cubicBezTo>
+                <a:cubicBezTo>
+                  <a:pt x="885276" y="189227"/>
+                  <a:pt x="898546" y="197069"/>
+                  <a:pt x="906651" y="209227"/>
+                </a:cubicBezTo>
+                <a:cubicBezTo>
+                  <a:pt x="926202" y="238553"/>
+                  <a:pt x="915564" y="225888"/>
+                  <a:pt x="937647" y="247973"/>
+                </a:cubicBezTo>
+                <a:cubicBezTo>
+                  <a:pt x="940230" y="281553"/>
+                  <a:pt x="945396" y="315033"/>
+                  <a:pt x="945396" y="348712"/>
+                </a:cubicBezTo>
+                <a:cubicBezTo>
+                  <a:pt x="945396" y="423245"/>
+                  <a:pt x="960290" y="457926"/>
+                  <a:pt x="922149" y="503695"/>
+                </a:cubicBezTo>
+                <a:cubicBezTo>
+                  <a:pt x="915133" y="512114"/>
+                  <a:pt x="905917" y="518523"/>
+                  <a:pt x="898901" y="526942"/>
+                </a:cubicBezTo>
+                <a:cubicBezTo>
+                  <a:pt x="892939" y="534097"/>
+                  <a:pt x="889988" y="543604"/>
+                  <a:pt x="883403" y="550190"/>
+                </a:cubicBezTo>
+                <a:cubicBezTo>
+                  <a:pt x="876818" y="556775"/>
+                  <a:pt x="867428" y="559870"/>
+                  <a:pt x="860156" y="565688"/>
+                </a:cubicBezTo>
+                <a:cubicBezTo>
+                  <a:pt x="821810" y="596364"/>
+                  <a:pt x="869438" y="564154"/>
+                  <a:pt x="829159" y="604434"/>
+                </a:cubicBezTo>
+                <a:cubicBezTo>
+                  <a:pt x="822574" y="611019"/>
+                  <a:pt x="813184" y="614114"/>
+                  <a:pt x="805912" y="619932"/>
+                </a:cubicBezTo>
+                <a:cubicBezTo>
+                  <a:pt x="800207" y="624496"/>
+                  <a:pt x="794797" y="629585"/>
+                  <a:pt x="790413" y="635430"/>
+                </a:cubicBezTo>
+                <a:cubicBezTo>
+                  <a:pt x="779237" y="650331"/>
+                  <a:pt x="759417" y="681925"/>
+                  <a:pt x="759417" y="681925"/>
+                </a:cubicBezTo>
+                <a:lnTo>
+                  <a:pt x="743918" y="728420"/>
+                </a:lnTo>
+                <a:cubicBezTo>
+                  <a:pt x="741335" y="736169"/>
+                  <a:pt x="737771" y="743658"/>
+                  <a:pt x="736169" y="751668"/>
+                </a:cubicBezTo>
+                <a:cubicBezTo>
+                  <a:pt x="733586" y="764583"/>
+                  <a:pt x="730423" y="777395"/>
+                  <a:pt x="728420" y="790413"/>
+                </a:cubicBezTo>
+                <a:cubicBezTo>
+                  <a:pt x="722555" y="828536"/>
+                  <a:pt x="721203" y="861638"/>
+                  <a:pt x="712922" y="898902"/>
+                </a:cubicBezTo>
+                <a:cubicBezTo>
+                  <a:pt x="709171" y="915782"/>
+                  <a:pt x="705306" y="928268"/>
+                  <a:pt x="689674" y="937647"/>
+                </a:cubicBezTo>
+                <a:cubicBezTo>
+                  <a:pt x="682670" y="941849"/>
+                  <a:pt x="674176" y="942813"/>
+                  <a:pt x="666427" y="945396"/>
+                </a:cubicBezTo>
+                <a:cubicBezTo>
+                  <a:pt x="636157" y="975668"/>
+                  <a:pt x="667919" y="948526"/>
+                  <a:pt x="627681" y="968644"/>
+                </a:cubicBezTo>
+                <a:cubicBezTo>
+                  <a:pt x="567593" y="998688"/>
+                  <a:pt x="639621" y="972413"/>
+                  <a:pt x="581186" y="991891"/>
+                </a:cubicBezTo>
+                <a:cubicBezTo>
+                  <a:pt x="542440" y="989308"/>
+                  <a:pt x="502725" y="993136"/>
+                  <a:pt x="464949" y="984142"/>
+                </a:cubicBezTo>
+                <a:cubicBezTo>
+                  <a:pt x="446829" y="979828"/>
+                  <a:pt x="433952" y="963478"/>
+                  <a:pt x="418454" y="953146"/>
+                </a:cubicBezTo>
+                <a:lnTo>
+                  <a:pt x="395207" y="937647"/>
+                </a:lnTo>
+                <a:cubicBezTo>
+                  <a:pt x="364337" y="891344"/>
+                  <a:pt x="398051" y="931605"/>
+                  <a:pt x="356461" y="906651"/>
+                </a:cubicBezTo>
+                <a:cubicBezTo>
+                  <a:pt x="303276" y="874740"/>
+                  <a:pt x="383568" y="905354"/>
+                  <a:pt x="317715" y="883403"/>
+                </a:cubicBezTo>
+                <a:cubicBezTo>
+                  <a:pt x="294468" y="885986"/>
+                  <a:pt x="271091" y="887595"/>
+                  <a:pt x="247973" y="891152"/>
+                </a:cubicBezTo>
+                <a:cubicBezTo>
+                  <a:pt x="237446" y="892772"/>
+                  <a:pt x="227373" y="896592"/>
+                  <a:pt x="216976" y="898902"/>
+                </a:cubicBezTo>
+                <a:cubicBezTo>
+                  <a:pt x="204119" y="901759"/>
+                  <a:pt x="191145" y="904068"/>
+                  <a:pt x="178230" y="906651"/>
+                </a:cubicBezTo>
+                <a:cubicBezTo>
+                  <a:pt x="152400" y="904068"/>
+                  <a:pt x="125923" y="905198"/>
+                  <a:pt x="100739" y="898902"/>
+                </a:cubicBezTo>
+                <a:cubicBezTo>
+                  <a:pt x="86524" y="895348"/>
+                  <a:pt x="73562" y="858138"/>
+                  <a:pt x="69742" y="852407"/>
+                </a:cubicBezTo>
+                <a:cubicBezTo>
+                  <a:pt x="65689" y="846328"/>
+                  <a:pt x="58808" y="842613"/>
+                  <a:pt x="54244" y="836908"/>
+                </a:cubicBezTo>
+                <a:cubicBezTo>
+                  <a:pt x="37076" y="815448"/>
+                  <a:pt x="39182" y="814968"/>
+                  <a:pt x="30996" y="790413"/>
+                </a:cubicBezTo>
+                <a:cubicBezTo>
+                  <a:pt x="33579" y="741335"/>
+                  <a:pt x="32890" y="691975"/>
+                  <a:pt x="38746" y="643179"/>
+                </a:cubicBezTo>
+                <a:cubicBezTo>
+                  <a:pt x="40692" y="626959"/>
+                  <a:pt x="49078" y="612183"/>
+                  <a:pt x="54244" y="596685"/>
+                </a:cubicBezTo>
+                <a:lnTo>
+                  <a:pt x="61993" y="573437"/>
+                </a:lnTo>
+                <a:cubicBezTo>
+                  <a:pt x="59410" y="539857"/>
+                  <a:pt x="58421" y="506117"/>
+                  <a:pt x="54244" y="472698"/>
+                </a:cubicBezTo>
+                <a:cubicBezTo>
+                  <a:pt x="53231" y="464593"/>
+                  <a:pt x="50698" y="456455"/>
+                  <a:pt x="46495" y="449451"/>
+                </a:cubicBezTo>
+                <a:cubicBezTo>
+                  <a:pt x="42736" y="443186"/>
+                  <a:pt x="36701" y="438516"/>
+                  <a:pt x="30996" y="433952"/>
+                </a:cubicBezTo>
+                <a:cubicBezTo>
+                  <a:pt x="9833" y="417021"/>
+                  <a:pt x="5166" y="446868"/>
+                  <a:pt x="0" y="449451"/>
+                </a:cubicBezTo>
+                <a:close/>
+              </a:path>
+            </a:pathLst>
+          </a:custGeom>
+          <a:solidFill>
+            <a:schemeClr val="accent1">
+              <a:lumMod val="40000"/>
+              <a:lumOff val="60000"/>
+            </a:schemeClr>
+          </a:solidFill>
+          <a:ln>
+            <a:solidFill>
+              <a:schemeClr val="accent1">
+                <a:lumMod val="60000"/>
+                <a:lumOff val="40000"/>
+              </a:schemeClr>
+            </a:solidFill>
+          </a:ln>
+        </p:spPr>
+        <p:style>
+          <a:lnRef idx="2">
+            <a:schemeClr val="accent1">
+              <a:shade val="50000"/>
+            </a:schemeClr>
+          </a:lnRef>
+          <a:fillRef idx="1">
+            <a:schemeClr val="accent1"/>
+          </a:fillRef>
+          <a:effectRef idx="0">
+            <a:schemeClr val="accent1"/>
+          </a:effectRef>
+          <a:fontRef idx="minor">
+            <a:schemeClr val="lt1"/>
+          </a:fontRef>
+        </p:style>
+        <p:txBody>
+          <a:bodyPr rtlCol="0" anchor="ctr"/>
+          <a:lstStyle/>
+          <a:p>
+            <a:pPr algn="ctr"/>
+            <a:endParaRPr lang="en-US"/>
+          </a:p>
+        </p:txBody>
+      </p:sp>
+      <p:sp>
+        <p:nvSpPr>
+          <p:cNvPr id="148" name="Oval 147">
+            <a:extLst>
+              <a:ext uri="{FF2B5EF4-FFF2-40B4-BE49-F238E27FC236}">
+                <a16:creationId xmlns:a16="http://schemas.microsoft.com/office/drawing/2014/main" id="{C5A36E3E-1181-C149-9637-C4F61DF3A1E8}"/>
+              </a:ext>
+            </a:extLst>
+          </p:cNvPr>
+          <p:cNvSpPr/>
+          <p:nvPr/>
+        </p:nvSpPr>
+        <p:spPr>
+          <a:xfrm>
+            <a:off x="3129303" y="4817130"/>
+            <a:ext cx="613862" cy="824437"/>
+          </a:xfrm>
+          <a:prstGeom prst="ellipse">
+            <a:avLst/>
+          </a:prstGeom>
+          <a:solidFill>
+            <a:schemeClr val="accent2">
+              <a:lumMod val="20000"/>
+              <a:lumOff val="80000"/>
+            </a:schemeClr>
+          </a:solidFill>
+          <a:ln w="3175">
+            <a:solidFill>
+              <a:schemeClr val="bg1">
+                <a:lumMod val="50000"/>
+              </a:schemeClr>
+            </a:solidFill>
+            <a:prstDash val="dash"/>
+          </a:ln>
+        </p:spPr>
+        <p:style>
+          <a:lnRef idx="2">
+            <a:schemeClr val="accent1">
+              <a:shade val="50000"/>
+            </a:schemeClr>
+          </a:lnRef>
+          <a:fillRef idx="1">
+            <a:schemeClr val="accent1"/>
+          </a:fillRef>
+          <a:effectRef idx="0">
+            <a:schemeClr val="accent1"/>
+          </a:effectRef>
+          <a:fontRef idx="minor">
+            <a:schemeClr val="lt1"/>
+          </a:fontRef>
+        </p:style>
+        <p:txBody>
+          <a:bodyPr rtlCol="0" anchor="ctr"/>
+          <a:lstStyle/>
+          <a:p>
+            <a:pPr algn="ctr"/>
+            <a:endParaRPr lang="en-US" sz="1600"/>
+          </a:p>
+        </p:txBody>
+      </p:sp>
+      <p:sp>
+        <p:nvSpPr>
+          <p:cNvPr id="293" name="Rounded Rectangle 292">
+            <a:extLst>
+              <a:ext uri="{FF2B5EF4-FFF2-40B4-BE49-F238E27FC236}">
+                <a16:creationId xmlns:a16="http://schemas.microsoft.com/office/drawing/2014/main" id="{682D9E51-8213-1343-931E-8BEF15F7BAF9}"/>
+              </a:ext>
+            </a:extLst>
+          </p:cNvPr>
+          <p:cNvSpPr/>
+          <p:nvPr/>
+        </p:nvSpPr>
+        <p:spPr>
+          <a:xfrm>
+            <a:off x="4804261" y="4415118"/>
+            <a:ext cx="4169058" cy="1683160"/>
+          </a:xfrm>
+          <a:prstGeom prst="roundRect">
+            <a:avLst>
+              <a:gd name="adj" fmla="val 5507"/>
+            </a:avLst>
+          </a:prstGeom>
+          <a:solidFill>
+            <a:schemeClr val="accent2">
+              <a:lumMod val="20000"/>
+              <a:lumOff val="80000"/>
+            </a:schemeClr>
+          </a:solidFill>
+          <a:ln>
+            <a:solidFill>
+              <a:schemeClr val="bg2">
+                <a:lumMod val="75000"/>
+              </a:schemeClr>
+            </a:solidFill>
+            <a:prstDash val="dash"/>
+          </a:ln>
+        </p:spPr>
+        <p:style>
+          <a:lnRef idx="2">
+            <a:schemeClr val="accent1">
+              <a:shade val="50000"/>
+            </a:schemeClr>
+          </a:lnRef>
+          <a:fillRef idx="1">
+            <a:schemeClr val="accent1"/>
+          </a:fillRef>
+          <a:effectRef idx="0">
+            <a:schemeClr val="accent1"/>
+          </a:effectRef>
+          <a:fontRef idx="minor">
+            <a:schemeClr val="lt1"/>
+          </a:fontRef>
+        </p:style>
+        <p:txBody>
+          <a:bodyPr rtlCol="0" anchor="ctr"/>
+          <a:lstStyle/>
+          <a:p>
+            <a:pPr algn="ctr"/>
+            <a:endParaRPr lang="en-US"/>
+          </a:p>
+        </p:txBody>
+      </p:sp>
+      <p:pic>
+        <p:nvPicPr>
+          <p:cNvPr id="272" name="Picture 271">
+            <a:extLst>
+              <a:ext uri="{FF2B5EF4-FFF2-40B4-BE49-F238E27FC236}">
+                <a16:creationId xmlns:a16="http://schemas.microsoft.com/office/drawing/2014/main" id="{52262CF0-478E-FE41-922C-B7EA0A8D6F28}"/>
+              </a:ext>
+            </a:extLst>
+          </p:cNvPr>
+          <p:cNvPicPr>
+            <a:picLocks noChangeAspect="1"/>
+          </p:cNvPicPr>
+          <p:nvPr/>
+        </p:nvPicPr>
+        <p:blipFill>
+          <a:blip r:embed="rId2"/>
+          <a:stretch>
+            <a:fillRect/>
+          </a:stretch>
+        </p:blipFill>
+        <p:spPr>
+          <a:xfrm>
+            <a:off x="7987274" y="1346457"/>
+            <a:ext cx="2745522" cy="2745522"/>
+          </a:xfrm>
+          <a:prstGeom prst="rect">
+            <a:avLst/>
+          </a:prstGeom>
+        </p:spPr>
+      </p:pic>
+      <p:sp>
+        <p:nvSpPr>
+          <p:cNvPr id="127" name="Oval 126">
+            <a:extLst>
+              <a:ext uri="{FF2B5EF4-FFF2-40B4-BE49-F238E27FC236}">
+                <a16:creationId xmlns:a16="http://schemas.microsoft.com/office/drawing/2014/main" id="{CC11FDEC-7C7B-C74F-8742-72197875B79C}"/>
+              </a:ext>
+            </a:extLst>
+          </p:cNvPr>
+          <p:cNvSpPr/>
+          <p:nvPr/>
+        </p:nvSpPr>
+        <p:spPr>
+          <a:xfrm>
+            <a:off x="9858836" y="2542278"/>
+            <a:ext cx="170688" cy="173741"/>
+          </a:xfrm>
+          <a:prstGeom prst="ellipse">
+            <a:avLst/>
+          </a:prstGeom>
+          <a:noFill/>
+          <a:ln>
+            <a:solidFill>
+              <a:schemeClr val="bg2">
+                <a:lumMod val="50000"/>
+              </a:schemeClr>
+            </a:solidFill>
+            <a:prstDash val="lgDash"/>
+          </a:ln>
+        </p:spPr>
+        <p:style>
+          <a:lnRef idx="2">
+            <a:schemeClr val="accent1">
+              <a:shade val="50000"/>
+            </a:schemeClr>
+          </a:lnRef>
+          <a:fillRef idx="1">
+            <a:schemeClr val="accent1"/>
+          </a:fillRef>
+          <a:effectRef idx="0">
+            <a:schemeClr val="accent1"/>
+          </a:effectRef>
+          <a:fontRef idx="minor">
+            <a:schemeClr val="lt1"/>
+          </a:fontRef>
+        </p:style>
+        <p:txBody>
+          <a:bodyPr rtlCol="0" anchor="ctr"/>
+          <a:lstStyle/>
+          <a:p>
+            <a:pPr algn="ctr"/>
+            <a:endParaRPr lang="en-US"/>
+          </a:p>
+        </p:txBody>
+      </p:sp>
+      <p:pic>
+        <p:nvPicPr>
+          <p:cNvPr id="1028" name="Picture 1027">
+            <a:extLst>
+              <a:ext uri="{FF2B5EF4-FFF2-40B4-BE49-F238E27FC236}">
+                <a16:creationId xmlns:a16="http://schemas.microsoft.com/office/drawing/2014/main" id="{B20FA08A-E840-F94B-A103-34368AE38FF0}"/>
+              </a:ext>
+            </a:extLst>
+          </p:cNvPr>
+          <p:cNvPicPr>
+            <a:picLocks noChangeAspect="1"/>
+          </p:cNvPicPr>
+          <p:nvPr/>
+        </p:nvPicPr>
+        <p:blipFill>
+          <a:blip r:embed="rId3"/>
+          <a:stretch>
+            <a:fillRect/>
+          </a:stretch>
+        </p:blipFill>
+        <p:spPr>
+          <a:xfrm>
+            <a:off x="5259509" y="1763576"/>
+            <a:ext cx="1403901" cy="1884674"/>
+          </a:xfrm>
+          <a:prstGeom prst="rect">
+            <a:avLst/>
+          </a:prstGeom>
+        </p:spPr>
+      </p:pic>
+      <p:pic>
+        <p:nvPicPr>
+          <p:cNvPr id="126" name="Picture 125">
+            <a:extLst>
+              <a:ext uri="{FF2B5EF4-FFF2-40B4-BE49-F238E27FC236}">
+                <a16:creationId xmlns:a16="http://schemas.microsoft.com/office/drawing/2014/main" id="{1656F3F6-FA3A-0842-A528-E1DA9F820F33}"/>
+              </a:ext>
+            </a:extLst>
+          </p:cNvPr>
+          <p:cNvPicPr>
+            <a:picLocks noChangeAspect="1"/>
+          </p:cNvPicPr>
+          <p:nvPr/>
+        </p:nvPicPr>
+        <p:blipFill>
+          <a:blip r:embed="rId4"/>
+          <a:stretch>
+            <a:fillRect/>
+          </a:stretch>
+        </p:blipFill>
+        <p:spPr>
+          <a:xfrm>
+            <a:off x="-504086" y="1400889"/>
+            <a:ext cx="2680442" cy="2921000"/>
+          </a:xfrm>
+          <a:prstGeom prst="rect">
+            <a:avLst/>
+          </a:prstGeom>
+        </p:spPr>
+      </p:pic>
+      <p:pic>
+        <p:nvPicPr>
+          <p:cNvPr id="1024" name="Picture 1023">
+            <a:extLst>
+              <a:ext uri="{FF2B5EF4-FFF2-40B4-BE49-F238E27FC236}">
+                <a16:creationId xmlns:a16="http://schemas.microsoft.com/office/drawing/2014/main" id="{18C45447-BF97-A547-8B61-BD9617A25B80}"/>
+              </a:ext>
+            </a:extLst>
+          </p:cNvPr>
+          <p:cNvPicPr>
+            <a:picLocks noChangeAspect="1"/>
+          </p:cNvPicPr>
+          <p:nvPr/>
+        </p:nvPicPr>
+        <p:blipFill>
+          <a:blip r:embed="rId5"/>
+          <a:stretch>
+            <a:fillRect/>
+          </a:stretch>
+        </p:blipFill>
+        <p:spPr>
+          <a:xfrm>
+            <a:off x="2954185" y="1789429"/>
+            <a:ext cx="1643870" cy="1793866"/>
+          </a:xfrm>
+          <a:prstGeom prst="rect">
+            <a:avLst/>
+          </a:prstGeom>
+        </p:spPr>
+      </p:pic>
+      <p:sp>
+        <p:nvSpPr>
+          <p:cNvPr id="49" name="Oval 48">
+            <a:extLst>
+              <a:ext uri="{FF2B5EF4-FFF2-40B4-BE49-F238E27FC236}">
+                <a16:creationId xmlns:a16="http://schemas.microsoft.com/office/drawing/2014/main" id="{84673038-52FE-1A4F-A895-D7CD9CAEAD15}"/>
+              </a:ext>
+            </a:extLst>
+          </p:cNvPr>
+          <p:cNvSpPr/>
+          <p:nvPr/>
+        </p:nvSpPr>
+        <p:spPr>
+          <a:xfrm>
+            <a:off x="1464460" y="2447955"/>
+            <a:ext cx="533400" cy="452755"/>
+          </a:xfrm>
+          <a:prstGeom prst="ellipse">
+            <a:avLst/>
+          </a:prstGeom>
+          <a:noFill/>
+          <a:ln>
+            <a:solidFill>
+              <a:schemeClr val="bg2">
+                <a:lumMod val="50000"/>
+              </a:schemeClr>
+            </a:solidFill>
+            <a:prstDash val="lgDash"/>
+          </a:ln>
+        </p:spPr>
+        <p:style>
+          <a:lnRef idx="2">
+            <a:schemeClr val="accent1">
+              <a:shade val="50000"/>
+            </a:schemeClr>
+          </a:lnRef>
+          <a:fillRef idx="1">
+            <a:schemeClr val="accent1"/>
+          </a:fillRef>
+          <a:effectRef idx="0">
+            <a:schemeClr val="accent1"/>
+          </a:effectRef>
+          <a:fontRef idx="minor">
+            <a:schemeClr val="lt1"/>
+          </a:fontRef>
+        </p:style>
+        <p:txBody>
+          <a:bodyPr rtlCol="0" anchor="ctr"/>
+          <a:lstStyle/>
+          <a:p>
+            <a:pPr algn="ctr"/>
+            <a:endParaRPr lang="en-US"/>
+          </a:p>
+        </p:txBody>
+      </p:sp>
+      <p:sp>
+        <p:nvSpPr>
+          <p:cNvPr id="58" name="TextBox 57">
+            <a:extLst>
+              <a:ext uri="{FF2B5EF4-FFF2-40B4-BE49-F238E27FC236}">
+                <a16:creationId xmlns:a16="http://schemas.microsoft.com/office/drawing/2014/main" id="{7C44F53E-79C9-6840-BB11-341E50A6700D}"/>
+              </a:ext>
+            </a:extLst>
+          </p:cNvPr>
+          <p:cNvSpPr txBox="1"/>
+          <p:nvPr/>
+        </p:nvSpPr>
+        <p:spPr>
+          <a:xfrm>
+            <a:off x="73152" y="3747566"/>
+            <a:ext cx="1601721" cy="338554"/>
+          </a:xfrm>
+          <a:prstGeom prst="rect">
+            <a:avLst/>
+          </a:prstGeom>
+          <a:noFill/>
+        </p:spPr>
+        <p:txBody>
+          <a:bodyPr wrap="none" rtlCol="0">
+            <a:spAutoFit/>
+          </a:bodyPr>
+          <a:lstStyle/>
+          <a:p>
+            <a:r>
+              <a:rPr lang="en-US" sz="1600" dirty="0">
+                <a:latin typeface="Times New Roman" panose="02020603050405020304" pitchFamily="18" charset="0"/>
+                <a:cs typeface="Times New Roman" panose="02020603050405020304" pitchFamily="18" charset="0"/>
+              </a:rPr>
+              <a:t>Input point cloud</a:t>
+            </a:r>
+          </a:p>
+        </p:txBody>
+      </p:sp>
+      <p:sp>
+        <p:nvSpPr>
+          <p:cNvPr id="57" name="Rounded Rectangle 56">
+            <a:extLst>
+              <a:ext uri="{FF2B5EF4-FFF2-40B4-BE49-F238E27FC236}">
+                <a16:creationId xmlns:a16="http://schemas.microsoft.com/office/drawing/2014/main" id="{2C70A2FC-623A-CB47-BC3A-28107611272B}"/>
+              </a:ext>
+            </a:extLst>
+          </p:cNvPr>
+          <p:cNvSpPr/>
+          <p:nvPr/>
+        </p:nvSpPr>
+        <p:spPr>
+          <a:xfrm>
+            <a:off x="4791415" y="1869985"/>
+            <a:ext cx="482542" cy="1523805"/>
+          </a:xfrm>
+          <a:prstGeom prst="roundRect">
+            <a:avLst/>
+          </a:prstGeom>
+        </p:spPr>
+        <p:style>
+          <a:lnRef idx="1">
+            <a:schemeClr val="accent2"/>
+          </a:lnRef>
+          <a:fillRef idx="2">
+            <a:schemeClr val="accent2"/>
+          </a:fillRef>
+          <a:effectRef idx="1">
+            <a:schemeClr val="accent2"/>
+          </a:effectRef>
+          <a:fontRef idx="minor">
+            <a:schemeClr val="dk1"/>
+          </a:fontRef>
+        </p:style>
+        <p:txBody>
+          <a:bodyPr vert="vert270" rtlCol="0" anchor="ctr"/>
+          <a:lstStyle/>
+          <a:p>
+            <a:pPr algn="ctr"/>
+            <a:r>
+              <a:rPr lang="en-US" sz="1600" dirty="0">
+                <a:solidFill>
+                  <a:schemeClr val="tx1"/>
+                </a:solidFill>
+                <a:latin typeface="Times New Roman" panose="02020603050405020304" pitchFamily="18" charset="0"/>
+                <a:cs typeface="Times New Roman" panose="02020603050405020304" pitchFamily="18" charset="0"/>
+              </a:rPr>
+              <a:t>Shared Residual MLP Blocks</a:t>
+            </a:r>
+          </a:p>
+        </p:txBody>
+      </p:sp>
+      <mc:AlternateContent xmlns:mc="http://schemas.openxmlformats.org/markup-compatibility/2006">
+        <mc:Choice xmlns:a14="http://schemas.microsoft.com/office/drawing/2010/main" Requires="a14">
+          <p:sp>
+            <p:nvSpPr>
+              <p:cNvPr id="93" name="Oval 92">
+                <a:extLst>
+                  <a:ext uri="{FF2B5EF4-FFF2-40B4-BE49-F238E27FC236}">
+                    <a16:creationId xmlns:a16="http://schemas.microsoft.com/office/drawing/2014/main" id="{78C4065F-74CF-7F41-BF20-C570BF4162BD}"/>
+                  </a:ext>
+                </a:extLst>
+              </p:cNvPr>
+              <p:cNvSpPr/>
+              <p:nvPr/>
+            </p:nvSpPr>
+            <p:spPr>
+              <a:xfrm>
+                <a:off x="6764740" y="2573415"/>
+                <a:ext cx="256695" cy="252408"/>
+              </a:xfrm>
+              <a:prstGeom prst="ellipse">
+                <a:avLst/>
+              </a:prstGeom>
+              <a:noFill/>
+              <a:ln>
+                <a:solidFill>
+                  <a:schemeClr val="tx1"/>
+                </a:solidFill>
+              </a:ln>
+            </p:spPr>
+            <p:style>
+              <a:lnRef idx="2">
+                <a:schemeClr val="accent1">
+                  <a:shade val="50000"/>
+                </a:schemeClr>
+              </a:lnRef>
+              <a:fillRef idx="1">
+                <a:schemeClr val="accent1"/>
+              </a:fillRef>
+              <a:effectRef idx="0">
+                <a:schemeClr val="accent1"/>
+              </a:effectRef>
+              <a:fontRef idx="minor">
+                <a:schemeClr val="lt1"/>
+              </a:fontRef>
+            </p:style>
+            <p:txBody>
+              <a:bodyPr rtlCol="0" anchor="ctr"/>
+              <a:lstStyle/>
+              <a:p>
+                <a:pPr algn="ctr"/>
+                <a14:m>
+                  <m:oMathPara xmlns:m="http://schemas.openxmlformats.org/officeDocument/2006/math">
+                    <m:oMathParaPr>
+                      <m:jc m:val="centerGroup"/>
+                    </m:oMathParaPr>
+                    <m:oMath xmlns:m="http://schemas.openxmlformats.org/officeDocument/2006/math">
+                      <m:r>
+                        <a:rPr lang="en-US" sz="1600" i="1" smtClean="0">
+                          <a:solidFill>
+                            <a:schemeClr val="tx1"/>
+                          </a:solidFill>
+                          <a:latin typeface="Cambria Math" panose="02040503050406030204" pitchFamily="18" charset="0"/>
+                          <a:ea typeface="Cambria Math" panose="02040503050406030204" pitchFamily="18" charset="0"/>
+                        </a:rPr>
+                        <m:t>𝒜</m:t>
+                      </m:r>
+                    </m:oMath>
+                  </m:oMathPara>
+                </a14:m>
+                <a:endParaRPr lang="en-US" sz="1600" dirty="0">
+                  <a:solidFill>
+                    <a:schemeClr val="tx1"/>
+                  </a:solidFill>
+                </a:endParaRPr>
+              </a:p>
+            </p:txBody>
+          </p:sp>
+        </mc:Choice>
+        <mc:Fallback>
+          <p:sp>
+            <p:nvSpPr>
+              <p:cNvPr id="93" name="Oval 92">
+                <a:extLst>
+                  <a:ext uri="{FF2B5EF4-FFF2-40B4-BE49-F238E27FC236}">
+                    <a16:creationId xmlns:a16="http://schemas.microsoft.com/office/drawing/2014/main" id="{78C4065F-74CF-7F41-BF20-C570BF4162BD}"/>
+                  </a:ext>
+                </a:extLst>
+              </p:cNvPr>
+              <p:cNvSpPr>
+                <a:spLocks noRot="1" noChangeAspect="1" noMove="1" noResize="1" noEditPoints="1" noAdjustHandles="1" noChangeArrowheads="1" noChangeShapeType="1" noTextEdit="1"/>
+              </p:cNvSpPr>
+              <p:nvPr/>
+            </p:nvSpPr>
+            <p:spPr>
+              <a:xfrm>
+                <a:off x="6764740" y="2573415"/>
+                <a:ext cx="256695" cy="252408"/>
+              </a:xfrm>
+              <a:prstGeom prst="ellipse">
+                <a:avLst/>
+              </a:prstGeom>
+              <a:blipFill>
+                <a:blip r:embed="rId6"/>
+                <a:stretch>
+                  <a:fillRect l="-18182"/>
+                </a:stretch>
+              </a:blipFill>
+              <a:ln>
+                <a:solidFill>
+                  <a:schemeClr val="tx1"/>
+                </a:solidFill>
+              </a:ln>
+            </p:spPr>
+            <p:txBody>
+              <a:bodyPr/>
+              <a:lstStyle/>
+              <a:p>
+                <a:r>
+                  <a:rPr lang="en-US">
+                    <a:noFill/>
+                  </a:rPr>
+                  <a:t> </a:t>
+                </a:r>
+              </a:p>
+            </p:txBody>
+          </p:sp>
+        </mc:Fallback>
+      </mc:AlternateContent>
+      <p:sp>
+        <p:nvSpPr>
+          <p:cNvPr id="106" name="Rounded Rectangle 105">
+            <a:extLst>
+              <a:ext uri="{FF2B5EF4-FFF2-40B4-BE49-F238E27FC236}">
+                <a16:creationId xmlns:a16="http://schemas.microsoft.com/office/drawing/2014/main" id="{FAE4CFF7-B709-DC4A-B221-D56101E4F49E}"/>
+              </a:ext>
+            </a:extLst>
+          </p:cNvPr>
+          <p:cNvSpPr/>
+          <p:nvPr/>
+        </p:nvSpPr>
+        <p:spPr>
+          <a:xfrm>
+            <a:off x="7352989" y="1892955"/>
+            <a:ext cx="482542" cy="1523804"/>
+          </a:xfrm>
+          <a:prstGeom prst="roundRect">
+            <a:avLst/>
+          </a:prstGeom>
+        </p:spPr>
+        <p:style>
+          <a:lnRef idx="1">
+            <a:schemeClr val="accent2"/>
+          </a:lnRef>
+          <a:fillRef idx="2">
+            <a:schemeClr val="accent2"/>
+          </a:fillRef>
+          <a:effectRef idx="1">
+            <a:schemeClr val="accent2"/>
+          </a:effectRef>
+          <a:fontRef idx="minor">
+            <a:schemeClr val="dk1"/>
+          </a:fontRef>
+        </p:style>
+        <p:txBody>
+          <a:bodyPr vert="vert270" rtlCol="0" anchor="ctr"/>
+          <a:lstStyle/>
+          <a:p>
+            <a:pPr algn="ctr"/>
+            <a:r>
+              <a:rPr lang="en-US" sz="1600" dirty="0">
+                <a:solidFill>
+                  <a:schemeClr val="tx1"/>
+                </a:solidFill>
+                <a:latin typeface="Times New Roman" panose="02020603050405020304" pitchFamily="18" charset="0"/>
+                <a:cs typeface="Times New Roman" panose="02020603050405020304" pitchFamily="18" charset="0"/>
+              </a:rPr>
+              <a:t>Shared Residual MLP Blocks</a:t>
+            </a:r>
+          </a:p>
+        </p:txBody>
+      </p:sp>
+      <p:sp>
+        <p:nvSpPr>
+          <p:cNvPr id="110" name="Rounded Rectangle 109">
+            <a:extLst>
+              <a:ext uri="{FF2B5EF4-FFF2-40B4-BE49-F238E27FC236}">
+                <a16:creationId xmlns:a16="http://schemas.microsoft.com/office/drawing/2014/main" id="{EE3167BC-771E-F14D-93F3-953E576D22AD}"/>
+              </a:ext>
+            </a:extLst>
+          </p:cNvPr>
+          <p:cNvSpPr/>
+          <p:nvPr/>
+        </p:nvSpPr>
+        <p:spPr>
+          <a:xfrm>
+            <a:off x="1445289" y="1543944"/>
+            <a:ext cx="9282251" cy="2241509"/>
+          </a:xfrm>
+          <a:prstGeom prst="roundRect">
+            <a:avLst>
+              <a:gd name="adj" fmla="val 5762"/>
+            </a:avLst>
+          </a:prstGeom>
+          <a:noFill/>
+          <a:ln>
+            <a:solidFill>
+              <a:schemeClr val="tx1"/>
+            </a:solidFill>
+            <a:prstDash val="sysDot"/>
+          </a:ln>
+        </p:spPr>
+        <p:style>
+          <a:lnRef idx="2">
+            <a:schemeClr val="accent1">
+              <a:shade val="50000"/>
+            </a:schemeClr>
+          </a:lnRef>
+          <a:fillRef idx="1">
+            <a:schemeClr val="accent1"/>
+          </a:fillRef>
+          <a:effectRef idx="0">
+            <a:schemeClr val="accent1"/>
+          </a:effectRef>
+          <a:fontRef idx="minor">
+            <a:schemeClr val="lt1"/>
+          </a:fontRef>
+        </p:style>
+        <p:txBody>
+          <a:bodyPr rtlCol="0" anchor="ctr"/>
+          <a:lstStyle/>
+          <a:p>
+            <a:pPr algn="ctr"/>
+            <a:endParaRPr lang="en-US"/>
+          </a:p>
+        </p:txBody>
+      </p:sp>
+      <mc:AlternateContent xmlns:mc="http://schemas.openxmlformats.org/markup-compatibility/2006">
+        <mc:Choice xmlns:a14="http://schemas.microsoft.com/office/drawing/2010/main" Requires="a14">
+          <p:sp>
+            <p:nvSpPr>
+              <p:cNvPr id="113" name="TextBox 112">
+                <a:extLst>
+                  <a:ext uri="{FF2B5EF4-FFF2-40B4-BE49-F238E27FC236}">
+                    <a16:creationId xmlns:a16="http://schemas.microsoft.com/office/drawing/2014/main" id="{EC61F3C0-404C-304F-9FD2-E56F50A4072A}"/>
+                  </a:ext>
+                </a:extLst>
+              </p:cNvPr>
+              <p:cNvSpPr txBox="1"/>
+              <p:nvPr/>
+            </p:nvSpPr>
+            <p:spPr>
+              <a:xfrm>
+                <a:off x="9360035" y="1225817"/>
+                <a:ext cx="1486304" cy="338554"/>
+              </a:xfrm>
+              <a:prstGeom prst="rect">
+                <a:avLst/>
+              </a:prstGeom>
+              <a:noFill/>
+            </p:spPr>
+            <p:txBody>
+              <a:bodyPr wrap="none" rtlCol="0">
+                <a:spAutoFit/>
+              </a:bodyPr>
+              <a:lstStyle/>
+              <a:p>
+                <a:r>
+                  <a:rPr lang="en-US" sz="1600" dirty="0">
+                    <a:latin typeface="Times New Roman" panose="02020603050405020304" pitchFamily="18" charset="0"/>
+                    <a:cs typeface="Times New Roman" panose="02020603050405020304" pitchFamily="18" charset="0"/>
+                  </a:rPr>
+                  <a:t>Repeat </a:t>
+                </a:r>
+                <a14:m>
+                  <m:oMath xmlns:m="http://schemas.openxmlformats.org/officeDocument/2006/math">
+                    <m:r>
+                      <a:rPr lang="en-US" sz="1600" i="1" smtClean="0">
+                        <a:latin typeface="Cambria Math" panose="02040503050406030204" pitchFamily="18" charset="0"/>
+                        <a:ea typeface="Cambria Math" panose="02040503050406030204" pitchFamily="18" charset="0"/>
+                        <a:cs typeface="Times New Roman" panose="02020603050405020304" pitchFamily="18" charset="0"/>
+                      </a:rPr>
+                      <m:t>𝒮</m:t>
+                    </m:r>
+                  </m:oMath>
+                </a14:m>
+                <a:r>
+                  <a:rPr lang="en-US" sz="1600" dirty="0">
+                    <a:latin typeface="Times New Roman" panose="02020603050405020304" pitchFamily="18" charset="0"/>
+                    <a:cs typeface="Times New Roman" panose="02020603050405020304" pitchFamily="18" charset="0"/>
+                  </a:rPr>
+                  <a:t> stages</a:t>
+                </a:r>
+              </a:p>
+            </p:txBody>
+          </p:sp>
+        </mc:Choice>
+        <mc:Fallback>
+          <p:sp>
+            <p:nvSpPr>
+              <p:cNvPr id="113" name="TextBox 112">
+                <a:extLst>
+                  <a:ext uri="{FF2B5EF4-FFF2-40B4-BE49-F238E27FC236}">
+                    <a16:creationId xmlns:a16="http://schemas.microsoft.com/office/drawing/2014/main" id="{EC61F3C0-404C-304F-9FD2-E56F50A4072A}"/>
+                  </a:ext>
+                </a:extLst>
+              </p:cNvPr>
+              <p:cNvSpPr txBox="1">
+                <a:spLocks noRot="1" noChangeAspect="1" noMove="1" noResize="1" noEditPoints="1" noAdjustHandles="1" noChangeArrowheads="1" noChangeShapeType="1" noTextEdit="1"/>
+              </p:cNvSpPr>
+              <p:nvPr/>
+            </p:nvSpPr>
+            <p:spPr>
+              <a:xfrm>
+                <a:off x="9360035" y="1225817"/>
+                <a:ext cx="1486304" cy="338554"/>
+              </a:xfrm>
+              <a:prstGeom prst="rect">
+                <a:avLst/>
+              </a:prstGeom>
+              <a:blipFill>
+                <a:blip r:embed="rId7"/>
+                <a:stretch>
+                  <a:fillRect l="-1695" t="-3571" r="-1695" b="-17857"/>
+                </a:stretch>
+              </a:blipFill>
+            </p:spPr>
+            <p:txBody>
+              <a:bodyPr/>
+              <a:lstStyle/>
+              <a:p>
+                <a:r>
+                  <a:rPr lang="en-US">
+                    <a:noFill/>
+                  </a:rPr>
+                  <a:t> </a:t>
+                </a:r>
+              </a:p>
+            </p:txBody>
+          </p:sp>
+        </mc:Fallback>
+      </mc:AlternateContent>
+      <p:sp>
+        <p:nvSpPr>
+          <p:cNvPr id="1042" name="Arc 1041">
+            <a:extLst>
+              <a:ext uri="{FF2B5EF4-FFF2-40B4-BE49-F238E27FC236}">
+                <a16:creationId xmlns:a16="http://schemas.microsoft.com/office/drawing/2014/main" id="{9C60DC17-593E-1F40-B58E-C73A1E0A6A0E}"/>
+              </a:ext>
+            </a:extLst>
+          </p:cNvPr>
+          <p:cNvSpPr/>
+          <p:nvPr/>
+        </p:nvSpPr>
+        <p:spPr>
+          <a:xfrm rot="21171704">
+            <a:off x="7815761" y="1968310"/>
+            <a:ext cx="2074711" cy="1707974"/>
+          </a:xfrm>
+          <a:prstGeom prst="arc">
+            <a:avLst>
+              <a:gd name="adj1" fmla="val 11692380"/>
+              <a:gd name="adj2" fmla="val 20284446"/>
+            </a:avLst>
+          </a:prstGeom>
+          <a:ln w="57150">
+            <a:solidFill>
+              <a:schemeClr val="bg1">
+                <a:lumMod val="65000"/>
+              </a:schemeClr>
+            </a:solidFill>
+            <a:prstDash val="sysDash"/>
+          </a:ln>
+        </p:spPr>
+        <p:style>
+          <a:lnRef idx="1">
+            <a:schemeClr val="accent1"/>
+          </a:lnRef>
+          <a:fillRef idx="0">
+            <a:schemeClr val="accent1"/>
+          </a:fillRef>
+          <a:effectRef idx="0">
+            <a:schemeClr val="accent1"/>
+          </a:effectRef>
+          <a:fontRef idx="minor">
+            <a:schemeClr val="tx1"/>
+          </a:fontRef>
+        </p:style>
+        <p:txBody>
+          <a:bodyPr rtlCol="0" anchor="ctr"/>
+          <a:lstStyle/>
+          <a:p>
+            <a:pPr algn="ctr"/>
+            <a:endParaRPr lang="en-US"/>
+          </a:p>
+        </p:txBody>
+      </p:sp>
+      <p:sp>
+        <p:nvSpPr>
+          <p:cNvPr id="1043" name="Down Arrow 1042">
+            <a:extLst>
+              <a:ext uri="{FF2B5EF4-FFF2-40B4-BE49-F238E27FC236}">
+                <a16:creationId xmlns:a16="http://schemas.microsoft.com/office/drawing/2014/main" id="{B5B05A1B-3497-1946-97B9-2011FEE26697}"/>
+              </a:ext>
+            </a:extLst>
+          </p:cNvPr>
+          <p:cNvSpPr/>
+          <p:nvPr/>
+        </p:nvSpPr>
+        <p:spPr>
+          <a:xfrm rot="19536036">
+            <a:off x="9736411" y="2301374"/>
+            <a:ext cx="115755" cy="249066"/>
+          </a:xfrm>
+          <a:prstGeom prst="downArrow">
+            <a:avLst/>
+          </a:prstGeom>
+          <a:solidFill>
+            <a:srgbClr val="A6A6A6"/>
+          </a:solidFill>
+          <a:ln>
+            <a:noFill/>
+          </a:ln>
+        </p:spPr>
+        <p:style>
+          <a:lnRef idx="2">
+            <a:schemeClr val="accent1">
+              <a:shade val="50000"/>
+            </a:schemeClr>
+          </a:lnRef>
+          <a:fillRef idx="1">
+            <a:schemeClr val="accent1"/>
+          </a:fillRef>
+          <a:effectRef idx="0">
+            <a:schemeClr val="accent1"/>
+          </a:effectRef>
+          <a:fontRef idx="minor">
+            <a:schemeClr val="lt1"/>
+          </a:fontRef>
+        </p:style>
+        <p:txBody>
+          <a:bodyPr rtlCol="0" anchor="ctr"/>
+          <a:lstStyle/>
+          <a:p>
+            <a:pPr algn="ctr"/>
+            <a:endParaRPr lang="en-US"/>
+          </a:p>
+        </p:txBody>
+      </p:sp>
+      <p:sp>
+        <p:nvSpPr>
+          <p:cNvPr id="1044" name="Oval 1043">
+            <a:extLst>
+              <a:ext uri="{FF2B5EF4-FFF2-40B4-BE49-F238E27FC236}">
+                <a16:creationId xmlns:a16="http://schemas.microsoft.com/office/drawing/2014/main" id="{06376D35-9925-4548-94E4-8089A25C52E0}"/>
+              </a:ext>
+            </a:extLst>
+          </p:cNvPr>
+          <p:cNvSpPr/>
+          <p:nvPr/>
+        </p:nvSpPr>
+        <p:spPr>
+          <a:xfrm>
+            <a:off x="497624" y="4817129"/>
+            <a:ext cx="85824" cy="85823"/>
+          </a:xfrm>
+          <a:prstGeom prst="ellipse">
+            <a:avLst/>
+          </a:prstGeom>
+        </p:spPr>
+        <p:style>
+          <a:lnRef idx="0">
+            <a:schemeClr val="accent6"/>
+          </a:lnRef>
+          <a:fillRef idx="3">
+            <a:schemeClr val="accent6"/>
+          </a:fillRef>
+          <a:effectRef idx="3">
+            <a:schemeClr val="accent6"/>
+          </a:effectRef>
+          <a:fontRef idx="minor">
+            <a:schemeClr val="lt1"/>
+          </a:fontRef>
+        </p:style>
+        <p:txBody>
+          <a:bodyPr rtlCol="0" anchor="ctr"/>
+          <a:lstStyle/>
+          <a:p>
+            <a:pPr algn="ctr"/>
+            <a:endParaRPr lang="en-US" sz="1600"/>
+          </a:p>
+        </p:txBody>
+      </p:sp>
+      <p:sp>
+        <p:nvSpPr>
+          <p:cNvPr id="149" name="Oval 148">
+            <a:extLst>
+              <a:ext uri="{FF2B5EF4-FFF2-40B4-BE49-F238E27FC236}">
+                <a16:creationId xmlns:a16="http://schemas.microsoft.com/office/drawing/2014/main" id="{AAA0F02D-7E4F-6248-BB9A-7E31BA3C37A8}"/>
+              </a:ext>
+            </a:extLst>
+          </p:cNvPr>
+          <p:cNvSpPr/>
+          <p:nvPr/>
+        </p:nvSpPr>
+        <p:spPr>
+          <a:xfrm>
+            <a:off x="755611" y="5579349"/>
+            <a:ext cx="85824" cy="85823"/>
+          </a:xfrm>
+          <a:prstGeom prst="ellipse">
+            <a:avLst/>
+          </a:prstGeom>
+        </p:spPr>
+        <p:style>
+          <a:lnRef idx="0">
+            <a:schemeClr val="accent6"/>
+          </a:lnRef>
+          <a:fillRef idx="3">
+            <a:schemeClr val="accent6"/>
+          </a:fillRef>
+          <a:effectRef idx="3">
+            <a:schemeClr val="accent6"/>
+          </a:effectRef>
+          <a:fontRef idx="minor">
+            <a:schemeClr val="lt1"/>
+          </a:fontRef>
+        </p:style>
+        <p:txBody>
+          <a:bodyPr rtlCol="0" anchor="ctr"/>
+          <a:lstStyle/>
+          <a:p>
+            <a:pPr algn="ctr"/>
+            <a:endParaRPr lang="en-US" sz="1600"/>
+          </a:p>
+        </p:txBody>
+      </p:sp>
+      <p:sp>
+        <p:nvSpPr>
+          <p:cNvPr id="150" name="Oval 149">
+            <a:extLst>
+              <a:ext uri="{FF2B5EF4-FFF2-40B4-BE49-F238E27FC236}">
+                <a16:creationId xmlns:a16="http://schemas.microsoft.com/office/drawing/2014/main" id="{CBEAFE9E-26C9-D443-A0B9-C1E5FF785853}"/>
+              </a:ext>
+            </a:extLst>
+          </p:cNvPr>
+          <p:cNvSpPr/>
+          <p:nvPr/>
+        </p:nvSpPr>
+        <p:spPr>
+          <a:xfrm>
+            <a:off x="336018" y="5493526"/>
+            <a:ext cx="85824" cy="85823"/>
+          </a:xfrm>
+          <a:prstGeom prst="ellipse">
+            <a:avLst/>
+          </a:prstGeom>
+        </p:spPr>
+        <p:style>
+          <a:lnRef idx="0">
+            <a:schemeClr val="accent6"/>
+          </a:lnRef>
+          <a:fillRef idx="3">
+            <a:schemeClr val="accent6"/>
+          </a:fillRef>
+          <a:effectRef idx="3">
+            <a:schemeClr val="accent6"/>
+          </a:effectRef>
+          <a:fontRef idx="minor">
+            <a:schemeClr val="lt1"/>
+          </a:fontRef>
+        </p:style>
+        <p:txBody>
+          <a:bodyPr rtlCol="0" anchor="ctr"/>
+          <a:lstStyle/>
+          <a:p>
+            <a:pPr algn="ctr"/>
+            <a:endParaRPr lang="en-US" sz="1600"/>
+          </a:p>
+        </p:txBody>
+      </p:sp>
+      <p:sp>
+        <p:nvSpPr>
+          <p:cNvPr id="1047" name="5-Point Star 1046">
+            <a:extLst>
+              <a:ext uri="{FF2B5EF4-FFF2-40B4-BE49-F238E27FC236}">
+                <a16:creationId xmlns:a16="http://schemas.microsoft.com/office/drawing/2014/main" id="{A8A09B91-2314-5149-9CC7-F54C0993E7FE}"/>
+              </a:ext>
+            </a:extLst>
+          </p:cNvPr>
+          <p:cNvSpPr/>
+          <p:nvPr/>
+        </p:nvSpPr>
+        <p:spPr>
+          <a:xfrm>
+            <a:off x="629778" y="5355455"/>
+            <a:ext cx="125833" cy="109233"/>
+          </a:xfrm>
+          <a:prstGeom prst="star5">
+            <a:avLst/>
+          </a:prstGeom>
+          <a:solidFill>
+            <a:srgbClr val="FF0000"/>
+          </a:solidFill>
+        </p:spPr>
+        <p:style>
+          <a:lnRef idx="0">
+            <a:schemeClr val="accent2"/>
+          </a:lnRef>
+          <a:fillRef idx="3">
+            <a:schemeClr val="accent2"/>
+          </a:fillRef>
+          <a:effectRef idx="3">
+            <a:schemeClr val="accent2"/>
+          </a:effectRef>
+          <a:fontRef idx="minor">
+            <a:schemeClr val="lt1"/>
+          </a:fontRef>
+        </p:style>
+        <p:txBody>
+          <a:bodyPr rtlCol="0" anchor="ctr"/>
+          <a:lstStyle/>
+          <a:p>
+            <a:pPr algn="ctr"/>
+            <a:endParaRPr lang="en-US" sz="1600"/>
+          </a:p>
+        </p:txBody>
+      </p:sp>
+      <p:cxnSp>
+        <p:nvCxnSpPr>
+          <p:cNvPr id="1069" name="Straight Arrow Connector 1068">
+            <a:extLst>
+              <a:ext uri="{FF2B5EF4-FFF2-40B4-BE49-F238E27FC236}">
+                <a16:creationId xmlns:a16="http://schemas.microsoft.com/office/drawing/2014/main" id="{05E74AEE-031C-4A49-AEB2-06265F87BCB0}"/>
+              </a:ext>
+            </a:extLst>
+          </p:cNvPr>
+          <p:cNvCxnSpPr>
+            <a:cxnSpLocks/>
+            <a:endCxn id="1071" idx="1"/>
+          </p:cNvCxnSpPr>
+          <p:nvPr/>
+        </p:nvCxnSpPr>
+        <p:spPr>
+          <a:xfrm>
+            <a:off x="1310847" y="5230524"/>
+            <a:ext cx="289472" cy="0"/>
+          </a:xfrm>
+          <a:prstGeom prst="straightConnector1">
+            <a:avLst/>
+          </a:prstGeom>
+          <a:ln w="12700">
+            <a:tailEnd type="triangle"/>
+          </a:ln>
+        </p:spPr>
+        <p:style>
+          <a:lnRef idx="1">
+            <a:schemeClr val="dk1"/>
+          </a:lnRef>
+          <a:fillRef idx="0">
+            <a:schemeClr val="dk1"/>
+          </a:fillRef>
+          <a:effectRef idx="0">
+            <a:schemeClr val="dk1"/>
+          </a:effectRef>
+          <a:fontRef idx="minor">
+            <a:schemeClr val="tx1"/>
+          </a:fontRef>
+        </p:style>
+      </p:cxnSp>
+      <p:sp>
+        <p:nvSpPr>
+          <p:cNvPr id="1071" name="Rounded Rectangle 1070">
+            <a:extLst>
+              <a:ext uri="{FF2B5EF4-FFF2-40B4-BE49-F238E27FC236}">
+                <a16:creationId xmlns:a16="http://schemas.microsoft.com/office/drawing/2014/main" id="{8D99BF52-121C-7E4D-9E5B-BBB888DFAA9C}"/>
+              </a:ext>
+            </a:extLst>
+          </p:cNvPr>
+          <p:cNvSpPr/>
+          <p:nvPr/>
+        </p:nvSpPr>
+        <p:spPr>
+          <a:xfrm>
+            <a:off x="1600319" y="4719163"/>
+            <a:ext cx="508836" cy="1022722"/>
+          </a:xfrm>
+          <a:prstGeom prst="roundRect">
+            <a:avLst/>
+          </a:prstGeom>
+        </p:spPr>
+        <p:style>
+          <a:lnRef idx="2">
+            <a:schemeClr val="accent5"/>
+          </a:lnRef>
+          <a:fillRef idx="1">
+            <a:schemeClr val="lt1"/>
+          </a:fillRef>
+          <a:effectRef idx="0">
+            <a:schemeClr val="accent5"/>
+          </a:effectRef>
+          <a:fontRef idx="minor">
+            <a:schemeClr val="dk1"/>
+          </a:fontRef>
+        </p:style>
+        <p:txBody>
+          <a:bodyPr vert="vert270" rtlCol="0" anchor="ctr"/>
+          <a:lstStyle/>
+          <a:p>
+            <a:pPr algn="ctr"/>
+            <a:r>
+              <a:rPr lang="en-US" sz="1600" dirty="0">
+                <a:latin typeface="Times New Roman" panose="02020603050405020304" pitchFamily="18" charset="0"/>
+                <a:cs typeface="Times New Roman" panose="02020603050405020304" pitchFamily="18" charset="0"/>
+              </a:rPr>
+              <a:t>Geometric</a:t>
+            </a:r>
+          </a:p>
+          <a:p>
+            <a:pPr algn="ctr"/>
+            <a:r>
+              <a:rPr lang="en-US" sz="1600" dirty="0">
+                <a:latin typeface="Times New Roman" panose="02020603050405020304" pitchFamily="18" charset="0"/>
+                <a:cs typeface="Times New Roman" panose="02020603050405020304" pitchFamily="18" charset="0"/>
+              </a:rPr>
+              <a:t>Transform </a:t>
+            </a:r>
+          </a:p>
+        </p:txBody>
+      </p:sp>
+      <p:cxnSp>
+        <p:nvCxnSpPr>
+          <p:cNvPr id="196" name="Straight Arrow Connector 195">
+            <a:extLst>
+              <a:ext uri="{FF2B5EF4-FFF2-40B4-BE49-F238E27FC236}">
+                <a16:creationId xmlns:a16="http://schemas.microsoft.com/office/drawing/2014/main" id="{567F973B-C058-9943-8BA8-7C2FA2EBE1BC}"/>
+              </a:ext>
+            </a:extLst>
+          </p:cNvPr>
+          <p:cNvCxnSpPr>
+            <a:cxnSpLocks/>
+            <a:stCxn id="1071" idx="3"/>
+            <a:endCxn id="201" idx="1"/>
+          </p:cNvCxnSpPr>
+          <p:nvPr/>
+        </p:nvCxnSpPr>
+        <p:spPr>
+          <a:xfrm>
+            <a:off x="2109155" y="5230524"/>
+            <a:ext cx="437201" cy="1446"/>
+          </a:xfrm>
+          <a:prstGeom prst="straightConnector1">
+            <a:avLst/>
+          </a:prstGeom>
+          <a:ln w="12700">
+            <a:tailEnd type="triangle"/>
+          </a:ln>
+        </p:spPr>
+        <p:style>
+          <a:lnRef idx="1">
+            <a:schemeClr val="dk1"/>
+          </a:lnRef>
+          <a:fillRef idx="0">
+            <a:schemeClr val="dk1"/>
+          </a:fillRef>
+          <a:effectRef idx="0">
+            <a:schemeClr val="dk1"/>
+          </a:effectRef>
+          <a:fontRef idx="minor">
+            <a:schemeClr val="tx1"/>
+          </a:fontRef>
+        </p:style>
+      </p:cxnSp>
+      <p:sp>
+        <p:nvSpPr>
+          <p:cNvPr id="201" name="Rounded Rectangle 200">
+            <a:extLst>
+              <a:ext uri="{FF2B5EF4-FFF2-40B4-BE49-F238E27FC236}">
+                <a16:creationId xmlns:a16="http://schemas.microsoft.com/office/drawing/2014/main" id="{90DCD77B-DA42-E348-A34D-E46ADF946760}"/>
+              </a:ext>
+            </a:extLst>
+          </p:cNvPr>
+          <p:cNvSpPr/>
+          <p:nvPr/>
+        </p:nvSpPr>
+        <p:spPr>
+          <a:xfrm>
+            <a:off x="2546356" y="4795738"/>
+            <a:ext cx="209165" cy="872463"/>
+          </a:xfrm>
+          <a:prstGeom prst="roundRect">
+            <a:avLst/>
+          </a:prstGeom>
+        </p:spPr>
+        <p:style>
+          <a:lnRef idx="2">
+            <a:schemeClr val="accent5"/>
+          </a:lnRef>
+          <a:fillRef idx="1">
+            <a:schemeClr val="lt1"/>
+          </a:fillRef>
+          <a:effectRef idx="0">
+            <a:schemeClr val="accent5"/>
+          </a:effectRef>
+          <a:fontRef idx="minor">
+            <a:schemeClr val="dk1"/>
+          </a:fontRef>
+        </p:style>
+        <p:txBody>
+          <a:bodyPr vert="vert270" rtlCol="0" anchor="ctr"/>
+          <a:lstStyle/>
+          <a:p>
+            <a:pPr algn="ctr"/>
+            <a:r>
+              <a:rPr lang="en-US" sz="1600" dirty="0">
+                <a:latin typeface="Times New Roman" panose="02020603050405020304" pitchFamily="18" charset="0"/>
+                <a:cs typeface="Times New Roman" panose="02020603050405020304" pitchFamily="18" charset="0"/>
+              </a:rPr>
+              <a:t>Affine</a:t>
+            </a:r>
+          </a:p>
+        </p:txBody>
+      </p:sp>
+      <p:grpSp>
+        <p:nvGrpSpPr>
+          <p:cNvPr id="221" name="Group 220">
+            <a:extLst>
+              <a:ext uri="{FF2B5EF4-FFF2-40B4-BE49-F238E27FC236}">
+                <a16:creationId xmlns:a16="http://schemas.microsoft.com/office/drawing/2014/main" id="{2AD00F1A-B17A-DF44-97EB-BF839CA3FADB}"/>
+              </a:ext>
+            </a:extLst>
+          </p:cNvPr>
+          <p:cNvGrpSpPr/>
+          <p:nvPr/>
+        </p:nvGrpSpPr>
+        <p:grpSpPr>
+          <a:xfrm>
+            <a:off x="4877688" y="4662332"/>
+            <a:ext cx="3032939" cy="1293714"/>
+            <a:chOff x="6480142" y="4467531"/>
+            <a:chExt cx="3032939" cy="1293714"/>
+          </a:xfrm>
+        </p:grpSpPr>
+        <p:sp>
+          <p:nvSpPr>
+            <p:cNvPr id="237" name="Rounded Rectangle 236">
+              <a:extLst>
+                <a:ext uri="{FF2B5EF4-FFF2-40B4-BE49-F238E27FC236}">
+                  <a16:creationId xmlns:a16="http://schemas.microsoft.com/office/drawing/2014/main" id="{22416970-7F4A-CB42-96E3-1A26895D4BB4}"/>
+                </a:ext>
+              </a:extLst>
+            </p:cNvPr>
+            <p:cNvSpPr/>
+            <p:nvPr/>
+          </p:nvSpPr>
+          <p:spPr>
+            <a:xfrm>
+              <a:off x="6928839" y="4608576"/>
+              <a:ext cx="209165" cy="872463"/>
+            </a:xfrm>
+            <a:prstGeom prst="roundRect">
+              <a:avLst/>
+            </a:prstGeom>
+          </p:spPr>
+          <p:style>
+            <a:lnRef idx="2">
+              <a:schemeClr val="accent5"/>
+            </a:lnRef>
+            <a:fillRef idx="1">
+              <a:schemeClr val="lt1"/>
+            </a:fillRef>
+            <a:effectRef idx="0">
+              <a:schemeClr val="accent5"/>
+            </a:effectRef>
+            <a:fontRef idx="minor">
+              <a:schemeClr val="dk1"/>
+            </a:fontRef>
+          </p:style>
+          <p:txBody>
+            <a:bodyPr vert="vert270" rtlCol="0" anchor="ctr"/>
+            <a:lstStyle/>
+            <a:p>
+              <a:pPr algn="ctr"/>
+              <a:r>
+                <a:rPr lang="en-US" sz="1600" dirty="0">
+                  <a:latin typeface="Times New Roman" panose="02020603050405020304" pitchFamily="18" charset="0"/>
+                  <a:cs typeface="Times New Roman" panose="02020603050405020304" pitchFamily="18" charset="0"/>
+                </a:rPr>
+                <a:t>FC</a:t>
+              </a:r>
+            </a:p>
+          </p:txBody>
+        </p:sp>
+        <p:sp>
+          <p:nvSpPr>
+            <p:cNvPr id="238" name="Rounded Rectangle 237">
+              <a:extLst>
+                <a:ext uri="{FF2B5EF4-FFF2-40B4-BE49-F238E27FC236}">
+                  <a16:creationId xmlns:a16="http://schemas.microsoft.com/office/drawing/2014/main" id="{BEB8084F-69BC-014B-9C22-CC809B09A344}"/>
+                </a:ext>
+              </a:extLst>
+            </p:cNvPr>
+            <p:cNvSpPr/>
+            <p:nvPr/>
+          </p:nvSpPr>
+          <p:spPr>
+            <a:xfrm>
+              <a:off x="7254775" y="4608576"/>
+              <a:ext cx="209165" cy="872463"/>
+            </a:xfrm>
+            <a:prstGeom prst="roundRect">
+              <a:avLst/>
+            </a:prstGeom>
+          </p:spPr>
+          <p:style>
+            <a:lnRef idx="2">
+              <a:schemeClr val="accent5"/>
+            </a:lnRef>
+            <a:fillRef idx="1">
+              <a:schemeClr val="lt1"/>
+            </a:fillRef>
+            <a:effectRef idx="0">
+              <a:schemeClr val="accent5"/>
+            </a:effectRef>
+            <a:fontRef idx="minor">
+              <a:schemeClr val="dk1"/>
+            </a:fontRef>
+          </p:style>
+          <p:txBody>
+            <a:bodyPr vert="vert270" rtlCol="0" anchor="ctr"/>
+            <a:lstStyle/>
+            <a:p>
+              <a:pPr algn="ctr"/>
+              <a:r>
+                <a:rPr lang="en-US" sz="1600" dirty="0">
+                  <a:latin typeface="Times New Roman" panose="02020603050405020304" pitchFamily="18" charset="0"/>
+                  <a:cs typeface="Times New Roman" panose="02020603050405020304" pitchFamily="18" charset="0"/>
+                </a:rPr>
+                <a:t>BN</a:t>
+              </a:r>
+            </a:p>
+          </p:txBody>
+        </p:sp>
+        <mc:AlternateContent xmlns:mc="http://schemas.openxmlformats.org/markup-compatibility/2006" xmlns:a14="http://schemas.microsoft.com/office/drawing/2010/main">
+          <mc:Choice Requires="a14">
+            <p:sp>
+              <p:nvSpPr>
+                <p:cNvPr id="239" name="Rounded Rectangle 238">
+                  <a:extLst>
+                    <a:ext uri="{FF2B5EF4-FFF2-40B4-BE49-F238E27FC236}">
+                      <a16:creationId xmlns:a16="http://schemas.microsoft.com/office/drawing/2014/main" id="{9581870F-9EE4-D24F-B1EC-0CD2F7C8E4D1}"/>
+                    </a:ext>
+                  </a:extLst>
+                </p:cNvPr>
+                <p:cNvSpPr/>
+                <p:nvPr/>
+              </p:nvSpPr>
+              <p:spPr>
+                <a:xfrm>
+                  <a:off x="7589500" y="4608576"/>
+                  <a:ext cx="209165" cy="872463"/>
+                </a:xfrm>
+                <a:prstGeom prst="roundRect">
+                  <a:avLst/>
+                </a:prstGeom>
+              </p:spPr>
+              <p:style>
+                <a:lnRef idx="2">
+                  <a:schemeClr val="accent5"/>
+                </a:lnRef>
+                <a:fillRef idx="1">
+                  <a:schemeClr val="lt1"/>
+                </a:fillRef>
+                <a:effectRef idx="0">
+                  <a:schemeClr val="accent5"/>
+                </a:effectRef>
+                <a:fontRef idx="minor">
+                  <a:schemeClr val="dk1"/>
+                </a:fontRef>
+              </p:style>
+              <p:txBody>
+                <a:bodyPr vert="vert270" rtlCol="0" anchor="ctr"/>
+                <a:lstStyle/>
+                <a:p>
+                  <a:pPr algn="ctr"/>
+                  <a14:m>
+                    <m:oMathPara xmlns:m="http://schemas.openxmlformats.org/officeDocument/2006/math">
+                      <m:oMathParaPr>
+                        <m:jc m:val="centerGroup"/>
+                      </m:oMathParaPr>
+                      <m:oMath xmlns:m="http://schemas.openxmlformats.org/officeDocument/2006/math">
+                        <m:r>
+                          <a:rPr lang="en-US" sz="1600" i="1" smtClean="0">
+                            <a:latin typeface="Cambria Math" panose="02040503050406030204" pitchFamily="18" charset="0"/>
+                            <a:ea typeface="Cambria Math" panose="02040503050406030204" pitchFamily="18" charset="0"/>
+                            <a:cs typeface="Times New Roman" panose="02020603050405020304" pitchFamily="18" charset="0"/>
+                          </a:rPr>
+                          <m:t>𝜎</m:t>
+                        </m:r>
+                      </m:oMath>
+                    </m:oMathPara>
+                  </a14:m>
+                  <a:endParaRPr lang="en-US" sz="1600" dirty="0">
+                    <a:latin typeface="Times New Roman" panose="02020603050405020304" pitchFamily="18" charset="0"/>
+                    <a:cs typeface="Times New Roman" panose="02020603050405020304" pitchFamily="18" charset="0"/>
+                  </a:endParaRPr>
+                </a:p>
+              </p:txBody>
+            </p:sp>
+          </mc:Choice>
+          <mc:Fallback xmlns="">
+            <p:sp>
+              <p:nvSpPr>
+                <p:cNvPr id="239" name="Rounded Rectangle 238">
+                  <a:extLst>
+                    <a:ext uri="{FF2B5EF4-FFF2-40B4-BE49-F238E27FC236}">
+                      <a16:creationId xmlns:a16="http://schemas.microsoft.com/office/drawing/2014/main" id="{9581870F-9EE4-D24F-B1EC-0CD2F7C8E4D1}"/>
+                    </a:ext>
+                  </a:extLst>
+                </p:cNvPr>
+                <p:cNvSpPr>
+                  <a:spLocks noRot="1" noChangeAspect="1" noMove="1" noResize="1" noEditPoints="1" noAdjustHandles="1" noChangeArrowheads="1" noChangeShapeType="1" noTextEdit="1"/>
+                </p:cNvSpPr>
+                <p:nvPr/>
+              </p:nvSpPr>
+              <p:spPr>
+                <a:xfrm>
+                  <a:off x="7589500" y="4608576"/>
+                  <a:ext cx="209165" cy="872463"/>
+                </a:xfrm>
+                <a:prstGeom prst="roundRect">
+                  <a:avLst/>
+                </a:prstGeom>
+                <a:blipFill>
+                  <a:blip r:embed="rId8"/>
+                  <a:stretch>
+                    <a:fillRect r="-5556"/>
+                  </a:stretch>
+                </a:blipFill>
+              </p:spPr>
+              <p:txBody>
+                <a:bodyPr/>
+                <a:lstStyle/>
+                <a:p>
+                  <a:r>
+                    <a:rPr lang="en-US">
+                      <a:noFill/>
+                    </a:rPr>
+                    <a:t> </a:t>
+                  </a:r>
+                </a:p>
+              </p:txBody>
+            </p:sp>
+          </mc:Fallback>
+        </mc:AlternateContent>
+        <p:sp>
+          <p:nvSpPr>
+            <p:cNvPr id="241" name="Rounded Rectangle 240">
+              <a:extLst>
+                <a:ext uri="{FF2B5EF4-FFF2-40B4-BE49-F238E27FC236}">
+                  <a16:creationId xmlns:a16="http://schemas.microsoft.com/office/drawing/2014/main" id="{2BF337DD-A4A2-2840-A26F-21B10C76EC59}"/>
+                </a:ext>
+              </a:extLst>
+            </p:cNvPr>
+            <p:cNvSpPr/>
+            <p:nvPr/>
+          </p:nvSpPr>
+          <p:spPr>
+            <a:xfrm>
+              <a:off x="7916605" y="4608576"/>
+              <a:ext cx="209165" cy="872463"/>
+            </a:xfrm>
+            <a:prstGeom prst="roundRect">
+              <a:avLst/>
+            </a:prstGeom>
+          </p:spPr>
+          <p:style>
+            <a:lnRef idx="2">
+              <a:schemeClr val="accent5"/>
+            </a:lnRef>
+            <a:fillRef idx="1">
+              <a:schemeClr val="lt1"/>
+            </a:fillRef>
+            <a:effectRef idx="0">
+              <a:schemeClr val="accent5"/>
+            </a:effectRef>
+            <a:fontRef idx="minor">
+              <a:schemeClr val="dk1"/>
+            </a:fontRef>
+          </p:style>
+          <p:txBody>
+            <a:bodyPr vert="vert270" rtlCol="0" anchor="ctr"/>
+            <a:lstStyle/>
+            <a:p>
+              <a:pPr algn="ctr"/>
+              <a:r>
+                <a:rPr lang="en-US" sz="1600" dirty="0">
+                  <a:latin typeface="Times New Roman" panose="02020603050405020304" pitchFamily="18" charset="0"/>
+                  <a:cs typeface="Times New Roman" panose="02020603050405020304" pitchFamily="18" charset="0"/>
+                </a:rPr>
+                <a:t>FC</a:t>
+              </a:r>
+            </a:p>
+          </p:txBody>
+        </p:sp>
+        <p:sp>
+          <p:nvSpPr>
+            <p:cNvPr id="242" name="Rounded Rectangle 241">
+              <a:extLst>
+                <a:ext uri="{FF2B5EF4-FFF2-40B4-BE49-F238E27FC236}">
+                  <a16:creationId xmlns:a16="http://schemas.microsoft.com/office/drawing/2014/main" id="{4B2522EA-0823-354B-881F-8F79A122098A}"/>
+                </a:ext>
+              </a:extLst>
+            </p:cNvPr>
+            <p:cNvSpPr/>
+            <p:nvPr/>
+          </p:nvSpPr>
+          <p:spPr>
+            <a:xfrm>
+              <a:off x="8242541" y="4608576"/>
+              <a:ext cx="209165" cy="872463"/>
+            </a:xfrm>
+            <a:prstGeom prst="roundRect">
+              <a:avLst/>
+            </a:prstGeom>
+          </p:spPr>
+          <p:style>
+            <a:lnRef idx="2">
+              <a:schemeClr val="accent5"/>
+            </a:lnRef>
+            <a:fillRef idx="1">
+              <a:schemeClr val="lt1"/>
+            </a:fillRef>
+            <a:effectRef idx="0">
+              <a:schemeClr val="accent5"/>
+            </a:effectRef>
+            <a:fontRef idx="minor">
+              <a:schemeClr val="dk1"/>
+            </a:fontRef>
+          </p:style>
+          <p:txBody>
+            <a:bodyPr vert="vert270" rtlCol="0" anchor="ctr"/>
+            <a:lstStyle/>
+            <a:p>
+              <a:pPr algn="ctr"/>
+              <a:r>
+                <a:rPr lang="en-US" sz="1600" dirty="0">
+                  <a:latin typeface="Times New Roman" panose="02020603050405020304" pitchFamily="18" charset="0"/>
+                  <a:cs typeface="Times New Roman" panose="02020603050405020304" pitchFamily="18" charset="0"/>
+                </a:rPr>
+                <a:t>BN</a:t>
+              </a:r>
+            </a:p>
+          </p:txBody>
+        </p:sp>
+        <p:cxnSp>
+          <p:nvCxnSpPr>
+            <p:cNvPr id="243" name="Straight Arrow Connector 242">
+              <a:extLst>
+                <a:ext uri="{FF2B5EF4-FFF2-40B4-BE49-F238E27FC236}">
+                  <a16:creationId xmlns:a16="http://schemas.microsoft.com/office/drawing/2014/main" id="{AEEB33FB-BEB3-F84C-A8B6-E09193C2EF71}"/>
+                </a:ext>
+              </a:extLst>
+            </p:cNvPr>
+            <p:cNvCxnSpPr>
+              <a:cxnSpLocks/>
+              <a:stCxn id="237" idx="3"/>
+              <a:endCxn id="238" idx="1"/>
+            </p:cNvCxnSpPr>
+            <p:nvPr/>
+          </p:nvCxnSpPr>
+          <p:spPr>
+            <a:xfrm>
+              <a:off x="7138004" y="5044808"/>
+              <a:ext cx="116771" cy="0"/>
+            </a:xfrm>
+            <a:prstGeom prst="straightConnector1">
+              <a:avLst/>
+            </a:prstGeom>
+            <a:ln w="12700">
+              <a:tailEnd type="triangle"/>
+            </a:ln>
+          </p:spPr>
+          <p:style>
+            <a:lnRef idx="1">
+              <a:schemeClr val="dk1"/>
+            </a:lnRef>
+            <a:fillRef idx="0">
+              <a:schemeClr val="dk1"/>
+            </a:fillRef>
+            <a:effectRef idx="0">
+              <a:schemeClr val="dk1"/>
+            </a:effectRef>
+            <a:fontRef idx="minor">
+              <a:schemeClr val="tx1"/>
+            </a:fontRef>
+          </p:style>
+        </p:cxnSp>
+        <p:cxnSp>
+          <p:nvCxnSpPr>
+            <p:cNvPr id="246" name="Straight Arrow Connector 245">
+              <a:extLst>
+                <a:ext uri="{FF2B5EF4-FFF2-40B4-BE49-F238E27FC236}">
+                  <a16:creationId xmlns:a16="http://schemas.microsoft.com/office/drawing/2014/main" id="{B71A4157-89A5-FE47-8DF2-E16D1A79D048}"/>
+                </a:ext>
+              </a:extLst>
+            </p:cNvPr>
+            <p:cNvCxnSpPr>
+              <a:cxnSpLocks/>
+              <a:stCxn id="238" idx="3"/>
+              <a:endCxn id="239" idx="1"/>
+            </p:cNvCxnSpPr>
+            <p:nvPr/>
+          </p:nvCxnSpPr>
+          <p:spPr>
+            <a:xfrm>
+              <a:off x="7463940" y="5044808"/>
+              <a:ext cx="125560" cy="0"/>
+            </a:xfrm>
+            <a:prstGeom prst="straightConnector1">
+              <a:avLst/>
+            </a:prstGeom>
+            <a:ln w="12700">
+              <a:tailEnd type="triangle"/>
+            </a:ln>
+          </p:spPr>
+          <p:style>
+            <a:lnRef idx="1">
+              <a:schemeClr val="dk1"/>
+            </a:lnRef>
+            <a:fillRef idx="0">
+              <a:schemeClr val="dk1"/>
+            </a:fillRef>
+            <a:effectRef idx="0">
+              <a:schemeClr val="dk1"/>
+            </a:effectRef>
+            <a:fontRef idx="minor">
+              <a:schemeClr val="tx1"/>
+            </a:fontRef>
+          </p:style>
+        </p:cxnSp>
+        <p:cxnSp>
+          <p:nvCxnSpPr>
+            <p:cNvPr id="249" name="Straight Arrow Connector 248">
+              <a:extLst>
+                <a:ext uri="{FF2B5EF4-FFF2-40B4-BE49-F238E27FC236}">
+                  <a16:creationId xmlns:a16="http://schemas.microsoft.com/office/drawing/2014/main" id="{10CFC1F1-D8E8-D64A-B6B6-77257352B571}"/>
+                </a:ext>
+              </a:extLst>
+            </p:cNvPr>
+            <p:cNvCxnSpPr>
+              <a:cxnSpLocks/>
+              <a:stCxn id="239" idx="3"/>
+              <a:endCxn id="241" idx="1"/>
+            </p:cNvCxnSpPr>
+            <p:nvPr/>
+          </p:nvCxnSpPr>
+          <p:spPr>
+            <a:xfrm>
+              <a:off x="7798665" y="5044808"/>
+              <a:ext cx="117940" cy="0"/>
+            </a:xfrm>
+            <a:prstGeom prst="straightConnector1">
+              <a:avLst/>
+            </a:prstGeom>
+            <a:ln w="12700">
+              <a:tailEnd type="triangle"/>
+            </a:ln>
+          </p:spPr>
+          <p:style>
+            <a:lnRef idx="1">
+              <a:schemeClr val="dk1"/>
+            </a:lnRef>
+            <a:fillRef idx="0">
+              <a:schemeClr val="dk1"/>
+            </a:fillRef>
+            <a:effectRef idx="0">
+              <a:schemeClr val="dk1"/>
+            </a:effectRef>
+            <a:fontRef idx="minor">
+              <a:schemeClr val="tx1"/>
+            </a:fontRef>
+          </p:style>
+        </p:cxnSp>
+        <p:cxnSp>
+          <p:nvCxnSpPr>
+            <p:cNvPr id="252" name="Straight Arrow Connector 251">
+              <a:extLst>
+                <a:ext uri="{FF2B5EF4-FFF2-40B4-BE49-F238E27FC236}">
+                  <a16:creationId xmlns:a16="http://schemas.microsoft.com/office/drawing/2014/main" id="{5D0C4E2D-0B4D-C54B-9747-91ACEB89AD20}"/>
+                </a:ext>
+              </a:extLst>
+            </p:cNvPr>
+            <p:cNvCxnSpPr>
+              <a:cxnSpLocks/>
+              <a:stCxn id="241" idx="3"/>
+              <a:endCxn id="242" idx="1"/>
+            </p:cNvCxnSpPr>
+            <p:nvPr/>
+          </p:nvCxnSpPr>
+          <p:spPr>
+            <a:xfrm>
+              <a:off x="8125770" y="5044808"/>
+              <a:ext cx="116771" cy="0"/>
+            </a:xfrm>
+            <a:prstGeom prst="straightConnector1">
+              <a:avLst/>
+            </a:prstGeom>
+            <a:ln w="12700">
+              <a:tailEnd type="triangle"/>
+            </a:ln>
+          </p:spPr>
+          <p:style>
+            <a:lnRef idx="1">
+              <a:schemeClr val="dk1"/>
+            </a:lnRef>
+            <a:fillRef idx="0">
+              <a:schemeClr val="dk1"/>
+            </a:fillRef>
+            <a:effectRef idx="0">
+              <a:schemeClr val="dk1"/>
+            </a:effectRef>
+            <a:fontRef idx="minor">
+              <a:schemeClr val="tx1"/>
+            </a:fontRef>
+          </p:style>
+        </p:cxnSp>
+        <p:cxnSp>
+          <p:nvCxnSpPr>
+            <p:cNvPr id="255" name="Straight Arrow Connector 254">
+              <a:extLst>
+                <a:ext uri="{FF2B5EF4-FFF2-40B4-BE49-F238E27FC236}">
+                  <a16:creationId xmlns:a16="http://schemas.microsoft.com/office/drawing/2014/main" id="{16C49483-9243-7948-9156-59D8C78B56E7}"/>
+                </a:ext>
+              </a:extLst>
+            </p:cNvPr>
+            <p:cNvCxnSpPr>
+              <a:cxnSpLocks/>
+              <a:stCxn id="242" idx="3"/>
+              <a:endCxn id="145" idx="2"/>
+            </p:cNvCxnSpPr>
+            <p:nvPr/>
+          </p:nvCxnSpPr>
+          <p:spPr>
+            <a:xfrm flipV="1">
+              <a:off x="8451706" y="5039689"/>
+              <a:ext cx="118960" cy="5119"/>
+            </a:xfrm>
+            <a:prstGeom prst="straightConnector1">
+              <a:avLst/>
+            </a:prstGeom>
+            <a:ln w="12700">
+              <a:tailEnd type="triangle"/>
+            </a:ln>
+          </p:spPr>
+          <p:style>
+            <a:lnRef idx="1">
+              <a:schemeClr val="dk1"/>
+            </a:lnRef>
+            <a:fillRef idx="0">
+              <a:schemeClr val="dk1"/>
+            </a:fillRef>
+            <a:effectRef idx="0">
+              <a:schemeClr val="dk1"/>
+            </a:effectRef>
+            <a:fontRef idx="minor">
+              <a:schemeClr val="tx1"/>
+            </a:fontRef>
+          </p:style>
+        </p:cxnSp>
+        <p:sp>
+          <p:nvSpPr>
+            <p:cNvPr id="145" name="Or 144">
+              <a:extLst>
+                <a:ext uri="{FF2B5EF4-FFF2-40B4-BE49-F238E27FC236}">
+                  <a16:creationId xmlns:a16="http://schemas.microsoft.com/office/drawing/2014/main" id="{0A6E2D08-D1A2-3D4F-9F21-67062FD8F8D6}"/>
+                </a:ext>
+              </a:extLst>
+            </p:cNvPr>
+            <p:cNvSpPr/>
+            <p:nvPr/>
+          </p:nvSpPr>
+          <p:spPr>
+            <a:xfrm>
+              <a:off x="8570666" y="4964991"/>
+              <a:ext cx="144780" cy="149396"/>
+            </a:xfrm>
+            <a:prstGeom prst="flowChartOr">
+              <a:avLst/>
+            </a:prstGeom>
+            <a:noFill/>
+            <a:ln>
+              <a:solidFill>
+                <a:schemeClr val="tx1"/>
+              </a:solidFill>
+            </a:ln>
+          </p:spPr>
+          <p:style>
+            <a:lnRef idx="2">
+              <a:schemeClr val="accent1">
+                <a:shade val="50000"/>
+              </a:schemeClr>
+            </a:lnRef>
+            <a:fillRef idx="1">
+              <a:schemeClr val="accent1"/>
+            </a:fillRef>
+            <a:effectRef idx="0">
+              <a:schemeClr val="accent1"/>
+            </a:effectRef>
+            <a:fontRef idx="minor">
+              <a:schemeClr val="lt1"/>
+            </a:fontRef>
+          </p:style>
+          <p:txBody>
+            <a:bodyPr rtlCol="0" anchor="ctr"/>
+            <a:lstStyle/>
+            <a:p>
+              <a:pPr algn="ctr"/>
+              <a:endParaRPr lang="en-US" sz="1600"/>
+            </a:p>
+          </p:txBody>
+        </p:sp>
+        <p:cxnSp>
+          <p:nvCxnSpPr>
+            <p:cNvPr id="262" name="Straight Arrow Connector 261">
+              <a:extLst>
+                <a:ext uri="{FF2B5EF4-FFF2-40B4-BE49-F238E27FC236}">
+                  <a16:creationId xmlns:a16="http://schemas.microsoft.com/office/drawing/2014/main" id="{CD63B789-D153-594D-B999-ED9664597395}"/>
+                </a:ext>
+              </a:extLst>
+            </p:cNvPr>
+            <p:cNvCxnSpPr>
+              <a:cxnSpLocks/>
+              <a:endCxn id="237" idx="1"/>
+            </p:cNvCxnSpPr>
+            <p:nvPr/>
+          </p:nvCxnSpPr>
+          <p:spPr>
+            <a:xfrm>
+              <a:off x="6480142" y="5044808"/>
+              <a:ext cx="448697" cy="0"/>
+            </a:xfrm>
+            <a:prstGeom prst="straightConnector1">
+              <a:avLst/>
+            </a:prstGeom>
+            <a:ln w="12700">
+              <a:tailEnd type="triangle"/>
+            </a:ln>
+          </p:spPr>
+          <p:style>
+            <a:lnRef idx="1">
+              <a:schemeClr val="dk1"/>
+            </a:lnRef>
+            <a:fillRef idx="0">
+              <a:schemeClr val="dk1"/>
+            </a:fillRef>
+            <a:effectRef idx="0">
+              <a:schemeClr val="dk1"/>
+            </a:effectRef>
+            <a:fontRef idx="minor">
+              <a:schemeClr val="tx1"/>
+            </a:fontRef>
+          </p:style>
+        </p:cxnSp>
+        <mc:AlternateContent xmlns:mc="http://schemas.openxmlformats.org/markup-compatibility/2006" xmlns:a14="http://schemas.microsoft.com/office/drawing/2010/main">
+          <mc:Choice Requires="a14">
+            <p:sp>
+              <p:nvSpPr>
+                <p:cNvPr id="274" name="Rounded Rectangle 273">
+                  <a:extLst>
+                    <a:ext uri="{FF2B5EF4-FFF2-40B4-BE49-F238E27FC236}">
+                      <a16:creationId xmlns:a16="http://schemas.microsoft.com/office/drawing/2014/main" id="{4077AB17-16AB-614E-936C-C4935BDF47B1}"/>
+                    </a:ext>
+                  </a:extLst>
+                </p:cNvPr>
+                <p:cNvSpPr/>
+                <p:nvPr/>
+              </p:nvSpPr>
+              <p:spPr>
+                <a:xfrm>
+                  <a:off x="8884327" y="4602812"/>
+                  <a:ext cx="209165" cy="872463"/>
+                </a:xfrm>
+                <a:prstGeom prst="roundRect">
+                  <a:avLst/>
+                </a:prstGeom>
+              </p:spPr>
+              <p:style>
+                <a:lnRef idx="2">
+                  <a:schemeClr val="accent5"/>
+                </a:lnRef>
+                <a:fillRef idx="1">
+                  <a:schemeClr val="lt1"/>
+                </a:fillRef>
+                <a:effectRef idx="0">
+                  <a:schemeClr val="accent5"/>
+                </a:effectRef>
+                <a:fontRef idx="minor">
+                  <a:schemeClr val="dk1"/>
+                </a:fontRef>
+              </p:style>
+              <p:txBody>
+                <a:bodyPr vert="vert270" rtlCol="0" anchor="ctr"/>
+                <a:lstStyle/>
+                <a:p>
+                  <a:pPr algn="ctr"/>
+                  <a14:m>
+                    <m:oMathPara xmlns:m="http://schemas.openxmlformats.org/officeDocument/2006/math">
+                      <m:oMathParaPr>
+                        <m:jc m:val="centerGroup"/>
+                      </m:oMathParaPr>
+                      <m:oMath xmlns:m="http://schemas.openxmlformats.org/officeDocument/2006/math">
+                        <m:r>
+                          <a:rPr lang="en-US" sz="1600" i="1" smtClean="0">
+                            <a:latin typeface="Cambria Math" panose="02040503050406030204" pitchFamily="18" charset="0"/>
+                            <a:ea typeface="Cambria Math" panose="02040503050406030204" pitchFamily="18" charset="0"/>
+                            <a:cs typeface="Times New Roman" panose="02020603050405020304" pitchFamily="18" charset="0"/>
+                          </a:rPr>
+                          <m:t>𝜎</m:t>
+                        </m:r>
+                      </m:oMath>
+                    </m:oMathPara>
+                  </a14:m>
+                  <a:endParaRPr lang="en-US" sz="1600" dirty="0">
+                    <a:latin typeface="Times New Roman" panose="02020603050405020304" pitchFamily="18" charset="0"/>
+                    <a:cs typeface="Times New Roman" panose="02020603050405020304" pitchFamily="18" charset="0"/>
+                  </a:endParaRPr>
+                </a:p>
+              </p:txBody>
+            </p:sp>
+          </mc:Choice>
+          <mc:Fallback xmlns="">
+            <p:sp>
+              <p:nvSpPr>
+                <p:cNvPr id="274" name="Rounded Rectangle 273">
+                  <a:extLst>
+                    <a:ext uri="{FF2B5EF4-FFF2-40B4-BE49-F238E27FC236}">
+                      <a16:creationId xmlns:a16="http://schemas.microsoft.com/office/drawing/2014/main" id="{4077AB17-16AB-614E-936C-C4935BDF47B1}"/>
+                    </a:ext>
+                  </a:extLst>
+                </p:cNvPr>
+                <p:cNvSpPr>
+                  <a:spLocks noRot="1" noChangeAspect="1" noMove="1" noResize="1" noEditPoints="1" noAdjustHandles="1" noChangeArrowheads="1" noChangeShapeType="1" noTextEdit="1"/>
+                </p:cNvSpPr>
+                <p:nvPr/>
+              </p:nvSpPr>
+              <p:spPr>
+                <a:xfrm>
+                  <a:off x="8884327" y="4602812"/>
+                  <a:ext cx="209165" cy="872463"/>
+                </a:xfrm>
+                <a:prstGeom prst="roundRect">
+                  <a:avLst/>
+                </a:prstGeom>
+                <a:blipFill>
+                  <a:blip r:embed="rId9"/>
+                  <a:stretch>
+                    <a:fillRect/>
+                  </a:stretch>
+                </a:blipFill>
+              </p:spPr>
+              <p:txBody>
+                <a:bodyPr/>
+                <a:lstStyle/>
+                <a:p>
+                  <a:r>
+                    <a:rPr lang="en-US">
+                      <a:noFill/>
+                    </a:rPr>
+                    <a:t> </a:t>
+                  </a:r>
+                </a:p>
+              </p:txBody>
+            </p:sp>
+          </mc:Fallback>
+        </mc:AlternateContent>
+        <p:cxnSp>
+          <p:nvCxnSpPr>
+            <p:cNvPr id="275" name="Straight Arrow Connector 274">
+              <a:extLst>
+                <a:ext uri="{FF2B5EF4-FFF2-40B4-BE49-F238E27FC236}">
+                  <a16:creationId xmlns:a16="http://schemas.microsoft.com/office/drawing/2014/main" id="{1A4FBAB6-6392-7949-9ECC-17D5B861130E}"/>
+                </a:ext>
+              </a:extLst>
+            </p:cNvPr>
+            <p:cNvCxnSpPr>
+              <a:cxnSpLocks/>
+              <a:stCxn id="145" idx="6"/>
+              <a:endCxn id="274" idx="1"/>
+            </p:cNvCxnSpPr>
+            <p:nvPr/>
+          </p:nvCxnSpPr>
+          <p:spPr>
+            <a:xfrm flipV="1">
+              <a:off x="8715446" y="5039044"/>
+              <a:ext cx="168881" cy="645"/>
+            </a:xfrm>
+            <a:prstGeom prst="straightConnector1">
+              <a:avLst/>
+            </a:prstGeom>
+            <a:ln w="12700">
+              <a:tailEnd type="triangle"/>
+            </a:ln>
+          </p:spPr>
+          <p:style>
+            <a:lnRef idx="1">
+              <a:schemeClr val="dk1"/>
+            </a:lnRef>
+            <a:fillRef idx="0">
+              <a:schemeClr val="dk1"/>
+            </a:fillRef>
+            <a:effectRef idx="0">
+              <a:schemeClr val="dk1"/>
+            </a:effectRef>
+            <a:fontRef idx="minor">
+              <a:schemeClr val="tx1"/>
+            </a:fontRef>
+          </p:style>
+        </p:cxnSp>
+        <p:cxnSp>
+          <p:nvCxnSpPr>
+            <p:cNvPr id="278" name="Straight Arrow Connector 277">
+              <a:extLst>
+                <a:ext uri="{FF2B5EF4-FFF2-40B4-BE49-F238E27FC236}">
+                  <a16:creationId xmlns:a16="http://schemas.microsoft.com/office/drawing/2014/main" id="{6ED8C706-433B-4C49-87BB-8284505A4128}"/>
+                </a:ext>
+              </a:extLst>
+            </p:cNvPr>
+            <p:cNvCxnSpPr>
+              <a:cxnSpLocks/>
+            </p:cNvCxnSpPr>
+            <p:nvPr/>
+          </p:nvCxnSpPr>
+          <p:spPr>
+            <a:xfrm flipV="1">
+              <a:off x="9094877" y="5039043"/>
+              <a:ext cx="418204" cy="646"/>
+            </a:xfrm>
+            <a:prstGeom prst="straightConnector1">
+              <a:avLst/>
+            </a:prstGeom>
+            <a:ln w="12700">
+              <a:tailEnd type="triangle"/>
+            </a:ln>
+          </p:spPr>
+          <p:style>
+            <a:lnRef idx="1">
+              <a:schemeClr val="dk1"/>
+            </a:lnRef>
+            <a:fillRef idx="0">
+              <a:schemeClr val="dk1"/>
+            </a:fillRef>
+            <a:effectRef idx="0">
+              <a:schemeClr val="dk1"/>
+            </a:effectRef>
+            <a:fontRef idx="minor">
+              <a:schemeClr val="tx1"/>
+            </a:fontRef>
+          </p:style>
+        </p:cxnSp>
+        <p:sp>
+          <p:nvSpPr>
+            <p:cNvPr id="179" name="Arc 178">
+              <a:extLst>
+                <a:ext uri="{FF2B5EF4-FFF2-40B4-BE49-F238E27FC236}">
+                  <a16:creationId xmlns:a16="http://schemas.microsoft.com/office/drawing/2014/main" id="{9B895D5E-1B6C-D04E-9D36-A2F8CC36AF73}"/>
+                </a:ext>
+              </a:extLst>
+            </p:cNvPr>
+            <p:cNvSpPr/>
+            <p:nvPr/>
+          </p:nvSpPr>
+          <p:spPr>
+            <a:xfrm rot="5400000" flipV="1">
+              <a:off x="7032570" y="4145817"/>
+              <a:ext cx="1293714" cy="1937141"/>
+            </a:xfrm>
+            <a:prstGeom prst="arc">
+              <a:avLst>
+                <a:gd name="adj1" fmla="val 15955976"/>
+                <a:gd name="adj2" fmla="val 5405757"/>
+              </a:avLst>
+            </a:prstGeom>
+            <a:ln w="28575">
+              <a:solidFill>
+                <a:schemeClr val="tx1"/>
+              </a:solidFill>
+              <a:headEnd w="med" len="med"/>
+              <a:tailEnd type="triangle"/>
+            </a:ln>
+          </p:spPr>
+          <p:style>
+            <a:lnRef idx="1">
+              <a:schemeClr val="accent1"/>
+            </a:lnRef>
+            <a:fillRef idx="0">
+              <a:schemeClr val="accent1"/>
+            </a:fillRef>
+            <a:effectRef idx="0">
+              <a:schemeClr val="accent1"/>
+            </a:effectRef>
+            <a:fontRef idx="minor">
+              <a:schemeClr val="tx1"/>
+            </a:fontRef>
+          </p:style>
+          <p:txBody>
+            <a:bodyPr rtlCol="0" anchor="ctr"/>
+            <a:lstStyle/>
+            <a:p>
+              <a:pPr algn="ctr"/>
+              <a:endParaRPr lang="en-US" sz="1600"/>
+            </a:p>
+          </p:txBody>
+        </p:sp>
+      </p:grpSp>
+      <p:sp>
+        <p:nvSpPr>
+          <p:cNvPr id="309" name="Rounded Rectangle 308">
+            <a:extLst>
+              <a:ext uri="{FF2B5EF4-FFF2-40B4-BE49-F238E27FC236}">
+                <a16:creationId xmlns:a16="http://schemas.microsoft.com/office/drawing/2014/main" id="{B6601A60-3FE5-FF4D-A717-09D27EFF736C}"/>
+              </a:ext>
+            </a:extLst>
+          </p:cNvPr>
+          <p:cNvSpPr/>
+          <p:nvPr/>
+        </p:nvSpPr>
+        <p:spPr>
+          <a:xfrm>
+            <a:off x="5016311" y="4721441"/>
+            <a:ext cx="2544337" cy="1294964"/>
+          </a:xfrm>
+          <a:prstGeom prst="roundRect">
+            <a:avLst>
+              <a:gd name="adj" fmla="val 5507"/>
+            </a:avLst>
+          </a:prstGeom>
+          <a:noFill/>
+          <a:ln>
+            <a:solidFill>
+              <a:schemeClr val="bg2">
+                <a:lumMod val="75000"/>
+              </a:schemeClr>
+            </a:solidFill>
+            <a:prstDash val="dash"/>
+          </a:ln>
+        </p:spPr>
+        <p:style>
+          <a:lnRef idx="2">
+            <a:schemeClr val="accent1">
+              <a:shade val="50000"/>
+            </a:schemeClr>
+          </a:lnRef>
+          <a:fillRef idx="1">
+            <a:schemeClr val="accent1"/>
+          </a:fillRef>
+          <a:effectRef idx="0">
+            <a:schemeClr val="accent1"/>
+          </a:effectRef>
+          <a:fontRef idx="minor">
+            <a:schemeClr val="lt1"/>
+          </a:fontRef>
+        </p:style>
+        <p:txBody>
+          <a:bodyPr rtlCol="0" anchor="ctr"/>
+          <a:lstStyle/>
+          <a:p>
+            <a:pPr algn="ctr"/>
+            <a:endParaRPr lang="en-US"/>
+          </a:p>
+        </p:txBody>
+      </p:sp>
       <mc:AlternateContent xmlns:mc="http://schemas.openxmlformats.org/markup-compatibility/2006">
         <mc:Choice xmlns:a14="http://schemas.microsoft.com/office/drawing/2010/main" Requires="a14">
           <p:sp>
@@ -8349,7 +12989,7 @@
             </p:nvSpPr>
             <p:spPr>
               <a:xfrm>
-                <a:off x="6641022" y="4590110"/>
+                <a:off x="6063704" y="4454742"/>
                 <a:ext cx="1515479" cy="338554"/>
               </a:xfrm>
               <a:prstGeom prst="rect">
@@ -8409,7 +13049,7 @@
             </p:nvSpPr>
             <p:spPr>
               <a:xfrm>
-                <a:off x="6641022" y="4590110"/>
+                <a:off x="6063704" y="4454742"/>
                 <a:ext cx="1515479" cy="338554"/>
               </a:xfrm>
               <a:prstGeom prst="rect">
@@ -8418,7 +13058,7 @@
               <a:blipFill>
                 <a:blip r:embed="rId10"/>
                 <a:stretch>
-                  <a:fillRect l="-1653" t="-3571" r="-826" b="-17857"/>
+                  <a:fillRect l="-2500" t="-3571" r="-1667" b="-21429"/>
                 </a:stretch>
               </a:blipFill>
             </p:spPr>
@@ -8451,7 +13091,7 @@
         </p:nvSpPr>
         <p:spPr>
           <a:xfrm>
-            <a:off x="8068356" y="5603809"/>
+            <a:off x="7491038" y="5468441"/>
             <a:ext cx="1526380" cy="584775"/>
           </a:xfrm>
           <a:prstGeom prst="rect">
@@ -8500,7 +13140,7 @@
         </p:nvSpPr>
         <p:spPr>
           <a:xfrm>
-            <a:off x="1040910" y="5952633"/>
+            <a:off x="444472" y="5797783"/>
             <a:ext cx="3465631" cy="338554"/>
           </a:xfrm>
           <a:prstGeom prst="rect">
@@ -8520,7 +13160,7 @@
                 <a:latin typeface="Times New Roman" panose="02020603050405020304" pitchFamily="18" charset="0"/>
                 <a:cs typeface="Times New Roman" panose="02020603050405020304" pitchFamily="18" charset="0"/>
               </a:rPr>
-              <a:t>Local Points Normalization</a:t>
+              <a:t>Geometric-Affine Module</a:t>
             </a:r>
           </a:p>
         </p:txBody>
@@ -8539,7 +13179,7 @@
         </p:nvSpPr>
         <p:spPr>
           <a:xfrm>
-            <a:off x="9896920" y="4667146"/>
+            <a:off x="9202667" y="4497816"/>
             <a:ext cx="137436" cy="128618"/>
           </a:xfrm>
           <a:prstGeom prst="ellipse">
@@ -8583,7 +13223,7 @@
         </p:nvSpPr>
         <p:spPr>
           <a:xfrm>
-            <a:off x="9886760" y="4390974"/>
+            <a:off x="9192507" y="4255510"/>
             <a:ext cx="157440" cy="157033"/>
           </a:xfrm>
           <a:prstGeom prst="star5">
@@ -8630,7 +13270,7 @@
         </p:nvSpPr>
         <p:spPr>
           <a:xfrm>
-            <a:off x="10280221" y="4288682"/>
+            <a:off x="9450504" y="4153218"/>
             <a:ext cx="1274708" cy="338554"/>
           </a:xfrm>
           <a:prstGeom prst="rect">
@@ -8669,7 +13309,7 @@
         </p:nvSpPr>
         <p:spPr>
           <a:xfrm>
-            <a:off x="10276840" y="4571868"/>
+            <a:off x="9447123" y="4402538"/>
             <a:ext cx="1435008" cy="338554"/>
           </a:xfrm>
           <a:prstGeom prst="rect">
@@ -8710,7 +13350,7 @@
             </p:nvSpPr>
             <p:spPr>
               <a:xfrm>
-                <a:off x="9866440" y="4970304"/>
+                <a:off x="9172187" y="4733242"/>
                 <a:ext cx="201168" cy="201168"/>
               </a:xfrm>
               <a:prstGeom prst="ellipse">
@@ -8789,7 +13429,7 @@
             </p:nvSpPr>
             <p:spPr>
               <a:xfrm>
-                <a:off x="9866440" y="4970304"/>
+                <a:off x="9172187" y="4733242"/>
                 <a:ext cx="201168" cy="201168"/>
               </a:xfrm>
               <a:prstGeom prst="ellipse">
@@ -8798,7 +13438,7 @@
               <a:blipFill>
                 <a:blip r:embed="rId11"/>
                 <a:stretch>
-                  <a:fillRect l="-22222" r="-5556" b="-5556"/>
+                  <a:fillRect l="-16667" r="-11111" b="-5882"/>
                 </a:stretch>
               </a:blipFill>
               <a:ln>
@@ -8836,7 +13476,7 @@
         </p:nvSpPr>
         <p:spPr>
           <a:xfrm>
-            <a:off x="10253738" y="4897494"/>
+            <a:off x="9424021" y="4660432"/>
             <a:ext cx="1212191" cy="338554"/>
           </a:xfrm>
           <a:prstGeom prst="rect">
@@ -8875,7 +13515,7 @@
         </p:nvSpPr>
         <p:spPr>
           <a:xfrm>
-            <a:off x="9856280" y="5317004"/>
+            <a:off x="9162027" y="5012210"/>
             <a:ext cx="201168" cy="201168"/>
           </a:xfrm>
           <a:prstGeom prst="flowChartOr">
@@ -8927,7 +13567,7 @@
         </p:nvSpPr>
         <p:spPr>
           <a:xfrm>
-            <a:off x="10258709" y="5240795"/>
+            <a:off x="9428992" y="4936001"/>
             <a:ext cx="1837361" cy="338554"/>
           </a:xfrm>
           <a:prstGeom prst="rect">
@@ -8966,7 +13606,7 @@
         </p:nvSpPr>
         <p:spPr>
           <a:xfrm>
-            <a:off x="9744663" y="5584727"/>
+            <a:off x="9050410" y="5212201"/>
             <a:ext cx="434734" cy="338554"/>
           </a:xfrm>
           <a:prstGeom prst="rect">
@@ -9005,7 +13645,7 @@
         </p:nvSpPr>
         <p:spPr>
           <a:xfrm>
-            <a:off x="9722665" y="5895092"/>
+            <a:off x="9028412" y="5488700"/>
             <a:ext cx="468398" cy="338554"/>
           </a:xfrm>
           <a:prstGeom prst="rect">
@@ -9046,7 +13686,7 @@
             </p:nvSpPr>
             <p:spPr>
               <a:xfrm>
-                <a:off x="9804796" y="6160821"/>
+                <a:off x="9110543" y="5754429"/>
                 <a:ext cx="382669" cy="369332"/>
               </a:xfrm>
               <a:prstGeom prst="rect">
@@ -9102,7 +13742,7 @@
             </p:nvSpPr>
             <p:spPr>
               <a:xfrm>
-                <a:off x="9804796" y="6160821"/>
+                <a:off x="9110543" y="5754429"/>
                 <a:ext cx="382669" cy="369332"/>
               </a:xfrm>
               <a:prstGeom prst="rect">
@@ -9144,7 +13784,7 @@
         </p:nvSpPr>
         <p:spPr>
           <a:xfrm>
-            <a:off x="10257976" y="5582624"/>
+            <a:off x="9428259" y="5210098"/>
             <a:ext cx="1635384" cy="338554"/>
           </a:xfrm>
           <a:prstGeom prst="rect">
@@ -9183,7 +13823,7 @@
         </p:nvSpPr>
         <p:spPr>
           <a:xfrm>
-            <a:off x="10253738" y="5895092"/>
+            <a:off x="9424021" y="5488700"/>
             <a:ext cx="1922321" cy="338554"/>
           </a:xfrm>
           <a:prstGeom prst="rect">
@@ -9222,7 +13862,7 @@
         </p:nvSpPr>
         <p:spPr>
           <a:xfrm>
-            <a:off x="10257976" y="6162571"/>
+            <a:off x="9428259" y="5756179"/>
             <a:ext cx="1053495" cy="338554"/>
           </a:xfrm>
           <a:prstGeom prst="rect">
@@ -9247,14 +13887,1137 @@
           </a:p>
         </p:txBody>
       </p:sp>
+      <p:sp>
+        <p:nvSpPr>
+          <p:cNvPr id="131" name="Rounded Rectangle 130">
+            <a:extLst>
+              <a:ext uri="{FF2B5EF4-FFF2-40B4-BE49-F238E27FC236}">
+                <a16:creationId xmlns:a16="http://schemas.microsoft.com/office/drawing/2014/main" id="{260F6E73-DB80-C849-87B0-199B2BC22ACA}"/>
+              </a:ext>
+            </a:extLst>
+          </p:cNvPr>
+          <p:cNvSpPr/>
+          <p:nvPr/>
+        </p:nvSpPr>
+        <p:spPr>
+          <a:xfrm>
+            <a:off x="2363113" y="1931304"/>
+            <a:ext cx="482542" cy="1523805"/>
+          </a:xfrm>
+          <a:prstGeom prst="roundRect">
+            <a:avLst/>
+          </a:prstGeom>
+        </p:spPr>
+        <p:style>
+          <a:lnRef idx="1">
+            <a:schemeClr val="accent6"/>
+          </a:lnRef>
+          <a:fillRef idx="2">
+            <a:schemeClr val="accent6"/>
+          </a:fillRef>
+          <a:effectRef idx="1">
+            <a:schemeClr val="accent6"/>
+          </a:effectRef>
+          <a:fontRef idx="minor">
+            <a:schemeClr val="dk1"/>
+          </a:fontRef>
+        </p:style>
+        <p:txBody>
+          <a:bodyPr vert="vert270" rtlCol="0" anchor="ctr"/>
+          <a:lstStyle/>
+          <a:p>
+            <a:pPr algn="ctr"/>
+            <a:r>
+              <a:rPr lang="en-US" sz="1600" dirty="0">
+                <a:solidFill>
+                  <a:schemeClr val="tx1"/>
+                </a:solidFill>
+                <a:latin typeface="Times New Roman" panose="02020603050405020304" pitchFamily="18" charset="0"/>
+                <a:cs typeface="Times New Roman" panose="02020603050405020304" pitchFamily="18" charset="0"/>
+              </a:rPr>
+              <a:t>Geometric</a:t>
+            </a:r>
+          </a:p>
+          <a:p>
+            <a:pPr algn="ctr"/>
+            <a:r>
+              <a:rPr lang="en-US" sz="1600" dirty="0">
+                <a:solidFill>
+                  <a:schemeClr val="tx1"/>
+                </a:solidFill>
+                <a:latin typeface="Times New Roman" panose="02020603050405020304" pitchFamily="18" charset="0"/>
+                <a:cs typeface="Times New Roman" panose="02020603050405020304" pitchFamily="18" charset="0"/>
+              </a:rPr>
+              <a:t>Affine Module</a:t>
+            </a:r>
+          </a:p>
+        </p:txBody>
+      </p:sp>
+      <p:sp>
+        <p:nvSpPr>
+          <p:cNvPr id="132" name="Right Arrow 131">
+            <a:extLst>
+              <a:ext uri="{FF2B5EF4-FFF2-40B4-BE49-F238E27FC236}">
+                <a16:creationId xmlns:a16="http://schemas.microsoft.com/office/drawing/2014/main" id="{404B7187-690B-3B48-BA87-A641E88A1956}"/>
+              </a:ext>
+            </a:extLst>
+          </p:cNvPr>
+          <p:cNvSpPr/>
+          <p:nvPr/>
+        </p:nvSpPr>
+        <p:spPr>
+          <a:xfrm>
+            <a:off x="2085494" y="2573415"/>
+            <a:ext cx="255814" cy="210591"/>
+          </a:xfrm>
+          <a:prstGeom prst="rightArrow">
+            <a:avLst/>
+          </a:prstGeom>
+          <a:solidFill>
+            <a:schemeClr val="accent1">
+              <a:lumMod val="20000"/>
+              <a:lumOff val="80000"/>
+            </a:schemeClr>
+          </a:solidFill>
+          <a:ln/>
+        </p:spPr>
+        <p:style>
+          <a:lnRef idx="2">
+            <a:schemeClr val="accent5"/>
+          </a:lnRef>
+          <a:fillRef idx="1">
+            <a:schemeClr val="lt1"/>
+          </a:fillRef>
+          <a:effectRef idx="0">
+            <a:schemeClr val="accent5"/>
+          </a:effectRef>
+          <a:fontRef idx="minor">
+            <a:schemeClr val="dk1"/>
+          </a:fontRef>
+        </p:style>
+        <p:txBody>
+          <a:bodyPr rtlCol="0" anchor="ctr"/>
+          <a:lstStyle/>
+          <a:p>
+            <a:pPr algn="ctr"/>
+            <a:endParaRPr lang="en-US"/>
+          </a:p>
+        </p:txBody>
+      </p:sp>
+      <p:sp>
+        <p:nvSpPr>
+          <p:cNvPr id="134" name="Right Arrow 133">
+            <a:extLst>
+              <a:ext uri="{FF2B5EF4-FFF2-40B4-BE49-F238E27FC236}">
+                <a16:creationId xmlns:a16="http://schemas.microsoft.com/office/drawing/2014/main" id="{DD1B6045-7955-8542-AA13-4847B312BF73}"/>
+              </a:ext>
+            </a:extLst>
+          </p:cNvPr>
+          <p:cNvSpPr/>
+          <p:nvPr/>
+        </p:nvSpPr>
+        <p:spPr>
+          <a:xfrm>
+            <a:off x="2856757" y="2575578"/>
+            <a:ext cx="255814" cy="210591"/>
+          </a:xfrm>
+          <a:prstGeom prst="rightArrow">
+            <a:avLst/>
+          </a:prstGeom>
+          <a:solidFill>
+            <a:schemeClr val="accent1">
+              <a:lumMod val="20000"/>
+              <a:lumOff val="80000"/>
+            </a:schemeClr>
+          </a:solidFill>
+          <a:ln/>
+        </p:spPr>
+        <p:style>
+          <a:lnRef idx="2">
+            <a:schemeClr val="accent5"/>
+          </a:lnRef>
+          <a:fillRef idx="1">
+            <a:schemeClr val="lt1"/>
+          </a:fillRef>
+          <a:effectRef idx="0">
+            <a:schemeClr val="accent5"/>
+          </a:effectRef>
+          <a:fontRef idx="minor">
+            <a:schemeClr val="dk1"/>
+          </a:fontRef>
+        </p:style>
+        <p:txBody>
+          <a:bodyPr rtlCol="0" anchor="ctr"/>
+          <a:lstStyle/>
+          <a:p>
+            <a:pPr algn="ctr"/>
+            <a:endParaRPr lang="en-US"/>
+          </a:p>
+        </p:txBody>
+      </p:sp>
+      <p:sp>
+        <p:nvSpPr>
+          <p:cNvPr id="135" name="Right Arrow 134">
+            <a:extLst>
+              <a:ext uri="{FF2B5EF4-FFF2-40B4-BE49-F238E27FC236}">
+                <a16:creationId xmlns:a16="http://schemas.microsoft.com/office/drawing/2014/main" id="{72AC167B-6CE2-1544-82EE-9E4F093DA5A1}"/>
+              </a:ext>
+            </a:extLst>
+          </p:cNvPr>
+          <p:cNvSpPr/>
+          <p:nvPr/>
+        </p:nvSpPr>
+        <p:spPr>
+          <a:xfrm>
+            <a:off x="4529364" y="2575577"/>
+            <a:ext cx="255814" cy="210591"/>
+          </a:xfrm>
+          <a:prstGeom prst="rightArrow">
+            <a:avLst/>
+          </a:prstGeom>
+          <a:solidFill>
+            <a:schemeClr val="accent1">
+              <a:lumMod val="20000"/>
+              <a:lumOff val="80000"/>
+            </a:schemeClr>
+          </a:solidFill>
+          <a:ln/>
+        </p:spPr>
+        <p:style>
+          <a:lnRef idx="2">
+            <a:schemeClr val="accent5"/>
+          </a:lnRef>
+          <a:fillRef idx="1">
+            <a:schemeClr val="lt1"/>
+          </a:fillRef>
+          <a:effectRef idx="0">
+            <a:schemeClr val="accent5"/>
+          </a:effectRef>
+          <a:fontRef idx="minor">
+            <a:schemeClr val="dk1"/>
+          </a:fontRef>
+        </p:style>
+        <p:txBody>
+          <a:bodyPr rtlCol="0" anchor="ctr"/>
+          <a:lstStyle/>
+          <a:p>
+            <a:pPr algn="ctr"/>
+            <a:endParaRPr lang="en-US"/>
+          </a:p>
+        </p:txBody>
+      </p:sp>
+      <p:sp>
+        <p:nvSpPr>
+          <p:cNvPr id="136" name="Right Arrow 135">
+            <a:extLst>
+              <a:ext uri="{FF2B5EF4-FFF2-40B4-BE49-F238E27FC236}">
+                <a16:creationId xmlns:a16="http://schemas.microsoft.com/office/drawing/2014/main" id="{97334931-D8A1-784C-912E-381E02B96C70}"/>
+              </a:ext>
+            </a:extLst>
+          </p:cNvPr>
+          <p:cNvSpPr/>
+          <p:nvPr/>
+        </p:nvSpPr>
+        <p:spPr>
+          <a:xfrm>
+            <a:off x="5274323" y="2589023"/>
+            <a:ext cx="255814" cy="210591"/>
+          </a:xfrm>
+          <a:prstGeom prst="rightArrow">
+            <a:avLst/>
+          </a:prstGeom>
+          <a:solidFill>
+            <a:schemeClr val="accent1">
+              <a:lumMod val="20000"/>
+              <a:lumOff val="80000"/>
+            </a:schemeClr>
+          </a:solidFill>
+          <a:ln/>
+        </p:spPr>
+        <p:style>
+          <a:lnRef idx="2">
+            <a:schemeClr val="accent5"/>
+          </a:lnRef>
+          <a:fillRef idx="1">
+            <a:schemeClr val="lt1"/>
+          </a:fillRef>
+          <a:effectRef idx="0">
+            <a:schemeClr val="accent5"/>
+          </a:effectRef>
+          <a:fontRef idx="minor">
+            <a:schemeClr val="dk1"/>
+          </a:fontRef>
+        </p:style>
+        <p:txBody>
+          <a:bodyPr rtlCol="0" anchor="ctr"/>
+          <a:lstStyle/>
+          <a:p>
+            <a:pPr algn="ctr"/>
+            <a:endParaRPr lang="en-US"/>
+          </a:p>
+        </p:txBody>
+      </p:sp>
+      <p:sp>
+        <p:nvSpPr>
+          <p:cNvPr id="137" name="Right Arrow 136">
+            <a:extLst>
+              <a:ext uri="{FF2B5EF4-FFF2-40B4-BE49-F238E27FC236}">
+                <a16:creationId xmlns:a16="http://schemas.microsoft.com/office/drawing/2014/main" id="{BC5C658D-58DD-D54D-B7AB-138C14DFED89}"/>
+              </a:ext>
+            </a:extLst>
+          </p:cNvPr>
+          <p:cNvSpPr/>
+          <p:nvPr/>
+        </p:nvSpPr>
+        <p:spPr>
+          <a:xfrm>
+            <a:off x="6450661" y="2592428"/>
+            <a:ext cx="255814" cy="210591"/>
+          </a:xfrm>
+          <a:prstGeom prst="rightArrow">
+            <a:avLst/>
+          </a:prstGeom>
+          <a:solidFill>
+            <a:schemeClr val="accent1">
+              <a:lumMod val="20000"/>
+              <a:lumOff val="80000"/>
+            </a:schemeClr>
+          </a:solidFill>
+          <a:ln/>
+        </p:spPr>
+        <p:style>
+          <a:lnRef idx="2">
+            <a:schemeClr val="accent5"/>
+          </a:lnRef>
+          <a:fillRef idx="1">
+            <a:schemeClr val="lt1"/>
+          </a:fillRef>
+          <a:effectRef idx="0">
+            <a:schemeClr val="accent5"/>
+          </a:effectRef>
+          <a:fontRef idx="minor">
+            <a:schemeClr val="dk1"/>
+          </a:fontRef>
+        </p:style>
+        <p:txBody>
+          <a:bodyPr rtlCol="0" anchor="ctr"/>
+          <a:lstStyle/>
+          <a:p>
+            <a:pPr algn="ctr"/>
+            <a:endParaRPr lang="en-US"/>
+          </a:p>
+        </p:txBody>
+      </p:sp>
+      <p:sp>
+        <p:nvSpPr>
+          <p:cNvPr id="138" name="Right Arrow 137">
+            <a:extLst>
+              <a:ext uri="{FF2B5EF4-FFF2-40B4-BE49-F238E27FC236}">
+                <a16:creationId xmlns:a16="http://schemas.microsoft.com/office/drawing/2014/main" id="{995F7802-0EA7-234E-99A9-110AAFF9D9AE}"/>
+              </a:ext>
+            </a:extLst>
+          </p:cNvPr>
+          <p:cNvSpPr/>
+          <p:nvPr/>
+        </p:nvSpPr>
+        <p:spPr>
+          <a:xfrm>
+            <a:off x="7073704" y="2606388"/>
+            <a:ext cx="255814" cy="210591"/>
+          </a:xfrm>
+          <a:prstGeom prst="rightArrow">
+            <a:avLst/>
+          </a:prstGeom>
+          <a:solidFill>
+            <a:schemeClr val="accent1">
+              <a:lumMod val="20000"/>
+              <a:lumOff val="80000"/>
+            </a:schemeClr>
+          </a:solidFill>
+          <a:ln/>
+        </p:spPr>
+        <p:style>
+          <a:lnRef idx="2">
+            <a:schemeClr val="accent5"/>
+          </a:lnRef>
+          <a:fillRef idx="1">
+            <a:schemeClr val="lt1"/>
+          </a:fillRef>
+          <a:effectRef idx="0">
+            <a:schemeClr val="accent5"/>
+          </a:effectRef>
+          <a:fontRef idx="minor">
+            <a:schemeClr val="dk1"/>
+          </a:fontRef>
+        </p:style>
+        <p:txBody>
+          <a:bodyPr rtlCol="0" anchor="ctr"/>
+          <a:lstStyle/>
+          <a:p>
+            <a:pPr algn="ctr"/>
+            <a:endParaRPr lang="en-US"/>
+          </a:p>
+        </p:txBody>
+      </p:sp>
+      <p:sp>
+        <p:nvSpPr>
+          <p:cNvPr id="139" name="Oval 138">
+            <a:extLst>
+              <a:ext uri="{FF2B5EF4-FFF2-40B4-BE49-F238E27FC236}">
+                <a16:creationId xmlns:a16="http://schemas.microsoft.com/office/drawing/2014/main" id="{1822CC74-E4B5-D243-82B4-E4A7FD6D4CCD}"/>
+              </a:ext>
+            </a:extLst>
+          </p:cNvPr>
+          <p:cNvSpPr/>
+          <p:nvPr/>
+        </p:nvSpPr>
+        <p:spPr>
+          <a:xfrm>
+            <a:off x="1090773" y="5081646"/>
+            <a:ext cx="85824" cy="85823"/>
+          </a:xfrm>
+          <a:prstGeom prst="ellipse">
+            <a:avLst/>
+          </a:prstGeom>
+        </p:spPr>
+        <p:style>
+          <a:lnRef idx="0">
+            <a:schemeClr val="accent6"/>
+          </a:lnRef>
+          <a:fillRef idx="3">
+            <a:schemeClr val="accent6"/>
+          </a:fillRef>
+          <a:effectRef idx="3">
+            <a:schemeClr val="accent6"/>
+          </a:effectRef>
+          <a:fontRef idx="minor">
+            <a:schemeClr val="lt1"/>
+          </a:fontRef>
+        </p:style>
+        <p:txBody>
+          <a:bodyPr rtlCol="0" anchor="ctr"/>
+          <a:lstStyle/>
+          <a:p>
+            <a:pPr algn="ctr"/>
+            <a:endParaRPr lang="en-US" sz="1600"/>
+          </a:p>
+        </p:txBody>
+      </p:sp>
+      <p:sp>
+        <p:nvSpPr>
+          <p:cNvPr id="140" name="Oval 139">
+            <a:extLst>
+              <a:ext uri="{FF2B5EF4-FFF2-40B4-BE49-F238E27FC236}">
+                <a16:creationId xmlns:a16="http://schemas.microsoft.com/office/drawing/2014/main" id="{389DBED5-C4F1-E34E-A88F-014BEA02288B}"/>
+              </a:ext>
+            </a:extLst>
+          </p:cNvPr>
+          <p:cNvSpPr/>
+          <p:nvPr/>
+        </p:nvSpPr>
+        <p:spPr>
+          <a:xfrm>
+            <a:off x="3374049" y="5013554"/>
+            <a:ext cx="85824" cy="85823"/>
+          </a:xfrm>
+          <a:prstGeom prst="ellipse">
+            <a:avLst/>
+          </a:prstGeom>
+        </p:spPr>
+        <p:style>
+          <a:lnRef idx="0">
+            <a:schemeClr val="accent6"/>
+          </a:lnRef>
+          <a:fillRef idx="3">
+            <a:schemeClr val="accent6"/>
+          </a:fillRef>
+          <a:effectRef idx="3">
+            <a:schemeClr val="accent6"/>
+          </a:effectRef>
+          <a:fontRef idx="minor">
+            <a:schemeClr val="lt1"/>
+          </a:fontRef>
+        </p:style>
+        <p:txBody>
+          <a:bodyPr rtlCol="0" anchor="ctr"/>
+          <a:lstStyle/>
+          <a:p>
+            <a:pPr algn="ctr"/>
+            <a:endParaRPr lang="en-US" sz="1600"/>
+          </a:p>
+        </p:txBody>
+      </p:sp>
+      <p:sp>
+        <p:nvSpPr>
+          <p:cNvPr id="141" name="Oval 140">
+            <a:extLst>
+              <a:ext uri="{FF2B5EF4-FFF2-40B4-BE49-F238E27FC236}">
+                <a16:creationId xmlns:a16="http://schemas.microsoft.com/office/drawing/2014/main" id="{B0210DB8-BD90-FE41-9EA5-CFC18B3412BF}"/>
+              </a:ext>
+            </a:extLst>
+          </p:cNvPr>
+          <p:cNvSpPr/>
+          <p:nvPr/>
+        </p:nvSpPr>
+        <p:spPr>
+          <a:xfrm>
+            <a:off x="3521124" y="5369474"/>
+            <a:ext cx="85824" cy="85823"/>
+          </a:xfrm>
+          <a:prstGeom prst="ellipse">
+            <a:avLst/>
+          </a:prstGeom>
+        </p:spPr>
+        <p:style>
+          <a:lnRef idx="0">
+            <a:schemeClr val="accent6"/>
+          </a:lnRef>
+          <a:fillRef idx="3">
+            <a:schemeClr val="accent6"/>
+          </a:fillRef>
+          <a:effectRef idx="3">
+            <a:schemeClr val="accent6"/>
+          </a:effectRef>
+          <a:fontRef idx="minor">
+            <a:schemeClr val="lt1"/>
+          </a:fontRef>
+        </p:style>
+        <p:txBody>
+          <a:bodyPr rtlCol="0" anchor="ctr"/>
+          <a:lstStyle/>
+          <a:p>
+            <a:pPr algn="ctr"/>
+            <a:endParaRPr lang="en-US" sz="1600"/>
+          </a:p>
+        </p:txBody>
+      </p:sp>
+      <p:sp>
+        <p:nvSpPr>
+          <p:cNvPr id="142" name="Oval 141">
+            <a:extLst>
+              <a:ext uri="{FF2B5EF4-FFF2-40B4-BE49-F238E27FC236}">
+                <a16:creationId xmlns:a16="http://schemas.microsoft.com/office/drawing/2014/main" id="{60C93B74-FB57-DF44-8A7C-50FF59543987}"/>
+              </a:ext>
+            </a:extLst>
+          </p:cNvPr>
+          <p:cNvSpPr/>
+          <p:nvPr/>
+        </p:nvSpPr>
+        <p:spPr>
+          <a:xfrm>
+            <a:off x="3175783" y="5290403"/>
+            <a:ext cx="85824" cy="85823"/>
+          </a:xfrm>
+          <a:prstGeom prst="ellipse">
+            <a:avLst/>
+          </a:prstGeom>
+        </p:spPr>
+        <p:style>
+          <a:lnRef idx="0">
+            <a:schemeClr val="accent6"/>
+          </a:lnRef>
+          <a:fillRef idx="3">
+            <a:schemeClr val="accent6"/>
+          </a:fillRef>
+          <a:effectRef idx="3">
+            <a:schemeClr val="accent6"/>
+          </a:effectRef>
+          <a:fontRef idx="minor">
+            <a:schemeClr val="lt1"/>
+          </a:fontRef>
+        </p:style>
+        <p:txBody>
+          <a:bodyPr rtlCol="0" anchor="ctr"/>
+          <a:lstStyle/>
+          <a:p>
+            <a:pPr algn="ctr"/>
+            <a:endParaRPr lang="en-US" sz="1600"/>
+          </a:p>
+        </p:txBody>
+      </p:sp>
+      <p:sp>
+        <p:nvSpPr>
+          <p:cNvPr id="143" name="5-Point Star 142">
+            <a:extLst>
+              <a:ext uri="{FF2B5EF4-FFF2-40B4-BE49-F238E27FC236}">
+                <a16:creationId xmlns:a16="http://schemas.microsoft.com/office/drawing/2014/main" id="{3A2AA5C6-7359-514B-BAF3-F76A0E93D530}"/>
+              </a:ext>
+            </a:extLst>
+          </p:cNvPr>
+          <p:cNvSpPr/>
+          <p:nvPr/>
+        </p:nvSpPr>
+        <p:spPr>
+          <a:xfrm>
+            <a:off x="3373318" y="5181170"/>
+            <a:ext cx="125833" cy="109233"/>
+          </a:xfrm>
+          <a:prstGeom prst="star5">
+            <a:avLst/>
+          </a:prstGeom>
+          <a:solidFill>
+            <a:srgbClr val="FF0000"/>
+          </a:solidFill>
+        </p:spPr>
+        <p:style>
+          <a:lnRef idx="0">
+            <a:schemeClr val="accent2"/>
+          </a:lnRef>
+          <a:fillRef idx="3">
+            <a:schemeClr val="accent2"/>
+          </a:fillRef>
+          <a:effectRef idx="3">
+            <a:schemeClr val="accent2"/>
+          </a:effectRef>
+          <a:fontRef idx="minor">
+            <a:schemeClr val="lt1"/>
+          </a:fontRef>
+        </p:style>
+        <p:txBody>
+          <a:bodyPr rtlCol="0" anchor="ctr"/>
+          <a:lstStyle/>
+          <a:p>
+            <a:pPr algn="ctr"/>
+            <a:endParaRPr lang="en-US" sz="1600"/>
+          </a:p>
+        </p:txBody>
+      </p:sp>
+      <p:cxnSp>
+        <p:nvCxnSpPr>
+          <p:cNvPr id="144" name="Straight Connector 143">
+            <a:extLst>
+              <a:ext uri="{FF2B5EF4-FFF2-40B4-BE49-F238E27FC236}">
+                <a16:creationId xmlns:a16="http://schemas.microsoft.com/office/drawing/2014/main" id="{1C8E4182-401E-4A4D-99B7-8E4AF00DF5E2}"/>
+              </a:ext>
+            </a:extLst>
+          </p:cNvPr>
+          <p:cNvCxnSpPr>
+            <a:cxnSpLocks/>
+            <a:stCxn id="140" idx="4"/>
+            <a:endCxn id="143" idx="0"/>
+          </p:cNvCxnSpPr>
+          <p:nvPr/>
+        </p:nvCxnSpPr>
+        <p:spPr>
+          <a:xfrm>
+            <a:off x="3416961" y="5099377"/>
+            <a:ext cx="19274" cy="81793"/>
+          </a:xfrm>
+          <a:prstGeom prst="line">
+            <a:avLst/>
+          </a:prstGeom>
+        </p:spPr>
+        <p:style>
+          <a:lnRef idx="1">
+            <a:schemeClr val="accent3"/>
+          </a:lnRef>
+          <a:fillRef idx="0">
+            <a:schemeClr val="accent3"/>
+          </a:fillRef>
+          <a:effectRef idx="0">
+            <a:schemeClr val="accent3"/>
+          </a:effectRef>
+          <a:fontRef idx="minor">
+            <a:schemeClr val="tx1"/>
+          </a:fontRef>
+        </p:style>
+      </p:cxnSp>
+      <p:cxnSp>
+        <p:nvCxnSpPr>
+          <p:cNvPr id="146" name="Straight Connector 145">
+            <a:extLst>
+              <a:ext uri="{FF2B5EF4-FFF2-40B4-BE49-F238E27FC236}">
+                <a16:creationId xmlns:a16="http://schemas.microsoft.com/office/drawing/2014/main" id="{9AF1EA73-3BC8-6349-B497-869D5DAAF0F9}"/>
+              </a:ext>
+            </a:extLst>
+          </p:cNvPr>
+          <p:cNvCxnSpPr>
+            <a:cxnSpLocks/>
+            <a:stCxn id="141" idx="1"/>
+            <a:endCxn id="143" idx="3"/>
+          </p:cNvCxnSpPr>
+          <p:nvPr/>
+        </p:nvCxnSpPr>
+        <p:spPr>
+          <a:xfrm flipH="1" flipV="1">
+            <a:off x="3475119" y="5290403"/>
+            <a:ext cx="58574" cy="91639"/>
+          </a:xfrm>
+          <a:prstGeom prst="line">
+            <a:avLst/>
+          </a:prstGeom>
+        </p:spPr>
+        <p:style>
+          <a:lnRef idx="1">
+            <a:schemeClr val="accent3"/>
+          </a:lnRef>
+          <a:fillRef idx="0">
+            <a:schemeClr val="accent3"/>
+          </a:fillRef>
+          <a:effectRef idx="0">
+            <a:schemeClr val="accent3"/>
+          </a:effectRef>
+          <a:fontRef idx="minor">
+            <a:schemeClr val="tx1"/>
+          </a:fontRef>
+        </p:style>
+      </p:cxnSp>
+      <p:cxnSp>
+        <p:nvCxnSpPr>
+          <p:cNvPr id="147" name="Straight Connector 146">
+            <a:extLst>
+              <a:ext uri="{FF2B5EF4-FFF2-40B4-BE49-F238E27FC236}">
+                <a16:creationId xmlns:a16="http://schemas.microsoft.com/office/drawing/2014/main" id="{780BDB7C-6C5C-C54C-A501-A5692B28396A}"/>
+              </a:ext>
+            </a:extLst>
+          </p:cNvPr>
+          <p:cNvCxnSpPr>
+            <a:cxnSpLocks/>
+            <a:stCxn id="142" idx="6"/>
+            <a:endCxn id="143" idx="2"/>
+          </p:cNvCxnSpPr>
+          <p:nvPr/>
+        </p:nvCxnSpPr>
+        <p:spPr>
+          <a:xfrm flipV="1">
+            <a:off x="3261607" y="5290403"/>
+            <a:ext cx="135743" cy="42912"/>
+          </a:xfrm>
+          <a:prstGeom prst="line">
+            <a:avLst/>
+          </a:prstGeom>
+        </p:spPr>
+        <p:style>
+          <a:lnRef idx="1">
+            <a:schemeClr val="accent3"/>
+          </a:lnRef>
+          <a:fillRef idx="0">
+            <a:schemeClr val="accent3"/>
+          </a:fillRef>
+          <a:effectRef idx="0">
+            <a:schemeClr val="accent3"/>
+          </a:effectRef>
+          <a:fontRef idx="minor">
+            <a:schemeClr val="tx1"/>
+          </a:fontRef>
+        </p:style>
+      </p:cxnSp>
+      <p:sp>
+        <p:nvSpPr>
+          <p:cNvPr id="151" name="Oval 150">
+            <a:extLst>
+              <a:ext uri="{FF2B5EF4-FFF2-40B4-BE49-F238E27FC236}">
+                <a16:creationId xmlns:a16="http://schemas.microsoft.com/office/drawing/2014/main" id="{C787D4BE-2EE8-0544-86D3-831140444A72}"/>
+              </a:ext>
+            </a:extLst>
+          </p:cNvPr>
+          <p:cNvSpPr/>
+          <p:nvPr/>
+        </p:nvSpPr>
+        <p:spPr>
+          <a:xfrm>
+            <a:off x="3129302" y="5141007"/>
+            <a:ext cx="613862" cy="192308"/>
+          </a:xfrm>
+          <a:prstGeom prst="ellipse">
+            <a:avLst/>
+          </a:prstGeom>
+          <a:noFill/>
+          <a:ln w="3175">
+            <a:solidFill>
+              <a:schemeClr val="bg1">
+                <a:lumMod val="50000"/>
+              </a:schemeClr>
+            </a:solidFill>
+            <a:prstDash val="dash"/>
+          </a:ln>
+        </p:spPr>
+        <p:style>
+          <a:lnRef idx="2">
+            <a:schemeClr val="accent1">
+              <a:shade val="50000"/>
+            </a:schemeClr>
+          </a:lnRef>
+          <a:fillRef idx="1">
+            <a:schemeClr val="accent1"/>
+          </a:fillRef>
+          <a:effectRef idx="0">
+            <a:schemeClr val="accent1"/>
+          </a:effectRef>
+          <a:fontRef idx="minor">
+            <a:schemeClr val="lt1"/>
+          </a:fontRef>
+        </p:style>
+        <p:txBody>
+          <a:bodyPr rtlCol="0" anchor="ctr"/>
+          <a:lstStyle/>
+          <a:p>
+            <a:pPr algn="ctr"/>
+            <a:endParaRPr lang="en-US" sz="1600" dirty="0"/>
+          </a:p>
+        </p:txBody>
+      </p:sp>
+      <p:cxnSp>
+        <p:nvCxnSpPr>
+          <p:cNvPr id="152" name="Straight Connector 151">
+            <a:extLst>
+              <a:ext uri="{FF2B5EF4-FFF2-40B4-BE49-F238E27FC236}">
+                <a16:creationId xmlns:a16="http://schemas.microsoft.com/office/drawing/2014/main" id="{C697492E-DEDB-1841-BB56-A6224FE9B4F6}"/>
+              </a:ext>
+            </a:extLst>
+          </p:cNvPr>
+          <p:cNvCxnSpPr>
+            <a:stCxn id="151" idx="2"/>
+            <a:endCxn id="151" idx="6"/>
+          </p:cNvCxnSpPr>
+          <p:nvPr/>
+        </p:nvCxnSpPr>
+        <p:spPr>
+          <a:xfrm>
+            <a:off x="3129302" y="5237161"/>
+            <a:ext cx="613862" cy="0"/>
+          </a:xfrm>
+          <a:prstGeom prst="line">
+            <a:avLst/>
+          </a:prstGeom>
+          <a:ln w="3175">
+            <a:solidFill>
+              <a:schemeClr val="bg1">
+                <a:lumMod val="50000"/>
+              </a:schemeClr>
+            </a:solidFill>
+            <a:prstDash val="dash"/>
+          </a:ln>
+        </p:spPr>
+        <p:style>
+          <a:lnRef idx="1">
+            <a:schemeClr val="accent1"/>
+          </a:lnRef>
+          <a:fillRef idx="0">
+            <a:schemeClr val="accent1"/>
+          </a:fillRef>
+          <a:effectRef idx="0">
+            <a:schemeClr val="accent1"/>
+          </a:effectRef>
+          <a:fontRef idx="minor">
+            <a:schemeClr val="tx1"/>
+          </a:fontRef>
+        </p:style>
+      </p:cxnSp>
+      <p:cxnSp>
+        <p:nvCxnSpPr>
+          <p:cNvPr id="153" name="Straight Connector 152">
+            <a:extLst>
+              <a:ext uri="{FF2B5EF4-FFF2-40B4-BE49-F238E27FC236}">
+                <a16:creationId xmlns:a16="http://schemas.microsoft.com/office/drawing/2014/main" id="{858C4936-2637-7B4F-8308-49D6DB9B5738}"/>
+              </a:ext>
+            </a:extLst>
+          </p:cNvPr>
+          <p:cNvCxnSpPr>
+            <a:cxnSpLocks/>
+          </p:cNvCxnSpPr>
+          <p:nvPr/>
+        </p:nvCxnSpPr>
+        <p:spPr>
+          <a:xfrm>
+            <a:off x="3435486" y="4817129"/>
+            <a:ext cx="0" cy="824437"/>
+          </a:xfrm>
+          <a:prstGeom prst="line">
+            <a:avLst/>
+          </a:prstGeom>
+          <a:ln w="3175">
+            <a:solidFill>
+              <a:schemeClr val="bg1">
+                <a:lumMod val="50000"/>
+              </a:schemeClr>
+            </a:solidFill>
+            <a:prstDash val="dash"/>
+          </a:ln>
+        </p:spPr>
+        <p:style>
+          <a:lnRef idx="1">
+            <a:schemeClr val="accent1"/>
+          </a:lnRef>
+          <a:fillRef idx="0">
+            <a:schemeClr val="accent1"/>
+          </a:fillRef>
+          <a:effectRef idx="0">
+            <a:schemeClr val="accent1"/>
+          </a:effectRef>
+          <a:fontRef idx="minor">
+            <a:schemeClr val="tx1"/>
+          </a:fontRef>
+        </p:style>
+      </p:cxnSp>
+      <p:cxnSp>
+        <p:nvCxnSpPr>
+          <p:cNvPr id="154" name="Straight Connector 153">
+            <a:extLst>
+              <a:ext uri="{FF2B5EF4-FFF2-40B4-BE49-F238E27FC236}">
+                <a16:creationId xmlns:a16="http://schemas.microsoft.com/office/drawing/2014/main" id="{B422CEB2-7459-6D4B-A1E5-A17D2EDCC8A6}"/>
+              </a:ext>
+            </a:extLst>
+          </p:cNvPr>
+          <p:cNvCxnSpPr>
+            <a:cxnSpLocks/>
+          </p:cNvCxnSpPr>
+          <p:nvPr/>
+        </p:nvCxnSpPr>
+        <p:spPr>
+          <a:xfrm flipH="1">
+            <a:off x="3443089" y="5146189"/>
+            <a:ext cx="91440" cy="91440"/>
+          </a:xfrm>
+          <a:prstGeom prst="line">
+            <a:avLst/>
+          </a:prstGeom>
+          <a:ln w="3175">
+            <a:solidFill>
+              <a:schemeClr val="bg1">
+                <a:lumMod val="75000"/>
+              </a:schemeClr>
+            </a:solidFill>
+            <a:prstDash val="dash"/>
+          </a:ln>
+        </p:spPr>
+        <p:style>
+          <a:lnRef idx="1">
+            <a:schemeClr val="accent1"/>
+          </a:lnRef>
+          <a:fillRef idx="0">
+            <a:schemeClr val="accent1"/>
+          </a:fillRef>
+          <a:effectRef idx="0">
+            <a:schemeClr val="accent1"/>
+          </a:effectRef>
+          <a:fontRef idx="minor">
+            <a:schemeClr val="tx1"/>
+          </a:fontRef>
+        </p:style>
+      </p:cxnSp>
+      <p:sp>
+        <p:nvSpPr>
+          <p:cNvPr id="155" name="Oval 154">
+            <a:extLst>
+              <a:ext uri="{FF2B5EF4-FFF2-40B4-BE49-F238E27FC236}">
+                <a16:creationId xmlns:a16="http://schemas.microsoft.com/office/drawing/2014/main" id="{7A2A1870-1C89-0440-AE70-D9A565A30802}"/>
+              </a:ext>
+            </a:extLst>
+          </p:cNvPr>
+          <p:cNvSpPr/>
+          <p:nvPr/>
+        </p:nvSpPr>
+        <p:spPr>
+          <a:xfrm>
+            <a:off x="3631219" y="5044816"/>
+            <a:ext cx="85824" cy="85823"/>
+          </a:xfrm>
+          <a:prstGeom prst="ellipse">
+            <a:avLst/>
+          </a:prstGeom>
+        </p:spPr>
+        <p:style>
+          <a:lnRef idx="0">
+            <a:schemeClr val="accent6"/>
+          </a:lnRef>
+          <a:fillRef idx="3">
+            <a:schemeClr val="accent6"/>
+          </a:fillRef>
+          <a:effectRef idx="3">
+            <a:schemeClr val="accent6"/>
+          </a:effectRef>
+          <a:fontRef idx="minor">
+            <a:schemeClr val="lt1"/>
+          </a:fontRef>
+        </p:style>
+        <p:txBody>
+          <a:bodyPr rtlCol="0" anchor="ctr"/>
+          <a:lstStyle/>
+          <a:p>
+            <a:pPr algn="ctr"/>
+            <a:endParaRPr lang="en-US" sz="1600"/>
+          </a:p>
+        </p:txBody>
+      </p:sp>
+      <p:cxnSp>
+        <p:nvCxnSpPr>
+          <p:cNvPr id="156" name="Straight Arrow Connector 155">
+            <a:extLst>
+              <a:ext uri="{FF2B5EF4-FFF2-40B4-BE49-F238E27FC236}">
+                <a16:creationId xmlns:a16="http://schemas.microsoft.com/office/drawing/2014/main" id="{3E330796-27F4-684F-935B-D9CFDB2A0C77}"/>
+              </a:ext>
+            </a:extLst>
+          </p:cNvPr>
+          <p:cNvCxnSpPr>
+            <a:cxnSpLocks/>
+            <a:stCxn id="201" idx="3"/>
+          </p:cNvCxnSpPr>
+          <p:nvPr/>
+        </p:nvCxnSpPr>
+        <p:spPr>
+          <a:xfrm>
+            <a:off x="2755521" y="5231970"/>
+            <a:ext cx="370504" cy="0"/>
+          </a:xfrm>
+          <a:prstGeom prst="straightConnector1">
+            <a:avLst/>
+          </a:prstGeom>
+          <a:ln w="12700">
+            <a:tailEnd type="triangle"/>
+          </a:ln>
+        </p:spPr>
+        <p:style>
+          <a:lnRef idx="1">
+            <a:schemeClr val="dk1"/>
+          </a:lnRef>
+          <a:fillRef idx="0">
+            <a:schemeClr val="dk1"/>
+          </a:fillRef>
+          <a:effectRef idx="0">
+            <a:schemeClr val="dk1"/>
+          </a:effectRef>
+          <a:fontRef idx="minor">
+            <a:schemeClr val="tx1"/>
+          </a:fontRef>
+        </p:style>
+      </p:cxnSp>
+      <p:cxnSp>
+        <p:nvCxnSpPr>
+          <p:cNvPr id="158" name="Straight Connector 157">
+            <a:extLst>
+              <a:ext uri="{FF2B5EF4-FFF2-40B4-BE49-F238E27FC236}">
+                <a16:creationId xmlns:a16="http://schemas.microsoft.com/office/drawing/2014/main" id="{00FEFCD1-424E-9A49-81C3-7D2B4494F330}"/>
+              </a:ext>
+            </a:extLst>
+          </p:cNvPr>
+          <p:cNvCxnSpPr>
+            <a:cxnSpLocks/>
+            <a:stCxn id="155" idx="3"/>
+            <a:endCxn id="143" idx="4"/>
+          </p:cNvCxnSpPr>
+          <p:nvPr/>
+        </p:nvCxnSpPr>
+        <p:spPr>
+          <a:xfrm flipH="1">
+            <a:off x="3499151" y="5118071"/>
+            <a:ext cx="144637" cy="104822"/>
+          </a:xfrm>
+          <a:prstGeom prst="line">
+            <a:avLst/>
+          </a:prstGeom>
+        </p:spPr>
+        <p:style>
+          <a:lnRef idx="1">
+            <a:schemeClr val="accent3"/>
+          </a:lnRef>
+          <a:fillRef idx="0">
+            <a:schemeClr val="accent3"/>
+          </a:fillRef>
+          <a:effectRef idx="0">
+            <a:schemeClr val="accent3"/>
+          </a:effectRef>
+          <a:fontRef idx="minor">
+            <a:schemeClr val="tx1"/>
+          </a:fontRef>
+        </p:style>
+      </p:cxnSp>
+      <p:sp>
+        <p:nvSpPr>
+          <p:cNvPr id="16" name="TextBox 15">
+            <a:extLst>
+              <a:ext uri="{FF2B5EF4-FFF2-40B4-BE49-F238E27FC236}">
+                <a16:creationId xmlns:a16="http://schemas.microsoft.com/office/drawing/2014/main" id="{811BC8FE-4995-4B4D-8A5E-EDF7B060A609}"/>
+              </a:ext>
+            </a:extLst>
+          </p:cNvPr>
+          <p:cNvSpPr txBox="1"/>
+          <p:nvPr/>
+        </p:nvSpPr>
+        <p:spPr>
+          <a:xfrm>
+            <a:off x="24165" y="4423803"/>
+            <a:ext cx="1650708" cy="369332"/>
+          </a:xfrm>
+          <a:prstGeom prst="rect">
+            <a:avLst/>
+          </a:prstGeom>
+          <a:noFill/>
+        </p:spPr>
+        <p:txBody>
+          <a:bodyPr wrap="none" rtlCol="0">
+            <a:spAutoFit/>
+          </a:bodyPr>
+          <a:lstStyle/>
+          <a:p>
+            <a:r>
+              <a:rPr lang="en-US" dirty="0">
+                <a:solidFill>
+                  <a:schemeClr val="accent1">
+                    <a:lumMod val="60000"/>
+                    <a:lumOff val="40000"/>
+                  </a:schemeClr>
+                </a:solidFill>
+                <a:latin typeface="Times New Roman" panose="02020603050405020304" pitchFamily="18" charset="0"/>
+                <a:cs typeface="Times New Roman" panose="02020603050405020304" pitchFamily="18" charset="0"/>
+              </a:rPr>
+              <a:t>Sparse, random</a:t>
+            </a:r>
+          </a:p>
+        </p:txBody>
+      </p:sp>
+      <p:sp>
+        <p:nvSpPr>
+          <p:cNvPr id="167" name="TextBox 166">
+            <a:extLst>
+              <a:ext uri="{FF2B5EF4-FFF2-40B4-BE49-F238E27FC236}">
+                <a16:creationId xmlns:a16="http://schemas.microsoft.com/office/drawing/2014/main" id="{C4417654-6EC6-624C-9601-197E789D06EE}"/>
+              </a:ext>
+            </a:extLst>
+          </p:cNvPr>
+          <p:cNvSpPr txBox="1"/>
+          <p:nvPr/>
+        </p:nvSpPr>
+        <p:spPr>
+          <a:xfrm>
+            <a:off x="2477816" y="4420760"/>
+            <a:ext cx="2063385" cy="369332"/>
+          </a:xfrm>
+          <a:prstGeom prst="rect">
+            <a:avLst/>
+          </a:prstGeom>
+          <a:noFill/>
+        </p:spPr>
+        <p:txBody>
+          <a:bodyPr wrap="none" rtlCol="0">
+            <a:spAutoFit/>
+          </a:bodyPr>
+          <a:lstStyle/>
+          <a:p>
+            <a:r>
+              <a:rPr lang="en-US" dirty="0">
+                <a:solidFill>
+                  <a:schemeClr val="accent2">
+                    <a:lumMod val="60000"/>
+                    <a:lumOff val="40000"/>
+                  </a:schemeClr>
+                </a:solidFill>
+                <a:latin typeface="Times New Roman" panose="02020603050405020304" pitchFamily="18" charset="0"/>
+                <a:cs typeface="Times New Roman" panose="02020603050405020304" pitchFamily="18" charset="0"/>
+              </a:rPr>
+              <a:t>Normal Distribution</a:t>
+            </a:r>
+          </a:p>
+        </p:txBody>
+      </p:sp>
       <mc:AlternateContent xmlns:mc="http://schemas.openxmlformats.org/markup-compatibility/2006">
         <mc:Choice xmlns:a14="http://schemas.microsoft.com/office/drawing/2010/main" Requires="a14">
           <p:sp>
             <p:nvSpPr>
-              <p:cNvPr id="276" name="TextBox 275">
+              <p:cNvPr id="169" name="TextBox 168">
                 <a:extLst>
                   <a:ext uri="{FF2B5EF4-FFF2-40B4-BE49-F238E27FC236}">
-                    <a16:creationId xmlns:a16="http://schemas.microsoft.com/office/drawing/2014/main" id="{77972FF4-2E80-E74A-83A8-3609D57974B9}"/>
+                    <a16:creationId xmlns:a16="http://schemas.microsoft.com/office/drawing/2014/main" id="{D031ACD3-4530-3F43-8F45-347AA8247B45}"/>
                   </a:ext>
                 </a:extLst>
               </p:cNvPr>
@@ -9263,8 +15026,8 @@
             </p:nvSpPr>
             <p:spPr>
               <a:xfrm>
-                <a:off x="4643922" y="2858909"/>
-                <a:ext cx="141705" cy="215444"/>
+                <a:off x="9138305" y="3763989"/>
+                <a:ext cx="223798" cy="307777"/>
               </a:xfrm>
               <a:prstGeom prst="rect">
                 <a:avLst/>
@@ -9272,11 +15035,12 @@
               <a:noFill/>
             </p:spPr>
             <p:txBody>
-              <a:bodyPr wrap="none" lIns="0" tIns="0" rIns="0" bIns="0" rtlCol="0">
+              <a:bodyPr wrap="square">
                 <a:spAutoFit/>
               </a:bodyPr>
               <a:lstStyle/>
               <a:p>
+                <a:pPr/>
                 <a14:m>
                   <m:oMathPara xmlns:m="http://schemas.openxmlformats.org/officeDocument/2006/math">
                     <m:oMathParaPr>
@@ -9284,10 +15048,12 @@
                     </m:oMathParaPr>
                     <m:oMath xmlns:m="http://schemas.openxmlformats.org/officeDocument/2006/math">
                       <m:r>
-                        <a:rPr lang="en-US" sz="1400" b="0" i="1" smtClean="0">
+                        <a:rPr lang="en-US" sz="1400" i="1" smtClean="0">
                           <a:latin typeface="Cambria Math" panose="02040503050406030204" pitchFamily="18" charset="0"/>
+                          <a:ea typeface="Cambria Math" panose="02040503050406030204" pitchFamily="18" charset="0"/>
+                          <a:cs typeface="Times New Roman" panose="02020603050405020304" pitchFamily="18" charset="0"/>
                         </a:rPr>
-                        <m:t>𝑥</m:t>
+                        <m:t>𝒮</m:t>
                       </m:r>
                     </m:oMath>
                   </m:oMathPara>
@@ -9300,10 +15066,10 @@
         <mc:Fallback>
           <p:sp>
             <p:nvSpPr>
-              <p:cNvPr id="276" name="TextBox 275">
+              <p:cNvPr id="169" name="TextBox 168">
                 <a:extLst>
                   <a:ext uri="{FF2B5EF4-FFF2-40B4-BE49-F238E27FC236}">
-                    <a16:creationId xmlns:a16="http://schemas.microsoft.com/office/drawing/2014/main" id="{77972FF4-2E80-E74A-83A8-3609D57974B9}"/>
+                    <a16:creationId xmlns:a16="http://schemas.microsoft.com/office/drawing/2014/main" id="{D031ACD3-4530-3F43-8F45-347AA8247B45}"/>
                   </a:ext>
                 </a:extLst>
               </p:cNvPr>
@@ -9314,8 +15080,8 @@
             </p:nvSpPr>
             <p:spPr>
               <a:xfrm>
-                <a:off x="4643922" y="2858909"/>
-                <a:ext cx="141705" cy="215444"/>
+                <a:off x="9138305" y="3763989"/>
+                <a:ext cx="223798" cy="307777"/>
               </a:xfrm>
               <a:prstGeom prst="rect">
                 <a:avLst/>
@@ -9323,7 +15089,7 @@
               <a:blipFill>
                 <a:blip r:embed="rId13"/>
                 <a:stretch>
-                  <a:fillRect l="-16667" r="-16667"/>
+                  <a:fillRect r="-10526"/>
                 </a:stretch>
               </a:blipFill>
             </p:spPr>
@@ -9342,494 +15108,102 @@
           </p:sp>
         </mc:Fallback>
       </mc:AlternateContent>
-      <mc:AlternateContent xmlns:mc="http://schemas.openxmlformats.org/markup-compatibility/2006">
-        <mc:Choice xmlns:a14="http://schemas.microsoft.com/office/drawing/2010/main" Requires="a14">
-          <p:sp>
-            <p:nvSpPr>
-              <p:cNvPr id="363" name="TextBox 362">
-                <a:extLst>
-                  <a:ext uri="{FF2B5EF4-FFF2-40B4-BE49-F238E27FC236}">
-                    <a16:creationId xmlns:a16="http://schemas.microsoft.com/office/drawing/2014/main" id="{19BC8A65-22A2-6241-B843-A979904F7A32}"/>
-                  </a:ext>
-                </a:extLst>
-              </p:cNvPr>
-              <p:cNvSpPr txBox="1"/>
-              <p:nvPr/>
-            </p:nvSpPr>
-            <p:spPr>
-              <a:xfrm>
-                <a:off x="4599423" y="2186716"/>
-                <a:ext cx="144142" cy="215444"/>
-              </a:xfrm>
-              <a:prstGeom prst="rect">
-                <a:avLst/>
-              </a:prstGeom>
-              <a:noFill/>
-            </p:spPr>
-            <p:txBody>
-              <a:bodyPr wrap="none" lIns="0" tIns="0" rIns="0" bIns="0" rtlCol="0">
-                <a:spAutoFit/>
-              </a:bodyPr>
-              <a:lstStyle/>
-              <a:p>
-                <a14:m>
-                  <m:oMathPara xmlns:m="http://schemas.openxmlformats.org/officeDocument/2006/math">
-                    <m:oMathParaPr>
-                      <m:jc m:val="centerGroup"/>
-                    </m:oMathParaPr>
-                    <m:oMath xmlns:m="http://schemas.openxmlformats.org/officeDocument/2006/math">
-                      <m:r>
-                        <a:rPr lang="en-US" sz="1400" b="0" i="1" smtClean="0">
-                          <a:latin typeface="Cambria Math" panose="02040503050406030204" pitchFamily="18" charset="0"/>
-                        </a:rPr>
-                        <m:t>𝑦</m:t>
-                      </m:r>
-                    </m:oMath>
-                  </m:oMathPara>
-                </a14:m>
-                <a:endParaRPr lang="en-US" sz="1400" dirty="0"/>
-              </a:p>
-            </p:txBody>
-          </p:sp>
-        </mc:Choice>
-        <mc:Fallback>
-          <p:sp>
-            <p:nvSpPr>
-              <p:cNvPr id="363" name="TextBox 362">
-                <a:extLst>
-                  <a:ext uri="{FF2B5EF4-FFF2-40B4-BE49-F238E27FC236}">
-                    <a16:creationId xmlns:a16="http://schemas.microsoft.com/office/drawing/2014/main" id="{19BC8A65-22A2-6241-B843-A979904F7A32}"/>
-                  </a:ext>
-                </a:extLst>
-              </p:cNvPr>
-              <p:cNvSpPr txBox="1">
-                <a:spLocks noRot="1" noChangeAspect="1" noMove="1" noResize="1" noEditPoints="1" noAdjustHandles="1" noChangeArrowheads="1" noChangeShapeType="1" noTextEdit="1"/>
-              </p:cNvSpPr>
-              <p:nvPr/>
-            </p:nvSpPr>
-            <p:spPr>
-              <a:xfrm>
-                <a:off x="4599423" y="2186716"/>
-                <a:ext cx="144142" cy="215444"/>
-              </a:xfrm>
-              <a:prstGeom prst="rect">
-                <a:avLst/>
-              </a:prstGeom>
-              <a:blipFill>
-                <a:blip r:embed="rId14"/>
-                <a:stretch>
-                  <a:fillRect l="-23077" r="-23077" b="-22222"/>
-                </a:stretch>
-              </a:blipFill>
-            </p:spPr>
-            <p:txBody>
-              <a:bodyPr/>
-              <a:lstStyle/>
-              <a:p>
-                <a:r>
-                  <a:rPr lang="en-US">
-                    <a:noFill/>
-                  </a:rPr>
-                  <a:t> </a:t>
-                </a:r>
-              </a:p>
-            </p:txBody>
-          </p:sp>
-        </mc:Fallback>
-      </mc:AlternateContent>
-      <mc:AlternateContent xmlns:mc="http://schemas.openxmlformats.org/markup-compatibility/2006">
-        <mc:Choice xmlns:a14="http://schemas.microsoft.com/office/drawing/2010/main" Requires="a14">
-          <p:sp>
-            <p:nvSpPr>
-              <p:cNvPr id="364" name="TextBox 363">
-                <a:extLst>
-                  <a:ext uri="{FF2B5EF4-FFF2-40B4-BE49-F238E27FC236}">
-                    <a16:creationId xmlns:a16="http://schemas.microsoft.com/office/drawing/2014/main" id="{3519EB30-B61B-BF4C-A835-F39223002233}"/>
-                  </a:ext>
-                </a:extLst>
-              </p:cNvPr>
-              <p:cNvSpPr txBox="1"/>
-              <p:nvPr/>
-            </p:nvSpPr>
-            <p:spPr>
-              <a:xfrm>
-                <a:off x="3725162" y="1597980"/>
-                <a:ext cx="129714" cy="215444"/>
-              </a:xfrm>
-              <a:prstGeom prst="rect">
-                <a:avLst/>
-              </a:prstGeom>
-              <a:noFill/>
-            </p:spPr>
-            <p:txBody>
-              <a:bodyPr wrap="none" lIns="0" tIns="0" rIns="0" bIns="0" rtlCol="0">
-                <a:spAutoFit/>
-              </a:bodyPr>
-              <a:lstStyle/>
-              <a:p>
-                <a14:m>
-                  <m:oMathPara xmlns:m="http://schemas.openxmlformats.org/officeDocument/2006/math">
-                    <m:oMathParaPr>
-                      <m:jc m:val="centerGroup"/>
-                    </m:oMathParaPr>
-                    <m:oMath xmlns:m="http://schemas.openxmlformats.org/officeDocument/2006/math">
-                      <m:r>
-                        <a:rPr lang="en-US" sz="1400" b="0" i="1" smtClean="0">
-                          <a:latin typeface="Cambria Math" panose="02040503050406030204" pitchFamily="18" charset="0"/>
-                        </a:rPr>
-                        <m:t>𝑧</m:t>
-                      </m:r>
-                    </m:oMath>
-                  </m:oMathPara>
-                </a14:m>
-                <a:endParaRPr lang="en-US" sz="1400" dirty="0"/>
-              </a:p>
-            </p:txBody>
-          </p:sp>
-        </mc:Choice>
-        <mc:Fallback>
-          <p:sp>
-            <p:nvSpPr>
-              <p:cNvPr id="364" name="TextBox 363">
-                <a:extLst>
-                  <a:ext uri="{FF2B5EF4-FFF2-40B4-BE49-F238E27FC236}">
-                    <a16:creationId xmlns:a16="http://schemas.microsoft.com/office/drawing/2014/main" id="{3519EB30-B61B-BF4C-A835-F39223002233}"/>
-                  </a:ext>
-                </a:extLst>
-              </p:cNvPr>
-              <p:cNvSpPr txBox="1">
-                <a:spLocks noRot="1" noChangeAspect="1" noMove="1" noResize="1" noEditPoints="1" noAdjustHandles="1" noChangeArrowheads="1" noChangeShapeType="1" noTextEdit="1"/>
-              </p:cNvSpPr>
-              <p:nvPr/>
-            </p:nvSpPr>
-            <p:spPr>
-              <a:xfrm>
-                <a:off x="3725162" y="1597980"/>
-                <a:ext cx="129714" cy="215444"/>
-              </a:xfrm>
-              <a:prstGeom prst="rect">
-                <a:avLst/>
-              </a:prstGeom>
-              <a:blipFill>
-                <a:blip r:embed="rId15"/>
-                <a:stretch>
-                  <a:fillRect l="-18182" r="-18182"/>
-                </a:stretch>
-              </a:blipFill>
-            </p:spPr>
-            <p:txBody>
-              <a:bodyPr/>
-              <a:lstStyle/>
-              <a:p>
-                <a:r>
-                  <a:rPr lang="en-US">
-                    <a:noFill/>
-                  </a:rPr>
-                  <a:t> </a:t>
-                </a:r>
-              </a:p>
-            </p:txBody>
-          </p:sp>
-        </mc:Fallback>
-      </mc:AlternateContent>
-      <mc:AlternateContent xmlns:mc="http://schemas.openxmlformats.org/markup-compatibility/2006">
-        <mc:Choice xmlns:a14="http://schemas.microsoft.com/office/drawing/2010/main" Requires="a14">
-          <p:sp>
-            <p:nvSpPr>
-              <p:cNvPr id="365" name="TextBox 364">
-                <a:extLst>
-                  <a:ext uri="{FF2B5EF4-FFF2-40B4-BE49-F238E27FC236}">
-                    <a16:creationId xmlns:a16="http://schemas.microsoft.com/office/drawing/2014/main" id="{B6EAB3AE-D898-8D42-BEB8-AB8EFCA65106}"/>
-                  </a:ext>
-                </a:extLst>
-              </p:cNvPr>
-              <p:cNvSpPr txBox="1"/>
-              <p:nvPr/>
-            </p:nvSpPr>
-            <p:spPr>
-              <a:xfrm>
-                <a:off x="7335884" y="2820009"/>
-                <a:ext cx="141705" cy="215444"/>
-              </a:xfrm>
-              <a:prstGeom prst="rect">
-                <a:avLst/>
-              </a:prstGeom>
-              <a:noFill/>
-            </p:spPr>
-            <p:txBody>
-              <a:bodyPr wrap="none" lIns="0" tIns="0" rIns="0" bIns="0" rtlCol="0">
-                <a:spAutoFit/>
-              </a:bodyPr>
-              <a:lstStyle/>
-              <a:p>
-                <a14:m>
-                  <m:oMathPara xmlns:m="http://schemas.openxmlformats.org/officeDocument/2006/math">
-                    <m:oMathParaPr>
-                      <m:jc m:val="centerGroup"/>
-                    </m:oMathParaPr>
-                    <m:oMath xmlns:m="http://schemas.openxmlformats.org/officeDocument/2006/math">
-                      <m:r>
-                        <a:rPr lang="en-US" sz="1400" b="0" i="1" smtClean="0">
-                          <a:solidFill>
-                            <a:srgbClr val="A6A6A6"/>
-                          </a:solidFill>
-                          <a:latin typeface="Cambria Math" panose="02040503050406030204" pitchFamily="18" charset="0"/>
-                        </a:rPr>
-                        <m:t>𝑥</m:t>
-                      </m:r>
-                    </m:oMath>
-                  </m:oMathPara>
-                </a14:m>
-                <a:endParaRPr lang="en-US" sz="1400" dirty="0"/>
-              </a:p>
-            </p:txBody>
-          </p:sp>
-        </mc:Choice>
-        <mc:Fallback>
-          <p:sp>
-            <p:nvSpPr>
-              <p:cNvPr id="365" name="TextBox 364">
-                <a:extLst>
-                  <a:ext uri="{FF2B5EF4-FFF2-40B4-BE49-F238E27FC236}">
-                    <a16:creationId xmlns:a16="http://schemas.microsoft.com/office/drawing/2014/main" id="{B6EAB3AE-D898-8D42-BEB8-AB8EFCA65106}"/>
-                  </a:ext>
-                </a:extLst>
-              </p:cNvPr>
-              <p:cNvSpPr txBox="1">
-                <a:spLocks noRot="1" noChangeAspect="1" noMove="1" noResize="1" noEditPoints="1" noAdjustHandles="1" noChangeArrowheads="1" noChangeShapeType="1" noTextEdit="1"/>
-              </p:cNvSpPr>
-              <p:nvPr/>
-            </p:nvSpPr>
-            <p:spPr>
-              <a:xfrm>
-                <a:off x="7335884" y="2820009"/>
-                <a:ext cx="141705" cy="215444"/>
-              </a:xfrm>
-              <a:prstGeom prst="rect">
-                <a:avLst/>
-              </a:prstGeom>
-              <a:blipFill>
-                <a:blip r:embed="rId16"/>
-                <a:stretch>
-                  <a:fillRect l="-16667" r="-16667"/>
-                </a:stretch>
-              </a:blipFill>
-            </p:spPr>
-            <p:txBody>
-              <a:bodyPr/>
-              <a:lstStyle/>
-              <a:p>
-                <a:r>
-                  <a:rPr lang="en-US">
-                    <a:noFill/>
-                  </a:rPr>
-                  <a:t> </a:t>
-                </a:r>
-              </a:p>
-            </p:txBody>
-          </p:sp>
-        </mc:Fallback>
-      </mc:AlternateContent>
-      <mc:AlternateContent xmlns:mc="http://schemas.openxmlformats.org/markup-compatibility/2006">
-        <mc:Choice xmlns:a14="http://schemas.microsoft.com/office/drawing/2010/main" Requires="a14">
-          <p:sp>
-            <p:nvSpPr>
-              <p:cNvPr id="366" name="TextBox 365">
-                <a:extLst>
-                  <a:ext uri="{FF2B5EF4-FFF2-40B4-BE49-F238E27FC236}">
-                    <a16:creationId xmlns:a16="http://schemas.microsoft.com/office/drawing/2014/main" id="{A5A93974-EE17-7B46-96CB-7BD6A65A2B7E}"/>
-                  </a:ext>
-                </a:extLst>
-              </p:cNvPr>
-              <p:cNvSpPr txBox="1"/>
-              <p:nvPr/>
-            </p:nvSpPr>
-            <p:spPr>
-              <a:xfrm>
-                <a:off x="7223453" y="2172490"/>
-                <a:ext cx="144142" cy="215444"/>
-              </a:xfrm>
-              <a:prstGeom prst="rect">
-                <a:avLst/>
-              </a:prstGeom>
-              <a:noFill/>
-            </p:spPr>
-            <p:txBody>
-              <a:bodyPr wrap="none" lIns="0" tIns="0" rIns="0" bIns="0" rtlCol="0">
-                <a:spAutoFit/>
-              </a:bodyPr>
-              <a:lstStyle/>
-              <a:p>
-                <a14:m>
-                  <m:oMathPara xmlns:m="http://schemas.openxmlformats.org/officeDocument/2006/math">
-                    <m:oMathParaPr>
-                      <m:jc m:val="centerGroup"/>
-                    </m:oMathParaPr>
-                    <m:oMath xmlns:m="http://schemas.openxmlformats.org/officeDocument/2006/math">
-                      <m:r>
-                        <a:rPr lang="en-US" sz="1400" b="0" i="1" smtClean="0">
-                          <a:solidFill>
-                            <a:srgbClr val="A6A6A6"/>
-                          </a:solidFill>
-                          <a:latin typeface="Cambria Math" panose="02040503050406030204" pitchFamily="18" charset="0"/>
-                        </a:rPr>
-                        <m:t>𝑦</m:t>
-                      </m:r>
-                    </m:oMath>
-                  </m:oMathPara>
-                </a14:m>
-                <a:endParaRPr lang="en-US" sz="1400" dirty="0"/>
-              </a:p>
-            </p:txBody>
-          </p:sp>
-        </mc:Choice>
-        <mc:Fallback>
-          <p:sp>
-            <p:nvSpPr>
-              <p:cNvPr id="366" name="TextBox 365">
-                <a:extLst>
-                  <a:ext uri="{FF2B5EF4-FFF2-40B4-BE49-F238E27FC236}">
-                    <a16:creationId xmlns:a16="http://schemas.microsoft.com/office/drawing/2014/main" id="{A5A93974-EE17-7B46-96CB-7BD6A65A2B7E}"/>
-                  </a:ext>
-                </a:extLst>
-              </p:cNvPr>
-              <p:cNvSpPr txBox="1">
-                <a:spLocks noRot="1" noChangeAspect="1" noMove="1" noResize="1" noEditPoints="1" noAdjustHandles="1" noChangeArrowheads="1" noChangeShapeType="1" noTextEdit="1"/>
-              </p:cNvSpPr>
-              <p:nvPr/>
-            </p:nvSpPr>
-            <p:spPr>
-              <a:xfrm>
-                <a:off x="7223453" y="2172490"/>
-                <a:ext cx="144142" cy="215444"/>
-              </a:xfrm>
-              <a:prstGeom prst="rect">
-                <a:avLst/>
-              </a:prstGeom>
-              <a:blipFill>
-                <a:blip r:embed="rId17"/>
-                <a:stretch>
-                  <a:fillRect l="-30769" r="-23077" b="-21053"/>
-                </a:stretch>
-              </a:blipFill>
-            </p:spPr>
-            <p:txBody>
-              <a:bodyPr/>
-              <a:lstStyle/>
-              <a:p>
-                <a:r>
-                  <a:rPr lang="en-US">
-                    <a:noFill/>
-                  </a:rPr>
-                  <a:t> </a:t>
-                </a:r>
-              </a:p>
-            </p:txBody>
-          </p:sp>
-        </mc:Fallback>
-      </mc:AlternateContent>
-      <mc:AlternateContent xmlns:mc="http://schemas.openxmlformats.org/markup-compatibility/2006">
-        <mc:Choice xmlns:a14="http://schemas.microsoft.com/office/drawing/2010/main" Requires="a14">
-          <p:sp>
-            <p:nvSpPr>
-              <p:cNvPr id="367" name="TextBox 366">
-                <a:extLst>
-                  <a:ext uri="{FF2B5EF4-FFF2-40B4-BE49-F238E27FC236}">
-                    <a16:creationId xmlns:a16="http://schemas.microsoft.com/office/drawing/2014/main" id="{BEA29F84-D2B7-C24F-A0D9-BE62CF345901}"/>
-                  </a:ext>
-                </a:extLst>
-              </p:cNvPr>
-              <p:cNvSpPr txBox="1"/>
-              <p:nvPr/>
-            </p:nvSpPr>
-            <p:spPr>
-              <a:xfrm>
-                <a:off x="6319938" y="1513012"/>
-                <a:ext cx="129714" cy="215444"/>
-              </a:xfrm>
-              <a:prstGeom prst="rect">
-                <a:avLst/>
-              </a:prstGeom>
-              <a:noFill/>
-            </p:spPr>
-            <p:txBody>
-              <a:bodyPr wrap="none" lIns="0" tIns="0" rIns="0" bIns="0" rtlCol="0">
-                <a:spAutoFit/>
-              </a:bodyPr>
-              <a:lstStyle/>
-              <a:p>
-                <a14:m>
-                  <m:oMathPara xmlns:m="http://schemas.openxmlformats.org/officeDocument/2006/math">
-                    <m:oMathParaPr>
-                      <m:jc m:val="centerGroup"/>
-                    </m:oMathParaPr>
-                    <m:oMath xmlns:m="http://schemas.openxmlformats.org/officeDocument/2006/math">
-                      <m:r>
-                        <a:rPr lang="en-US" sz="1400" b="0" i="1" smtClean="0">
-                          <a:solidFill>
-                            <a:srgbClr val="A6A6A6"/>
-                          </a:solidFill>
-                          <a:latin typeface="Cambria Math" panose="02040503050406030204" pitchFamily="18" charset="0"/>
-                        </a:rPr>
-                        <m:t>𝑧</m:t>
-                      </m:r>
-                    </m:oMath>
-                  </m:oMathPara>
-                </a14:m>
-                <a:endParaRPr lang="en-US" sz="1400" dirty="0"/>
-              </a:p>
-            </p:txBody>
-          </p:sp>
-        </mc:Choice>
-        <mc:Fallback>
-          <p:sp>
-            <p:nvSpPr>
-              <p:cNvPr id="367" name="TextBox 366">
-                <a:extLst>
-                  <a:ext uri="{FF2B5EF4-FFF2-40B4-BE49-F238E27FC236}">
-                    <a16:creationId xmlns:a16="http://schemas.microsoft.com/office/drawing/2014/main" id="{BEA29F84-D2B7-C24F-A0D9-BE62CF345901}"/>
-                  </a:ext>
-                </a:extLst>
-              </p:cNvPr>
-              <p:cNvSpPr txBox="1">
-                <a:spLocks noRot="1" noChangeAspect="1" noMove="1" noResize="1" noEditPoints="1" noAdjustHandles="1" noChangeArrowheads="1" noChangeShapeType="1" noTextEdit="1"/>
-              </p:cNvSpPr>
-              <p:nvPr/>
-            </p:nvSpPr>
-            <p:spPr>
-              <a:xfrm>
-                <a:off x="6319938" y="1513012"/>
-                <a:ext cx="129714" cy="215444"/>
-              </a:xfrm>
-              <a:prstGeom prst="rect">
-                <a:avLst/>
-              </a:prstGeom>
-              <a:blipFill>
-                <a:blip r:embed="rId18"/>
-                <a:stretch>
-                  <a:fillRect l="-18182" r="-18182"/>
-                </a:stretch>
-              </a:blipFill>
-            </p:spPr>
-            <p:txBody>
-              <a:bodyPr/>
-              <a:lstStyle/>
-              <a:p>
-                <a:r>
-                  <a:rPr lang="en-US">
-                    <a:noFill/>
-                  </a:rPr>
-                  <a:t> </a:t>
-                </a:r>
-              </a:p>
-            </p:txBody>
-          </p:sp>
-        </mc:Fallback>
-      </mc:AlternateContent>
+      <p:sp>
+        <p:nvSpPr>
+          <p:cNvPr id="170" name="TextBox 169">
+            <a:extLst>
+              <a:ext uri="{FF2B5EF4-FFF2-40B4-BE49-F238E27FC236}">
+                <a16:creationId xmlns:a16="http://schemas.microsoft.com/office/drawing/2014/main" id="{69B005D2-4448-A742-B276-7943F1234767}"/>
+              </a:ext>
+            </a:extLst>
+          </p:cNvPr>
+          <p:cNvSpPr txBox="1"/>
+          <p:nvPr/>
+        </p:nvSpPr>
+        <p:spPr>
+          <a:xfrm>
+            <a:off x="9222273" y="3724690"/>
+            <a:ext cx="1465466" cy="338554"/>
+          </a:xfrm>
+          <a:prstGeom prst="rect">
+            <a:avLst/>
+          </a:prstGeom>
+          <a:noFill/>
+        </p:spPr>
+        <p:txBody>
+          <a:bodyPr wrap="none" rtlCol="0">
+            <a:spAutoFit/>
+          </a:bodyPr>
+          <a:lstStyle/>
+          <a:p>
+            <a:pPr algn="ctr"/>
+            <a:r>
+              <a:rPr lang="en-US" sz="1600" dirty="0">
+                <a:latin typeface="Times New Roman" panose="02020603050405020304" pitchFamily="18" charset="0"/>
+                <a:cs typeface="Times New Roman" panose="02020603050405020304" pitchFamily="18" charset="0"/>
+              </a:rPr>
+              <a:t>-</a:t>
+            </a:r>
+            <a:r>
+              <a:rPr lang="en-US" sz="1600" dirty="0" err="1">
+                <a:latin typeface="Times New Roman" panose="02020603050405020304" pitchFamily="18" charset="0"/>
+                <a:cs typeface="Times New Roman" panose="02020603050405020304" pitchFamily="18" charset="0"/>
+              </a:rPr>
+              <a:t>th</a:t>
+            </a:r>
+            <a:r>
+              <a:rPr lang="en-US" sz="1600" dirty="0">
+                <a:latin typeface="Times New Roman" panose="02020603050405020304" pitchFamily="18" charset="0"/>
+                <a:cs typeface="Times New Roman" panose="02020603050405020304" pitchFamily="18" charset="0"/>
+              </a:rPr>
+              <a:t> stage output</a:t>
+            </a:r>
+          </a:p>
+        </p:txBody>
+      </p:sp>
+      <p:sp>
+        <p:nvSpPr>
+          <p:cNvPr id="178" name="TextBox 177">
+            <a:extLst>
+              <a:ext uri="{FF2B5EF4-FFF2-40B4-BE49-F238E27FC236}">
+                <a16:creationId xmlns:a16="http://schemas.microsoft.com/office/drawing/2014/main" id="{47B3DCFA-ACEB-1344-B88C-F7EA9CCA4CFC}"/>
+              </a:ext>
+            </a:extLst>
+          </p:cNvPr>
+          <p:cNvSpPr txBox="1"/>
+          <p:nvPr/>
+        </p:nvSpPr>
+        <p:spPr>
+          <a:xfrm>
+            <a:off x="3172966" y="3747282"/>
+            <a:ext cx="1207382" cy="338554"/>
+          </a:xfrm>
+          <a:prstGeom prst="rect">
+            <a:avLst/>
+          </a:prstGeom>
+          <a:noFill/>
+        </p:spPr>
+        <p:txBody>
+          <a:bodyPr wrap="none" rtlCol="0">
+            <a:spAutoFit/>
+          </a:bodyPr>
+          <a:lstStyle/>
+          <a:p>
+            <a:pPr algn="ctr"/>
+            <a:r>
+              <a:rPr lang="en-US" sz="1600" dirty="0">
+                <a:latin typeface="Times New Roman" panose="02020603050405020304" pitchFamily="18" charset="0"/>
+                <a:cs typeface="Times New Roman" panose="02020603050405020304" pitchFamily="18" charset="0"/>
+              </a:rPr>
+              <a:t>Local points</a:t>
+            </a:r>
+          </a:p>
+        </p:txBody>
+      </p:sp>
     </p:spTree>
     <p:extLst>
       <p:ext uri="{BB962C8B-B14F-4D97-AF65-F5344CB8AC3E}">
-        <p14:creationId xmlns:p14="http://schemas.microsoft.com/office/powerpoint/2010/main" val="448008625"/>
+        <p14:creationId xmlns:p14="http://schemas.microsoft.com/office/powerpoint/2010/main" val="1558528564"/>
       </p:ext>
     </p:extLst>
   </p:cSld>

--- a/sldies.pptx
+++ b/sldies.pptx
@@ -7,6 +7,7 @@
   <p:sldIdLst>
     <p:sldId id="256" r:id="rId2"/>
     <p:sldId id="257" r:id="rId3"/>
+    <p:sldId id="258" r:id="rId4"/>
   </p:sldIdLst>
   <p:sldSz cx="12192000" cy="6858000"/>
   <p:notesSz cx="6858000" cy="9144000"/>
@@ -15213,6 +15214,36 @@
 </p:sld>
 </file>
 
+<file path=ppt/slides/slide3.xml><?xml version="1.0" encoding="utf-8"?>
+<p:sld xmlns:a="http://schemas.openxmlformats.org/drawingml/2006/main" xmlns:r="http://schemas.openxmlformats.org/officeDocument/2006/relationships" xmlns:p="http://schemas.openxmlformats.org/presentationml/2006/main">
+  <p:cSld>
+    <p:spTree>
+      <p:nvGrpSpPr>
+        <p:cNvPr id="1" name=""/>
+        <p:cNvGrpSpPr/>
+        <p:nvPr/>
+      </p:nvGrpSpPr>
+      <p:grpSpPr>
+        <a:xfrm>
+          <a:off x="0" y="0"/>
+          <a:ext cx="0" cy="0"/>
+          <a:chOff x="0" y="0"/>
+          <a:chExt cx="0" cy="0"/>
+        </a:xfrm>
+      </p:grpSpPr>
+    </p:spTree>
+    <p:extLst>
+      <p:ext uri="{BB962C8B-B14F-4D97-AF65-F5344CB8AC3E}">
+        <p14:creationId xmlns:p14="http://schemas.microsoft.com/office/powerpoint/2010/main" val="468116418"/>
+      </p:ext>
+    </p:extLst>
+  </p:cSld>
+  <p:clrMapOvr>
+    <a:masterClrMapping/>
+  </p:clrMapOvr>
+</p:sld>
+</file>
+
 <file path=ppt/theme/theme1.xml><?xml version="1.0" encoding="utf-8"?>
 <a:theme xmlns:a="http://schemas.openxmlformats.org/drawingml/2006/main" name="Office Theme">
   <a:themeElements>

--- a/sldies.pptx
+++ b/sldies.pptx
@@ -8,6 +8,7 @@
     <p:sldId id="256" r:id="rId2"/>
     <p:sldId id="257" r:id="rId3"/>
     <p:sldId id="258" r:id="rId4"/>
+    <p:sldId id="259" r:id="rId5"/>
   </p:sldIdLst>
   <p:sldSz cx="12192000" cy="6858000"/>
   <p:notesSz cx="6858000" cy="9144000"/>
@@ -15231,10 +15232,7232 @@
           <a:chExt cx="0" cy="0"/>
         </a:xfrm>
       </p:grpSpPr>
+      <p:sp>
+        <p:nvSpPr>
+          <p:cNvPr id="27" name="Rounded Rectangle 26">
+            <a:extLst>
+              <a:ext uri="{FF2B5EF4-FFF2-40B4-BE49-F238E27FC236}">
+                <a16:creationId xmlns:a16="http://schemas.microsoft.com/office/drawing/2014/main" id="{78910E14-7FB6-134C-A0BA-8584DA7730DF}"/>
+              </a:ext>
+            </a:extLst>
+          </p:cNvPr>
+          <p:cNvSpPr/>
+          <p:nvPr/>
+        </p:nvSpPr>
+        <p:spPr>
+          <a:xfrm>
+            <a:off x="1282940" y="1865870"/>
+            <a:ext cx="2135540" cy="2347784"/>
+          </a:xfrm>
+          <a:prstGeom prst="roundRect">
+            <a:avLst>
+              <a:gd name="adj" fmla="val 5094"/>
+            </a:avLst>
+          </a:prstGeom>
+          <a:noFill/>
+          <a:ln>
+            <a:solidFill>
+              <a:schemeClr val="tx1">
+                <a:lumMod val="75000"/>
+                <a:lumOff val="25000"/>
+              </a:schemeClr>
+            </a:solidFill>
+            <a:prstDash val="lgDash"/>
+          </a:ln>
+        </p:spPr>
+        <p:style>
+          <a:lnRef idx="2">
+            <a:schemeClr val="accent1">
+              <a:shade val="50000"/>
+            </a:schemeClr>
+          </a:lnRef>
+          <a:fillRef idx="1">
+            <a:schemeClr val="accent1"/>
+          </a:fillRef>
+          <a:effectRef idx="0">
+            <a:schemeClr val="accent1"/>
+          </a:effectRef>
+          <a:fontRef idx="minor">
+            <a:schemeClr val="lt1"/>
+          </a:fontRef>
+        </p:style>
+        <p:txBody>
+          <a:bodyPr rtlCol="0" anchor="ctr"/>
+          <a:lstStyle/>
+          <a:p>
+            <a:pPr algn="ctr"/>
+            <a:endParaRPr lang="en-US"/>
+          </a:p>
+        </p:txBody>
+      </p:sp>
+      <p:sp>
+        <p:nvSpPr>
+          <p:cNvPr id="2" name="Rectangle 1">
+            <a:extLst>
+              <a:ext uri="{FF2B5EF4-FFF2-40B4-BE49-F238E27FC236}">
+                <a16:creationId xmlns:a16="http://schemas.microsoft.com/office/drawing/2014/main" id="{4FBB75C2-8864-FB47-9DCC-343917D3794A}"/>
+              </a:ext>
+            </a:extLst>
+          </p:cNvPr>
+          <p:cNvSpPr/>
+          <p:nvPr/>
+        </p:nvSpPr>
+        <p:spPr>
+          <a:xfrm rot="16200000">
+            <a:off x="40197" y="2752773"/>
+            <a:ext cx="838200" cy="388620"/>
+          </a:xfrm>
+          <a:prstGeom prst="rect">
+            <a:avLst/>
+          </a:prstGeom>
+        </p:spPr>
+        <p:style>
+          <a:lnRef idx="2">
+            <a:schemeClr val="accent1">
+              <a:shade val="50000"/>
+            </a:schemeClr>
+          </a:lnRef>
+          <a:fillRef idx="1">
+            <a:schemeClr val="accent1"/>
+          </a:fillRef>
+          <a:effectRef idx="0">
+            <a:schemeClr val="accent1"/>
+          </a:effectRef>
+          <a:fontRef idx="minor">
+            <a:schemeClr val="lt1"/>
+          </a:fontRef>
+        </p:style>
+        <p:txBody>
+          <a:bodyPr rtlCol="0" anchor="ctr"/>
+          <a:lstStyle/>
+          <a:p>
+            <a:pPr algn="ctr"/>
+            <a:r>
+              <a:rPr lang="en-US" dirty="0">
+                <a:solidFill>
+                  <a:schemeClr val="tx1"/>
+                </a:solidFill>
+                <a:latin typeface="Times New Roman" panose="02020603050405020304" pitchFamily="18" charset="0"/>
+                <a:cs typeface="Times New Roman" panose="02020603050405020304" pitchFamily="18" charset="0"/>
+              </a:rPr>
+              <a:t>Input</a:t>
+            </a:r>
+          </a:p>
+        </p:txBody>
+      </p:sp>
+      <p:sp>
+        <p:nvSpPr>
+          <p:cNvPr id="5" name="Rounded Rectangle 4">
+            <a:extLst>
+              <a:ext uri="{FF2B5EF4-FFF2-40B4-BE49-F238E27FC236}">
+                <a16:creationId xmlns:a16="http://schemas.microsoft.com/office/drawing/2014/main" id="{68D75BC2-ABA7-2D41-81A2-B0568D2AC919}"/>
+              </a:ext>
+            </a:extLst>
+          </p:cNvPr>
+          <p:cNvSpPr/>
+          <p:nvPr/>
+        </p:nvSpPr>
+        <p:spPr>
+          <a:xfrm rot="16200000">
+            <a:off x="41781" y="2804829"/>
+            <a:ext cx="1896786" cy="284513"/>
+          </a:xfrm>
+          <a:prstGeom prst="roundRect">
+            <a:avLst/>
+          </a:prstGeom>
+          <a:ln/>
+        </p:spPr>
+        <p:style>
+          <a:lnRef idx="1">
+            <a:schemeClr val="accent4"/>
+          </a:lnRef>
+          <a:fillRef idx="2">
+            <a:schemeClr val="accent4"/>
+          </a:fillRef>
+          <a:effectRef idx="1">
+            <a:schemeClr val="accent4"/>
+          </a:effectRef>
+          <a:fontRef idx="minor">
+            <a:schemeClr val="dk1"/>
+          </a:fontRef>
+        </p:style>
+        <p:txBody>
+          <a:bodyPr rtlCol="0" anchor="ctr"/>
+          <a:lstStyle/>
+          <a:p>
+            <a:pPr algn="ctr"/>
+            <a:r>
+              <a:rPr lang="en-US" dirty="0">
+                <a:solidFill>
+                  <a:schemeClr val="tx1"/>
+                </a:solidFill>
+                <a:latin typeface="Times New Roman" panose="02020603050405020304" pitchFamily="18" charset="0"/>
+                <a:cs typeface="Times New Roman" panose="02020603050405020304" pitchFamily="18" charset="0"/>
+              </a:rPr>
+              <a:t>Embedding</a:t>
+            </a:r>
+          </a:p>
+        </p:txBody>
+      </p:sp>
+      <p:sp>
+        <p:nvSpPr>
+          <p:cNvPr id="122" name="Rounded Rectangle 121">
+            <a:extLst>
+              <a:ext uri="{FF2B5EF4-FFF2-40B4-BE49-F238E27FC236}">
+                <a16:creationId xmlns:a16="http://schemas.microsoft.com/office/drawing/2014/main" id="{5C74D553-DEB7-3A43-9425-5587F03BCFA9}"/>
+              </a:ext>
+            </a:extLst>
+          </p:cNvPr>
+          <p:cNvSpPr/>
+          <p:nvPr/>
+        </p:nvSpPr>
+        <p:spPr>
+          <a:xfrm rot="16200000">
+            <a:off x="637773" y="2804829"/>
+            <a:ext cx="1896786" cy="284513"/>
+          </a:xfrm>
+          <a:prstGeom prst="roundRect">
+            <a:avLst/>
+          </a:prstGeom>
+        </p:spPr>
+        <p:style>
+          <a:lnRef idx="1">
+            <a:schemeClr val="accent2"/>
+          </a:lnRef>
+          <a:fillRef idx="2">
+            <a:schemeClr val="accent2"/>
+          </a:fillRef>
+          <a:effectRef idx="1">
+            <a:schemeClr val="accent2"/>
+          </a:effectRef>
+          <a:fontRef idx="minor">
+            <a:schemeClr val="dk1"/>
+          </a:fontRef>
+        </p:style>
+        <p:txBody>
+          <a:bodyPr rtlCol="0" anchor="ctr"/>
+          <a:lstStyle/>
+          <a:p>
+            <a:pPr algn="ctr"/>
+            <a:endParaRPr lang="en-US" sz="1600" dirty="0">
+              <a:solidFill>
+                <a:schemeClr val="tx1"/>
+              </a:solidFill>
+              <a:latin typeface="Times New Roman" panose="02020603050405020304" pitchFamily="18" charset="0"/>
+              <a:cs typeface="Times New Roman" panose="02020603050405020304" pitchFamily="18" charset="0"/>
+            </a:endParaRPr>
+          </a:p>
+        </p:txBody>
+      </p:sp>
+      <p:sp>
+        <p:nvSpPr>
+          <p:cNvPr id="123" name="Rounded Rectangle 122">
+            <a:extLst>
+              <a:ext uri="{FF2B5EF4-FFF2-40B4-BE49-F238E27FC236}">
+                <a16:creationId xmlns:a16="http://schemas.microsoft.com/office/drawing/2014/main" id="{E9D4C0F3-97AB-F747-AA4C-C76E4E5AB36B}"/>
+              </a:ext>
+            </a:extLst>
+          </p:cNvPr>
+          <p:cNvSpPr/>
+          <p:nvPr/>
+        </p:nvSpPr>
+        <p:spPr>
+          <a:xfrm rot="16200000">
+            <a:off x="922288" y="2804829"/>
+            <a:ext cx="1896786" cy="284513"/>
+          </a:xfrm>
+          <a:prstGeom prst="roundRect">
+            <a:avLst/>
+          </a:prstGeom>
+        </p:spPr>
+        <p:style>
+          <a:lnRef idx="1">
+            <a:schemeClr val="accent2"/>
+          </a:lnRef>
+          <a:fillRef idx="2">
+            <a:schemeClr val="accent2"/>
+          </a:fillRef>
+          <a:effectRef idx="1">
+            <a:schemeClr val="accent2"/>
+          </a:effectRef>
+          <a:fontRef idx="minor">
+            <a:schemeClr val="dk1"/>
+          </a:fontRef>
+        </p:style>
+        <p:txBody>
+          <a:bodyPr rtlCol="0" anchor="ctr"/>
+          <a:lstStyle/>
+          <a:p>
+            <a:pPr algn="ctr"/>
+            <a:endParaRPr lang="en-US" sz="1600" dirty="0">
+              <a:solidFill>
+                <a:schemeClr val="tx1"/>
+              </a:solidFill>
+              <a:latin typeface="Times New Roman" panose="02020603050405020304" pitchFamily="18" charset="0"/>
+              <a:cs typeface="Times New Roman" panose="02020603050405020304" pitchFamily="18" charset="0"/>
+            </a:endParaRPr>
+          </a:p>
+        </p:txBody>
+      </p:sp>
+      <p:sp>
+        <p:nvSpPr>
+          <p:cNvPr id="124" name="Rounded Rectangle 123">
+            <a:extLst>
+              <a:ext uri="{FF2B5EF4-FFF2-40B4-BE49-F238E27FC236}">
+                <a16:creationId xmlns:a16="http://schemas.microsoft.com/office/drawing/2014/main" id="{B8944B92-2CF1-6F4F-8822-916F06F9C52F}"/>
+              </a:ext>
+            </a:extLst>
+          </p:cNvPr>
+          <p:cNvSpPr/>
+          <p:nvPr/>
+        </p:nvSpPr>
+        <p:spPr>
+          <a:xfrm rot="16200000">
+            <a:off x="1494133" y="2728952"/>
+            <a:ext cx="1473876" cy="436266"/>
+          </a:xfrm>
+          <a:prstGeom prst="roundRect">
+            <a:avLst/>
+          </a:prstGeom>
+        </p:spPr>
+        <p:style>
+          <a:lnRef idx="1">
+            <a:schemeClr val="accent6"/>
+          </a:lnRef>
+          <a:fillRef idx="2">
+            <a:schemeClr val="accent6"/>
+          </a:fillRef>
+          <a:effectRef idx="1">
+            <a:schemeClr val="accent6"/>
+          </a:effectRef>
+          <a:fontRef idx="minor">
+            <a:schemeClr val="dk1"/>
+          </a:fontRef>
+        </p:style>
+        <p:txBody>
+          <a:bodyPr rtlCol="0" anchor="ctr"/>
+          <a:lstStyle/>
+          <a:p>
+            <a:pPr algn="ctr"/>
+            <a:r>
+              <a:rPr lang="en-US" sz="1600" dirty="0">
+                <a:solidFill>
+                  <a:schemeClr val="tx1"/>
+                </a:solidFill>
+                <a:latin typeface="Times New Roman" panose="02020603050405020304" pitchFamily="18" charset="0"/>
+                <a:cs typeface="Times New Roman" panose="02020603050405020304" pitchFamily="18" charset="0"/>
+              </a:rPr>
+              <a:t>Aggregation</a:t>
+            </a:r>
+          </a:p>
+        </p:txBody>
+      </p:sp>
+      <p:sp>
+        <p:nvSpPr>
+          <p:cNvPr id="125" name="Rounded Rectangle 124">
+            <a:extLst>
+              <a:ext uri="{FF2B5EF4-FFF2-40B4-BE49-F238E27FC236}">
+                <a16:creationId xmlns:a16="http://schemas.microsoft.com/office/drawing/2014/main" id="{73B6C830-FF4B-0F4F-AC95-A86524870280}"/>
+              </a:ext>
+            </a:extLst>
+          </p:cNvPr>
+          <p:cNvSpPr/>
+          <p:nvPr/>
+        </p:nvSpPr>
+        <p:spPr>
+          <a:xfrm rot="16200000">
+            <a:off x="1930399" y="2728952"/>
+            <a:ext cx="1473876" cy="436266"/>
+          </a:xfrm>
+          <a:prstGeom prst="roundRect">
+            <a:avLst/>
+          </a:prstGeom>
+          <a:ln/>
+        </p:spPr>
+        <p:style>
+          <a:lnRef idx="1">
+            <a:schemeClr val="accent5"/>
+          </a:lnRef>
+          <a:fillRef idx="2">
+            <a:schemeClr val="accent5"/>
+          </a:fillRef>
+          <a:effectRef idx="1">
+            <a:schemeClr val="accent5"/>
+          </a:effectRef>
+          <a:fontRef idx="minor">
+            <a:schemeClr val="dk1"/>
+          </a:fontRef>
+        </p:style>
+        <p:txBody>
+          <a:bodyPr rtlCol="0" anchor="ctr"/>
+          <a:lstStyle/>
+          <a:p>
+            <a:pPr algn="ctr"/>
+            <a:endParaRPr lang="en-US" sz="1600" dirty="0">
+              <a:solidFill>
+                <a:schemeClr val="tx1"/>
+              </a:solidFill>
+              <a:latin typeface="Times New Roman" panose="02020603050405020304" pitchFamily="18" charset="0"/>
+              <a:cs typeface="Times New Roman" panose="02020603050405020304" pitchFamily="18" charset="0"/>
+            </a:endParaRPr>
+          </a:p>
+        </p:txBody>
+      </p:sp>
+      <p:sp>
+        <p:nvSpPr>
+          <p:cNvPr id="128" name="Rounded Rectangle 127">
+            <a:extLst>
+              <a:ext uri="{FF2B5EF4-FFF2-40B4-BE49-F238E27FC236}">
+                <a16:creationId xmlns:a16="http://schemas.microsoft.com/office/drawing/2014/main" id="{295A53CF-5B62-3540-ABF7-E8950042D38B}"/>
+              </a:ext>
+            </a:extLst>
+          </p:cNvPr>
+          <p:cNvSpPr/>
+          <p:nvPr/>
+        </p:nvSpPr>
+        <p:spPr>
+          <a:xfrm rot="16200000">
+            <a:off x="2366665" y="2728951"/>
+            <a:ext cx="1473876" cy="436266"/>
+          </a:xfrm>
+          <a:prstGeom prst="roundRect">
+            <a:avLst/>
+          </a:prstGeom>
+          <a:ln/>
+        </p:spPr>
+        <p:style>
+          <a:lnRef idx="1">
+            <a:schemeClr val="accent5"/>
+          </a:lnRef>
+          <a:fillRef idx="2">
+            <a:schemeClr val="accent5"/>
+          </a:fillRef>
+          <a:effectRef idx="1">
+            <a:schemeClr val="accent5"/>
+          </a:effectRef>
+          <a:fontRef idx="minor">
+            <a:schemeClr val="dk1"/>
+          </a:fontRef>
+        </p:style>
+        <p:txBody>
+          <a:bodyPr rtlCol="0" anchor="ctr"/>
+          <a:lstStyle/>
+          <a:p>
+            <a:pPr algn="ctr"/>
+            <a:endParaRPr lang="en-US" sz="1600" dirty="0">
+              <a:solidFill>
+                <a:schemeClr val="tx1"/>
+              </a:solidFill>
+              <a:latin typeface="Times New Roman" panose="02020603050405020304" pitchFamily="18" charset="0"/>
+              <a:cs typeface="Times New Roman" panose="02020603050405020304" pitchFamily="18" charset="0"/>
+            </a:endParaRPr>
+          </a:p>
+        </p:txBody>
+      </p:sp>
+      <p:sp>
+        <p:nvSpPr>
+          <p:cNvPr id="180" name="Rounded Rectangle 179">
+            <a:extLst>
+              <a:ext uri="{FF2B5EF4-FFF2-40B4-BE49-F238E27FC236}">
+                <a16:creationId xmlns:a16="http://schemas.microsoft.com/office/drawing/2014/main" id="{47553918-F34D-DB44-A905-9AB4770B999B}"/>
+              </a:ext>
+            </a:extLst>
+          </p:cNvPr>
+          <p:cNvSpPr/>
+          <p:nvPr/>
+        </p:nvSpPr>
+        <p:spPr>
+          <a:xfrm rot="16200000">
+            <a:off x="3021788" y="2804826"/>
+            <a:ext cx="1473878" cy="284513"/>
+          </a:xfrm>
+          <a:prstGeom prst="roundRect">
+            <a:avLst/>
+          </a:prstGeom>
+        </p:spPr>
+        <p:style>
+          <a:lnRef idx="1">
+            <a:schemeClr val="accent2"/>
+          </a:lnRef>
+          <a:fillRef idx="2">
+            <a:schemeClr val="accent2"/>
+          </a:fillRef>
+          <a:effectRef idx="1">
+            <a:schemeClr val="accent2"/>
+          </a:effectRef>
+          <a:fontRef idx="minor">
+            <a:schemeClr val="dk1"/>
+          </a:fontRef>
+        </p:style>
+        <p:txBody>
+          <a:bodyPr rtlCol="0" anchor="ctr"/>
+          <a:lstStyle/>
+          <a:p>
+            <a:pPr algn="ctr"/>
+            <a:endParaRPr lang="en-US" dirty="0">
+              <a:solidFill>
+                <a:schemeClr val="tx1"/>
+              </a:solidFill>
+              <a:latin typeface="Times New Roman" panose="02020603050405020304" pitchFamily="18" charset="0"/>
+              <a:cs typeface="Times New Roman" panose="02020603050405020304" pitchFamily="18" charset="0"/>
+            </a:endParaRPr>
+          </a:p>
+        </p:txBody>
+      </p:sp>
+      <p:sp>
+        <p:nvSpPr>
+          <p:cNvPr id="181" name="Rounded Rectangle 180">
+            <a:extLst>
+              <a:ext uri="{FF2B5EF4-FFF2-40B4-BE49-F238E27FC236}">
+                <a16:creationId xmlns:a16="http://schemas.microsoft.com/office/drawing/2014/main" id="{E3CE893E-8482-FA43-B301-793CBC8C82B3}"/>
+              </a:ext>
+            </a:extLst>
+          </p:cNvPr>
+          <p:cNvSpPr/>
+          <p:nvPr/>
+        </p:nvSpPr>
+        <p:spPr>
+          <a:xfrm rot="16200000">
+            <a:off x="3306303" y="2804826"/>
+            <a:ext cx="1473878" cy="284513"/>
+          </a:xfrm>
+          <a:prstGeom prst="roundRect">
+            <a:avLst/>
+          </a:prstGeom>
+        </p:spPr>
+        <p:style>
+          <a:lnRef idx="1">
+            <a:schemeClr val="accent2"/>
+          </a:lnRef>
+          <a:fillRef idx="2">
+            <a:schemeClr val="accent2"/>
+          </a:fillRef>
+          <a:effectRef idx="1">
+            <a:schemeClr val="accent2"/>
+          </a:effectRef>
+          <a:fontRef idx="minor">
+            <a:schemeClr val="dk1"/>
+          </a:fontRef>
+        </p:style>
+        <p:txBody>
+          <a:bodyPr rtlCol="0" anchor="ctr"/>
+          <a:lstStyle/>
+          <a:p>
+            <a:pPr algn="ctr"/>
+            <a:endParaRPr lang="en-US" dirty="0">
+              <a:solidFill>
+                <a:schemeClr val="tx1"/>
+              </a:solidFill>
+              <a:latin typeface="Times New Roman" panose="02020603050405020304" pitchFamily="18" charset="0"/>
+              <a:cs typeface="Times New Roman" panose="02020603050405020304" pitchFamily="18" charset="0"/>
+            </a:endParaRPr>
+          </a:p>
+        </p:txBody>
+      </p:sp>
+      <p:sp>
+        <p:nvSpPr>
+          <p:cNvPr id="182" name="Rounded Rectangle 181">
+            <a:extLst>
+              <a:ext uri="{FF2B5EF4-FFF2-40B4-BE49-F238E27FC236}">
+                <a16:creationId xmlns:a16="http://schemas.microsoft.com/office/drawing/2014/main" id="{5A689EB6-7E6A-F74E-B6E4-A92640CAFED6}"/>
+              </a:ext>
+            </a:extLst>
+          </p:cNvPr>
+          <p:cNvSpPr/>
+          <p:nvPr/>
+        </p:nvSpPr>
+        <p:spPr>
+          <a:xfrm rot="16200000">
+            <a:off x="3830999" y="2728950"/>
+            <a:ext cx="1145261" cy="436266"/>
+          </a:xfrm>
+          <a:prstGeom prst="roundRect">
+            <a:avLst/>
+          </a:prstGeom>
+        </p:spPr>
+        <p:style>
+          <a:lnRef idx="1">
+            <a:schemeClr val="accent6"/>
+          </a:lnRef>
+          <a:fillRef idx="2">
+            <a:schemeClr val="accent6"/>
+          </a:fillRef>
+          <a:effectRef idx="1">
+            <a:schemeClr val="accent6"/>
+          </a:effectRef>
+          <a:fontRef idx="minor">
+            <a:schemeClr val="dk1"/>
+          </a:fontRef>
+        </p:style>
+        <p:txBody>
+          <a:bodyPr rtlCol="0" anchor="ctr"/>
+          <a:lstStyle/>
+          <a:p>
+            <a:pPr algn="ctr"/>
+            <a:endParaRPr lang="en-US" dirty="0">
+              <a:solidFill>
+                <a:schemeClr val="tx1"/>
+              </a:solidFill>
+              <a:latin typeface="Times New Roman" panose="02020603050405020304" pitchFamily="18" charset="0"/>
+              <a:cs typeface="Times New Roman" panose="02020603050405020304" pitchFamily="18" charset="0"/>
+            </a:endParaRPr>
+          </a:p>
+        </p:txBody>
+      </p:sp>
+      <p:sp>
+        <p:nvSpPr>
+          <p:cNvPr id="183" name="Rounded Rectangle 182">
+            <a:extLst>
+              <a:ext uri="{FF2B5EF4-FFF2-40B4-BE49-F238E27FC236}">
+                <a16:creationId xmlns:a16="http://schemas.microsoft.com/office/drawing/2014/main" id="{1BA152E1-FE07-504A-B783-B912E5A7CE6A}"/>
+              </a:ext>
+            </a:extLst>
+          </p:cNvPr>
+          <p:cNvSpPr/>
+          <p:nvPr/>
+        </p:nvSpPr>
+        <p:spPr>
+          <a:xfrm rot="16200000">
+            <a:off x="4267265" y="2728950"/>
+            <a:ext cx="1145261" cy="436266"/>
+          </a:xfrm>
+          <a:prstGeom prst="roundRect">
+            <a:avLst/>
+          </a:prstGeom>
+          <a:ln/>
+        </p:spPr>
+        <p:style>
+          <a:lnRef idx="1">
+            <a:schemeClr val="accent5"/>
+          </a:lnRef>
+          <a:fillRef idx="2">
+            <a:schemeClr val="accent5"/>
+          </a:fillRef>
+          <a:effectRef idx="1">
+            <a:schemeClr val="accent5"/>
+          </a:effectRef>
+          <a:fontRef idx="minor">
+            <a:schemeClr val="dk1"/>
+          </a:fontRef>
+        </p:style>
+        <p:txBody>
+          <a:bodyPr rtlCol="0" anchor="ctr"/>
+          <a:lstStyle/>
+          <a:p>
+            <a:pPr algn="ctr"/>
+            <a:endParaRPr lang="en-US" dirty="0">
+              <a:solidFill>
+                <a:schemeClr val="tx1"/>
+              </a:solidFill>
+              <a:latin typeface="Times New Roman" panose="02020603050405020304" pitchFamily="18" charset="0"/>
+              <a:cs typeface="Times New Roman" panose="02020603050405020304" pitchFamily="18" charset="0"/>
+            </a:endParaRPr>
+          </a:p>
+        </p:txBody>
+      </p:sp>
+      <p:sp>
+        <p:nvSpPr>
+          <p:cNvPr id="184" name="Rounded Rectangle 183">
+            <a:extLst>
+              <a:ext uri="{FF2B5EF4-FFF2-40B4-BE49-F238E27FC236}">
+                <a16:creationId xmlns:a16="http://schemas.microsoft.com/office/drawing/2014/main" id="{F061191C-7820-1946-9AC4-39A759638F72}"/>
+              </a:ext>
+            </a:extLst>
+          </p:cNvPr>
+          <p:cNvSpPr/>
+          <p:nvPr/>
+        </p:nvSpPr>
+        <p:spPr>
+          <a:xfrm rot="16200000">
+            <a:off x="4703531" y="2728949"/>
+            <a:ext cx="1145261" cy="436266"/>
+          </a:xfrm>
+          <a:prstGeom prst="roundRect">
+            <a:avLst/>
+          </a:prstGeom>
+          <a:ln/>
+        </p:spPr>
+        <p:style>
+          <a:lnRef idx="1">
+            <a:schemeClr val="accent5"/>
+          </a:lnRef>
+          <a:fillRef idx="2">
+            <a:schemeClr val="accent5"/>
+          </a:fillRef>
+          <a:effectRef idx="1">
+            <a:schemeClr val="accent5"/>
+          </a:effectRef>
+          <a:fontRef idx="minor">
+            <a:schemeClr val="dk1"/>
+          </a:fontRef>
+        </p:style>
+        <p:txBody>
+          <a:bodyPr rtlCol="0" anchor="ctr"/>
+          <a:lstStyle/>
+          <a:p>
+            <a:pPr algn="ctr"/>
+            <a:endParaRPr lang="en-US" dirty="0">
+              <a:solidFill>
+                <a:schemeClr val="tx1"/>
+              </a:solidFill>
+              <a:latin typeface="Times New Roman" panose="02020603050405020304" pitchFamily="18" charset="0"/>
+              <a:cs typeface="Times New Roman" panose="02020603050405020304" pitchFamily="18" charset="0"/>
+            </a:endParaRPr>
+          </a:p>
+        </p:txBody>
+      </p:sp>
+      <p:sp>
+        <p:nvSpPr>
+          <p:cNvPr id="185" name="Rounded Rectangle 184">
+            <a:extLst>
+              <a:ext uri="{FF2B5EF4-FFF2-40B4-BE49-F238E27FC236}">
+                <a16:creationId xmlns:a16="http://schemas.microsoft.com/office/drawing/2014/main" id="{4047F453-2963-EC49-80E4-846EC4AC3281}"/>
+              </a:ext>
+            </a:extLst>
+          </p:cNvPr>
+          <p:cNvSpPr/>
+          <p:nvPr/>
+        </p:nvSpPr>
+        <p:spPr>
+          <a:xfrm rot="16200000">
+            <a:off x="5339546" y="2804824"/>
+            <a:ext cx="1145263" cy="284513"/>
+          </a:xfrm>
+          <a:prstGeom prst="roundRect">
+            <a:avLst/>
+          </a:prstGeom>
+        </p:spPr>
+        <p:style>
+          <a:lnRef idx="1">
+            <a:schemeClr val="accent2"/>
+          </a:lnRef>
+          <a:fillRef idx="2">
+            <a:schemeClr val="accent2"/>
+          </a:fillRef>
+          <a:effectRef idx="1">
+            <a:schemeClr val="accent2"/>
+          </a:effectRef>
+          <a:fontRef idx="minor">
+            <a:schemeClr val="dk1"/>
+          </a:fontRef>
+        </p:style>
+        <p:txBody>
+          <a:bodyPr rtlCol="0" anchor="ctr"/>
+          <a:lstStyle/>
+          <a:p>
+            <a:pPr algn="ctr"/>
+            <a:endParaRPr lang="en-US" dirty="0">
+              <a:solidFill>
+                <a:schemeClr val="tx1"/>
+              </a:solidFill>
+              <a:latin typeface="Times New Roman" panose="02020603050405020304" pitchFamily="18" charset="0"/>
+              <a:cs typeface="Times New Roman" panose="02020603050405020304" pitchFamily="18" charset="0"/>
+            </a:endParaRPr>
+          </a:p>
+        </p:txBody>
+      </p:sp>
+      <p:sp>
+        <p:nvSpPr>
+          <p:cNvPr id="186" name="Rounded Rectangle 185">
+            <a:extLst>
+              <a:ext uri="{FF2B5EF4-FFF2-40B4-BE49-F238E27FC236}">
+                <a16:creationId xmlns:a16="http://schemas.microsoft.com/office/drawing/2014/main" id="{5246B74F-C77C-D54D-82DE-D0B2336DEA32}"/>
+              </a:ext>
+            </a:extLst>
+          </p:cNvPr>
+          <p:cNvSpPr/>
+          <p:nvPr/>
+        </p:nvSpPr>
+        <p:spPr>
+          <a:xfrm rot="16200000">
+            <a:off x="5624061" y="2804824"/>
+            <a:ext cx="1145263" cy="284513"/>
+          </a:xfrm>
+          <a:prstGeom prst="roundRect">
+            <a:avLst/>
+          </a:prstGeom>
+        </p:spPr>
+        <p:style>
+          <a:lnRef idx="1">
+            <a:schemeClr val="accent2"/>
+          </a:lnRef>
+          <a:fillRef idx="2">
+            <a:schemeClr val="accent2"/>
+          </a:fillRef>
+          <a:effectRef idx="1">
+            <a:schemeClr val="accent2"/>
+          </a:effectRef>
+          <a:fontRef idx="minor">
+            <a:schemeClr val="dk1"/>
+          </a:fontRef>
+        </p:style>
+        <p:txBody>
+          <a:bodyPr rtlCol="0" anchor="ctr"/>
+          <a:lstStyle/>
+          <a:p>
+            <a:pPr algn="ctr"/>
+            <a:endParaRPr lang="en-US" dirty="0">
+              <a:solidFill>
+                <a:schemeClr val="tx1"/>
+              </a:solidFill>
+              <a:latin typeface="Times New Roman" panose="02020603050405020304" pitchFamily="18" charset="0"/>
+              <a:cs typeface="Times New Roman" panose="02020603050405020304" pitchFamily="18" charset="0"/>
+            </a:endParaRPr>
+          </a:p>
+        </p:txBody>
+      </p:sp>
+      <p:sp>
+        <p:nvSpPr>
+          <p:cNvPr id="187" name="Rounded Rectangle 186">
+            <a:extLst>
+              <a:ext uri="{FF2B5EF4-FFF2-40B4-BE49-F238E27FC236}">
+                <a16:creationId xmlns:a16="http://schemas.microsoft.com/office/drawing/2014/main" id="{09BF3E4E-5E71-7048-B830-523FF63FE13C}"/>
+              </a:ext>
+            </a:extLst>
+          </p:cNvPr>
+          <p:cNvSpPr/>
+          <p:nvPr/>
+        </p:nvSpPr>
+        <p:spPr>
+          <a:xfrm rot="16200000">
+            <a:off x="6112123" y="2692314"/>
+            <a:ext cx="889914" cy="436266"/>
+          </a:xfrm>
+          <a:prstGeom prst="roundRect">
+            <a:avLst/>
+          </a:prstGeom>
+        </p:spPr>
+        <p:style>
+          <a:lnRef idx="1">
+            <a:schemeClr val="accent6"/>
+          </a:lnRef>
+          <a:fillRef idx="2">
+            <a:schemeClr val="accent6"/>
+          </a:fillRef>
+          <a:effectRef idx="1">
+            <a:schemeClr val="accent6"/>
+          </a:effectRef>
+          <a:fontRef idx="minor">
+            <a:schemeClr val="dk1"/>
+          </a:fontRef>
+        </p:style>
+        <p:txBody>
+          <a:bodyPr rtlCol="0" anchor="ctr"/>
+          <a:lstStyle/>
+          <a:p>
+            <a:pPr algn="ctr"/>
+            <a:endParaRPr lang="en-US" dirty="0">
+              <a:solidFill>
+                <a:schemeClr val="tx1"/>
+              </a:solidFill>
+              <a:latin typeface="Times New Roman" panose="02020603050405020304" pitchFamily="18" charset="0"/>
+              <a:cs typeface="Times New Roman" panose="02020603050405020304" pitchFamily="18" charset="0"/>
+            </a:endParaRPr>
+          </a:p>
+        </p:txBody>
+      </p:sp>
+      <p:sp>
+        <p:nvSpPr>
+          <p:cNvPr id="188" name="Rounded Rectangle 187">
+            <a:extLst>
+              <a:ext uri="{FF2B5EF4-FFF2-40B4-BE49-F238E27FC236}">
+                <a16:creationId xmlns:a16="http://schemas.microsoft.com/office/drawing/2014/main" id="{52873803-EA72-DD46-8876-F73B9491478B}"/>
+              </a:ext>
+            </a:extLst>
+          </p:cNvPr>
+          <p:cNvSpPr/>
+          <p:nvPr/>
+        </p:nvSpPr>
+        <p:spPr>
+          <a:xfrm rot="16200000">
+            <a:off x="6548389" y="2692314"/>
+            <a:ext cx="889914" cy="436266"/>
+          </a:xfrm>
+          <a:prstGeom prst="roundRect">
+            <a:avLst/>
+          </a:prstGeom>
+          <a:ln/>
+        </p:spPr>
+        <p:style>
+          <a:lnRef idx="1">
+            <a:schemeClr val="accent5"/>
+          </a:lnRef>
+          <a:fillRef idx="2">
+            <a:schemeClr val="accent5"/>
+          </a:fillRef>
+          <a:effectRef idx="1">
+            <a:schemeClr val="accent5"/>
+          </a:effectRef>
+          <a:fontRef idx="minor">
+            <a:schemeClr val="dk1"/>
+          </a:fontRef>
+        </p:style>
+        <p:txBody>
+          <a:bodyPr rtlCol="0" anchor="ctr"/>
+          <a:lstStyle/>
+          <a:p>
+            <a:pPr algn="ctr"/>
+            <a:endParaRPr lang="en-US" dirty="0">
+              <a:solidFill>
+                <a:schemeClr val="tx1"/>
+              </a:solidFill>
+              <a:latin typeface="Times New Roman" panose="02020603050405020304" pitchFamily="18" charset="0"/>
+              <a:cs typeface="Times New Roman" panose="02020603050405020304" pitchFamily="18" charset="0"/>
+            </a:endParaRPr>
+          </a:p>
+        </p:txBody>
+      </p:sp>
+      <p:sp>
+        <p:nvSpPr>
+          <p:cNvPr id="189" name="Rounded Rectangle 188">
+            <a:extLst>
+              <a:ext uri="{FF2B5EF4-FFF2-40B4-BE49-F238E27FC236}">
+                <a16:creationId xmlns:a16="http://schemas.microsoft.com/office/drawing/2014/main" id="{352381F7-DE95-7443-B963-E390A64BC52F}"/>
+              </a:ext>
+            </a:extLst>
+          </p:cNvPr>
+          <p:cNvSpPr/>
+          <p:nvPr/>
+        </p:nvSpPr>
+        <p:spPr>
+          <a:xfrm rot="16200000">
+            <a:off x="6984655" y="2692313"/>
+            <a:ext cx="889914" cy="436266"/>
+          </a:xfrm>
+          <a:prstGeom prst="roundRect">
+            <a:avLst/>
+          </a:prstGeom>
+          <a:ln/>
+        </p:spPr>
+        <p:style>
+          <a:lnRef idx="1">
+            <a:schemeClr val="accent5"/>
+          </a:lnRef>
+          <a:fillRef idx="2">
+            <a:schemeClr val="accent5"/>
+          </a:fillRef>
+          <a:effectRef idx="1">
+            <a:schemeClr val="accent5"/>
+          </a:effectRef>
+          <a:fontRef idx="minor">
+            <a:schemeClr val="dk1"/>
+          </a:fontRef>
+        </p:style>
+        <p:txBody>
+          <a:bodyPr rtlCol="0" anchor="ctr"/>
+          <a:lstStyle/>
+          <a:p>
+            <a:pPr algn="ctr"/>
+            <a:endParaRPr lang="en-US" dirty="0">
+              <a:solidFill>
+                <a:schemeClr val="tx1"/>
+              </a:solidFill>
+              <a:latin typeface="Times New Roman" panose="02020603050405020304" pitchFamily="18" charset="0"/>
+              <a:cs typeface="Times New Roman" panose="02020603050405020304" pitchFamily="18" charset="0"/>
+            </a:endParaRPr>
+          </a:p>
+        </p:txBody>
+      </p:sp>
+      <p:sp>
+        <p:nvSpPr>
+          <p:cNvPr id="190" name="Rounded Rectangle 189">
+            <a:extLst>
+              <a:ext uri="{FF2B5EF4-FFF2-40B4-BE49-F238E27FC236}">
+                <a16:creationId xmlns:a16="http://schemas.microsoft.com/office/drawing/2014/main" id="{E63FF71F-F60F-B547-8C55-DDB95C69069A}"/>
+              </a:ext>
+            </a:extLst>
+          </p:cNvPr>
+          <p:cNvSpPr/>
+          <p:nvPr/>
+        </p:nvSpPr>
+        <p:spPr>
+          <a:xfrm rot="16200000">
+            <a:off x="7584658" y="2773579"/>
+            <a:ext cx="900695" cy="284513"/>
+          </a:xfrm>
+          <a:prstGeom prst="roundRect">
+            <a:avLst/>
+          </a:prstGeom>
+        </p:spPr>
+        <p:style>
+          <a:lnRef idx="1">
+            <a:schemeClr val="accent2"/>
+          </a:lnRef>
+          <a:fillRef idx="2">
+            <a:schemeClr val="accent2"/>
+          </a:fillRef>
+          <a:effectRef idx="1">
+            <a:schemeClr val="accent2"/>
+          </a:effectRef>
+          <a:fontRef idx="minor">
+            <a:schemeClr val="dk1"/>
+          </a:fontRef>
+        </p:style>
+        <p:txBody>
+          <a:bodyPr rtlCol="0" anchor="ctr"/>
+          <a:lstStyle/>
+          <a:p>
+            <a:pPr algn="ctr"/>
+            <a:endParaRPr lang="en-US" dirty="0">
+              <a:solidFill>
+                <a:schemeClr val="tx1"/>
+              </a:solidFill>
+              <a:latin typeface="Times New Roman" panose="02020603050405020304" pitchFamily="18" charset="0"/>
+              <a:cs typeface="Times New Roman" panose="02020603050405020304" pitchFamily="18" charset="0"/>
+            </a:endParaRPr>
+          </a:p>
+        </p:txBody>
+      </p:sp>
+      <p:sp>
+        <p:nvSpPr>
+          <p:cNvPr id="191" name="Rounded Rectangle 190">
+            <a:extLst>
+              <a:ext uri="{FF2B5EF4-FFF2-40B4-BE49-F238E27FC236}">
+                <a16:creationId xmlns:a16="http://schemas.microsoft.com/office/drawing/2014/main" id="{513F4126-A73A-E246-835E-FC1DDE661808}"/>
+              </a:ext>
+            </a:extLst>
+          </p:cNvPr>
+          <p:cNvSpPr/>
+          <p:nvPr/>
+        </p:nvSpPr>
+        <p:spPr>
+          <a:xfrm rot="16200000">
+            <a:off x="7869173" y="2773579"/>
+            <a:ext cx="900695" cy="284513"/>
+          </a:xfrm>
+          <a:prstGeom prst="roundRect">
+            <a:avLst/>
+          </a:prstGeom>
+        </p:spPr>
+        <p:style>
+          <a:lnRef idx="1">
+            <a:schemeClr val="accent2"/>
+          </a:lnRef>
+          <a:fillRef idx="2">
+            <a:schemeClr val="accent2"/>
+          </a:fillRef>
+          <a:effectRef idx="1">
+            <a:schemeClr val="accent2"/>
+          </a:effectRef>
+          <a:fontRef idx="minor">
+            <a:schemeClr val="dk1"/>
+          </a:fontRef>
+        </p:style>
+        <p:txBody>
+          <a:bodyPr rtlCol="0" anchor="ctr"/>
+          <a:lstStyle/>
+          <a:p>
+            <a:pPr algn="ctr"/>
+            <a:endParaRPr lang="en-US" dirty="0">
+              <a:solidFill>
+                <a:schemeClr val="tx1"/>
+              </a:solidFill>
+              <a:latin typeface="Times New Roman" panose="02020603050405020304" pitchFamily="18" charset="0"/>
+              <a:cs typeface="Times New Roman" panose="02020603050405020304" pitchFamily="18" charset="0"/>
+            </a:endParaRPr>
+          </a:p>
+        </p:txBody>
+      </p:sp>
+      <p:sp>
+        <p:nvSpPr>
+          <p:cNvPr id="192" name="Rounded Rectangle 191">
+            <a:extLst>
+              <a:ext uri="{FF2B5EF4-FFF2-40B4-BE49-F238E27FC236}">
+                <a16:creationId xmlns:a16="http://schemas.microsoft.com/office/drawing/2014/main" id="{75002922-0F8D-0940-95B9-454FB23F8C32}"/>
+              </a:ext>
+            </a:extLst>
+          </p:cNvPr>
+          <p:cNvSpPr/>
+          <p:nvPr/>
+        </p:nvSpPr>
+        <p:spPr>
+          <a:xfrm rot="16200000">
+            <a:off x="8329969" y="2668036"/>
+            <a:ext cx="699875" cy="436266"/>
+          </a:xfrm>
+          <a:prstGeom prst="roundRect">
+            <a:avLst/>
+          </a:prstGeom>
+        </p:spPr>
+        <p:style>
+          <a:lnRef idx="1">
+            <a:schemeClr val="accent6"/>
+          </a:lnRef>
+          <a:fillRef idx="2">
+            <a:schemeClr val="accent6"/>
+          </a:fillRef>
+          <a:effectRef idx="1">
+            <a:schemeClr val="accent6"/>
+          </a:effectRef>
+          <a:fontRef idx="minor">
+            <a:schemeClr val="dk1"/>
+          </a:fontRef>
+        </p:style>
+        <p:txBody>
+          <a:bodyPr rtlCol="0" anchor="ctr"/>
+          <a:lstStyle/>
+          <a:p>
+            <a:pPr algn="ctr"/>
+            <a:endParaRPr lang="en-US" dirty="0">
+              <a:solidFill>
+                <a:schemeClr val="tx1"/>
+              </a:solidFill>
+              <a:latin typeface="Times New Roman" panose="02020603050405020304" pitchFamily="18" charset="0"/>
+              <a:cs typeface="Times New Roman" panose="02020603050405020304" pitchFamily="18" charset="0"/>
+            </a:endParaRPr>
+          </a:p>
+        </p:txBody>
+      </p:sp>
+      <p:sp>
+        <p:nvSpPr>
+          <p:cNvPr id="193" name="Rounded Rectangle 192">
+            <a:extLst>
+              <a:ext uri="{FF2B5EF4-FFF2-40B4-BE49-F238E27FC236}">
+                <a16:creationId xmlns:a16="http://schemas.microsoft.com/office/drawing/2014/main" id="{AD0B6492-C5AB-D74D-9D2D-F18BEF128125}"/>
+              </a:ext>
+            </a:extLst>
+          </p:cNvPr>
+          <p:cNvSpPr/>
+          <p:nvPr/>
+        </p:nvSpPr>
+        <p:spPr>
+          <a:xfrm rot="16200000">
+            <a:off x="8766235" y="2668036"/>
+            <a:ext cx="699875" cy="436266"/>
+          </a:xfrm>
+          <a:prstGeom prst="roundRect">
+            <a:avLst/>
+          </a:prstGeom>
+          <a:ln/>
+        </p:spPr>
+        <p:style>
+          <a:lnRef idx="1">
+            <a:schemeClr val="accent5"/>
+          </a:lnRef>
+          <a:fillRef idx="2">
+            <a:schemeClr val="accent5"/>
+          </a:fillRef>
+          <a:effectRef idx="1">
+            <a:schemeClr val="accent5"/>
+          </a:effectRef>
+          <a:fontRef idx="minor">
+            <a:schemeClr val="dk1"/>
+          </a:fontRef>
+        </p:style>
+        <p:txBody>
+          <a:bodyPr rtlCol="0" anchor="ctr"/>
+          <a:lstStyle/>
+          <a:p>
+            <a:pPr algn="ctr"/>
+            <a:endParaRPr lang="en-US" dirty="0">
+              <a:solidFill>
+                <a:schemeClr val="tx1"/>
+              </a:solidFill>
+              <a:latin typeface="Times New Roman" panose="02020603050405020304" pitchFamily="18" charset="0"/>
+              <a:cs typeface="Times New Roman" panose="02020603050405020304" pitchFamily="18" charset="0"/>
+            </a:endParaRPr>
+          </a:p>
+        </p:txBody>
+      </p:sp>
+      <p:sp>
+        <p:nvSpPr>
+          <p:cNvPr id="194" name="Rounded Rectangle 193">
+            <a:extLst>
+              <a:ext uri="{FF2B5EF4-FFF2-40B4-BE49-F238E27FC236}">
+                <a16:creationId xmlns:a16="http://schemas.microsoft.com/office/drawing/2014/main" id="{4ACCBB21-A860-1B40-962A-6B5D8915532F}"/>
+              </a:ext>
+            </a:extLst>
+          </p:cNvPr>
+          <p:cNvSpPr/>
+          <p:nvPr/>
+        </p:nvSpPr>
+        <p:spPr>
+          <a:xfrm rot="16200000">
+            <a:off x="9202501" y="2668035"/>
+            <a:ext cx="699875" cy="436266"/>
+          </a:xfrm>
+          <a:prstGeom prst="roundRect">
+            <a:avLst/>
+          </a:prstGeom>
+          <a:ln/>
+        </p:spPr>
+        <p:style>
+          <a:lnRef idx="1">
+            <a:schemeClr val="accent5"/>
+          </a:lnRef>
+          <a:fillRef idx="2">
+            <a:schemeClr val="accent5"/>
+          </a:fillRef>
+          <a:effectRef idx="1">
+            <a:schemeClr val="accent5"/>
+          </a:effectRef>
+          <a:fontRef idx="minor">
+            <a:schemeClr val="dk1"/>
+          </a:fontRef>
+        </p:style>
+        <p:txBody>
+          <a:bodyPr rtlCol="0" anchor="ctr"/>
+          <a:lstStyle/>
+          <a:p>
+            <a:pPr algn="ctr"/>
+            <a:endParaRPr lang="en-US" dirty="0">
+              <a:solidFill>
+                <a:schemeClr val="tx1"/>
+              </a:solidFill>
+              <a:latin typeface="Times New Roman" panose="02020603050405020304" pitchFamily="18" charset="0"/>
+              <a:cs typeface="Times New Roman" panose="02020603050405020304" pitchFamily="18" charset="0"/>
+            </a:endParaRPr>
+          </a:p>
+        </p:txBody>
+      </p:sp>
+      <mc:AlternateContent xmlns:mc="http://schemas.openxmlformats.org/markup-compatibility/2006">
+        <mc:Choice xmlns:a14="http://schemas.microsoft.com/office/drawing/2010/main" Requires="a14">
+          <p:sp>
+            <p:nvSpPr>
+              <p:cNvPr id="6" name="TextBox 5">
+                <a:extLst>
+                  <a:ext uri="{FF2B5EF4-FFF2-40B4-BE49-F238E27FC236}">
+                    <a16:creationId xmlns:a16="http://schemas.microsoft.com/office/drawing/2014/main" id="{2FD03EF9-119A-6B4F-8333-25927D358DD5}"/>
+                  </a:ext>
+                </a:extLst>
+              </p:cNvPr>
+              <p:cNvSpPr txBox="1"/>
+              <p:nvPr/>
+            </p:nvSpPr>
+            <p:spPr>
+              <a:xfrm rot="16200000">
+                <a:off x="886248" y="2814479"/>
+                <a:ext cx="1359603" cy="265201"/>
+              </a:xfrm>
+              <a:prstGeom prst="rect">
+                <a:avLst/>
+              </a:prstGeom>
+              <a:noFill/>
+            </p:spPr>
+            <p:txBody>
+              <a:bodyPr wrap="none" lIns="0" tIns="0" rIns="0" bIns="0" rtlCol="0">
+                <a:spAutoFit/>
+              </a:bodyPr>
+              <a:lstStyle/>
+              <a:p>
+                <a14:m>
+                  <m:oMath xmlns:m="http://schemas.openxmlformats.org/officeDocument/2006/math">
+                    <m:sSub>
+                      <m:sSubPr>
+                        <m:ctrlPr>
+                          <a:rPr lang="en-US" sz="1600" i="1" smtClean="0">
+                            <a:latin typeface="Cambria Math" panose="02040503050406030204" pitchFamily="18" charset="0"/>
+                            <a:ea typeface="Cambria Math" panose="02040503050406030204" pitchFamily="18" charset="0"/>
+                          </a:rPr>
+                        </m:ctrlPr>
+                      </m:sSubPr>
+                      <m:e>
+                        <m:r>
+                          <m:rPr>
+                            <m:sty m:val="p"/>
+                          </m:rPr>
+                          <a:rPr lang="el-GR" sz="1600" i="1" smtClean="0">
+                            <a:latin typeface="Cambria Math" panose="02040503050406030204" pitchFamily="18" charset="0"/>
+                            <a:ea typeface="Cambria Math" panose="02040503050406030204" pitchFamily="18" charset="0"/>
+                          </a:rPr>
+                          <m:t>Φ</m:t>
+                        </m:r>
+                      </m:e>
+                      <m:sub>
+                        <m:r>
+                          <a:rPr lang="en-US" sz="1600" b="0" i="1" smtClean="0">
+                            <a:latin typeface="Cambria Math" panose="02040503050406030204" pitchFamily="18" charset="0"/>
+                            <a:ea typeface="Cambria Math" panose="02040503050406030204" pitchFamily="18" charset="0"/>
+                          </a:rPr>
+                          <m:t>𝑝𝑟𝑒</m:t>
+                        </m:r>
+                      </m:sub>
+                    </m:sSub>
+                  </m:oMath>
+                </a14:m>
+                <a:r>
+                  <a:rPr lang="en-US" sz="1600" dirty="0"/>
+                  <a:t> </a:t>
+                </a:r>
+                <a:r>
+                  <a:rPr lang="en-US" sz="1600" dirty="0">
+                    <a:latin typeface="Times New Roman" panose="02020603050405020304" pitchFamily="18" charset="0"/>
+                    <a:cs typeface="Times New Roman" panose="02020603050405020304" pitchFamily="18" charset="0"/>
+                  </a:rPr>
+                  <a:t>Resp MLP</a:t>
+                </a:r>
+              </a:p>
+            </p:txBody>
+          </p:sp>
+        </mc:Choice>
+        <mc:Fallback>
+          <p:sp>
+            <p:nvSpPr>
+              <p:cNvPr id="6" name="TextBox 5">
+                <a:extLst>
+                  <a:ext uri="{FF2B5EF4-FFF2-40B4-BE49-F238E27FC236}">
+                    <a16:creationId xmlns:a16="http://schemas.microsoft.com/office/drawing/2014/main" id="{2FD03EF9-119A-6B4F-8333-25927D358DD5}"/>
+                  </a:ext>
+                </a:extLst>
+              </p:cNvPr>
+              <p:cNvSpPr txBox="1">
+                <a:spLocks noRot="1" noChangeAspect="1" noMove="1" noResize="1" noEditPoints="1" noAdjustHandles="1" noChangeArrowheads="1" noChangeShapeType="1" noTextEdit="1"/>
+              </p:cNvSpPr>
+              <p:nvPr/>
+            </p:nvSpPr>
+            <p:spPr>
+              <a:xfrm rot="16200000">
+                <a:off x="886248" y="2814479"/>
+                <a:ext cx="1359603" cy="265201"/>
+              </a:xfrm>
+              <a:prstGeom prst="rect">
+                <a:avLst/>
+              </a:prstGeom>
+              <a:blipFill>
+                <a:blip r:embed="rId2"/>
+                <a:stretch>
+                  <a:fillRect l="-18182" t="-8333" r="-36364" b="-5556"/>
+                </a:stretch>
+              </a:blipFill>
+            </p:spPr>
+            <p:txBody>
+              <a:bodyPr/>
+              <a:lstStyle/>
+              <a:p>
+                <a:r>
+                  <a:rPr lang="en-US">
+                    <a:noFill/>
+                  </a:rPr>
+                  <a:t> </a:t>
+                </a:r>
+              </a:p>
+            </p:txBody>
+          </p:sp>
+        </mc:Fallback>
+      </mc:AlternateContent>
+      <mc:AlternateContent xmlns:mc="http://schemas.openxmlformats.org/markup-compatibility/2006">
+        <mc:Choice xmlns:a14="http://schemas.microsoft.com/office/drawing/2010/main" Requires="a14">
+          <p:sp>
+            <p:nvSpPr>
+              <p:cNvPr id="198" name="TextBox 197">
+                <a:extLst>
+                  <a:ext uri="{FF2B5EF4-FFF2-40B4-BE49-F238E27FC236}">
+                    <a16:creationId xmlns:a16="http://schemas.microsoft.com/office/drawing/2014/main" id="{BF1184C9-C930-B344-92E1-C7DC69A445C4}"/>
+                  </a:ext>
+                </a:extLst>
+              </p:cNvPr>
+              <p:cNvSpPr txBox="1"/>
+              <p:nvPr/>
+            </p:nvSpPr>
+            <p:spPr>
+              <a:xfrm rot="16200000">
+                <a:off x="1998472" y="2814478"/>
+                <a:ext cx="1358129" cy="265201"/>
+              </a:xfrm>
+              <a:prstGeom prst="rect">
+                <a:avLst/>
+              </a:prstGeom>
+              <a:noFill/>
+            </p:spPr>
+            <p:txBody>
+              <a:bodyPr wrap="none" lIns="0" tIns="0" rIns="0" bIns="0" rtlCol="0">
+                <a:spAutoFit/>
+              </a:bodyPr>
+              <a:lstStyle/>
+              <a:p>
+                <a14:m>
+                  <m:oMath xmlns:m="http://schemas.openxmlformats.org/officeDocument/2006/math">
+                    <m:sSub>
+                      <m:sSubPr>
+                        <m:ctrlPr>
+                          <a:rPr lang="en-US" sz="1600" i="1" smtClean="0">
+                            <a:latin typeface="Cambria Math" panose="02040503050406030204" pitchFamily="18" charset="0"/>
+                            <a:ea typeface="Cambria Math" panose="02040503050406030204" pitchFamily="18" charset="0"/>
+                          </a:rPr>
+                        </m:ctrlPr>
+                      </m:sSubPr>
+                      <m:e>
+                        <m:r>
+                          <m:rPr>
+                            <m:sty m:val="p"/>
+                          </m:rPr>
+                          <a:rPr lang="el-GR" sz="1600" i="1">
+                            <a:latin typeface="Cambria Math" panose="02040503050406030204" pitchFamily="18" charset="0"/>
+                            <a:ea typeface="Cambria Math" panose="02040503050406030204" pitchFamily="18" charset="0"/>
+                          </a:rPr>
+                          <m:t>Φ</m:t>
+                        </m:r>
+                      </m:e>
+                      <m:sub>
+                        <m:r>
+                          <a:rPr lang="en-US" sz="1600" b="0" i="1" smtClean="0">
+                            <a:latin typeface="Cambria Math" panose="02040503050406030204" pitchFamily="18" charset="0"/>
+                            <a:ea typeface="Cambria Math" panose="02040503050406030204" pitchFamily="18" charset="0"/>
+                          </a:rPr>
+                          <m:t>𝑝𝑜𝑠</m:t>
+                        </m:r>
+                      </m:sub>
+                    </m:sSub>
+                  </m:oMath>
+                </a14:m>
+                <a:r>
+                  <a:rPr lang="en-US" sz="1600" dirty="0"/>
+                  <a:t> </a:t>
+                </a:r>
+                <a:r>
+                  <a:rPr lang="en-US" sz="1600" dirty="0">
+                    <a:latin typeface="Times New Roman" panose="02020603050405020304" pitchFamily="18" charset="0"/>
+                    <a:cs typeface="Times New Roman" panose="02020603050405020304" pitchFamily="18" charset="0"/>
+                  </a:rPr>
+                  <a:t>Resp MLP</a:t>
+                </a:r>
+              </a:p>
+            </p:txBody>
+          </p:sp>
+        </mc:Choice>
+        <mc:Fallback>
+          <p:sp>
+            <p:nvSpPr>
+              <p:cNvPr id="198" name="TextBox 197">
+                <a:extLst>
+                  <a:ext uri="{FF2B5EF4-FFF2-40B4-BE49-F238E27FC236}">
+                    <a16:creationId xmlns:a16="http://schemas.microsoft.com/office/drawing/2014/main" id="{BF1184C9-C930-B344-92E1-C7DC69A445C4}"/>
+                  </a:ext>
+                </a:extLst>
+              </p:cNvPr>
+              <p:cNvSpPr txBox="1">
+                <a:spLocks noRot="1" noChangeAspect="1" noMove="1" noResize="1" noEditPoints="1" noAdjustHandles="1" noChangeArrowheads="1" noChangeShapeType="1" noTextEdit="1"/>
+              </p:cNvSpPr>
+              <p:nvPr/>
+            </p:nvSpPr>
+            <p:spPr>
+              <a:xfrm rot="16200000">
+                <a:off x="1998472" y="2814478"/>
+                <a:ext cx="1358129" cy="265201"/>
+              </a:xfrm>
+              <a:prstGeom prst="rect">
+                <a:avLst/>
+              </a:prstGeom>
+              <a:blipFill>
+                <a:blip r:embed="rId3"/>
+                <a:stretch>
+                  <a:fillRect l="-22727" t="-8333" r="-31818" b="-5556"/>
+                </a:stretch>
+              </a:blipFill>
+            </p:spPr>
+            <p:txBody>
+              <a:bodyPr/>
+              <a:lstStyle/>
+              <a:p>
+                <a:r>
+                  <a:rPr lang="en-US">
+                    <a:noFill/>
+                  </a:rPr>
+                  <a:t> </a:t>
+                </a:r>
+              </a:p>
+            </p:txBody>
+          </p:sp>
+        </mc:Fallback>
+      </mc:AlternateContent>
+      <mc:AlternateContent xmlns:mc="http://schemas.openxmlformats.org/markup-compatibility/2006">
+        <mc:Choice xmlns:a14="http://schemas.microsoft.com/office/drawing/2010/main" Requires="a14">
+          <p:sp>
+            <p:nvSpPr>
+              <p:cNvPr id="8" name="TextBox 7">
+                <a:extLst>
+                  <a:ext uri="{FF2B5EF4-FFF2-40B4-BE49-F238E27FC236}">
+                    <a16:creationId xmlns:a16="http://schemas.microsoft.com/office/drawing/2014/main" id="{02228F94-8AA8-764D-988D-8F05E36FC3EA}"/>
+                  </a:ext>
+                </a:extLst>
+              </p:cNvPr>
+              <p:cNvSpPr txBox="1"/>
+              <p:nvPr/>
+            </p:nvSpPr>
+            <p:spPr>
+              <a:xfrm>
+                <a:off x="157827" y="3366183"/>
+                <a:ext cx="652423" cy="200055"/>
+              </a:xfrm>
+              <a:prstGeom prst="rect">
+                <a:avLst/>
+              </a:prstGeom>
+              <a:noFill/>
+            </p:spPr>
+            <p:txBody>
+              <a:bodyPr wrap="none" lIns="0" tIns="0" rIns="0" bIns="0" rtlCol="0">
+                <a:spAutoFit/>
+              </a:bodyPr>
+              <a:lstStyle/>
+              <a:p>
+                <a14:m>
+                  <m:oMathPara xmlns:m="http://schemas.openxmlformats.org/officeDocument/2006/math">
+                    <m:oMathParaPr>
+                      <m:jc m:val="centerGroup"/>
+                    </m:oMathParaPr>
+                    <m:oMath xmlns:m="http://schemas.openxmlformats.org/officeDocument/2006/math">
+                      <m:r>
+                        <a:rPr lang="en-US" sz="1300" b="0" i="0" smtClean="0">
+                          <a:solidFill>
+                            <a:schemeClr val="tx1">
+                              <a:lumMod val="65000"/>
+                              <a:lumOff val="35000"/>
+                            </a:schemeClr>
+                          </a:solidFill>
+                          <a:latin typeface="Cambria Math" panose="02040503050406030204" pitchFamily="18" charset="0"/>
+                        </a:rPr>
+                        <m:t>[1024,3]</m:t>
+                      </m:r>
+                    </m:oMath>
+                  </m:oMathPara>
+                </a14:m>
+                <a:endParaRPr lang="en-US" sz="1300" dirty="0">
+                  <a:solidFill>
+                    <a:schemeClr val="tx1">
+                      <a:lumMod val="65000"/>
+                      <a:lumOff val="35000"/>
+                    </a:schemeClr>
+                  </a:solidFill>
+                </a:endParaRPr>
+              </a:p>
+            </p:txBody>
+          </p:sp>
+        </mc:Choice>
+        <mc:Fallback>
+          <p:sp>
+            <p:nvSpPr>
+              <p:cNvPr id="8" name="TextBox 7">
+                <a:extLst>
+                  <a:ext uri="{FF2B5EF4-FFF2-40B4-BE49-F238E27FC236}">
+                    <a16:creationId xmlns:a16="http://schemas.microsoft.com/office/drawing/2014/main" id="{02228F94-8AA8-764D-988D-8F05E36FC3EA}"/>
+                  </a:ext>
+                </a:extLst>
+              </p:cNvPr>
+              <p:cNvSpPr txBox="1">
+                <a:spLocks noRot="1" noChangeAspect="1" noMove="1" noResize="1" noEditPoints="1" noAdjustHandles="1" noChangeArrowheads="1" noChangeShapeType="1" noTextEdit="1"/>
+              </p:cNvSpPr>
+              <p:nvPr/>
+            </p:nvSpPr>
+            <p:spPr>
+              <a:xfrm>
+                <a:off x="157827" y="3366183"/>
+                <a:ext cx="652423" cy="200055"/>
+              </a:xfrm>
+              <a:prstGeom prst="rect">
+                <a:avLst/>
+              </a:prstGeom>
+              <a:blipFill>
+                <a:blip r:embed="rId4"/>
+                <a:stretch>
+                  <a:fillRect l="-9615" r="-9615" b="-35294"/>
+                </a:stretch>
+              </a:blipFill>
+            </p:spPr>
+            <p:txBody>
+              <a:bodyPr/>
+              <a:lstStyle/>
+              <a:p>
+                <a:r>
+                  <a:rPr lang="en-US">
+                    <a:noFill/>
+                  </a:rPr>
+                  <a:t> </a:t>
+                </a:r>
+              </a:p>
+            </p:txBody>
+          </p:sp>
+        </mc:Fallback>
+      </mc:AlternateContent>
+      <mc:AlternateContent xmlns:mc="http://schemas.openxmlformats.org/markup-compatibility/2006">
+        <mc:Choice xmlns:a14="http://schemas.microsoft.com/office/drawing/2010/main" Requires="a14">
+          <p:sp>
+            <p:nvSpPr>
+              <p:cNvPr id="200" name="TextBox 199">
+                <a:extLst>
+                  <a:ext uri="{FF2B5EF4-FFF2-40B4-BE49-F238E27FC236}">
+                    <a16:creationId xmlns:a16="http://schemas.microsoft.com/office/drawing/2014/main" id="{E3EF1433-2C87-2B48-9832-A5520A33F778}"/>
+                  </a:ext>
+                </a:extLst>
+              </p:cNvPr>
+              <p:cNvSpPr txBox="1"/>
+              <p:nvPr/>
+            </p:nvSpPr>
+            <p:spPr>
+              <a:xfrm>
+                <a:off x="630942" y="3852965"/>
+                <a:ext cx="745397" cy="200055"/>
+              </a:xfrm>
+              <a:prstGeom prst="rect">
+                <a:avLst/>
+              </a:prstGeom>
+              <a:noFill/>
+            </p:spPr>
+            <p:txBody>
+              <a:bodyPr wrap="none" lIns="0" tIns="0" rIns="0" bIns="0" rtlCol="0">
+                <a:spAutoFit/>
+              </a:bodyPr>
+              <a:lstStyle/>
+              <a:p>
+                <a14:m>
+                  <m:oMathPara xmlns:m="http://schemas.openxmlformats.org/officeDocument/2006/math">
+                    <m:oMathParaPr>
+                      <m:jc m:val="centerGroup"/>
+                    </m:oMathParaPr>
+                    <m:oMath xmlns:m="http://schemas.openxmlformats.org/officeDocument/2006/math">
+                      <m:r>
+                        <a:rPr lang="en-US" sz="1300" b="0" i="0" smtClean="0">
+                          <a:solidFill>
+                            <a:schemeClr val="tx1">
+                              <a:lumMod val="65000"/>
+                              <a:lumOff val="35000"/>
+                            </a:schemeClr>
+                          </a:solidFill>
+                          <a:latin typeface="Cambria Math" panose="02040503050406030204" pitchFamily="18" charset="0"/>
+                        </a:rPr>
+                        <m:t>[1024,64]</m:t>
+                      </m:r>
+                    </m:oMath>
+                  </m:oMathPara>
+                </a14:m>
+                <a:endParaRPr lang="en-US" sz="1300" dirty="0">
+                  <a:solidFill>
+                    <a:schemeClr val="tx1">
+                      <a:lumMod val="65000"/>
+                      <a:lumOff val="35000"/>
+                    </a:schemeClr>
+                  </a:solidFill>
+                </a:endParaRPr>
+              </a:p>
+            </p:txBody>
+          </p:sp>
+        </mc:Choice>
+        <mc:Fallback>
+          <p:sp>
+            <p:nvSpPr>
+              <p:cNvPr id="200" name="TextBox 199">
+                <a:extLst>
+                  <a:ext uri="{FF2B5EF4-FFF2-40B4-BE49-F238E27FC236}">
+                    <a16:creationId xmlns:a16="http://schemas.microsoft.com/office/drawing/2014/main" id="{E3EF1433-2C87-2B48-9832-A5520A33F778}"/>
+                  </a:ext>
+                </a:extLst>
+              </p:cNvPr>
+              <p:cNvSpPr txBox="1">
+                <a:spLocks noRot="1" noChangeAspect="1" noMove="1" noResize="1" noEditPoints="1" noAdjustHandles="1" noChangeArrowheads="1" noChangeShapeType="1" noTextEdit="1"/>
+              </p:cNvSpPr>
+              <p:nvPr/>
+            </p:nvSpPr>
+            <p:spPr>
+              <a:xfrm>
+                <a:off x="630942" y="3852965"/>
+                <a:ext cx="745397" cy="200055"/>
+              </a:xfrm>
+              <a:prstGeom prst="rect">
+                <a:avLst/>
+              </a:prstGeom>
+              <a:blipFill>
+                <a:blip r:embed="rId5"/>
+                <a:stretch>
+                  <a:fillRect l="-6667" r="-6667" b="-29412"/>
+                </a:stretch>
+              </a:blipFill>
+            </p:spPr>
+            <p:txBody>
+              <a:bodyPr/>
+              <a:lstStyle/>
+              <a:p>
+                <a:r>
+                  <a:rPr lang="en-US">
+                    <a:noFill/>
+                  </a:rPr>
+                  <a:t> </a:t>
+                </a:r>
+              </a:p>
+            </p:txBody>
+          </p:sp>
+        </mc:Fallback>
+      </mc:AlternateContent>
+      <mc:AlternateContent xmlns:mc="http://schemas.openxmlformats.org/markup-compatibility/2006">
+        <mc:Choice xmlns:a14="http://schemas.microsoft.com/office/drawing/2010/main" Requires="a14">
+          <p:sp>
+            <p:nvSpPr>
+              <p:cNvPr id="202" name="TextBox 201">
+                <a:extLst>
+                  <a:ext uri="{FF2B5EF4-FFF2-40B4-BE49-F238E27FC236}">
+                    <a16:creationId xmlns:a16="http://schemas.microsoft.com/office/drawing/2014/main" id="{4EE12649-CA65-6648-A955-829C683262D0}"/>
+                  </a:ext>
+                </a:extLst>
+              </p:cNvPr>
+              <p:cNvSpPr txBox="1"/>
+              <p:nvPr/>
+            </p:nvSpPr>
+            <p:spPr>
+              <a:xfrm>
+                <a:off x="1313743" y="3879803"/>
+                <a:ext cx="872034" cy="200055"/>
+              </a:xfrm>
+              <a:prstGeom prst="rect">
+                <a:avLst/>
+              </a:prstGeom>
+              <a:noFill/>
+            </p:spPr>
+            <p:txBody>
+              <a:bodyPr wrap="none" lIns="0" tIns="0" rIns="0" bIns="0" rtlCol="0">
+                <a:spAutoFit/>
+              </a:bodyPr>
+              <a:lstStyle/>
+              <a:p>
+                <a14:m>
+                  <m:oMathPara xmlns:m="http://schemas.openxmlformats.org/officeDocument/2006/math">
+                    <m:oMathParaPr>
+                      <m:jc m:val="centerGroup"/>
+                    </m:oMathParaPr>
+                    <m:oMath xmlns:m="http://schemas.openxmlformats.org/officeDocument/2006/math">
+                      <m:r>
+                        <a:rPr lang="en-US" sz="1300" b="0" i="0" smtClean="0">
+                          <a:solidFill>
+                            <a:schemeClr val="tx1">
+                              <a:lumMod val="65000"/>
+                              <a:lumOff val="35000"/>
+                            </a:schemeClr>
+                          </a:solidFill>
+                          <a:latin typeface="Cambria Math" panose="02040503050406030204" pitchFamily="18" charset="0"/>
+                        </a:rPr>
+                        <m:t>[512,24,64]</m:t>
+                      </m:r>
+                    </m:oMath>
+                  </m:oMathPara>
+                </a14:m>
+                <a:endParaRPr lang="en-US" sz="1300" dirty="0">
+                  <a:solidFill>
+                    <a:schemeClr val="tx1">
+                      <a:lumMod val="65000"/>
+                      <a:lumOff val="35000"/>
+                    </a:schemeClr>
+                  </a:solidFill>
+                </a:endParaRPr>
+              </a:p>
+            </p:txBody>
+          </p:sp>
+        </mc:Choice>
+        <mc:Fallback>
+          <p:sp>
+            <p:nvSpPr>
+              <p:cNvPr id="202" name="TextBox 201">
+                <a:extLst>
+                  <a:ext uri="{FF2B5EF4-FFF2-40B4-BE49-F238E27FC236}">
+                    <a16:creationId xmlns:a16="http://schemas.microsoft.com/office/drawing/2014/main" id="{4EE12649-CA65-6648-A955-829C683262D0}"/>
+                  </a:ext>
+                </a:extLst>
+              </p:cNvPr>
+              <p:cNvSpPr txBox="1">
+                <a:spLocks noRot="1" noChangeAspect="1" noMove="1" noResize="1" noEditPoints="1" noAdjustHandles="1" noChangeArrowheads="1" noChangeShapeType="1" noTextEdit="1"/>
+              </p:cNvSpPr>
+              <p:nvPr/>
+            </p:nvSpPr>
+            <p:spPr>
+              <a:xfrm>
+                <a:off x="1313743" y="3879803"/>
+                <a:ext cx="872034" cy="200055"/>
+              </a:xfrm>
+              <a:prstGeom prst="rect">
+                <a:avLst/>
+              </a:prstGeom>
+              <a:blipFill>
+                <a:blip r:embed="rId6"/>
+                <a:stretch>
+                  <a:fillRect l="-7143" r="-5714" b="-29412"/>
+                </a:stretch>
+              </a:blipFill>
+            </p:spPr>
+            <p:txBody>
+              <a:bodyPr/>
+              <a:lstStyle/>
+              <a:p>
+                <a:r>
+                  <a:rPr lang="en-US">
+                    <a:noFill/>
+                  </a:rPr>
+                  <a:t> </a:t>
+                </a:r>
+              </a:p>
+            </p:txBody>
+          </p:sp>
+        </mc:Fallback>
+      </mc:AlternateContent>
+      <mc:AlternateContent xmlns:mc="http://schemas.openxmlformats.org/markup-compatibility/2006">
+        <mc:Choice xmlns:a14="http://schemas.microsoft.com/office/drawing/2010/main" Requires="a14">
+          <p:sp>
+            <p:nvSpPr>
+              <p:cNvPr id="203" name="TextBox 202">
+                <a:extLst>
+                  <a:ext uri="{FF2B5EF4-FFF2-40B4-BE49-F238E27FC236}">
+                    <a16:creationId xmlns:a16="http://schemas.microsoft.com/office/drawing/2014/main" id="{EA1C8E79-522B-4D4E-A73A-9D1ADB8A1800}"/>
+                  </a:ext>
+                </a:extLst>
+              </p:cNvPr>
+              <p:cNvSpPr txBox="1"/>
+              <p:nvPr/>
+            </p:nvSpPr>
+            <p:spPr>
+              <a:xfrm>
+                <a:off x="2343101" y="3679320"/>
+                <a:ext cx="745397" cy="200055"/>
+              </a:xfrm>
+              <a:prstGeom prst="rect">
+                <a:avLst/>
+              </a:prstGeom>
+              <a:noFill/>
+            </p:spPr>
+            <p:txBody>
+              <a:bodyPr wrap="none" lIns="0" tIns="0" rIns="0" bIns="0" rtlCol="0">
+                <a:spAutoFit/>
+              </a:bodyPr>
+              <a:lstStyle/>
+              <a:p>
+                <a14:m>
+                  <m:oMathPara xmlns:m="http://schemas.openxmlformats.org/officeDocument/2006/math">
+                    <m:oMathParaPr>
+                      <m:jc m:val="centerGroup"/>
+                    </m:oMathParaPr>
+                    <m:oMath xmlns:m="http://schemas.openxmlformats.org/officeDocument/2006/math">
+                      <m:r>
+                        <a:rPr lang="en-US" sz="1300" b="0" i="0" smtClean="0">
+                          <a:solidFill>
+                            <a:schemeClr val="tx1">
+                              <a:lumMod val="65000"/>
+                              <a:lumOff val="35000"/>
+                            </a:schemeClr>
+                          </a:solidFill>
+                          <a:latin typeface="Cambria Math" panose="02040503050406030204" pitchFamily="18" charset="0"/>
+                        </a:rPr>
+                        <m:t>[512,128]</m:t>
+                      </m:r>
+                    </m:oMath>
+                  </m:oMathPara>
+                </a14:m>
+                <a:endParaRPr lang="en-US" sz="1300" dirty="0">
+                  <a:solidFill>
+                    <a:schemeClr val="tx1">
+                      <a:lumMod val="65000"/>
+                      <a:lumOff val="35000"/>
+                    </a:schemeClr>
+                  </a:solidFill>
+                </a:endParaRPr>
+              </a:p>
+            </p:txBody>
+          </p:sp>
+        </mc:Choice>
+        <mc:Fallback>
+          <p:sp>
+            <p:nvSpPr>
+              <p:cNvPr id="203" name="TextBox 202">
+                <a:extLst>
+                  <a:ext uri="{FF2B5EF4-FFF2-40B4-BE49-F238E27FC236}">
+                    <a16:creationId xmlns:a16="http://schemas.microsoft.com/office/drawing/2014/main" id="{EA1C8E79-522B-4D4E-A73A-9D1ADB8A1800}"/>
+                  </a:ext>
+                </a:extLst>
+              </p:cNvPr>
+              <p:cNvSpPr txBox="1">
+                <a:spLocks noRot="1" noChangeAspect="1" noMove="1" noResize="1" noEditPoints="1" noAdjustHandles="1" noChangeArrowheads="1" noChangeShapeType="1" noTextEdit="1"/>
+              </p:cNvSpPr>
+              <p:nvPr/>
+            </p:nvSpPr>
+            <p:spPr>
+              <a:xfrm>
+                <a:off x="2343101" y="3679320"/>
+                <a:ext cx="745397" cy="200055"/>
+              </a:xfrm>
+              <a:prstGeom prst="rect">
+                <a:avLst/>
+              </a:prstGeom>
+              <a:blipFill>
+                <a:blip r:embed="rId7"/>
+                <a:stretch>
+                  <a:fillRect l="-6667" r="-6667" b="-35294"/>
+                </a:stretch>
+              </a:blipFill>
+            </p:spPr>
+            <p:txBody>
+              <a:bodyPr/>
+              <a:lstStyle/>
+              <a:p>
+                <a:r>
+                  <a:rPr lang="en-US">
+                    <a:noFill/>
+                  </a:rPr>
+                  <a:t> </a:t>
+                </a:r>
+              </a:p>
+            </p:txBody>
+          </p:sp>
+        </mc:Fallback>
+      </mc:AlternateContent>
+      <mc:AlternateContent xmlns:mc="http://schemas.openxmlformats.org/markup-compatibility/2006">
+        <mc:Choice xmlns:a14="http://schemas.microsoft.com/office/drawing/2010/main" Requires="a14">
+          <p:sp>
+            <p:nvSpPr>
+              <p:cNvPr id="204" name="TextBox 203">
+                <a:extLst>
+                  <a:ext uri="{FF2B5EF4-FFF2-40B4-BE49-F238E27FC236}">
+                    <a16:creationId xmlns:a16="http://schemas.microsoft.com/office/drawing/2014/main" id="{534C9EB2-2D41-1F41-A16E-B8D37FC2A1DD}"/>
+                  </a:ext>
+                </a:extLst>
+              </p:cNvPr>
+              <p:cNvSpPr txBox="1"/>
+              <p:nvPr/>
+            </p:nvSpPr>
+            <p:spPr>
+              <a:xfrm>
+                <a:off x="3418480" y="3695424"/>
+                <a:ext cx="965008" cy="200055"/>
+              </a:xfrm>
+              <a:prstGeom prst="rect">
+                <a:avLst/>
+              </a:prstGeom>
+              <a:noFill/>
+            </p:spPr>
+            <p:txBody>
+              <a:bodyPr wrap="none" lIns="0" tIns="0" rIns="0" bIns="0" rtlCol="0">
+                <a:spAutoFit/>
+              </a:bodyPr>
+              <a:lstStyle/>
+              <a:p>
+                <a14:m>
+                  <m:oMathPara xmlns:m="http://schemas.openxmlformats.org/officeDocument/2006/math">
+                    <m:oMathParaPr>
+                      <m:jc m:val="centerGroup"/>
+                    </m:oMathParaPr>
+                    <m:oMath xmlns:m="http://schemas.openxmlformats.org/officeDocument/2006/math">
+                      <m:r>
+                        <a:rPr lang="en-US" sz="1300" b="0" i="0" smtClean="0">
+                          <a:solidFill>
+                            <a:schemeClr val="tx1">
+                              <a:lumMod val="65000"/>
+                              <a:lumOff val="35000"/>
+                            </a:schemeClr>
+                          </a:solidFill>
+                          <a:latin typeface="Cambria Math" panose="02040503050406030204" pitchFamily="18" charset="0"/>
+                        </a:rPr>
+                        <m:t>[</m:t>
+                      </m:r>
+                      <m:r>
+                        <a:rPr lang="en-US" sz="1300" b="0" i="0" smtClean="0">
+                          <a:solidFill>
+                            <a:schemeClr val="tx1">
+                              <a:lumMod val="65000"/>
+                              <a:lumOff val="35000"/>
+                            </a:schemeClr>
+                          </a:solidFill>
+                          <a:latin typeface="Cambria Math" panose="02040503050406030204" pitchFamily="18" charset="0"/>
+                        </a:rPr>
+                        <m:t>256,24,128]</m:t>
+                      </m:r>
+                    </m:oMath>
+                  </m:oMathPara>
+                </a14:m>
+                <a:endParaRPr lang="en-US" sz="1300" dirty="0">
+                  <a:solidFill>
+                    <a:schemeClr val="tx1">
+                      <a:lumMod val="65000"/>
+                      <a:lumOff val="35000"/>
+                    </a:schemeClr>
+                  </a:solidFill>
+                </a:endParaRPr>
+              </a:p>
+            </p:txBody>
+          </p:sp>
+        </mc:Choice>
+        <mc:Fallback>
+          <p:sp>
+            <p:nvSpPr>
+              <p:cNvPr id="204" name="TextBox 203">
+                <a:extLst>
+                  <a:ext uri="{FF2B5EF4-FFF2-40B4-BE49-F238E27FC236}">
+                    <a16:creationId xmlns:a16="http://schemas.microsoft.com/office/drawing/2014/main" id="{534C9EB2-2D41-1F41-A16E-B8D37FC2A1DD}"/>
+                  </a:ext>
+                </a:extLst>
+              </p:cNvPr>
+              <p:cNvSpPr txBox="1">
+                <a:spLocks noRot="1" noChangeAspect="1" noMove="1" noResize="1" noEditPoints="1" noAdjustHandles="1" noChangeArrowheads="1" noChangeShapeType="1" noTextEdit="1"/>
+              </p:cNvSpPr>
+              <p:nvPr/>
+            </p:nvSpPr>
+            <p:spPr>
+              <a:xfrm>
+                <a:off x="3418480" y="3695424"/>
+                <a:ext cx="965008" cy="200055"/>
+              </a:xfrm>
+              <a:prstGeom prst="rect">
+                <a:avLst/>
+              </a:prstGeom>
+              <a:blipFill>
+                <a:blip r:embed="rId8"/>
+                <a:stretch>
+                  <a:fillRect l="-6494" r="-5195" b="-29412"/>
+                </a:stretch>
+              </a:blipFill>
+            </p:spPr>
+            <p:txBody>
+              <a:bodyPr/>
+              <a:lstStyle/>
+              <a:p>
+                <a:r>
+                  <a:rPr lang="en-US">
+                    <a:noFill/>
+                  </a:rPr>
+                  <a:t> </a:t>
+                </a:r>
+              </a:p>
+            </p:txBody>
+          </p:sp>
+        </mc:Fallback>
+      </mc:AlternateContent>
+      <mc:AlternateContent xmlns:mc="http://schemas.openxmlformats.org/markup-compatibility/2006">
+        <mc:Choice xmlns:a14="http://schemas.microsoft.com/office/drawing/2010/main" Requires="a14">
+          <p:sp>
+            <p:nvSpPr>
+              <p:cNvPr id="205" name="TextBox 204">
+                <a:extLst>
+                  <a:ext uri="{FF2B5EF4-FFF2-40B4-BE49-F238E27FC236}">
+                    <a16:creationId xmlns:a16="http://schemas.microsoft.com/office/drawing/2014/main" id="{75CBB427-5DDB-7149-9057-D3F89B68543E}"/>
+                  </a:ext>
+                </a:extLst>
+              </p:cNvPr>
+              <p:cNvSpPr txBox="1"/>
+              <p:nvPr/>
+            </p:nvSpPr>
+            <p:spPr>
+              <a:xfrm>
+                <a:off x="4386584" y="3519712"/>
+                <a:ext cx="745397" cy="200055"/>
+              </a:xfrm>
+              <a:prstGeom prst="rect">
+                <a:avLst/>
+              </a:prstGeom>
+              <a:noFill/>
+            </p:spPr>
+            <p:txBody>
+              <a:bodyPr wrap="none" lIns="0" tIns="0" rIns="0" bIns="0" rtlCol="0">
+                <a:spAutoFit/>
+              </a:bodyPr>
+              <a:lstStyle/>
+              <a:p>
+                <a14:m>
+                  <m:oMathPara xmlns:m="http://schemas.openxmlformats.org/officeDocument/2006/math">
+                    <m:oMathParaPr>
+                      <m:jc m:val="centerGroup"/>
+                    </m:oMathParaPr>
+                    <m:oMath xmlns:m="http://schemas.openxmlformats.org/officeDocument/2006/math">
+                      <m:r>
+                        <a:rPr lang="en-US" sz="1300" b="0" i="0" smtClean="0">
+                          <a:solidFill>
+                            <a:schemeClr val="tx1">
+                              <a:lumMod val="65000"/>
+                              <a:lumOff val="35000"/>
+                            </a:schemeClr>
+                          </a:solidFill>
+                          <a:latin typeface="Cambria Math" panose="02040503050406030204" pitchFamily="18" charset="0"/>
+                        </a:rPr>
+                        <m:t>[</m:t>
+                      </m:r>
+                      <m:r>
+                        <a:rPr lang="en-US" sz="1300" b="0" i="0" smtClean="0">
+                          <a:solidFill>
+                            <a:schemeClr val="tx1">
+                              <a:lumMod val="65000"/>
+                              <a:lumOff val="35000"/>
+                            </a:schemeClr>
+                          </a:solidFill>
+                          <a:latin typeface="Cambria Math" panose="02040503050406030204" pitchFamily="18" charset="0"/>
+                        </a:rPr>
+                        <m:t>256,256]</m:t>
+                      </m:r>
+                    </m:oMath>
+                  </m:oMathPara>
+                </a14:m>
+                <a:endParaRPr lang="en-US" sz="1300" dirty="0">
+                  <a:solidFill>
+                    <a:schemeClr val="tx1">
+                      <a:lumMod val="65000"/>
+                      <a:lumOff val="35000"/>
+                    </a:schemeClr>
+                  </a:solidFill>
+                </a:endParaRPr>
+              </a:p>
+            </p:txBody>
+          </p:sp>
+        </mc:Choice>
+        <mc:Fallback>
+          <p:sp>
+            <p:nvSpPr>
+              <p:cNvPr id="205" name="TextBox 204">
+                <a:extLst>
+                  <a:ext uri="{FF2B5EF4-FFF2-40B4-BE49-F238E27FC236}">
+                    <a16:creationId xmlns:a16="http://schemas.microsoft.com/office/drawing/2014/main" id="{75CBB427-5DDB-7149-9057-D3F89B68543E}"/>
+                  </a:ext>
+                </a:extLst>
+              </p:cNvPr>
+              <p:cNvSpPr txBox="1">
+                <a:spLocks noRot="1" noChangeAspect="1" noMove="1" noResize="1" noEditPoints="1" noAdjustHandles="1" noChangeArrowheads="1" noChangeShapeType="1" noTextEdit="1"/>
+              </p:cNvSpPr>
+              <p:nvPr/>
+            </p:nvSpPr>
+            <p:spPr>
+              <a:xfrm>
+                <a:off x="4386584" y="3519712"/>
+                <a:ext cx="745397" cy="200055"/>
+              </a:xfrm>
+              <a:prstGeom prst="rect">
+                <a:avLst/>
+              </a:prstGeom>
+              <a:blipFill>
+                <a:blip r:embed="rId9"/>
+                <a:stretch>
+                  <a:fillRect l="-8333" r="-6667" b="-35294"/>
+                </a:stretch>
+              </a:blipFill>
+            </p:spPr>
+            <p:txBody>
+              <a:bodyPr/>
+              <a:lstStyle/>
+              <a:p>
+                <a:r>
+                  <a:rPr lang="en-US">
+                    <a:noFill/>
+                  </a:rPr>
+                  <a:t> </a:t>
+                </a:r>
+              </a:p>
+            </p:txBody>
+          </p:sp>
+        </mc:Fallback>
+      </mc:AlternateContent>
+      <mc:AlternateContent xmlns:mc="http://schemas.openxmlformats.org/markup-compatibility/2006">
+        <mc:Choice xmlns:a14="http://schemas.microsoft.com/office/drawing/2010/main" Requires="a14">
+          <p:sp>
+            <p:nvSpPr>
+              <p:cNvPr id="206" name="TextBox 205">
+                <a:extLst>
+                  <a:ext uri="{FF2B5EF4-FFF2-40B4-BE49-F238E27FC236}">
+                    <a16:creationId xmlns:a16="http://schemas.microsoft.com/office/drawing/2014/main" id="{6E2F04EB-757C-C149-8868-4B362DD1831E}"/>
+                  </a:ext>
+                </a:extLst>
+              </p:cNvPr>
+              <p:cNvSpPr txBox="1"/>
+              <p:nvPr/>
+            </p:nvSpPr>
+            <p:spPr>
+              <a:xfrm>
+                <a:off x="5551727" y="3515218"/>
+                <a:ext cx="965008" cy="200055"/>
+              </a:xfrm>
+              <a:prstGeom prst="rect">
+                <a:avLst/>
+              </a:prstGeom>
+              <a:noFill/>
+            </p:spPr>
+            <p:txBody>
+              <a:bodyPr wrap="none" lIns="0" tIns="0" rIns="0" bIns="0" rtlCol="0">
+                <a:spAutoFit/>
+              </a:bodyPr>
+              <a:lstStyle/>
+              <a:p>
+                <a14:m>
+                  <m:oMathPara xmlns:m="http://schemas.openxmlformats.org/officeDocument/2006/math">
+                    <m:oMathParaPr>
+                      <m:jc m:val="centerGroup"/>
+                    </m:oMathParaPr>
+                    <m:oMath xmlns:m="http://schemas.openxmlformats.org/officeDocument/2006/math">
+                      <m:r>
+                        <a:rPr lang="en-US" sz="1300" b="0" i="0" smtClean="0">
+                          <a:solidFill>
+                            <a:schemeClr val="tx1">
+                              <a:lumMod val="65000"/>
+                              <a:lumOff val="35000"/>
+                            </a:schemeClr>
+                          </a:solidFill>
+                          <a:latin typeface="Cambria Math" panose="02040503050406030204" pitchFamily="18" charset="0"/>
+                        </a:rPr>
+                        <m:t>[</m:t>
+                      </m:r>
+                      <m:r>
+                        <a:rPr lang="en-US" sz="1300" b="0" i="0" smtClean="0">
+                          <a:solidFill>
+                            <a:schemeClr val="tx1">
+                              <a:lumMod val="65000"/>
+                              <a:lumOff val="35000"/>
+                            </a:schemeClr>
+                          </a:solidFill>
+                          <a:latin typeface="Cambria Math" panose="02040503050406030204" pitchFamily="18" charset="0"/>
+                        </a:rPr>
+                        <m:t>128,24,256]</m:t>
+                      </m:r>
+                    </m:oMath>
+                  </m:oMathPara>
+                </a14:m>
+                <a:endParaRPr lang="en-US" sz="1300" dirty="0">
+                  <a:solidFill>
+                    <a:schemeClr val="tx1">
+                      <a:lumMod val="65000"/>
+                      <a:lumOff val="35000"/>
+                    </a:schemeClr>
+                  </a:solidFill>
+                </a:endParaRPr>
+              </a:p>
+            </p:txBody>
+          </p:sp>
+        </mc:Choice>
+        <mc:Fallback>
+          <p:sp>
+            <p:nvSpPr>
+              <p:cNvPr id="206" name="TextBox 205">
+                <a:extLst>
+                  <a:ext uri="{FF2B5EF4-FFF2-40B4-BE49-F238E27FC236}">
+                    <a16:creationId xmlns:a16="http://schemas.microsoft.com/office/drawing/2014/main" id="{6E2F04EB-757C-C149-8868-4B362DD1831E}"/>
+                  </a:ext>
+                </a:extLst>
+              </p:cNvPr>
+              <p:cNvSpPr txBox="1">
+                <a:spLocks noRot="1" noChangeAspect="1" noMove="1" noResize="1" noEditPoints="1" noAdjustHandles="1" noChangeArrowheads="1" noChangeShapeType="1" noTextEdit="1"/>
+              </p:cNvSpPr>
+              <p:nvPr/>
+            </p:nvSpPr>
+            <p:spPr>
+              <a:xfrm>
+                <a:off x="5551727" y="3515218"/>
+                <a:ext cx="965008" cy="200055"/>
+              </a:xfrm>
+              <a:prstGeom prst="rect">
+                <a:avLst/>
+              </a:prstGeom>
+              <a:blipFill>
+                <a:blip r:embed="rId10"/>
+                <a:stretch>
+                  <a:fillRect l="-6494" r="-5195" b="-35294"/>
+                </a:stretch>
+              </a:blipFill>
+            </p:spPr>
+            <p:txBody>
+              <a:bodyPr/>
+              <a:lstStyle/>
+              <a:p>
+                <a:r>
+                  <a:rPr lang="en-US">
+                    <a:noFill/>
+                  </a:rPr>
+                  <a:t> </a:t>
+                </a:r>
+              </a:p>
+            </p:txBody>
+          </p:sp>
+        </mc:Fallback>
+      </mc:AlternateContent>
+      <mc:AlternateContent xmlns:mc="http://schemas.openxmlformats.org/markup-compatibility/2006">
+        <mc:Choice xmlns:a14="http://schemas.microsoft.com/office/drawing/2010/main" Requires="a14">
+          <p:sp>
+            <p:nvSpPr>
+              <p:cNvPr id="207" name="TextBox 206">
+                <a:extLst>
+                  <a:ext uri="{FF2B5EF4-FFF2-40B4-BE49-F238E27FC236}">
+                    <a16:creationId xmlns:a16="http://schemas.microsoft.com/office/drawing/2014/main" id="{C8EE616C-F6F6-8D48-AA7B-98950663209C}"/>
+                  </a:ext>
+                </a:extLst>
+              </p:cNvPr>
+              <p:cNvSpPr txBox="1"/>
+              <p:nvPr/>
+            </p:nvSpPr>
+            <p:spPr>
+              <a:xfrm>
+                <a:off x="6557080" y="3346417"/>
+                <a:ext cx="745397" cy="200055"/>
+              </a:xfrm>
+              <a:prstGeom prst="rect">
+                <a:avLst/>
+              </a:prstGeom>
+              <a:noFill/>
+            </p:spPr>
+            <p:txBody>
+              <a:bodyPr wrap="none" lIns="0" tIns="0" rIns="0" bIns="0" rtlCol="0">
+                <a:spAutoFit/>
+              </a:bodyPr>
+              <a:lstStyle/>
+              <a:p>
+                <a14:m>
+                  <m:oMathPara xmlns:m="http://schemas.openxmlformats.org/officeDocument/2006/math">
+                    <m:oMathParaPr>
+                      <m:jc m:val="centerGroup"/>
+                    </m:oMathParaPr>
+                    <m:oMath xmlns:m="http://schemas.openxmlformats.org/officeDocument/2006/math">
+                      <m:r>
+                        <a:rPr lang="en-US" sz="1300" b="0" i="0" smtClean="0">
+                          <a:solidFill>
+                            <a:schemeClr val="tx1">
+                              <a:lumMod val="65000"/>
+                              <a:lumOff val="35000"/>
+                            </a:schemeClr>
+                          </a:solidFill>
+                          <a:latin typeface="Cambria Math" panose="02040503050406030204" pitchFamily="18" charset="0"/>
+                        </a:rPr>
+                        <m:t>[128,512]</m:t>
+                      </m:r>
+                    </m:oMath>
+                  </m:oMathPara>
+                </a14:m>
+                <a:endParaRPr lang="en-US" sz="1300" dirty="0">
+                  <a:solidFill>
+                    <a:schemeClr val="tx1">
+                      <a:lumMod val="65000"/>
+                      <a:lumOff val="35000"/>
+                    </a:schemeClr>
+                  </a:solidFill>
+                </a:endParaRPr>
+              </a:p>
+            </p:txBody>
+          </p:sp>
+        </mc:Choice>
+        <mc:Fallback>
+          <p:sp>
+            <p:nvSpPr>
+              <p:cNvPr id="207" name="TextBox 206">
+                <a:extLst>
+                  <a:ext uri="{FF2B5EF4-FFF2-40B4-BE49-F238E27FC236}">
+                    <a16:creationId xmlns:a16="http://schemas.microsoft.com/office/drawing/2014/main" id="{C8EE616C-F6F6-8D48-AA7B-98950663209C}"/>
+                  </a:ext>
+                </a:extLst>
+              </p:cNvPr>
+              <p:cNvSpPr txBox="1">
+                <a:spLocks noRot="1" noChangeAspect="1" noMove="1" noResize="1" noEditPoints="1" noAdjustHandles="1" noChangeArrowheads="1" noChangeShapeType="1" noTextEdit="1"/>
+              </p:cNvSpPr>
+              <p:nvPr/>
+            </p:nvSpPr>
+            <p:spPr>
+              <a:xfrm>
+                <a:off x="6557080" y="3346417"/>
+                <a:ext cx="745397" cy="200055"/>
+              </a:xfrm>
+              <a:prstGeom prst="rect">
+                <a:avLst/>
+              </a:prstGeom>
+              <a:blipFill>
+                <a:blip r:embed="rId11"/>
+                <a:stretch>
+                  <a:fillRect l="-8333" r="-6667" b="-29412"/>
+                </a:stretch>
+              </a:blipFill>
+            </p:spPr>
+            <p:txBody>
+              <a:bodyPr/>
+              <a:lstStyle/>
+              <a:p>
+                <a:r>
+                  <a:rPr lang="en-US">
+                    <a:noFill/>
+                  </a:rPr>
+                  <a:t> </a:t>
+                </a:r>
+              </a:p>
+            </p:txBody>
+          </p:sp>
+        </mc:Fallback>
+      </mc:AlternateContent>
+      <mc:AlternateContent xmlns:mc="http://schemas.openxmlformats.org/markup-compatibility/2006">
+        <mc:Choice xmlns:a14="http://schemas.microsoft.com/office/drawing/2010/main" Requires="a14">
+          <p:sp>
+            <p:nvSpPr>
+              <p:cNvPr id="208" name="TextBox 207">
+                <a:extLst>
+                  <a:ext uri="{FF2B5EF4-FFF2-40B4-BE49-F238E27FC236}">
+                    <a16:creationId xmlns:a16="http://schemas.microsoft.com/office/drawing/2014/main" id="{86FA33B5-159E-4B42-BB26-BE5B4EB9B454}"/>
+                  </a:ext>
+                </a:extLst>
+              </p:cNvPr>
+              <p:cNvSpPr txBox="1"/>
+              <p:nvPr/>
+            </p:nvSpPr>
+            <p:spPr>
+              <a:xfrm>
+                <a:off x="7798953" y="3366182"/>
+                <a:ext cx="827150" cy="200055"/>
+              </a:xfrm>
+              <a:prstGeom prst="rect">
+                <a:avLst/>
+              </a:prstGeom>
+              <a:noFill/>
+            </p:spPr>
+            <p:txBody>
+              <a:bodyPr wrap="none" lIns="0" tIns="0" rIns="0" bIns="0" rtlCol="0">
+                <a:spAutoFit/>
+              </a:bodyPr>
+              <a:lstStyle/>
+              <a:p>
+                <a14:m>
+                  <m:oMath xmlns:m="http://schemas.openxmlformats.org/officeDocument/2006/math">
+                    <m:r>
+                      <a:rPr lang="en-US" sz="1300" b="0" i="0" smtClean="0">
+                        <a:solidFill>
+                          <a:schemeClr val="tx1">
+                            <a:lumMod val="65000"/>
+                            <a:lumOff val="35000"/>
+                          </a:schemeClr>
+                        </a:solidFill>
+                        <a:latin typeface="Cambria Math" panose="02040503050406030204" pitchFamily="18" charset="0"/>
+                      </a:rPr>
+                      <m:t>[64,24,512</m:t>
+                    </m:r>
+                  </m:oMath>
+                </a14:m>
+                <a:r>
+                  <a:rPr lang="en-US" sz="1300" dirty="0">
+                    <a:solidFill>
+                      <a:schemeClr val="tx1">
+                        <a:lumMod val="65000"/>
+                        <a:lumOff val="35000"/>
+                      </a:schemeClr>
+                    </a:solidFill>
+                  </a:rPr>
+                  <a:t>]</a:t>
+                </a:r>
+              </a:p>
+            </p:txBody>
+          </p:sp>
+        </mc:Choice>
+        <mc:Fallback>
+          <p:sp>
+            <p:nvSpPr>
+              <p:cNvPr id="208" name="TextBox 207">
+                <a:extLst>
+                  <a:ext uri="{FF2B5EF4-FFF2-40B4-BE49-F238E27FC236}">
+                    <a16:creationId xmlns:a16="http://schemas.microsoft.com/office/drawing/2014/main" id="{86FA33B5-159E-4B42-BB26-BE5B4EB9B454}"/>
+                  </a:ext>
+                </a:extLst>
+              </p:cNvPr>
+              <p:cNvSpPr txBox="1">
+                <a:spLocks noRot="1" noChangeAspect="1" noMove="1" noResize="1" noEditPoints="1" noAdjustHandles="1" noChangeArrowheads="1" noChangeShapeType="1" noTextEdit="1"/>
+              </p:cNvSpPr>
+              <p:nvPr/>
+            </p:nvSpPr>
+            <p:spPr>
+              <a:xfrm>
+                <a:off x="7798953" y="3366182"/>
+                <a:ext cx="827150" cy="200055"/>
+              </a:xfrm>
+              <a:prstGeom prst="rect">
+                <a:avLst/>
+              </a:prstGeom>
+              <a:blipFill>
+                <a:blip r:embed="rId12"/>
+                <a:stretch>
+                  <a:fillRect l="-8955" t="-23529" r="-10448" b="-47059"/>
+                </a:stretch>
+              </a:blipFill>
+            </p:spPr>
+            <p:txBody>
+              <a:bodyPr/>
+              <a:lstStyle/>
+              <a:p>
+                <a:r>
+                  <a:rPr lang="en-US">
+                    <a:noFill/>
+                  </a:rPr>
+                  <a:t> </a:t>
+                </a:r>
+              </a:p>
+            </p:txBody>
+          </p:sp>
+        </mc:Fallback>
+      </mc:AlternateContent>
+      <mc:AlternateContent xmlns:mc="http://schemas.openxmlformats.org/markup-compatibility/2006">
+        <mc:Choice xmlns:a14="http://schemas.microsoft.com/office/drawing/2010/main" Requires="a14">
+          <p:sp>
+            <p:nvSpPr>
+              <p:cNvPr id="209" name="TextBox 208">
+                <a:extLst>
+                  <a:ext uri="{FF2B5EF4-FFF2-40B4-BE49-F238E27FC236}">
+                    <a16:creationId xmlns:a16="http://schemas.microsoft.com/office/drawing/2014/main" id="{6F3C4C68-932F-1543-8966-B3B0B0503DA6}"/>
+                  </a:ext>
+                </a:extLst>
+              </p:cNvPr>
+              <p:cNvSpPr txBox="1"/>
+              <p:nvPr/>
+            </p:nvSpPr>
+            <p:spPr>
+              <a:xfrm>
+                <a:off x="8679906" y="3236106"/>
+                <a:ext cx="745397" cy="200055"/>
+              </a:xfrm>
+              <a:prstGeom prst="rect">
+                <a:avLst/>
+              </a:prstGeom>
+              <a:noFill/>
+            </p:spPr>
+            <p:txBody>
+              <a:bodyPr wrap="none" lIns="0" tIns="0" rIns="0" bIns="0" rtlCol="0">
+                <a:spAutoFit/>
+              </a:bodyPr>
+              <a:lstStyle/>
+              <a:p>
+                <a14:m>
+                  <m:oMathPara xmlns:m="http://schemas.openxmlformats.org/officeDocument/2006/math">
+                    <m:oMathParaPr>
+                      <m:jc m:val="centerGroup"/>
+                    </m:oMathParaPr>
+                    <m:oMath xmlns:m="http://schemas.openxmlformats.org/officeDocument/2006/math">
+                      <m:r>
+                        <a:rPr lang="en-US" sz="1300" b="0" i="0" smtClean="0">
+                          <a:solidFill>
+                            <a:schemeClr val="tx1">
+                              <a:lumMod val="65000"/>
+                              <a:lumOff val="35000"/>
+                            </a:schemeClr>
+                          </a:solidFill>
+                          <a:latin typeface="Cambria Math" panose="02040503050406030204" pitchFamily="18" charset="0"/>
+                        </a:rPr>
+                        <m:t>[64,1024]</m:t>
+                      </m:r>
+                    </m:oMath>
+                  </m:oMathPara>
+                </a14:m>
+                <a:endParaRPr lang="en-US" sz="1300" dirty="0">
+                  <a:solidFill>
+                    <a:schemeClr val="tx1">
+                      <a:lumMod val="65000"/>
+                      <a:lumOff val="35000"/>
+                    </a:schemeClr>
+                  </a:solidFill>
+                </a:endParaRPr>
+              </a:p>
+            </p:txBody>
+          </p:sp>
+        </mc:Choice>
+        <mc:Fallback>
+          <p:sp>
+            <p:nvSpPr>
+              <p:cNvPr id="209" name="TextBox 208">
+                <a:extLst>
+                  <a:ext uri="{FF2B5EF4-FFF2-40B4-BE49-F238E27FC236}">
+                    <a16:creationId xmlns:a16="http://schemas.microsoft.com/office/drawing/2014/main" id="{6F3C4C68-932F-1543-8966-B3B0B0503DA6}"/>
+                  </a:ext>
+                </a:extLst>
+              </p:cNvPr>
+              <p:cNvSpPr txBox="1">
+                <a:spLocks noRot="1" noChangeAspect="1" noMove="1" noResize="1" noEditPoints="1" noAdjustHandles="1" noChangeArrowheads="1" noChangeShapeType="1" noTextEdit="1"/>
+              </p:cNvSpPr>
+              <p:nvPr/>
+            </p:nvSpPr>
+            <p:spPr>
+              <a:xfrm>
+                <a:off x="8679906" y="3236106"/>
+                <a:ext cx="745397" cy="200055"/>
+              </a:xfrm>
+              <a:prstGeom prst="rect">
+                <a:avLst/>
+              </a:prstGeom>
+              <a:blipFill>
+                <a:blip r:embed="rId13"/>
+                <a:stretch>
+                  <a:fillRect l="-6667" r="-6667" b="-29412"/>
+                </a:stretch>
+              </a:blipFill>
+            </p:spPr>
+            <p:txBody>
+              <a:bodyPr/>
+              <a:lstStyle/>
+              <a:p>
+                <a:r>
+                  <a:rPr lang="en-US">
+                    <a:noFill/>
+                  </a:rPr>
+                  <a:t> </a:t>
+                </a:r>
+              </a:p>
+            </p:txBody>
+          </p:sp>
+        </mc:Fallback>
+      </mc:AlternateContent>
+      <p:sp>
+        <p:nvSpPr>
+          <p:cNvPr id="210" name="Rounded Rectangle 209">
+            <a:extLst>
+              <a:ext uri="{FF2B5EF4-FFF2-40B4-BE49-F238E27FC236}">
+                <a16:creationId xmlns:a16="http://schemas.microsoft.com/office/drawing/2014/main" id="{237E8E34-98C9-B843-838F-B5A753D61568}"/>
+              </a:ext>
+            </a:extLst>
+          </p:cNvPr>
+          <p:cNvSpPr/>
+          <p:nvPr/>
+        </p:nvSpPr>
+        <p:spPr>
+          <a:xfrm rot="16200000">
+            <a:off x="9226999" y="2773976"/>
+            <a:ext cx="1688011" cy="217795"/>
+          </a:xfrm>
+          <a:prstGeom prst="roundRect">
+            <a:avLst/>
+          </a:prstGeom>
+        </p:spPr>
+        <p:style>
+          <a:lnRef idx="2">
+            <a:schemeClr val="accent1"/>
+          </a:lnRef>
+          <a:fillRef idx="1">
+            <a:schemeClr val="lt1"/>
+          </a:fillRef>
+          <a:effectRef idx="0">
+            <a:schemeClr val="accent1"/>
+          </a:effectRef>
+          <a:fontRef idx="minor">
+            <a:schemeClr val="dk1"/>
+          </a:fontRef>
+        </p:style>
+        <p:txBody>
+          <a:bodyPr rtlCol="0" anchor="ctr"/>
+          <a:lstStyle/>
+          <a:p>
+            <a:pPr algn="ctr"/>
+            <a:r>
+              <a:rPr lang="en-US" sz="1400" dirty="0">
+                <a:solidFill>
+                  <a:schemeClr val="tx1"/>
+                </a:solidFill>
+                <a:latin typeface="Times New Roman" panose="02020603050405020304" pitchFamily="18" charset="0"/>
+                <a:cs typeface="Times New Roman" panose="02020603050405020304" pitchFamily="18" charset="0"/>
+              </a:rPr>
+              <a:t>FC BN </a:t>
+            </a:r>
+            <a:r>
+              <a:rPr lang="en-US" sz="1400" dirty="0" err="1">
+                <a:solidFill>
+                  <a:schemeClr val="tx1"/>
+                </a:solidFill>
+                <a:latin typeface="Times New Roman" panose="02020603050405020304" pitchFamily="18" charset="0"/>
+                <a:cs typeface="Times New Roman" panose="02020603050405020304" pitchFamily="18" charset="0"/>
+              </a:rPr>
+              <a:t>ReLU</a:t>
+            </a:r>
+            <a:r>
+              <a:rPr lang="en-US" sz="1400" dirty="0">
+                <a:solidFill>
+                  <a:schemeClr val="tx1"/>
+                </a:solidFill>
+                <a:latin typeface="Times New Roman" panose="02020603050405020304" pitchFamily="18" charset="0"/>
+                <a:cs typeface="Times New Roman" panose="02020603050405020304" pitchFamily="18" charset="0"/>
+              </a:rPr>
+              <a:t> (512)</a:t>
+            </a:r>
+          </a:p>
+        </p:txBody>
+      </p:sp>
+      <p:sp>
+        <p:nvSpPr>
+          <p:cNvPr id="212" name="Rounded Rectangle 211">
+            <a:extLst>
+              <a:ext uri="{FF2B5EF4-FFF2-40B4-BE49-F238E27FC236}">
+                <a16:creationId xmlns:a16="http://schemas.microsoft.com/office/drawing/2014/main" id="{FE46645E-721A-3A42-B38E-D5807C004CB4}"/>
+              </a:ext>
+            </a:extLst>
+          </p:cNvPr>
+          <p:cNvSpPr/>
+          <p:nvPr/>
+        </p:nvSpPr>
+        <p:spPr>
+          <a:xfrm rot="16200000">
+            <a:off x="9466649" y="2780875"/>
+            <a:ext cx="1688011" cy="217795"/>
+          </a:xfrm>
+          <a:prstGeom prst="roundRect">
+            <a:avLst/>
+          </a:prstGeom>
+        </p:spPr>
+        <p:style>
+          <a:lnRef idx="2">
+            <a:schemeClr val="accent1"/>
+          </a:lnRef>
+          <a:fillRef idx="1">
+            <a:schemeClr val="lt1"/>
+          </a:fillRef>
+          <a:effectRef idx="0">
+            <a:schemeClr val="accent1"/>
+          </a:effectRef>
+          <a:fontRef idx="minor">
+            <a:schemeClr val="dk1"/>
+          </a:fontRef>
+        </p:style>
+        <p:txBody>
+          <a:bodyPr rtlCol="0" anchor="ctr"/>
+          <a:lstStyle/>
+          <a:p>
+            <a:pPr algn="ctr"/>
+            <a:r>
+              <a:rPr lang="en-US" sz="1400" dirty="0">
+                <a:solidFill>
+                  <a:schemeClr val="tx1"/>
+                </a:solidFill>
+                <a:latin typeface="Times New Roman" panose="02020603050405020304" pitchFamily="18" charset="0"/>
+                <a:cs typeface="Times New Roman" panose="02020603050405020304" pitchFamily="18" charset="0"/>
+              </a:rPr>
+              <a:t>Dropout (0.5)</a:t>
+            </a:r>
+          </a:p>
+        </p:txBody>
+      </p:sp>
+      <p:sp>
+        <p:nvSpPr>
+          <p:cNvPr id="213" name="Rounded Rectangle 212">
+            <a:extLst>
+              <a:ext uri="{FF2B5EF4-FFF2-40B4-BE49-F238E27FC236}">
+                <a16:creationId xmlns:a16="http://schemas.microsoft.com/office/drawing/2014/main" id="{FA0CCCF3-328E-284D-A153-6EAD0EE787AB}"/>
+              </a:ext>
+            </a:extLst>
+          </p:cNvPr>
+          <p:cNvSpPr/>
+          <p:nvPr/>
+        </p:nvSpPr>
+        <p:spPr>
+          <a:xfrm rot="16200000">
+            <a:off x="9690197" y="2773975"/>
+            <a:ext cx="1688011" cy="217795"/>
+          </a:xfrm>
+          <a:prstGeom prst="roundRect">
+            <a:avLst/>
+          </a:prstGeom>
+        </p:spPr>
+        <p:style>
+          <a:lnRef idx="2">
+            <a:schemeClr val="accent1"/>
+          </a:lnRef>
+          <a:fillRef idx="1">
+            <a:schemeClr val="lt1"/>
+          </a:fillRef>
+          <a:effectRef idx="0">
+            <a:schemeClr val="accent1"/>
+          </a:effectRef>
+          <a:fontRef idx="minor">
+            <a:schemeClr val="dk1"/>
+          </a:fontRef>
+        </p:style>
+        <p:txBody>
+          <a:bodyPr rtlCol="0" anchor="ctr"/>
+          <a:lstStyle/>
+          <a:p>
+            <a:pPr algn="ctr"/>
+            <a:r>
+              <a:rPr lang="en-US" sz="1400" dirty="0">
+                <a:solidFill>
+                  <a:schemeClr val="tx1"/>
+                </a:solidFill>
+                <a:latin typeface="Times New Roman" panose="02020603050405020304" pitchFamily="18" charset="0"/>
+                <a:cs typeface="Times New Roman" panose="02020603050405020304" pitchFamily="18" charset="0"/>
+              </a:rPr>
+              <a:t>FC BN </a:t>
+            </a:r>
+            <a:r>
+              <a:rPr lang="en-US" sz="1400" dirty="0" err="1">
+                <a:solidFill>
+                  <a:schemeClr val="tx1"/>
+                </a:solidFill>
+                <a:latin typeface="Times New Roman" panose="02020603050405020304" pitchFamily="18" charset="0"/>
+                <a:cs typeface="Times New Roman" panose="02020603050405020304" pitchFamily="18" charset="0"/>
+              </a:rPr>
+              <a:t>ReLU</a:t>
+            </a:r>
+            <a:r>
+              <a:rPr lang="en-US" sz="1400" dirty="0">
+                <a:solidFill>
+                  <a:schemeClr val="tx1"/>
+                </a:solidFill>
+                <a:latin typeface="Times New Roman" panose="02020603050405020304" pitchFamily="18" charset="0"/>
+                <a:cs typeface="Times New Roman" panose="02020603050405020304" pitchFamily="18" charset="0"/>
+              </a:rPr>
+              <a:t> (256)</a:t>
+            </a:r>
+          </a:p>
+        </p:txBody>
+      </p:sp>
+      <p:sp>
+        <p:nvSpPr>
+          <p:cNvPr id="214" name="Rounded Rectangle 213">
+            <a:extLst>
+              <a:ext uri="{FF2B5EF4-FFF2-40B4-BE49-F238E27FC236}">
+                <a16:creationId xmlns:a16="http://schemas.microsoft.com/office/drawing/2014/main" id="{354EC426-C717-4B44-A2CC-E1BBB92E1280}"/>
+              </a:ext>
+            </a:extLst>
+          </p:cNvPr>
+          <p:cNvSpPr/>
+          <p:nvPr/>
+        </p:nvSpPr>
+        <p:spPr>
+          <a:xfrm rot="16200000">
+            <a:off x="9915300" y="2773974"/>
+            <a:ext cx="1688011" cy="217795"/>
+          </a:xfrm>
+          <a:prstGeom prst="roundRect">
+            <a:avLst/>
+          </a:prstGeom>
+        </p:spPr>
+        <p:style>
+          <a:lnRef idx="2">
+            <a:schemeClr val="accent1"/>
+          </a:lnRef>
+          <a:fillRef idx="1">
+            <a:schemeClr val="lt1"/>
+          </a:fillRef>
+          <a:effectRef idx="0">
+            <a:schemeClr val="accent1"/>
+          </a:effectRef>
+          <a:fontRef idx="minor">
+            <a:schemeClr val="dk1"/>
+          </a:fontRef>
+        </p:style>
+        <p:txBody>
+          <a:bodyPr rtlCol="0" anchor="ctr"/>
+          <a:lstStyle/>
+          <a:p>
+            <a:pPr algn="ctr"/>
+            <a:r>
+              <a:rPr lang="en-US" sz="1400" dirty="0">
+                <a:solidFill>
+                  <a:schemeClr val="tx1"/>
+                </a:solidFill>
+                <a:latin typeface="Times New Roman" panose="02020603050405020304" pitchFamily="18" charset="0"/>
+                <a:cs typeface="Times New Roman" panose="02020603050405020304" pitchFamily="18" charset="0"/>
+              </a:rPr>
+              <a:t>Dropout (0.5)</a:t>
+            </a:r>
+          </a:p>
+        </p:txBody>
+      </p:sp>
+      <p:sp>
+        <p:nvSpPr>
+          <p:cNvPr id="215" name="Rounded Rectangle 214">
+            <a:extLst>
+              <a:ext uri="{FF2B5EF4-FFF2-40B4-BE49-F238E27FC236}">
+                <a16:creationId xmlns:a16="http://schemas.microsoft.com/office/drawing/2014/main" id="{22C1263F-DBA8-0F43-87D5-CA12B4821C47}"/>
+              </a:ext>
+            </a:extLst>
+          </p:cNvPr>
+          <p:cNvSpPr/>
+          <p:nvPr/>
+        </p:nvSpPr>
+        <p:spPr>
+          <a:xfrm rot="16200000">
+            <a:off x="10153673" y="2764851"/>
+            <a:ext cx="1688011" cy="217795"/>
+          </a:xfrm>
+          <a:prstGeom prst="roundRect">
+            <a:avLst/>
+          </a:prstGeom>
+        </p:spPr>
+        <p:style>
+          <a:lnRef idx="2">
+            <a:schemeClr val="accent1"/>
+          </a:lnRef>
+          <a:fillRef idx="1">
+            <a:schemeClr val="lt1"/>
+          </a:fillRef>
+          <a:effectRef idx="0">
+            <a:schemeClr val="accent1"/>
+          </a:effectRef>
+          <a:fontRef idx="minor">
+            <a:schemeClr val="dk1"/>
+          </a:fontRef>
+        </p:style>
+        <p:txBody>
+          <a:bodyPr rtlCol="0" anchor="ctr"/>
+          <a:lstStyle/>
+          <a:p>
+            <a:pPr algn="ctr"/>
+            <a:r>
+              <a:rPr lang="en-US" sz="1400" dirty="0">
+                <a:solidFill>
+                  <a:schemeClr val="tx1"/>
+                </a:solidFill>
+                <a:latin typeface="Times New Roman" panose="02020603050405020304" pitchFamily="18" charset="0"/>
+                <a:cs typeface="Times New Roman" panose="02020603050405020304" pitchFamily="18" charset="0"/>
+              </a:rPr>
+              <a:t>FC( </a:t>
+            </a:r>
+            <a:r>
+              <a:rPr lang="en-US" sz="1400" dirty="0" err="1">
+                <a:solidFill>
+                  <a:schemeClr val="tx1"/>
+                </a:solidFill>
+                <a:latin typeface="Times New Roman" panose="02020603050405020304" pitchFamily="18" charset="0"/>
+                <a:cs typeface="Times New Roman" panose="02020603050405020304" pitchFamily="18" charset="0"/>
+              </a:rPr>
+              <a:t>class_num</a:t>
+            </a:r>
+            <a:r>
+              <a:rPr lang="en-US" sz="1400" dirty="0">
+                <a:solidFill>
+                  <a:schemeClr val="tx1"/>
+                </a:solidFill>
+                <a:latin typeface="Times New Roman" panose="02020603050405020304" pitchFamily="18" charset="0"/>
+                <a:cs typeface="Times New Roman" panose="02020603050405020304" pitchFamily="18" charset="0"/>
+              </a:rPr>
+              <a:t>)</a:t>
+            </a:r>
+          </a:p>
+        </p:txBody>
+      </p:sp>
+      <p:sp>
+        <p:nvSpPr>
+          <p:cNvPr id="216" name="Rectangle 215">
+            <a:extLst>
+              <a:ext uri="{FF2B5EF4-FFF2-40B4-BE49-F238E27FC236}">
+                <a16:creationId xmlns:a16="http://schemas.microsoft.com/office/drawing/2014/main" id="{43C8E09E-3FE0-6E46-8818-0AC265C31B3A}"/>
+              </a:ext>
+            </a:extLst>
+          </p:cNvPr>
+          <p:cNvSpPr/>
+          <p:nvPr/>
+        </p:nvSpPr>
+        <p:spPr>
+          <a:xfrm rot="16200000">
+            <a:off x="11065881" y="2679501"/>
+            <a:ext cx="838200" cy="388620"/>
+          </a:xfrm>
+          <a:prstGeom prst="rect">
+            <a:avLst/>
+          </a:prstGeom>
+        </p:spPr>
+        <p:style>
+          <a:lnRef idx="2">
+            <a:schemeClr val="accent1">
+              <a:shade val="50000"/>
+            </a:schemeClr>
+          </a:lnRef>
+          <a:fillRef idx="1">
+            <a:schemeClr val="accent1"/>
+          </a:fillRef>
+          <a:effectRef idx="0">
+            <a:schemeClr val="accent1"/>
+          </a:effectRef>
+          <a:fontRef idx="minor">
+            <a:schemeClr val="lt1"/>
+          </a:fontRef>
+        </p:style>
+        <p:txBody>
+          <a:bodyPr rtlCol="0" anchor="ctr"/>
+          <a:lstStyle/>
+          <a:p>
+            <a:pPr algn="ctr"/>
+            <a:r>
+              <a:rPr lang="en-US" dirty="0">
+                <a:solidFill>
+                  <a:schemeClr val="tx1"/>
+                </a:solidFill>
+                <a:latin typeface="Times New Roman" panose="02020603050405020304" pitchFamily="18" charset="0"/>
+                <a:cs typeface="Times New Roman" panose="02020603050405020304" pitchFamily="18" charset="0"/>
+              </a:rPr>
+              <a:t>Output</a:t>
+            </a:r>
+          </a:p>
+        </p:txBody>
+      </p:sp>
+      <p:cxnSp>
+        <p:nvCxnSpPr>
+          <p:cNvPr id="10" name="Straight Arrow Connector 9">
+            <a:extLst>
+              <a:ext uri="{FF2B5EF4-FFF2-40B4-BE49-F238E27FC236}">
+                <a16:creationId xmlns:a16="http://schemas.microsoft.com/office/drawing/2014/main" id="{4683D876-05EA-D046-BCD1-B8CD0DA5E6ED}"/>
+              </a:ext>
+            </a:extLst>
+          </p:cNvPr>
+          <p:cNvCxnSpPr>
+            <a:stCxn id="2" idx="2"/>
+            <a:endCxn id="5" idx="0"/>
+          </p:cNvCxnSpPr>
+          <p:nvPr/>
+        </p:nvCxnSpPr>
+        <p:spPr>
+          <a:xfrm>
+            <a:off x="653607" y="2947083"/>
+            <a:ext cx="194311" cy="3"/>
+          </a:xfrm>
+          <a:prstGeom prst="straightConnector1">
+            <a:avLst/>
+          </a:prstGeom>
+          <a:ln w="28575">
+            <a:tailEnd type="triangle"/>
+          </a:ln>
+        </p:spPr>
+        <p:style>
+          <a:lnRef idx="1">
+            <a:schemeClr val="dk1"/>
+          </a:lnRef>
+          <a:fillRef idx="0">
+            <a:schemeClr val="dk1"/>
+          </a:fillRef>
+          <a:effectRef idx="0">
+            <a:schemeClr val="dk1"/>
+          </a:effectRef>
+          <a:fontRef idx="minor">
+            <a:schemeClr val="tx1"/>
+          </a:fontRef>
+        </p:style>
+      </p:cxnSp>
+      <p:cxnSp>
+        <p:nvCxnSpPr>
+          <p:cNvPr id="217" name="Straight Arrow Connector 216">
+            <a:extLst>
+              <a:ext uri="{FF2B5EF4-FFF2-40B4-BE49-F238E27FC236}">
+                <a16:creationId xmlns:a16="http://schemas.microsoft.com/office/drawing/2014/main" id="{FF1B79D6-3F17-4047-A2C7-7D43B9485ADE}"/>
+              </a:ext>
+            </a:extLst>
+          </p:cNvPr>
+          <p:cNvCxnSpPr>
+            <a:cxnSpLocks/>
+            <a:stCxn id="5" idx="2"/>
+            <a:endCxn id="6" idx="0"/>
+          </p:cNvCxnSpPr>
+          <p:nvPr/>
+        </p:nvCxnSpPr>
+        <p:spPr>
+          <a:xfrm flipV="1">
+            <a:off x="1132431" y="2947079"/>
+            <a:ext cx="301018" cy="7"/>
+          </a:xfrm>
+          <a:prstGeom prst="straightConnector1">
+            <a:avLst/>
+          </a:prstGeom>
+          <a:ln w="28575">
+            <a:tailEnd type="triangle"/>
+          </a:ln>
+        </p:spPr>
+        <p:style>
+          <a:lnRef idx="1">
+            <a:schemeClr val="dk1"/>
+          </a:lnRef>
+          <a:fillRef idx="0">
+            <a:schemeClr val="dk1"/>
+          </a:fillRef>
+          <a:effectRef idx="0">
+            <a:schemeClr val="dk1"/>
+          </a:effectRef>
+          <a:fontRef idx="minor">
+            <a:schemeClr val="tx1"/>
+          </a:fontRef>
+        </p:style>
+      </p:cxnSp>
+      <p:cxnSp>
+        <p:nvCxnSpPr>
+          <p:cNvPr id="218" name="Straight Arrow Connector 217">
+            <a:extLst>
+              <a:ext uri="{FF2B5EF4-FFF2-40B4-BE49-F238E27FC236}">
+                <a16:creationId xmlns:a16="http://schemas.microsoft.com/office/drawing/2014/main" id="{7D37AC6B-185D-CB4A-81F4-84CB159915D9}"/>
+              </a:ext>
+            </a:extLst>
+          </p:cNvPr>
+          <p:cNvCxnSpPr>
+            <a:cxnSpLocks/>
+            <a:stCxn id="128" idx="2"/>
+            <a:endCxn id="180" idx="0"/>
+          </p:cNvCxnSpPr>
+          <p:nvPr/>
+        </p:nvCxnSpPr>
+        <p:spPr>
+          <a:xfrm flipV="1">
+            <a:off x="3321736" y="2947083"/>
+            <a:ext cx="294735" cy="1"/>
+          </a:xfrm>
+          <a:prstGeom prst="straightConnector1">
+            <a:avLst/>
+          </a:prstGeom>
+          <a:ln w="28575">
+            <a:tailEnd type="triangle"/>
+          </a:ln>
+        </p:spPr>
+        <p:style>
+          <a:lnRef idx="1">
+            <a:schemeClr val="dk1"/>
+          </a:lnRef>
+          <a:fillRef idx="0">
+            <a:schemeClr val="dk1"/>
+          </a:fillRef>
+          <a:effectRef idx="0">
+            <a:schemeClr val="dk1"/>
+          </a:effectRef>
+          <a:fontRef idx="minor">
+            <a:schemeClr val="tx1"/>
+          </a:fontRef>
+        </p:style>
+      </p:cxnSp>
+      <p:cxnSp>
+        <p:nvCxnSpPr>
+          <p:cNvPr id="219" name="Straight Arrow Connector 218">
+            <a:extLst>
+              <a:ext uri="{FF2B5EF4-FFF2-40B4-BE49-F238E27FC236}">
+                <a16:creationId xmlns:a16="http://schemas.microsoft.com/office/drawing/2014/main" id="{CE2DC9DF-5B86-3B46-A225-0DC7AEEA89F0}"/>
+              </a:ext>
+            </a:extLst>
+          </p:cNvPr>
+          <p:cNvCxnSpPr>
+            <a:cxnSpLocks/>
+            <a:stCxn id="184" idx="2"/>
+            <a:endCxn id="185" idx="0"/>
+          </p:cNvCxnSpPr>
+          <p:nvPr/>
+        </p:nvCxnSpPr>
+        <p:spPr>
+          <a:xfrm flipV="1">
+            <a:off x="5494295" y="2947080"/>
+            <a:ext cx="275626" cy="2"/>
+          </a:xfrm>
+          <a:prstGeom prst="straightConnector1">
+            <a:avLst/>
+          </a:prstGeom>
+          <a:ln w="28575">
+            <a:tailEnd type="triangle"/>
+          </a:ln>
+        </p:spPr>
+        <p:style>
+          <a:lnRef idx="1">
+            <a:schemeClr val="dk1"/>
+          </a:lnRef>
+          <a:fillRef idx="0">
+            <a:schemeClr val="dk1"/>
+          </a:fillRef>
+          <a:effectRef idx="0">
+            <a:schemeClr val="dk1"/>
+          </a:effectRef>
+          <a:fontRef idx="minor">
+            <a:schemeClr val="tx1"/>
+          </a:fontRef>
+        </p:style>
+      </p:cxnSp>
+      <p:cxnSp>
+        <p:nvCxnSpPr>
+          <p:cNvPr id="220" name="Straight Arrow Connector 219">
+            <a:extLst>
+              <a:ext uri="{FF2B5EF4-FFF2-40B4-BE49-F238E27FC236}">
+                <a16:creationId xmlns:a16="http://schemas.microsoft.com/office/drawing/2014/main" id="{93C5D024-FCE9-5945-960A-D009F8646063}"/>
+              </a:ext>
+            </a:extLst>
+          </p:cNvPr>
+          <p:cNvCxnSpPr>
+            <a:cxnSpLocks/>
+            <a:stCxn id="189" idx="2"/>
+            <a:endCxn id="190" idx="0"/>
+          </p:cNvCxnSpPr>
+          <p:nvPr/>
+        </p:nvCxnSpPr>
+        <p:spPr>
+          <a:xfrm>
+            <a:off x="7647745" y="2910446"/>
+            <a:ext cx="245004" cy="5389"/>
+          </a:xfrm>
+          <a:prstGeom prst="straightConnector1">
+            <a:avLst/>
+          </a:prstGeom>
+          <a:ln w="28575">
+            <a:tailEnd type="triangle"/>
+          </a:ln>
+        </p:spPr>
+        <p:style>
+          <a:lnRef idx="1">
+            <a:schemeClr val="dk1"/>
+          </a:lnRef>
+          <a:fillRef idx="0">
+            <a:schemeClr val="dk1"/>
+          </a:fillRef>
+          <a:effectRef idx="0">
+            <a:schemeClr val="dk1"/>
+          </a:effectRef>
+          <a:fontRef idx="minor">
+            <a:schemeClr val="tx1"/>
+          </a:fontRef>
+        </p:style>
+      </p:cxnSp>
+      <p:cxnSp>
+        <p:nvCxnSpPr>
+          <p:cNvPr id="222" name="Straight Arrow Connector 221">
+            <a:extLst>
+              <a:ext uri="{FF2B5EF4-FFF2-40B4-BE49-F238E27FC236}">
+                <a16:creationId xmlns:a16="http://schemas.microsoft.com/office/drawing/2014/main" id="{FF50D651-6E04-9048-A33C-483AD70D22FF}"/>
+              </a:ext>
+            </a:extLst>
+          </p:cNvPr>
+          <p:cNvCxnSpPr>
+            <a:cxnSpLocks/>
+            <a:stCxn id="194" idx="2"/>
+            <a:endCxn id="210" idx="0"/>
+          </p:cNvCxnSpPr>
+          <p:nvPr/>
+        </p:nvCxnSpPr>
+        <p:spPr>
+          <a:xfrm flipV="1">
+            <a:off x="9770572" y="2882873"/>
+            <a:ext cx="191535" cy="3295"/>
+          </a:xfrm>
+          <a:prstGeom prst="straightConnector1">
+            <a:avLst/>
+          </a:prstGeom>
+          <a:ln w="28575">
+            <a:tailEnd type="triangle"/>
+          </a:ln>
+        </p:spPr>
+        <p:style>
+          <a:lnRef idx="1">
+            <a:schemeClr val="dk1"/>
+          </a:lnRef>
+          <a:fillRef idx="0">
+            <a:schemeClr val="dk1"/>
+          </a:fillRef>
+          <a:effectRef idx="0">
+            <a:schemeClr val="dk1"/>
+          </a:effectRef>
+          <a:fontRef idx="minor">
+            <a:schemeClr val="tx1"/>
+          </a:fontRef>
+        </p:style>
+      </p:cxnSp>
+      <p:cxnSp>
+        <p:nvCxnSpPr>
+          <p:cNvPr id="223" name="Straight Arrow Connector 222">
+            <a:extLst>
+              <a:ext uri="{FF2B5EF4-FFF2-40B4-BE49-F238E27FC236}">
+                <a16:creationId xmlns:a16="http://schemas.microsoft.com/office/drawing/2014/main" id="{E46D07C2-E766-AE41-B841-675D88666DEA}"/>
+              </a:ext>
+            </a:extLst>
+          </p:cNvPr>
+          <p:cNvCxnSpPr>
+            <a:cxnSpLocks/>
+            <a:stCxn id="215" idx="2"/>
+            <a:endCxn id="216" idx="0"/>
+          </p:cNvCxnSpPr>
+          <p:nvPr/>
+        </p:nvCxnSpPr>
+        <p:spPr>
+          <a:xfrm>
+            <a:off x="11106576" y="2873748"/>
+            <a:ext cx="184095" cy="63"/>
+          </a:xfrm>
+          <a:prstGeom prst="straightConnector1">
+            <a:avLst/>
+          </a:prstGeom>
+          <a:ln w="28575">
+            <a:tailEnd type="triangle"/>
+          </a:ln>
+        </p:spPr>
+        <p:style>
+          <a:lnRef idx="1">
+            <a:schemeClr val="dk1"/>
+          </a:lnRef>
+          <a:fillRef idx="0">
+            <a:schemeClr val="dk1"/>
+          </a:fillRef>
+          <a:effectRef idx="0">
+            <a:schemeClr val="dk1"/>
+          </a:effectRef>
+          <a:fontRef idx="minor">
+            <a:schemeClr val="tx1"/>
+          </a:fontRef>
+        </p:style>
+      </p:cxnSp>
+      <p:sp>
+        <p:nvSpPr>
+          <p:cNvPr id="224" name="Rounded Rectangle 223">
+            <a:extLst>
+              <a:ext uri="{FF2B5EF4-FFF2-40B4-BE49-F238E27FC236}">
+                <a16:creationId xmlns:a16="http://schemas.microsoft.com/office/drawing/2014/main" id="{39CF8C5A-516B-8E46-AC6F-6C6A49484F04}"/>
+              </a:ext>
+            </a:extLst>
+          </p:cNvPr>
+          <p:cNvSpPr/>
+          <p:nvPr/>
+        </p:nvSpPr>
+        <p:spPr>
+          <a:xfrm>
+            <a:off x="3425225" y="1865870"/>
+            <a:ext cx="2135540" cy="2347784"/>
+          </a:xfrm>
+          <a:prstGeom prst="roundRect">
+            <a:avLst>
+              <a:gd name="adj" fmla="val 5094"/>
+            </a:avLst>
+          </a:prstGeom>
+          <a:noFill/>
+          <a:ln>
+            <a:solidFill>
+              <a:schemeClr val="tx1">
+                <a:lumMod val="75000"/>
+                <a:lumOff val="25000"/>
+              </a:schemeClr>
+            </a:solidFill>
+            <a:prstDash val="lgDash"/>
+          </a:ln>
+        </p:spPr>
+        <p:style>
+          <a:lnRef idx="2">
+            <a:schemeClr val="accent1">
+              <a:shade val="50000"/>
+            </a:schemeClr>
+          </a:lnRef>
+          <a:fillRef idx="1">
+            <a:schemeClr val="accent1"/>
+          </a:fillRef>
+          <a:effectRef idx="0">
+            <a:schemeClr val="accent1"/>
+          </a:effectRef>
+          <a:fontRef idx="minor">
+            <a:schemeClr val="lt1"/>
+          </a:fontRef>
+        </p:style>
+        <p:txBody>
+          <a:bodyPr rtlCol="0" anchor="ctr"/>
+          <a:lstStyle/>
+          <a:p>
+            <a:pPr algn="ctr"/>
+            <a:endParaRPr lang="en-US"/>
+          </a:p>
+        </p:txBody>
+      </p:sp>
+      <p:sp>
+        <p:nvSpPr>
+          <p:cNvPr id="225" name="Rounded Rectangle 224">
+            <a:extLst>
+              <a:ext uri="{FF2B5EF4-FFF2-40B4-BE49-F238E27FC236}">
+                <a16:creationId xmlns:a16="http://schemas.microsoft.com/office/drawing/2014/main" id="{E91E9D1C-4B62-D449-BED0-C84D7EFC5A67}"/>
+              </a:ext>
+            </a:extLst>
+          </p:cNvPr>
+          <p:cNvSpPr/>
+          <p:nvPr/>
+        </p:nvSpPr>
+        <p:spPr>
+          <a:xfrm>
+            <a:off x="5567355" y="1865870"/>
+            <a:ext cx="2135540" cy="2347784"/>
+          </a:xfrm>
+          <a:prstGeom prst="roundRect">
+            <a:avLst>
+              <a:gd name="adj" fmla="val 5094"/>
+            </a:avLst>
+          </a:prstGeom>
+          <a:noFill/>
+          <a:ln>
+            <a:solidFill>
+              <a:schemeClr val="tx1">
+                <a:lumMod val="75000"/>
+                <a:lumOff val="25000"/>
+              </a:schemeClr>
+            </a:solidFill>
+            <a:prstDash val="lgDash"/>
+          </a:ln>
+        </p:spPr>
+        <p:style>
+          <a:lnRef idx="2">
+            <a:schemeClr val="accent1">
+              <a:shade val="50000"/>
+            </a:schemeClr>
+          </a:lnRef>
+          <a:fillRef idx="1">
+            <a:schemeClr val="accent1"/>
+          </a:fillRef>
+          <a:effectRef idx="0">
+            <a:schemeClr val="accent1"/>
+          </a:effectRef>
+          <a:fontRef idx="minor">
+            <a:schemeClr val="lt1"/>
+          </a:fontRef>
+        </p:style>
+        <p:txBody>
+          <a:bodyPr rtlCol="0" anchor="ctr"/>
+          <a:lstStyle/>
+          <a:p>
+            <a:pPr algn="ctr"/>
+            <a:endParaRPr lang="en-US"/>
+          </a:p>
+        </p:txBody>
+      </p:sp>
+      <p:sp>
+        <p:nvSpPr>
+          <p:cNvPr id="226" name="Rounded Rectangle 225">
+            <a:extLst>
+              <a:ext uri="{FF2B5EF4-FFF2-40B4-BE49-F238E27FC236}">
+                <a16:creationId xmlns:a16="http://schemas.microsoft.com/office/drawing/2014/main" id="{7D043EAA-5B01-1742-80C1-AD623A33ADD4}"/>
+              </a:ext>
+            </a:extLst>
+          </p:cNvPr>
+          <p:cNvSpPr/>
+          <p:nvPr/>
+        </p:nvSpPr>
+        <p:spPr>
+          <a:xfrm>
+            <a:off x="7709485" y="1862767"/>
+            <a:ext cx="2135540" cy="2347784"/>
+          </a:xfrm>
+          <a:prstGeom prst="roundRect">
+            <a:avLst>
+              <a:gd name="adj" fmla="val 5094"/>
+            </a:avLst>
+          </a:prstGeom>
+          <a:noFill/>
+          <a:ln>
+            <a:solidFill>
+              <a:schemeClr val="tx1">
+                <a:lumMod val="75000"/>
+                <a:lumOff val="25000"/>
+              </a:schemeClr>
+            </a:solidFill>
+            <a:prstDash val="lgDash"/>
+          </a:ln>
+        </p:spPr>
+        <p:style>
+          <a:lnRef idx="2">
+            <a:schemeClr val="accent1">
+              <a:shade val="50000"/>
+            </a:schemeClr>
+          </a:lnRef>
+          <a:fillRef idx="1">
+            <a:schemeClr val="accent1"/>
+          </a:fillRef>
+          <a:effectRef idx="0">
+            <a:schemeClr val="accent1"/>
+          </a:effectRef>
+          <a:fontRef idx="minor">
+            <a:schemeClr val="lt1"/>
+          </a:fontRef>
+        </p:style>
+        <p:txBody>
+          <a:bodyPr rtlCol="0" anchor="ctr"/>
+          <a:lstStyle/>
+          <a:p>
+            <a:pPr algn="ctr"/>
+            <a:endParaRPr lang="en-US"/>
+          </a:p>
+        </p:txBody>
+      </p:sp>
+      <p:sp>
+        <p:nvSpPr>
+          <p:cNvPr id="28" name="TextBox 27">
+            <a:extLst>
+              <a:ext uri="{FF2B5EF4-FFF2-40B4-BE49-F238E27FC236}">
+                <a16:creationId xmlns:a16="http://schemas.microsoft.com/office/drawing/2014/main" id="{B2C85984-FBE3-6842-B902-D4A0F273DBE1}"/>
+              </a:ext>
+            </a:extLst>
+          </p:cNvPr>
+          <p:cNvSpPr txBox="1"/>
+          <p:nvPr/>
+        </p:nvSpPr>
+        <p:spPr>
+          <a:xfrm>
+            <a:off x="2695832" y="1779845"/>
+            <a:ext cx="718466" cy="307777"/>
+          </a:xfrm>
+          <a:prstGeom prst="rect">
+            <a:avLst/>
+          </a:prstGeom>
+          <a:noFill/>
+        </p:spPr>
+        <p:txBody>
+          <a:bodyPr wrap="none" rtlCol="0">
+            <a:spAutoFit/>
+          </a:bodyPr>
+          <a:lstStyle/>
+          <a:p>
+            <a:r>
+              <a:rPr lang="en-US" sz="1400" dirty="0">
+                <a:latin typeface="Times New Roman" panose="02020603050405020304" pitchFamily="18" charset="0"/>
+                <a:cs typeface="Times New Roman" panose="02020603050405020304" pitchFamily="18" charset="0"/>
+              </a:rPr>
+              <a:t>Stage 1</a:t>
+            </a:r>
+          </a:p>
+        </p:txBody>
+      </p:sp>
+      <p:sp>
+        <p:nvSpPr>
+          <p:cNvPr id="227" name="TextBox 226">
+            <a:extLst>
+              <a:ext uri="{FF2B5EF4-FFF2-40B4-BE49-F238E27FC236}">
+                <a16:creationId xmlns:a16="http://schemas.microsoft.com/office/drawing/2014/main" id="{8C652835-E0C8-8541-9A97-8A088EF5035B}"/>
+              </a:ext>
+            </a:extLst>
+          </p:cNvPr>
+          <p:cNvSpPr txBox="1"/>
+          <p:nvPr/>
+        </p:nvSpPr>
+        <p:spPr>
+          <a:xfrm>
+            <a:off x="4790348" y="1790849"/>
+            <a:ext cx="718466" cy="307777"/>
+          </a:xfrm>
+          <a:prstGeom prst="rect">
+            <a:avLst/>
+          </a:prstGeom>
+          <a:noFill/>
+        </p:spPr>
+        <p:txBody>
+          <a:bodyPr wrap="none" rtlCol="0">
+            <a:spAutoFit/>
+          </a:bodyPr>
+          <a:lstStyle/>
+          <a:p>
+            <a:r>
+              <a:rPr lang="en-US" sz="1400" dirty="0">
+                <a:latin typeface="Times New Roman" panose="02020603050405020304" pitchFamily="18" charset="0"/>
+                <a:cs typeface="Times New Roman" panose="02020603050405020304" pitchFamily="18" charset="0"/>
+              </a:rPr>
+              <a:t>Stage 2</a:t>
+            </a:r>
+          </a:p>
+        </p:txBody>
+      </p:sp>
+      <p:sp>
+        <p:nvSpPr>
+          <p:cNvPr id="228" name="TextBox 227">
+            <a:extLst>
+              <a:ext uri="{FF2B5EF4-FFF2-40B4-BE49-F238E27FC236}">
+                <a16:creationId xmlns:a16="http://schemas.microsoft.com/office/drawing/2014/main" id="{A3BDC179-2900-8E44-A91A-9E7AF65E79B0}"/>
+              </a:ext>
+            </a:extLst>
+          </p:cNvPr>
+          <p:cNvSpPr txBox="1"/>
+          <p:nvPr/>
+        </p:nvSpPr>
+        <p:spPr>
+          <a:xfrm>
+            <a:off x="6980092" y="1803032"/>
+            <a:ext cx="718466" cy="307777"/>
+          </a:xfrm>
+          <a:prstGeom prst="rect">
+            <a:avLst/>
+          </a:prstGeom>
+          <a:noFill/>
+        </p:spPr>
+        <p:txBody>
+          <a:bodyPr wrap="none" rtlCol="0">
+            <a:spAutoFit/>
+          </a:bodyPr>
+          <a:lstStyle/>
+          <a:p>
+            <a:r>
+              <a:rPr lang="en-US" sz="1400" dirty="0">
+                <a:latin typeface="Times New Roman" panose="02020603050405020304" pitchFamily="18" charset="0"/>
+                <a:cs typeface="Times New Roman" panose="02020603050405020304" pitchFamily="18" charset="0"/>
+              </a:rPr>
+              <a:t>Stage 3</a:t>
+            </a:r>
+          </a:p>
+        </p:txBody>
+      </p:sp>
+      <p:sp>
+        <p:nvSpPr>
+          <p:cNvPr id="229" name="TextBox 228">
+            <a:extLst>
+              <a:ext uri="{FF2B5EF4-FFF2-40B4-BE49-F238E27FC236}">
+                <a16:creationId xmlns:a16="http://schemas.microsoft.com/office/drawing/2014/main" id="{BF38B34F-9991-8D4A-895A-1D456B60891A}"/>
+              </a:ext>
+            </a:extLst>
+          </p:cNvPr>
+          <p:cNvSpPr txBox="1"/>
+          <p:nvPr/>
+        </p:nvSpPr>
+        <p:spPr>
+          <a:xfrm>
+            <a:off x="9147137" y="1766566"/>
+            <a:ext cx="718466" cy="307777"/>
+          </a:xfrm>
+          <a:prstGeom prst="rect">
+            <a:avLst/>
+          </a:prstGeom>
+          <a:noFill/>
+        </p:spPr>
+        <p:txBody>
+          <a:bodyPr wrap="none" rtlCol="0">
+            <a:spAutoFit/>
+          </a:bodyPr>
+          <a:lstStyle/>
+          <a:p>
+            <a:r>
+              <a:rPr lang="en-US" sz="1400" dirty="0">
+                <a:latin typeface="Times New Roman" panose="02020603050405020304" pitchFamily="18" charset="0"/>
+                <a:cs typeface="Times New Roman" panose="02020603050405020304" pitchFamily="18" charset="0"/>
+              </a:rPr>
+              <a:t>Stage 4</a:t>
+            </a:r>
+          </a:p>
+        </p:txBody>
+      </p:sp>
+      <p:sp>
+        <p:nvSpPr>
+          <p:cNvPr id="230" name="TextBox 229">
+            <a:extLst>
+              <a:ext uri="{FF2B5EF4-FFF2-40B4-BE49-F238E27FC236}">
+                <a16:creationId xmlns:a16="http://schemas.microsoft.com/office/drawing/2014/main" id="{B3857C63-6972-824A-998F-BC0C7D236B1E}"/>
+              </a:ext>
+            </a:extLst>
+          </p:cNvPr>
+          <p:cNvSpPr txBox="1"/>
+          <p:nvPr/>
+        </p:nvSpPr>
+        <p:spPr>
+          <a:xfrm>
+            <a:off x="10081571" y="1737990"/>
+            <a:ext cx="833883" cy="307777"/>
+          </a:xfrm>
+          <a:prstGeom prst="rect">
+            <a:avLst/>
+          </a:prstGeom>
+          <a:noFill/>
+        </p:spPr>
+        <p:txBody>
+          <a:bodyPr wrap="none" rtlCol="0">
+            <a:spAutoFit/>
+          </a:bodyPr>
+          <a:lstStyle/>
+          <a:p>
+            <a:r>
+              <a:rPr lang="en-US" sz="1400" dirty="0">
+                <a:latin typeface="Times New Roman" panose="02020603050405020304" pitchFamily="18" charset="0"/>
+                <a:cs typeface="Times New Roman" panose="02020603050405020304" pitchFamily="18" charset="0"/>
+              </a:rPr>
+              <a:t>classifier</a:t>
+            </a:r>
+          </a:p>
+        </p:txBody>
+      </p:sp>
+      <mc:AlternateContent xmlns:mc="http://schemas.openxmlformats.org/markup-compatibility/2006">
+        <mc:Choice xmlns:a14="http://schemas.microsoft.com/office/drawing/2010/main" Requires="a14">
+          <p:sp>
+            <p:nvSpPr>
+              <p:cNvPr id="232" name="TextBox 231">
+                <a:extLst>
+                  <a:ext uri="{FF2B5EF4-FFF2-40B4-BE49-F238E27FC236}">
+                    <a16:creationId xmlns:a16="http://schemas.microsoft.com/office/drawing/2014/main" id="{4621EC99-347E-0F43-973F-BD5FFDB85E16}"/>
+                  </a:ext>
+                </a:extLst>
+              </p:cNvPr>
+              <p:cNvSpPr txBox="1"/>
+              <p:nvPr/>
+            </p:nvSpPr>
+            <p:spPr>
+              <a:xfrm>
+                <a:off x="11068274" y="3327328"/>
+                <a:ext cx="897682" cy="200055"/>
+              </a:xfrm>
+              <a:prstGeom prst="rect">
+                <a:avLst/>
+              </a:prstGeom>
+              <a:noFill/>
+            </p:spPr>
+            <p:txBody>
+              <a:bodyPr wrap="none" lIns="0" tIns="0" rIns="0" bIns="0" rtlCol="0">
+                <a:spAutoFit/>
+              </a:bodyPr>
+              <a:lstStyle/>
+              <a:p>
+                <a14:m>
+                  <m:oMathPara xmlns:m="http://schemas.openxmlformats.org/officeDocument/2006/math">
+                    <m:oMathParaPr>
+                      <m:jc m:val="centerGroup"/>
+                    </m:oMathParaPr>
+                    <m:oMath xmlns:m="http://schemas.openxmlformats.org/officeDocument/2006/math">
+                      <m:r>
+                        <a:rPr lang="en-US" sz="1300" b="0" i="0" smtClean="0">
+                          <a:solidFill>
+                            <a:schemeClr val="tx1">
+                              <a:lumMod val="65000"/>
+                              <a:lumOff val="35000"/>
+                            </a:schemeClr>
+                          </a:solidFill>
+                          <a:latin typeface="Cambria Math" panose="02040503050406030204" pitchFamily="18" charset="0"/>
+                        </a:rPr>
+                        <m:t>[</m:t>
+                      </m:r>
+                      <m:r>
+                        <m:rPr>
+                          <m:sty m:val="p"/>
+                        </m:rPr>
+                        <a:rPr lang="en-US" sz="1300" b="0" i="0" smtClean="0">
+                          <a:solidFill>
+                            <a:schemeClr val="tx1">
+                              <a:lumMod val="65000"/>
+                              <a:lumOff val="35000"/>
+                            </a:schemeClr>
+                          </a:solidFill>
+                          <a:latin typeface="Cambria Math" panose="02040503050406030204" pitchFamily="18" charset="0"/>
+                        </a:rPr>
+                        <m:t>class</m:t>
+                      </m:r>
+                      <m:r>
+                        <a:rPr lang="en-US" sz="1300" b="0" i="0" smtClean="0">
+                          <a:solidFill>
+                            <a:schemeClr val="tx1">
+                              <a:lumMod val="65000"/>
+                              <a:lumOff val="35000"/>
+                            </a:schemeClr>
+                          </a:solidFill>
+                          <a:latin typeface="Cambria Math" panose="02040503050406030204" pitchFamily="18" charset="0"/>
+                        </a:rPr>
+                        <m:t>_</m:t>
+                      </m:r>
+                      <m:r>
+                        <m:rPr>
+                          <m:sty m:val="p"/>
+                        </m:rPr>
+                        <a:rPr lang="en-US" sz="1300" b="0" i="0" smtClean="0">
+                          <a:solidFill>
+                            <a:schemeClr val="tx1">
+                              <a:lumMod val="65000"/>
+                              <a:lumOff val="35000"/>
+                            </a:schemeClr>
+                          </a:solidFill>
+                          <a:latin typeface="Cambria Math" panose="02040503050406030204" pitchFamily="18" charset="0"/>
+                        </a:rPr>
+                        <m:t>num</m:t>
+                      </m:r>
+                      <m:r>
+                        <a:rPr lang="en-US" sz="1300" b="0" i="0" smtClean="0">
+                          <a:solidFill>
+                            <a:schemeClr val="tx1">
+                              <a:lumMod val="65000"/>
+                              <a:lumOff val="35000"/>
+                            </a:schemeClr>
+                          </a:solidFill>
+                          <a:latin typeface="Cambria Math" panose="02040503050406030204" pitchFamily="18" charset="0"/>
+                        </a:rPr>
+                        <m:t>]</m:t>
+                      </m:r>
+                    </m:oMath>
+                  </m:oMathPara>
+                </a14:m>
+                <a:endParaRPr lang="en-US" sz="1300" dirty="0">
+                  <a:solidFill>
+                    <a:schemeClr val="tx1">
+                      <a:lumMod val="65000"/>
+                      <a:lumOff val="35000"/>
+                    </a:schemeClr>
+                  </a:solidFill>
+                </a:endParaRPr>
+              </a:p>
+            </p:txBody>
+          </p:sp>
+        </mc:Choice>
+        <mc:Fallback>
+          <p:sp>
+            <p:nvSpPr>
+              <p:cNvPr id="232" name="TextBox 231">
+                <a:extLst>
+                  <a:ext uri="{FF2B5EF4-FFF2-40B4-BE49-F238E27FC236}">
+                    <a16:creationId xmlns:a16="http://schemas.microsoft.com/office/drawing/2014/main" id="{4621EC99-347E-0F43-973F-BD5FFDB85E16}"/>
+                  </a:ext>
+                </a:extLst>
+              </p:cNvPr>
+              <p:cNvSpPr txBox="1">
+                <a:spLocks noRot="1" noChangeAspect="1" noMove="1" noResize="1" noEditPoints="1" noAdjustHandles="1" noChangeArrowheads="1" noChangeShapeType="1" noTextEdit="1"/>
+              </p:cNvSpPr>
+              <p:nvPr/>
+            </p:nvSpPr>
+            <p:spPr>
+              <a:xfrm>
+                <a:off x="11068274" y="3327328"/>
+                <a:ext cx="897682" cy="200055"/>
+              </a:xfrm>
+              <a:prstGeom prst="rect">
+                <a:avLst/>
+              </a:prstGeom>
+              <a:blipFill>
+                <a:blip r:embed="rId14"/>
+                <a:stretch>
+                  <a:fillRect l="-5556" t="-6250" r="-5556" b="-37500"/>
+                </a:stretch>
+              </a:blipFill>
+            </p:spPr>
+            <p:txBody>
+              <a:bodyPr/>
+              <a:lstStyle/>
+              <a:p>
+                <a:r>
+                  <a:rPr lang="en-US">
+                    <a:noFill/>
+                  </a:rPr>
+                  <a:t> </a:t>
+                </a:r>
+              </a:p>
+            </p:txBody>
+          </p:sp>
+        </mc:Fallback>
+      </mc:AlternateContent>
     </p:spTree>
     <p:extLst>
       <p:ext uri="{BB962C8B-B14F-4D97-AF65-F5344CB8AC3E}">
         <p14:creationId xmlns:p14="http://schemas.microsoft.com/office/powerpoint/2010/main" val="468116418"/>
+      </p:ext>
+    </p:extLst>
+  </p:cSld>
+  <p:clrMapOvr>
+    <a:masterClrMapping/>
+  </p:clrMapOvr>
+</p:sld>
+</file>
+
+<file path=ppt/slides/slide4.xml><?xml version="1.0" encoding="utf-8"?>
+<p:sld xmlns:a="http://schemas.openxmlformats.org/drawingml/2006/main" xmlns:r="http://schemas.openxmlformats.org/officeDocument/2006/relationships" xmlns:p="http://schemas.openxmlformats.org/presentationml/2006/main">
+  <p:cSld>
+    <p:spTree>
+      <p:nvGrpSpPr>
+        <p:cNvPr id="1" name=""/>
+        <p:cNvGrpSpPr/>
+        <p:nvPr/>
+      </p:nvGrpSpPr>
+      <p:grpSpPr>
+        <a:xfrm>
+          <a:off x="0" y="0"/>
+          <a:ext cx="0" cy="0"/>
+          <a:chOff x="0" y="0"/>
+          <a:chExt cx="0" cy="0"/>
+        </a:xfrm>
+      </p:grpSpPr>
+      <p:sp>
+        <p:nvSpPr>
+          <p:cNvPr id="27" name="Rounded Rectangle 26">
+            <a:extLst>
+              <a:ext uri="{FF2B5EF4-FFF2-40B4-BE49-F238E27FC236}">
+                <a16:creationId xmlns:a16="http://schemas.microsoft.com/office/drawing/2014/main" id="{78910E14-7FB6-134C-A0BA-8584DA7730DF}"/>
+              </a:ext>
+            </a:extLst>
+          </p:cNvPr>
+          <p:cNvSpPr/>
+          <p:nvPr/>
+        </p:nvSpPr>
+        <p:spPr>
+          <a:xfrm>
+            <a:off x="1272430" y="1865870"/>
+            <a:ext cx="1537641" cy="2347784"/>
+          </a:xfrm>
+          <a:prstGeom prst="roundRect">
+            <a:avLst>
+              <a:gd name="adj" fmla="val 5094"/>
+            </a:avLst>
+          </a:prstGeom>
+          <a:noFill/>
+          <a:ln>
+            <a:solidFill>
+              <a:schemeClr val="tx1">
+                <a:lumMod val="75000"/>
+                <a:lumOff val="25000"/>
+              </a:schemeClr>
+            </a:solidFill>
+            <a:prstDash val="lgDash"/>
+          </a:ln>
+        </p:spPr>
+        <p:style>
+          <a:lnRef idx="2">
+            <a:schemeClr val="accent1">
+              <a:shade val="50000"/>
+            </a:schemeClr>
+          </a:lnRef>
+          <a:fillRef idx="1">
+            <a:schemeClr val="accent1"/>
+          </a:fillRef>
+          <a:effectRef idx="0">
+            <a:schemeClr val="accent1"/>
+          </a:effectRef>
+          <a:fontRef idx="minor">
+            <a:schemeClr val="lt1"/>
+          </a:fontRef>
+        </p:style>
+        <p:txBody>
+          <a:bodyPr rtlCol="0" anchor="ctr"/>
+          <a:lstStyle/>
+          <a:p>
+            <a:pPr algn="ctr"/>
+            <a:endParaRPr lang="en-US"/>
+          </a:p>
+        </p:txBody>
+      </p:sp>
+      <p:sp>
+        <p:nvSpPr>
+          <p:cNvPr id="2" name="Rectangle 1">
+            <a:extLst>
+              <a:ext uri="{FF2B5EF4-FFF2-40B4-BE49-F238E27FC236}">
+                <a16:creationId xmlns:a16="http://schemas.microsoft.com/office/drawing/2014/main" id="{4FBB75C2-8864-FB47-9DCC-343917D3794A}"/>
+              </a:ext>
+            </a:extLst>
+          </p:cNvPr>
+          <p:cNvSpPr/>
+          <p:nvPr/>
+        </p:nvSpPr>
+        <p:spPr>
+          <a:xfrm rot="16200000">
+            <a:off x="40197" y="2752773"/>
+            <a:ext cx="838200" cy="388620"/>
+          </a:xfrm>
+          <a:prstGeom prst="rect">
+            <a:avLst/>
+          </a:prstGeom>
+        </p:spPr>
+        <p:style>
+          <a:lnRef idx="2">
+            <a:schemeClr val="accent1">
+              <a:shade val="50000"/>
+            </a:schemeClr>
+          </a:lnRef>
+          <a:fillRef idx="1">
+            <a:schemeClr val="accent1"/>
+          </a:fillRef>
+          <a:effectRef idx="0">
+            <a:schemeClr val="accent1"/>
+          </a:effectRef>
+          <a:fontRef idx="minor">
+            <a:schemeClr val="lt1"/>
+          </a:fontRef>
+        </p:style>
+        <p:txBody>
+          <a:bodyPr rtlCol="0" anchor="ctr"/>
+          <a:lstStyle/>
+          <a:p>
+            <a:pPr algn="ctr"/>
+            <a:r>
+              <a:rPr lang="en-US" dirty="0">
+                <a:solidFill>
+                  <a:schemeClr val="tx1"/>
+                </a:solidFill>
+                <a:latin typeface="Times New Roman" panose="02020603050405020304" pitchFamily="18" charset="0"/>
+                <a:cs typeface="Times New Roman" panose="02020603050405020304" pitchFamily="18" charset="0"/>
+              </a:rPr>
+              <a:t>Input</a:t>
+            </a:r>
+          </a:p>
+        </p:txBody>
+      </p:sp>
+      <p:sp>
+        <p:nvSpPr>
+          <p:cNvPr id="5" name="Rounded Rectangle 4">
+            <a:extLst>
+              <a:ext uri="{FF2B5EF4-FFF2-40B4-BE49-F238E27FC236}">
+                <a16:creationId xmlns:a16="http://schemas.microsoft.com/office/drawing/2014/main" id="{68D75BC2-ABA7-2D41-81A2-B0568D2AC919}"/>
+              </a:ext>
+            </a:extLst>
+          </p:cNvPr>
+          <p:cNvSpPr/>
+          <p:nvPr/>
+        </p:nvSpPr>
+        <p:spPr>
+          <a:xfrm rot="16200000">
+            <a:off x="41781" y="2804829"/>
+            <a:ext cx="1896786" cy="284513"/>
+          </a:xfrm>
+          <a:prstGeom prst="roundRect">
+            <a:avLst/>
+          </a:prstGeom>
+          <a:ln/>
+        </p:spPr>
+        <p:style>
+          <a:lnRef idx="1">
+            <a:schemeClr val="accent4"/>
+          </a:lnRef>
+          <a:fillRef idx="2">
+            <a:schemeClr val="accent4"/>
+          </a:fillRef>
+          <a:effectRef idx="1">
+            <a:schemeClr val="accent4"/>
+          </a:effectRef>
+          <a:fontRef idx="minor">
+            <a:schemeClr val="dk1"/>
+          </a:fontRef>
+        </p:style>
+        <p:txBody>
+          <a:bodyPr rtlCol="0" anchor="ctr"/>
+          <a:lstStyle/>
+          <a:p>
+            <a:pPr algn="ctr"/>
+            <a:r>
+              <a:rPr lang="en-US" dirty="0">
+                <a:solidFill>
+                  <a:schemeClr val="tx1"/>
+                </a:solidFill>
+                <a:latin typeface="Times New Roman" panose="02020603050405020304" pitchFamily="18" charset="0"/>
+                <a:cs typeface="Times New Roman" panose="02020603050405020304" pitchFamily="18" charset="0"/>
+              </a:rPr>
+              <a:t>Embedding</a:t>
+            </a:r>
+          </a:p>
+        </p:txBody>
+      </p:sp>
+      <p:sp>
+        <p:nvSpPr>
+          <p:cNvPr id="122" name="Rounded Rectangle 121">
+            <a:extLst>
+              <a:ext uri="{FF2B5EF4-FFF2-40B4-BE49-F238E27FC236}">
+                <a16:creationId xmlns:a16="http://schemas.microsoft.com/office/drawing/2014/main" id="{5C74D553-DEB7-3A43-9425-5587F03BCFA9}"/>
+              </a:ext>
+            </a:extLst>
+          </p:cNvPr>
+          <p:cNvSpPr/>
+          <p:nvPr/>
+        </p:nvSpPr>
+        <p:spPr>
+          <a:xfrm rot="16200000">
+            <a:off x="637773" y="2804829"/>
+            <a:ext cx="1896786" cy="284513"/>
+          </a:xfrm>
+          <a:prstGeom prst="roundRect">
+            <a:avLst/>
+          </a:prstGeom>
+        </p:spPr>
+        <p:style>
+          <a:lnRef idx="1">
+            <a:schemeClr val="accent2"/>
+          </a:lnRef>
+          <a:fillRef idx="2">
+            <a:schemeClr val="accent2"/>
+          </a:fillRef>
+          <a:effectRef idx="1">
+            <a:schemeClr val="accent2"/>
+          </a:effectRef>
+          <a:fontRef idx="minor">
+            <a:schemeClr val="dk1"/>
+          </a:fontRef>
+        </p:style>
+        <p:txBody>
+          <a:bodyPr rtlCol="0" anchor="ctr"/>
+          <a:lstStyle/>
+          <a:p>
+            <a:pPr algn="ctr"/>
+            <a:endParaRPr lang="en-US" sz="1600" dirty="0">
+              <a:solidFill>
+                <a:schemeClr val="tx1"/>
+              </a:solidFill>
+              <a:latin typeface="Times New Roman" panose="02020603050405020304" pitchFamily="18" charset="0"/>
+              <a:cs typeface="Times New Roman" panose="02020603050405020304" pitchFamily="18" charset="0"/>
+            </a:endParaRPr>
+          </a:p>
+        </p:txBody>
+      </p:sp>
+      <p:sp>
+        <p:nvSpPr>
+          <p:cNvPr id="124" name="Rounded Rectangle 123">
+            <a:extLst>
+              <a:ext uri="{FF2B5EF4-FFF2-40B4-BE49-F238E27FC236}">
+                <a16:creationId xmlns:a16="http://schemas.microsoft.com/office/drawing/2014/main" id="{B8944B92-2CF1-6F4F-8822-916F06F9C52F}"/>
+              </a:ext>
+            </a:extLst>
+          </p:cNvPr>
+          <p:cNvSpPr/>
+          <p:nvPr/>
+        </p:nvSpPr>
+        <p:spPr>
+          <a:xfrm rot="16200000">
+            <a:off x="1217804" y="2728952"/>
+            <a:ext cx="1473876" cy="436266"/>
+          </a:xfrm>
+          <a:prstGeom prst="roundRect">
+            <a:avLst/>
+          </a:prstGeom>
+        </p:spPr>
+        <p:style>
+          <a:lnRef idx="1">
+            <a:schemeClr val="accent6"/>
+          </a:lnRef>
+          <a:fillRef idx="2">
+            <a:schemeClr val="accent6"/>
+          </a:fillRef>
+          <a:effectRef idx="1">
+            <a:schemeClr val="accent6"/>
+          </a:effectRef>
+          <a:fontRef idx="minor">
+            <a:schemeClr val="dk1"/>
+          </a:fontRef>
+        </p:style>
+        <p:txBody>
+          <a:bodyPr rtlCol="0" anchor="ctr"/>
+          <a:lstStyle/>
+          <a:p>
+            <a:pPr algn="ctr"/>
+            <a:r>
+              <a:rPr lang="en-US" sz="1600" dirty="0">
+                <a:solidFill>
+                  <a:schemeClr val="tx1"/>
+                </a:solidFill>
+                <a:latin typeface="Times New Roman" panose="02020603050405020304" pitchFamily="18" charset="0"/>
+                <a:cs typeface="Times New Roman" panose="02020603050405020304" pitchFamily="18" charset="0"/>
+              </a:rPr>
+              <a:t>Aggregation</a:t>
+            </a:r>
+          </a:p>
+        </p:txBody>
+      </p:sp>
+      <p:sp>
+        <p:nvSpPr>
+          <p:cNvPr id="125" name="Rounded Rectangle 124">
+            <a:extLst>
+              <a:ext uri="{FF2B5EF4-FFF2-40B4-BE49-F238E27FC236}">
+                <a16:creationId xmlns:a16="http://schemas.microsoft.com/office/drawing/2014/main" id="{73B6C830-FF4B-0F4F-AC95-A86524870280}"/>
+              </a:ext>
+            </a:extLst>
+          </p:cNvPr>
+          <p:cNvSpPr/>
+          <p:nvPr/>
+        </p:nvSpPr>
+        <p:spPr>
+          <a:xfrm rot="16200000">
+            <a:off x="1654070" y="2728952"/>
+            <a:ext cx="1473876" cy="436266"/>
+          </a:xfrm>
+          <a:prstGeom prst="roundRect">
+            <a:avLst/>
+          </a:prstGeom>
+          <a:ln/>
+        </p:spPr>
+        <p:style>
+          <a:lnRef idx="1">
+            <a:schemeClr val="accent5"/>
+          </a:lnRef>
+          <a:fillRef idx="2">
+            <a:schemeClr val="accent5"/>
+          </a:fillRef>
+          <a:effectRef idx="1">
+            <a:schemeClr val="accent5"/>
+          </a:effectRef>
+          <a:fontRef idx="minor">
+            <a:schemeClr val="dk1"/>
+          </a:fontRef>
+        </p:style>
+        <p:txBody>
+          <a:bodyPr rtlCol="0" anchor="ctr"/>
+          <a:lstStyle/>
+          <a:p>
+            <a:pPr algn="ctr"/>
+            <a:endParaRPr lang="en-US" sz="1600" dirty="0">
+              <a:solidFill>
+                <a:schemeClr val="tx1"/>
+              </a:solidFill>
+              <a:latin typeface="Times New Roman" panose="02020603050405020304" pitchFamily="18" charset="0"/>
+              <a:cs typeface="Times New Roman" panose="02020603050405020304" pitchFamily="18" charset="0"/>
+            </a:endParaRPr>
+          </a:p>
+        </p:txBody>
+      </p:sp>
+      <p:sp>
+        <p:nvSpPr>
+          <p:cNvPr id="180" name="Rounded Rectangle 179">
+            <a:extLst>
+              <a:ext uri="{FF2B5EF4-FFF2-40B4-BE49-F238E27FC236}">
+                <a16:creationId xmlns:a16="http://schemas.microsoft.com/office/drawing/2014/main" id="{47553918-F34D-DB44-A905-9AB4770B999B}"/>
+              </a:ext>
+            </a:extLst>
+          </p:cNvPr>
+          <p:cNvSpPr/>
+          <p:nvPr/>
+        </p:nvSpPr>
+        <p:spPr>
+          <a:xfrm rot="16200000">
+            <a:off x="2420594" y="2798955"/>
+            <a:ext cx="1473878" cy="284513"/>
+          </a:xfrm>
+          <a:prstGeom prst="roundRect">
+            <a:avLst/>
+          </a:prstGeom>
+        </p:spPr>
+        <p:style>
+          <a:lnRef idx="1">
+            <a:schemeClr val="accent2"/>
+          </a:lnRef>
+          <a:fillRef idx="2">
+            <a:schemeClr val="accent2"/>
+          </a:fillRef>
+          <a:effectRef idx="1">
+            <a:schemeClr val="accent2"/>
+          </a:effectRef>
+          <a:fontRef idx="minor">
+            <a:schemeClr val="dk1"/>
+          </a:fontRef>
+        </p:style>
+        <p:txBody>
+          <a:bodyPr rtlCol="0" anchor="ctr"/>
+          <a:lstStyle/>
+          <a:p>
+            <a:pPr algn="ctr"/>
+            <a:endParaRPr lang="en-US" dirty="0">
+              <a:solidFill>
+                <a:schemeClr val="tx1"/>
+              </a:solidFill>
+              <a:latin typeface="Times New Roman" panose="02020603050405020304" pitchFamily="18" charset="0"/>
+              <a:cs typeface="Times New Roman" panose="02020603050405020304" pitchFamily="18" charset="0"/>
+            </a:endParaRPr>
+          </a:p>
+        </p:txBody>
+      </p:sp>
+      <p:sp>
+        <p:nvSpPr>
+          <p:cNvPr id="182" name="Rounded Rectangle 181">
+            <a:extLst>
+              <a:ext uri="{FF2B5EF4-FFF2-40B4-BE49-F238E27FC236}">
+                <a16:creationId xmlns:a16="http://schemas.microsoft.com/office/drawing/2014/main" id="{5A689EB6-7E6A-F74E-B6E4-A92640CAFED6}"/>
+              </a:ext>
+            </a:extLst>
+          </p:cNvPr>
+          <p:cNvSpPr/>
+          <p:nvPr/>
+        </p:nvSpPr>
+        <p:spPr>
+          <a:xfrm rot="16200000">
+            <a:off x="2956220" y="2729093"/>
+            <a:ext cx="1145261" cy="436266"/>
+          </a:xfrm>
+          <a:prstGeom prst="roundRect">
+            <a:avLst/>
+          </a:prstGeom>
+        </p:spPr>
+        <p:style>
+          <a:lnRef idx="1">
+            <a:schemeClr val="accent6"/>
+          </a:lnRef>
+          <a:fillRef idx="2">
+            <a:schemeClr val="accent6"/>
+          </a:fillRef>
+          <a:effectRef idx="1">
+            <a:schemeClr val="accent6"/>
+          </a:effectRef>
+          <a:fontRef idx="minor">
+            <a:schemeClr val="dk1"/>
+          </a:fontRef>
+        </p:style>
+        <p:txBody>
+          <a:bodyPr rtlCol="0" anchor="ctr"/>
+          <a:lstStyle/>
+          <a:p>
+            <a:pPr algn="ctr"/>
+            <a:endParaRPr lang="en-US" dirty="0">
+              <a:solidFill>
+                <a:schemeClr val="tx1"/>
+              </a:solidFill>
+              <a:latin typeface="Times New Roman" panose="02020603050405020304" pitchFamily="18" charset="0"/>
+              <a:cs typeface="Times New Roman" panose="02020603050405020304" pitchFamily="18" charset="0"/>
+            </a:endParaRPr>
+          </a:p>
+        </p:txBody>
+      </p:sp>
+      <p:sp>
+        <p:nvSpPr>
+          <p:cNvPr id="184" name="Rounded Rectangle 183">
+            <a:extLst>
+              <a:ext uri="{FF2B5EF4-FFF2-40B4-BE49-F238E27FC236}">
+                <a16:creationId xmlns:a16="http://schemas.microsoft.com/office/drawing/2014/main" id="{F061191C-7820-1946-9AC4-39A759638F72}"/>
+              </a:ext>
+            </a:extLst>
+          </p:cNvPr>
+          <p:cNvSpPr/>
+          <p:nvPr/>
+        </p:nvSpPr>
+        <p:spPr>
+          <a:xfrm rot="16200000">
+            <a:off x="3408996" y="2727886"/>
+            <a:ext cx="1145261" cy="436266"/>
+          </a:xfrm>
+          <a:prstGeom prst="roundRect">
+            <a:avLst/>
+          </a:prstGeom>
+          <a:ln/>
+        </p:spPr>
+        <p:style>
+          <a:lnRef idx="1">
+            <a:schemeClr val="accent5"/>
+          </a:lnRef>
+          <a:fillRef idx="2">
+            <a:schemeClr val="accent5"/>
+          </a:fillRef>
+          <a:effectRef idx="1">
+            <a:schemeClr val="accent5"/>
+          </a:effectRef>
+          <a:fontRef idx="minor">
+            <a:schemeClr val="dk1"/>
+          </a:fontRef>
+        </p:style>
+        <p:txBody>
+          <a:bodyPr rtlCol="0" anchor="ctr"/>
+          <a:lstStyle/>
+          <a:p>
+            <a:pPr algn="ctr"/>
+            <a:endParaRPr lang="en-US" dirty="0">
+              <a:solidFill>
+                <a:schemeClr val="tx1"/>
+              </a:solidFill>
+              <a:latin typeface="Times New Roman" panose="02020603050405020304" pitchFamily="18" charset="0"/>
+              <a:cs typeface="Times New Roman" panose="02020603050405020304" pitchFamily="18" charset="0"/>
+            </a:endParaRPr>
+          </a:p>
+        </p:txBody>
+      </p:sp>
+      <p:sp>
+        <p:nvSpPr>
+          <p:cNvPr id="185" name="Rounded Rectangle 184">
+            <a:extLst>
+              <a:ext uri="{FF2B5EF4-FFF2-40B4-BE49-F238E27FC236}">
+                <a16:creationId xmlns:a16="http://schemas.microsoft.com/office/drawing/2014/main" id="{4047F453-2963-EC49-80E4-846EC4AC3281}"/>
+              </a:ext>
+            </a:extLst>
+          </p:cNvPr>
+          <p:cNvSpPr/>
+          <p:nvPr/>
+        </p:nvSpPr>
+        <p:spPr>
+          <a:xfrm rot="16200000">
+            <a:off x="4044822" y="2798952"/>
+            <a:ext cx="1145263" cy="284513"/>
+          </a:xfrm>
+          <a:prstGeom prst="roundRect">
+            <a:avLst/>
+          </a:prstGeom>
+        </p:spPr>
+        <p:style>
+          <a:lnRef idx="1">
+            <a:schemeClr val="accent2"/>
+          </a:lnRef>
+          <a:fillRef idx="2">
+            <a:schemeClr val="accent2"/>
+          </a:fillRef>
+          <a:effectRef idx="1">
+            <a:schemeClr val="accent2"/>
+          </a:effectRef>
+          <a:fontRef idx="minor">
+            <a:schemeClr val="dk1"/>
+          </a:fontRef>
+        </p:style>
+        <p:txBody>
+          <a:bodyPr rtlCol="0" anchor="ctr"/>
+          <a:lstStyle/>
+          <a:p>
+            <a:pPr algn="ctr"/>
+            <a:endParaRPr lang="en-US" dirty="0">
+              <a:solidFill>
+                <a:schemeClr val="tx1"/>
+              </a:solidFill>
+              <a:latin typeface="Times New Roman" panose="02020603050405020304" pitchFamily="18" charset="0"/>
+              <a:cs typeface="Times New Roman" panose="02020603050405020304" pitchFamily="18" charset="0"/>
+            </a:endParaRPr>
+          </a:p>
+        </p:txBody>
+      </p:sp>
+      <p:sp>
+        <p:nvSpPr>
+          <p:cNvPr id="186" name="Rounded Rectangle 185">
+            <a:extLst>
+              <a:ext uri="{FF2B5EF4-FFF2-40B4-BE49-F238E27FC236}">
+                <a16:creationId xmlns:a16="http://schemas.microsoft.com/office/drawing/2014/main" id="{5246B74F-C77C-D54D-82DE-D0B2336DEA32}"/>
+              </a:ext>
+            </a:extLst>
+          </p:cNvPr>
+          <p:cNvSpPr/>
+          <p:nvPr/>
+        </p:nvSpPr>
+        <p:spPr>
+          <a:xfrm rot="16200000">
+            <a:off x="4331442" y="2804823"/>
+            <a:ext cx="1145263" cy="284513"/>
+          </a:xfrm>
+          <a:prstGeom prst="roundRect">
+            <a:avLst/>
+          </a:prstGeom>
+        </p:spPr>
+        <p:style>
+          <a:lnRef idx="1">
+            <a:schemeClr val="accent2"/>
+          </a:lnRef>
+          <a:fillRef idx="2">
+            <a:schemeClr val="accent2"/>
+          </a:fillRef>
+          <a:effectRef idx="1">
+            <a:schemeClr val="accent2"/>
+          </a:effectRef>
+          <a:fontRef idx="minor">
+            <a:schemeClr val="dk1"/>
+          </a:fontRef>
+        </p:style>
+        <p:txBody>
+          <a:bodyPr rtlCol="0" anchor="ctr"/>
+          <a:lstStyle/>
+          <a:p>
+            <a:pPr algn="ctr"/>
+            <a:endParaRPr lang="en-US" dirty="0">
+              <a:solidFill>
+                <a:schemeClr val="tx1"/>
+              </a:solidFill>
+              <a:latin typeface="Times New Roman" panose="02020603050405020304" pitchFamily="18" charset="0"/>
+              <a:cs typeface="Times New Roman" panose="02020603050405020304" pitchFamily="18" charset="0"/>
+            </a:endParaRPr>
+          </a:p>
+        </p:txBody>
+      </p:sp>
+      <p:sp>
+        <p:nvSpPr>
+          <p:cNvPr id="187" name="Rounded Rectangle 186">
+            <a:extLst>
+              <a:ext uri="{FF2B5EF4-FFF2-40B4-BE49-F238E27FC236}">
+                <a16:creationId xmlns:a16="http://schemas.microsoft.com/office/drawing/2014/main" id="{09BF3E4E-5E71-7048-B830-523FF63FE13C}"/>
+              </a:ext>
+            </a:extLst>
+          </p:cNvPr>
+          <p:cNvSpPr/>
+          <p:nvPr/>
+        </p:nvSpPr>
+        <p:spPr>
+          <a:xfrm rot="16200000">
+            <a:off x="4819504" y="2692313"/>
+            <a:ext cx="889914" cy="436266"/>
+          </a:xfrm>
+          <a:prstGeom prst="roundRect">
+            <a:avLst/>
+          </a:prstGeom>
+        </p:spPr>
+        <p:style>
+          <a:lnRef idx="1">
+            <a:schemeClr val="accent6"/>
+          </a:lnRef>
+          <a:fillRef idx="2">
+            <a:schemeClr val="accent6"/>
+          </a:fillRef>
+          <a:effectRef idx="1">
+            <a:schemeClr val="accent6"/>
+          </a:effectRef>
+          <a:fontRef idx="minor">
+            <a:schemeClr val="dk1"/>
+          </a:fontRef>
+        </p:style>
+        <p:txBody>
+          <a:bodyPr rtlCol="0" anchor="ctr"/>
+          <a:lstStyle/>
+          <a:p>
+            <a:pPr algn="ctr"/>
+            <a:endParaRPr lang="en-US" dirty="0">
+              <a:solidFill>
+                <a:schemeClr val="tx1"/>
+              </a:solidFill>
+              <a:latin typeface="Times New Roman" panose="02020603050405020304" pitchFamily="18" charset="0"/>
+              <a:cs typeface="Times New Roman" panose="02020603050405020304" pitchFamily="18" charset="0"/>
+            </a:endParaRPr>
+          </a:p>
+        </p:txBody>
+      </p:sp>
+      <p:sp>
+        <p:nvSpPr>
+          <p:cNvPr id="188" name="Rounded Rectangle 187">
+            <a:extLst>
+              <a:ext uri="{FF2B5EF4-FFF2-40B4-BE49-F238E27FC236}">
+                <a16:creationId xmlns:a16="http://schemas.microsoft.com/office/drawing/2014/main" id="{52873803-EA72-DD46-8876-F73B9491478B}"/>
+              </a:ext>
+            </a:extLst>
+          </p:cNvPr>
+          <p:cNvSpPr/>
+          <p:nvPr/>
+        </p:nvSpPr>
+        <p:spPr>
+          <a:xfrm rot="16200000">
+            <a:off x="5255770" y="2692313"/>
+            <a:ext cx="889914" cy="436266"/>
+          </a:xfrm>
+          <a:prstGeom prst="roundRect">
+            <a:avLst/>
+          </a:prstGeom>
+          <a:ln/>
+        </p:spPr>
+        <p:style>
+          <a:lnRef idx="1">
+            <a:schemeClr val="accent5"/>
+          </a:lnRef>
+          <a:fillRef idx="2">
+            <a:schemeClr val="accent5"/>
+          </a:fillRef>
+          <a:effectRef idx="1">
+            <a:schemeClr val="accent5"/>
+          </a:effectRef>
+          <a:fontRef idx="minor">
+            <a:schemeClr val="dk1"/>
+          </a:fontRef>
+        </p:style>
+        <p:txBody>
+          <a:bodyPr rtlCol="0" anchor="ctr"/>
+          <a:lstStyle/>
+          <a:p>
+            <a:pPr algn="ctr"/>
+            <a:endParaRPr lang="en-US" dirty="0">
+              <a:solidFill>
+                <a:schemeClr val="tx1"/>
+              </a:solidFill>
+              <a:latin typeface="Times New Roman" panose="02020603050405020304" pitchFamily="18" charset="0"/>
+              <a:cs typeface="Times New Roman" panose="02020603050405020304" pitchFamily="18" charset="0"/>
+            </a:endParaRPr>
+          </a:p>
+        </p:txBody>
+      </p:sp>
+      <p:sp>
+        <p:nvSpPr>
+          <p:cNvPr id="189" name="Rounded Rectangle 188">
+            <a:extLst>
+              <a:ext uri="{FF2B5EF4-FFF2-40B4-BE49-F238E27FC236}">
+                <a16:creationId xmlns:a16="http://schemas.microsoft.com/office/drawing/2014/main" id="{352381F7-DE95-7443-B963-E390A64BC52F}"/>
+              </a:ext>
+            </a:extLst>
+          </p:cNvPr>
+          <p:cNvSpPr/>
+          <p:nvPr/>
+        </p:nvSpPr>
+        <p:spPr>
+          <a:xfrm rot="16200000">
+            <a:off x="5692036" y="2692312"/>
+            <a:ext cx="889914" cy="436266"/>
+          </a:xfrm>
+          <a:prstGeom prst="roundRect">
+            <a:avLst/>
+          </a:prstGeom>
+          <a:ln/>
+        </p:spPr>
+        <p:style>
+          <a:lnRef idx="1">
+            <a:schemeClr val="accent5"/>
+          </a:lnRef>
+          <a:fillRef idx="2">
+            <a:schemeClr val="accent5"/>
+          </a:fillRef>
+          <a:effectRef idx="1">
+            <a:schemeClr val="accent5"/>
+          </a:effectRef>
+          <a:fontRef idx="minor">
+            <a:schemeClr val="dk1"/>
+          </a:fontRef>
+        </p:style>
+        <p:txBody>
+          <a:bodyPr rtlCol="0" anchor="ctr"/>
+          <a:lstStyle/>
+          <a:p>
+            <a:pPr algn="ctr"/>
+            <a:endParaRPr lang="en-US" dirty="0">
+              <a:solidFill>
+                <a:schemeClr val="tx1"/>
+              </a:solidFill>
+              <a:latin typeface="Times New Roman" panose="02020603050405020304" pitchFamily="18" charset="0"/>
+              <a:cs typeface="Times New Roman" panose="02020603050405020304" pitchFamily="18" charset="0"/>
+            </a:endParaRPr>
+          </a:p>
+        </p:txBody>
+      </p:sp>
+      <p:sp>
+        <p:nvSpPr>
+          <p:cNvPr id="191" name="Rounded Rectangle 190">
+            <a:extLst>
+              <a:ext uri="{FF2B5EF4-FFF2-40B4-BE49-F238E27FC236}">
+                <a16:creationId xmlns:a16="http://schemas.microsoft.com/office/drawing/2014/main" id="{513F4126-A73A-E246-835E-FC1DDE661808}"/>
+              </a:ext>
+            </a:extLst>
+          </p:cNvPr>
+          <p:cNvSpPr/>
+          <p:nvPr/>
+        </p:nvSpPr>
+        <p:spPr>
+          <a:xfrm rot="16200000">
+            <a:off x="6297124" y="2755751"/>
+            <a:ext cx="900695" cy="284513"/>
+          </a:xfrm>
+          <a:prstGeom prst="roundRect">
+            <a:avLst/>
+          </a:prstGeom>
+        </p:spPr>
+        <p:style>
+          <a:lnRef idx="1">
+            <a:schemeClr val="accent2"/>
+          </a:lnRef>
+          <a:fillRef idx="2">
+            <a:schemeClr val="accent2"/>
+          </a:fillRef>
+          <a:effectRef idx="1">
+            <a:schemeClr val="accent2"/>
+          </a:effectRef>
+          <a:fontRef idx="minor">
+            <a:schemeClr val="dk1"/>
+          </a:fontRef>
+        </p:style>
+        <p:txBody>
+          <a:bodyPr rtlCol="0" anchor="ctr"/>
+          <a:lstStyle/>
+          <a:p>
+            <a:pPr algn="ctr"/>
+            <a:endParaRPr lang="en-US" dirty="0">
+              <a:solidFill>
+                <a:schemeClr val="tx1"/>
+              </a:solidFill>
+              <a:latin typeface="Times New Roman" panose="02020603050405020304" pitchFamily="18" charset="0"/>
+              <a:cs typeface="Times New Roman" panose="02020603050405020304" pitchFamily="18" charset="0"/>
+            </a:endParaRPr>
+          </a:p>
+        </p:txBody>
+      </p:sp>
+      <p:sp>
+        <p:nvSpPr>
+          <p:cNvPr id="192" name="Rounded Rectangle 191">
+            <a:extLst>
+              <a:ext uri="{FF2B5EF4-FFF2-40B4-BE49-F238E27FC236}">
+                <a16:creationId xmlns:a16="http://schemas.microsoft.com/office/drawing/2014/main" id="{75002922-0F8D-0940-95B9-454FB23F8C32}"/>
+              </a:ext>
+            </a:extLst>
+          </p:cNvPr>
+          <p:cNvSpPr/>
+          <p:nvPr/>
+        </p:nvSpPr>
+        <p:spPr>
+          <a:xfrm rot="16200000">
+            <a:off x="6757920" y="2650208"/>
+            <a:ext cx="699875" cy="436266"/>
+          </a:xfrm>
+          <a:prstGeom prst="roundRect">
+            <a:avLst/>
+          </a:prstGeom>
+        </p:spPr>
+        <p:style>
+          <a:lnRef idx="1">
+            <a:schemeClr val="accent6"/>
+          </a:lnRef>
+          <a:fillRef idx="2">
+            <a:schemeClr val="accent6"/>
+          </a:fillRef>
+          <a:effectRef idx="1">
+            <a:schemeClr val="accent6"/>
+          </a:effectRef>
+          <a:fontRef idx="minor">
+            <a:schemeClr val="dk1"/>
+          </a:fontRef>
+        </p:style>
+        <p:txBody>
+          <a:bodyPr rtlCol="0" anchor="ctr"/>
+          <a:lstStyle/>
+          <a:p>
+            <a:pPr algn="ctr"/>
+            <a:endParaRPr lang="en-US" dirty="0">
+              <a:solidFill>
+                <a:schemeClr val="tx1"/>
+              </a:solidFill>
+              <a:latin typeface="Times New Roman" panose="02020603050405020304" pitchFamily="18" charset="0"/>
+              <a:cs typeface="Times New Roman" panose="02020603050405020304" pitchFamily="18" charset="0"/>
+            </a:endParaRPr>
+          </a:p>
+        </p:txBody>
+      </p:sp>
+      <p:sp>
+        <p:nvSpPr>
+          <p:cNvPr id="194" name="Rounded Rectangle 193">
+            <a:extLst>
+              <a:ext uri="{FF2B5EF4-FFF2-40B4-BE49-F238E27FC236}">
+                <a16:creationId xmlns:a16="http://schemas.microsoft.com/office/drawing/2014/main" id="{4ACCBB21-A860-1B40-962A-6B5D8915532F}"/>
+              </a:ext>
+            </a:extLst>
+          </p:cNvPr>
+          <p:cNvSpPr/>
+          <p:nvPr/>
+        </p:nvSpPr>
+        <p:spPr>
+          <a:xfrm rot="16200000">
+            <a:off x="7197825" y="2645901"/>
+            <a:ext cx="699875" cy="436266"/>
+          </a:xfrm>
+          <a:prstGeom prst="roundRect">
+            <a:avLst/>
+          </a:prstGeom>
+          <a:ln/>
+        </p:spPr>
+        <p:style>
+          <a:lnRef idx="1">
+            <a:schemeClr val="accent5"/>
+          </a:lnRef>
+          <a:fillRef idx="2">
+            <a:schemeClr val="accent5"/>
+          </a:fillRef>
+          <a:effectRef idx="1">
+            <a:schemeClr val="accent5"/>
+          </a:effectRef>
+          <a:fontRef idx="minor">
+            <a:schemeClr val="dk1"/>
+          </a:fontRef>
+        </p:style>
+        <p:txBody>
+          <a:bodyPr rtlCol="0" anchor="ctr"/>
+          <a:lstStyle/>
+          <a:p>
+            <a:pPr algn="ctr"/>
+            <a:endParaRPr lang="en-US" dirty="0">
+              <a:solidFill>
+                <a:schemeClr val="tx1"/>
+              </a:solidFill>
+              <a:latin typeface="Times New Roman" panose="02020603050405020304" pitchFamily="18" charset="0"/>
+              <a:cs typeface="Times New Roman" panose="02020603050405020304" pitchFamily="18" charset="0"/>
+            </a:endParaRPr>
+          </a:p>
+        </p:txBody>
+      </p:sp>
+      <mc:AlternateContent xmlns:mc="http://schemas.openxmlformats.org/markup-compatibility/2006">
+        <mc:Choice xmlns:a14="http://schemas.microsoft.com/office/drawing/2010/main" Requires="a14">
+          <p:sp>
+            <p:nvSpPr>
+              <p:cNvPr id="6" name="TextBox 5">
+                <a:extLst>
+                  <a:ext uri="{FF2B5EF4-FFF2-40B4-BE49-F238E27FC236}">
+                    <a16:creationId xmlns:a16="http://schemas.microsoft.com/office/drawing/2014/main" id="{2FD03EF9-119A-6B4F-8333-25927D358DD5}"/>
+                  </a:ext>
+                </a:extLst>
+              </p:cNvPr>
+              <p:cNvSpPr txBox="1"/>
+              <p:nvPr/>
+            </p:nvSpPr>
+            <p:spPr>
+              <a:xfrm rot="16200000">
+                <a:off x="886248" y="2814479"/>
+                <a:ext cx="1359603" cy="265201"/>
+              </a:xfrm>
+              <a:prstGeom prst="rect">
+                <a:avLst/>
+              </a:prstGeom>
+              <a:noFill/>
+            </p:spPr>
+            <p:txBody>
+              <a:bodyPr wrap="none" lIns="0" tIns="0" rIns="0" bIns="0" rtlCol="0">
+                <a:spAutoFit/>
+              </a:bodyPr>
+              <a:lstStyle/>
+              <a:p>
+                <a14:m>
+                  <m:oMath xmlns:m="http://schemas.openxmlformats.org/officeDocument/2006/math">
+                    <m:sSub>
+                      <m:sSubPr>
+                        <m:ctrlPr>
+                          <a:rPr lang="en-US" sz="1600" i="1" smtClean="0">
+                            <a:latin typeface="Cambria Math" panose="02040503050406030204" pitchFamily="18" charset="0"/>
+                            <a:ea typeface="Cambria Math" panose="02040503050406030204" pitchFamily="18" charset="0"/>
+                          </a:rPr>
+                        </m:ctrlPr>
+                      </m:sSubPr>
+                      <m:e>
+                        <m:r>
+                          <m:rPr>
+                            <m:sty m:val="p"/>
+                          </m:rPr>
+                          <a:rPr lang="el-GR" sz="1600" i="1" smtClean="0">
+                            <a:latin typeface="Cambria Math" panose="02040503050406030204" pitchFamily="18" charset="0"/>
+                            <a:ea typeface="Cambria Math" panose="02040503050406030204" pitchFamily="18" charset="0"/>
+                          </a:rPr>
+                          <m:t>Φ</m:t>
+                        </m:r>
+                      </m:e>
+                      <m:sub>
+                        <m:r>
+                          <a:rPr lang="en-US" sz="1600" b="0" i="1" smtClean="0">
+                            <a:latin typeface="Cambria Math" panose="02040503050406030204" pitchFamily="18" charset="0"/>
+                            <a:ea typeface="Cambria Math" panose="02040503050406030204" pitchFamily="18" charset="0"/>
+                          </a:rPr>
+                          <m:t>𝑝𝑟𝑒</m:t>
+                        </m:r>
+                      </m:sub>
+                    </m:sSub>
+                  </m:oMath>
+                </a14:m>
+                <a:r>
+                  <a:rPr lang="en-US" sz="1600" dirty="0"/>
+                  <a:t> </a:t>
+                </a:r>
+                <a:r>
+                  <a:rPr lang="en-US" sz="1600" dirty="0">
+                    <a:latin typeface="Times New Roman" panose="02020603050405020304" pitchFamily="18" charset="0"/>
+                    <a:cs typeface="Times New Roman" panose="02020603050405020304" pitchFamily="18" charset="0"/>
+                  </a:rPr>
+                  <a:t>Resp MLP</a:t>
+                </a:r>
+              </a:p>
+            </p:txBody>
+          </p:sp>
+        </mc:Choice>
+        <mc:Fallback>
+          <p:sp>
+            <p:nvSpPr>
+              <p:cNvPr id="6" name="TextBox 5">
+                <a:extLst>
+                  <a:ext uri="{FF2B5EF4-FFF2-40B4-BE49-F238E27FC236}">
+                    <a16:creationId xmlns:a16="http://schemas.microsoft.com/office/drawing/2014/main" id="{2FD03EF9-119A-6B4F-8333-25927D358DD5}"/>
+                  </a:ext>
+                </a:extLst>
+              </p:cNvPr>
+              <p:cNvSpPr txBox="1">
+                <a:spLocks noRot="1" noChangeAspect="1" noMove="1" noResize="1" noEditPoints="1" noAdjustHandles="1" noChangeArrowheads="1" noChangeShapeType="1" noTextEdit="1"/>
+              </p:cNvSpPr>
+              <p:nvPr/>
+            </p:nvSpPr>
+            <p:spPr>
+              <a:xfrm rot="16200000">
+                <a:off x="886248" y="2814479"/>
+                <a:ext cx="1359603" cy="265201"/>
+              </a:xfrm>
+              <a:prstGeom prst="rect">
+                <a:avLst/>
+              </a:prstGeom>
+              <a:blipFill>
+                <a:blip r:embed="rId2"/>
+                <a:stretch>
+                  <a:fillRect l="-18182" t="-8333" r="-36364" b="-5556"/>
+                </a:stretch>
+              </a:blipFill>
+            </p:spPr>
+            <p:txBody>
+              <a:bodyPr/>
+              <a:lstStyle/>
+              <a:p>
+                <a:r>
+                  <a:rPr lang="en-US">
+                    <a:noFill/>
+                  </a:rPr>
+                  <a:t> </a:t>
+                </a:r>
+              </a:p>
+            </p:txBody>
+          </p:sp>
+        </mc:Fallback>
+      </mc:AlternateContent>
+      <mc:AlternateContent xmlns:mc="http://schemas.openxmlformats.org/markup-compatibility/2006">
+        <mc:Choice xmlns:a14="http://schemas.microsoft.com/office/drawing/2010/main" Requires="a14">
+          <p:sp>
+            <p:nvSpPr>
+              <p:cNvPr id="198" name="TextBox 197">
+                <a:extLst>
+                  <a:ext uri="{FF2B5EF4-FFF2-40B4-BE49-F238E27FC236}">
+                    <a16:creationId xmlns:a16="http://schemas.microsoft.com/office/drawing/2014/main" id="{BF1184C9-C930-B344-92E1-C7DC69A445C4}"/>
+                  </a:ext>
+                </a:extLst>
+              </p:cNvPr>
+              <p:cNvSpPr txBox="1"/>
+              <p:nvPr/>
+            </p:nvSpPr>
+            <p:spPr>
+              <a:xfrm rot="16200000">
+                <a:off x="1722143" y="2814478"/>
+                <a:ext cx="1358129" cy="265201"/>
+              </a:xfrm>
+              <a:prstGeom prst="rect">
+                <a:avLst/>
+              </a:prstGeom>
+              <a:noFill/>
+            </p:spPr>
+            <p:txBody>
+              <a:bodyPr wrap="none" lIns="0" tIns="0" rIns="0" bIns="0" rtlCol="0">
+                <a:spAutoFit/>
+              </a:bodyPr>
+              <a:lstStyle/>
+              <a:p>
+                <a14:m>
+                  <m:oMath xmlns:m="http://schemas.openxmlformats.org/officeDocument/2006/math">
+                    <m:sSub>
+                      <m:sSubPr>
+                        <m:ctrlPr>
+                          <a:rPr lang="en-US" sz="1600" i="1" smtClean="0">
+                            <a:latin typeface="Cambria Math" panose="02040503050406030204" pitchFamily="18" charset="0"/>
+                            <a:ea typeface="Cambria Math" panose="02040503050406030204" pitchFamily="18" charset="0"/>
+                          </a:rPr>
+                        </m:ctrlPr>
+                      </m:sSubPr>
+                      <m:e>
+                        <m:r>
+                          <m:rPr>
+                            <m:sty m:val="p"/>
+                          </m:rPr>
+                          <a:rPr lang="el-GR" sz="1600" i="1">
+                            <a:latin typeface="Cambria Math" panose="02040503050406030204" pitchFamily="18" charset="0"/>
+                            <a:ea typeface="Cambria Math" panose="02040503050406030204" pitchFamily="18" charset="0"/>
+                          </a:rPr>
+                          <m:t>Φ</m:t>
+                        </m:r>
+                      </m:e>
+                      <m:sub>
+                        <m:r>
+                          <a:rPr lang="en-US" sz="1600" b="0" i="1" smtClean="0">
+                            <a:latin typeface="Cambria Math" panose="02040503050406030204" pitchFamily="18" charset="0"/>
+                            <a:ea typeface="Cambria Math" panose="02040503050406030204" pitchFamily="18" charset="0"/>
+                          </a:rPr>
+                          <m:t>𝑝𝑜𝑠</m:t>
+                        </m:r>
+                      </m:sub>
+                    </m:sSub>
+                  </m:oMath>
+                </a14:m>
+                <a:r>
+                  <a:rPr lang="en-US" sz="1600" dirty="0"/>
+                  <a:t> </a:t>
+                </a:r>
+                <a:r>
+                  <a:rPr lang="en-US" sz="1600" dirty="0">
+                    <a:latin typeface="Times New Roman" panose="02020603050405020304" pitchFamily="18" charset="0"/>
+                    <a:cs typeface="Times New Roman" panose="02020603050405020304" pitchFamily="18" charset="0"/>
+                  </a:rPr>
+                  <a:t>Resp MLP</a:t>
+                </a:r>
+              </a:p>
+            </p:txBody>
+          </p:sp>
+        </mc:Choice>
+        <mc:Fallback>
+          <p:sp>
+            <p:nvSpPr>
+              <p:cNvPr id="198" name="TextBox 197">
+                <a:extLst>
+                  <a:ext uri="{FF2B5EF4-FFF2-40B4-BE49-F238E27FC236}">
+                    <a16:creationId xmlns:a16="http://schemas.microsoft.com/office/drawing/2014/main" id="{BF1184C9-C930-B344-92E1-C7DC69A445C4}"/>
+                  </a:ext>
+                </a:extLst>
+              </p:cNvPr>
+              <p:cNvSpPr txBox="1">
+                <a:spLocks noRot="1" noChangeAspect="1" noMove="1" noResize="1" noEditPoints="1" noAdjustHandles="1" noChangeArrowheads="1" noChangeShapeType="1" noTextEdit="1"/>
+              </p:cNvSpPr>
+              <p:nvPr/>
+            </p:nvSpPr>
+            <p:spPr>
+              <a:xfrm rot="16200000">
+                <a:off x="1722143" y="2814478"/>
+                <a:ext cx="1358129" cy="265201"/>
+              </a:xfrm>
+              <a:prstGeom prst="rect">
+                <a:avLst/>
+              </a:prstGeom>
+              <a:blipFill>
+                <a:blip r:embed="rId3"/>
+                <a:stretch>
+                  <a:fillRect l="-22727" t="-8333" r="-36364" b="-5556"/>
+                </a:stretch>
+              </a:blipFill>
+            </p:spPr>
+            <p:txBody>
+              <a:bodyPr/>
+              <a:lstStyle/>
+              <a:p>
+                <a:r>
+                  <a:rPr lang="en-US">
+                    <a:noFill/>
+                  </a:rPr>
+                  <a:t> </a:t>
+                </a:r>
+              </a:p>
+            </p:txBody>
+          </p:sp>
+        </mc:Fallback>
+      </mc:AlternateContent>
+      <mc:AlternateContent xmlns:mc="http://schemas.openxmlformats.org/markup-compatibility/2006">
+        <mc:Choice xmlns:a14="http://schemas.microsoft.com/office/drawing/2010/main" Requires="a14">
+          <p:sp>
+            <p:nvSpPr>
+              <p:cNvPr id="8" name="TextBox 7">
+                <a:extLst>
+                  <a:ext uri="{FF2B5EF4-FFF2-40B4-BE49-F238E27FC236}">
+                    <a16:creationId xmlns:a16="http://schemas.microsoft.com/office/drawing/2014/main" id="{02228F94-8AA8-764D-988D-8F05E36FC3EA}"/>
+                  </a:ext>
+                </a:extLst>
+              </p:cNvPr>
+              <p:cNvSpPr txBox="1"/>
+              <p:nvPr/>
+            </p:nvSpPr>
+            <p:spPr>
+              <a:xfrm>
+                <a:off x="157827" y="3366183"/>
+                <a:ext cx="652423" cy="200055"/>
+              </a:xfrm>
+              <a:prstGeom prst="rect">
+                <a:avLst/>
+              </a:prstGeom>
+              <a:noFill/>
+            </p:spPr>
+            <p:txBody>
+              <a:bodyPr wrap="none" lIns="0" tIns="0" rIns="0" bIns="0" rtlCol="0">
+                <a:spAutoFit/>
+              </a:bodyPr>
+              <a:lstStyle/>
+              <a:p>
+                <a14:m>
+                  <m:oMathPara xmlns:m="http://schemas.openxmlformats.org/officeDocument/2006/math">
+                    <m:oMathParaPr>
+                      <m:jc m:val="centerGroup"/>
+                    </m:oMathParaPr>
+                    <m:oMath xmlns:m="http://schemas.openxmlformats.org/officeDocument/2006/math">
+                      <m:r>
+                        <a:rPr lang="en-US" sz="1300" b="0" i="0" smtClean="0">
+                          <a:solidFill>
+                            <a:schemeClr val="tx1">
+                              <a:lumMod val="65000"/>
+                              <a:lumOff val="35000"/>
+                            </a:schemeClr>
+                          </a:solidFill>
+                          <a:latin typeface="Cambria Math" panose="02040503050406030204" pitchFamily="18" charset="0"/>
+                        </a:rPr>
+                        <m:t>[1024,3]</m:t>
+                      </m:r>
+                    </m:oMath>
+                  </m:oMathPara>
+                </a14:m>
+                <a:endParaRPr lang="en-US" sz="1300" dirty="0">
+                  <a:solidFill>
+                    <a:schemeClr val="tx1">
+                      <a:lumMod val="65000"/>
+                      <a:lumOff val="35000"/>
+                    </a:schemeClr>
+                  </a:solidFill>
+                </a:endParaRPr>
+              </a:p>
+            </p:txBody>
+          </p:sp>
+        </mc:Choice>
+        <mc:Fallback>
+          <p:sp>
+            <p:nvSpPr>
+              <p:cNvPr id="8" name="TextBox 7">
+                <a:extLst>
+                  <a:ext uri="{FF2B5EF4-FFF2-40B4-BE49-F238E27FC236}">
+                    <a16:creationId xmlns:a16="http://schemas.microsoft.com/office/drawing/2014/main" id="{02228F94-8AA8-764D-988D-8F05E36FC3EA}"/>
+                  </a:ext>
+                </a:extLst>
+              </p:cNvPr>
+              <p:cNvSpPr txBox="1">
+                <a:spLocks noRot="1" noChangeAspect="1" noMove="1" noResize="1" noEditPoints="1" noAdjustHandles="1" noChangeArrowheads="1" noChangeShapeType="1" noTextEdit="1"/>
+              </p:cNvSpPr>
+              <p:nvPr/>
+            </p:nvSpPr>
+            <p:spPr>
+              <a:xfrm>
+                <a:off x="157827" y="3366183"/>
+                <a:ext cx="652423" cy="200055"/>
+              </a:xfrm>
+              <a:prstGeom prst="rect">
+                <a:avLst/>
+              </a:prstGeom>
+              <a:blipFill>
+                <a:blip r:embed="rId4"/>
+                <a:stretch>
+                  <a:fillRect l="-9615" r="-9615" b="-35294"/>
+                </a:stretch>
+              </a:blipFill>
+            </p:spPr>
+            <p:txBody>
+              <a:bodyPr/>
+              <a:lstStyle/>
+              <a:p>
+                <a:r>
+                  <a:rPr lang="en-US">
+                    <a:noFill/>
+                  </a:rPr>
+                  <a:t> </a:t>
+                </a:r>
+              </a:p>
+            </p:txBody>
+          </p:sp>
+        </mc:Fallback>
+      </mc:AlternateContent>
+      <mc:AlternateContent xmlns:mc="http://schemas.openxmlformats.org/markup-compatibility/2006">
+        <mc:Choice xmlns:a14="http://schemas.microsoft.com/office/drawing/2010/main" Requires="a14">
+          <p:sp>
+            <p:nvSpPr>
+              <p:cNvPr id="200" name="TextBox 199">
+                <a:extLst>
+                  <a:ext uri="{FF2B5EF4-FFF2-40B4-BE49-F238E27FC236}">
+                    <a16:creationId xmlns:a16="http://schemas.microsoft.com/office/drawing/2014/main" id="{E3EF1433-2C87-2B48-9832-A5520A33F778}"/>
+                  </a:ext>
+                </a:extLst>
+              </p:cNvPr>
+              <p:cNvSpPr txBox="1"/>
+              <p:nvPr/>
+            </p:nvSpPr>
+            <p:spPr>
+              <a:xfrm>
+                <a:off x="630942" y="3852965"/>
+                <a:ext cx="745397" cy="200055"/>
+              </a:xfrm>
+              <a:prstGeom prst="rect">
+                <a:avLst/>
+              </a:prstGeom>
+              <a:noFill/>
+            </p:spPr>
+            <p:txBody>
+              <a:bodyPr wrap="none" lIns="0" tIns="0" rIns="0" bIns="0" rtlCol="0">
+                <a:spAutoFit/>
+              </a:bodyPr>
+              <a:lstStyle/>
+              <a:p>
+                <a14:m>
+                  <m:oMathPara xmlns:m="http://schemas.openxmlformats.org/officeDocument/2006/math">
+                    <m:oMathParaPr>
+                      <m:jc m:val="centerGroup"/>
+                    </m:oMathParaPr>
+                    <m:oMath xmlns:m="http://schemas.openxmlformats.org/officeDocument/2006/math">
+                      <m:r>
+                        <a:rPr lang="en-US" sz="1300" b="0" i="0" smtClean="0">
+                          <a:solidFill>
+                            <a:schemeClr val="tx1">
+                              <a:lumMod val="65000"/>
+                              <a:lumOff val="35000"/>
+                            </a:schemeClr>
+                          </a:solidFill>
+                          <a:latin typeface="Cambria Math" panose="02040503050406030204" pitchFamily="18" charset="0"/>
+                        </a:rPr>
+                        <m:t>[1024,32]</m:t>
+                      </m:r>
+                    </m:oMath>
+                  </m:oMathPara>
+                </a14:m>
+                <a:endParaRPr lang="en-US" sz="1300" dirty="0">
+                  <a:solidFill>
+                    <a:schemeClr val="tx1">
+                      <a:lumMod val="65000"/>
+                      <a:lumOff val="35000"/>
+                    </a:schemeClr>
+                  </a:solidFill>
+                </a:endParaRPr>
+              </a:p>
+            </p:txBody>
+          </p:sp>
+        </mc:Choice>
+        <mc:Fallback>
+          <p:sp>
+            <p:nvSpPr>
+              <p:cNvPr id="200" name="TextBox 199">
+                <a:extLst>
+                  <a:ext uri="{FF2B5EF4-FFF2-40B4-BE49-F238E27FC236}">
+                    <a16:creationId xmlns:a16="http://schemas.microsoft.com/office/drawing/2014/main" id="{E3EF1433-2C87-2B48-9832-A5520A33F778}"/>
+                  </a:ext>
+                </a:extLst>
+              </p:cNvPr>
+              <p:cNvSpPr txBox="1">
+                <a:spLocks noRot="1" noChangeAspect="1" noMove="1" noResize="1" noEditPoints="1" noAdjustHandles="1" noChangeArrowheads="1" noChangeShapeType="1" noTextEdit="1"/>
+              </p:cNvSpPr>
+              <p:nvPr/>
+            </p:nvSpPr>
+            <p:spPr>
+              <a:xfrm>
+                <a:off x="630942" y="3852965"/>
+                <a:ext cx="745397" cy="200055"/>
+              </a:xfrm>
+              <a:prstGeom prst="rect">
+                <a:avLst/>
+              </a:prstGeom>
+              <a:blipFill>
+                <a:blip r:embed="rId5"/>
+                <a:stretch>
+                  <a:fillRect l="-6667" r="-6667" b="-29412"/>
+                </a:stretch>
+              </a:blipFill>
+            </p:spPr>
+            <p:txBody>
+              <a:bodyPr/>
+              <a:lstStyle/>
+              <a:p>
+                <a:r>
+                  <a:rPr lang="en-US">
+                    <a:noFill/>
+                  </a:rPr>
+                  <a:t> </a:t>
+                </a:r>
+              </a:p>
+            </p:txBody>
+          </p:sp>
+        </mc:Fallback>
+      </mc:AlternateContent>
+      <mc:AlternateContent xmlns:mc="http://schemas.openxmlformats.org/markup-compatibility/2006">
+        <mc:Choice xmlns:a14="http://schemas.microsoft.com/office/drawing/2010/main" Requires="a14">
+          <p:sp>
+            <p:nvSpPr>
+              <p:cNvPr id="202" name="TextBox 201">
+                <a:extLst>
+                  <a:ext uri="{FF2B5EF4-FFF2-40B4-BE49-F238E27FC236}">
+                    <a16:creationId xmlns:a16="http://schemas.microsoft.com/office/drawing/2014/main" id="{4EE12649-CA65-6648-A955-829C683262D0}"/>
+                  </a:ext>
+                </a:extLst>
+              </p:cNvPr>
+              <p:cNvSpPr txBox="1"/>
+              <p:nvPr/>
+            </p:nvSpPr>
+            <p:spPr>
+              <a:xfrm>
+                <a:off x="1313743" y="3879803"/>
+                <a:ext cx="872034" cy="200055"/>
+              </a:xfrm>
+              <a:prstGeom prst="rect">
+                <a:avLst/>
+              </a:prstGeom>
+              <a:noFill/>
+            </p:spPr>
+            <p:txBody>
+              <a:bodyPr wrap="none" lIns="0" tIns="0" rIns="0" bIns="0" rtlCol="0">
+                <a:spAutoFit/>
+              </a:bodyPr>
+              <a:lstStyle/>
+              <a:p>
+                <a14:m>
+                  <m:oMathPara xmlns:m="http://schemas.openxmlformats.org/officeDocument/2006/math">
+                    <m:oMathParaPr>
+                      <m:jc m:val="centerGroup"/>
+                    </m:oMathParaPr>
+                    <m:oMath xmlns:m="http://schemas.openxmlformats.org/officeDocument/2006/math">
+                      <m:r>
+                        <a:rPr lang="en-US" sz="1300" b="0" i="0" smtClean="0">
+                          <a:solidFill>
+                            <a:schemeClr val="tx1">
+                              <a:lumMod val="65000"/>
+                              <a:lumOff val="35000"/>
+                            </a:schemeClr>
+                          </a:solidFill>
+                          <a:latin typeface="Cambria Math" panose="02040503050406030204" pitchFamily="18" charset="0"/>
+                        </a:rPr>
+                        <m:t>[512,24,32]</m:t>
+                      </m:r>
+                    </m:oMath>
+                  </m:oMathPara>
+                </a14:m>
+                <a:endParaRPr lang="en-US" sz="1300" dirty="0">
+                  <a:solidFill>
+                    <a:schemeClr val="tx1">
+                      <a:lumMod val="65000"/>
+                      <a:lumOff val="35000"/>
+                    </a:schemeClr>
+                  </a:solidFill>
+                </a:endParaRPr>
+              </a:p>
+            </p:txBody>
+          </p:sp>
+        </mc:Choice>
+        <mc:Fallback>
+          <p:sp>
+            <p:nvSpPr>
+              <p:cNvPr id="202" name="TextBox 201">
+                <a:extLst>
+                  <a:ext uri="{FF2B5EF4-FFF2-40B4-BE49-F238E27FC236}">
+                    <a16:creationId xmlns:a16="http://schemas.microsoft.com/office/drawing/2014/main" id="{4EE12649-CA65-6648-A955-829C683262D0}"/>
+                  </a:ext>
+                </a:extLst>
+              </p:cNvPr>
+              <p:cNvSpPr txBox="1">
+                <a:spLocks noRot="1" noChangeAspect="1" noMove="1" noResize="1" noEditPoints="1" noAdjustHandles="1" noChangeArrowheads="1" noChangeShapeType="1" noTextEdit="1"/>
+              </p:cNvSpPr>
+              <p:nvPr/>
+            </p:nvSpPr>
+            <p:spPr>
+              <a:xfrm>
+                <a:off x="1313743" y="3879803"/>
+                <a:ext cx="872034" cy="200055"/>
+              </a:xfrm>
+              <a:prstGeom prst="rect">
+                <a:avLst/>
+              </a:prstGeom>
+              <a:blipFill>
+                <a:blip r:embed="rId6"/>
+                <a:stretch>
+                  <a:fillRect l="-7143" r="-5714" b="-29412"/>
+                </a:stretch>
+              </a:blipFill>
+            </p:spPr>
+            <p:txBody>
+              <a:bodyPr/>
+              <a:lstStyle/>
+              <a:p>
+                <a:r>
+                  <a:rPr lang="en-US">
+                    <a:noFill/>
+                  </a:rPr>
+                  <a:t> </a:t>
+                </a:r>
+              </a:p>
+            </p:txBody>
+          </p:sp>
+        </mc:Fallback>
+      </mc:AlternateContent>
+      <mc:AlternateContent xmlns:mc="http://schemas.openxmlformats.org/markup-compatibility/2006">
+        <mc:Choice xmlns:a14="http://schemas.microsoft.com/office/drawing/2010/main" Requires="a14">
+          <p:sp>
+            <p:nvSpPr>
+              <p:cNvPr id="203" name="TextBox 202">
+                <a:extLst>
+                  <a:ext uri="{FF2B5EF4-FFF2-40B4-BE49-F238E27FC236}">
+                    <a16:creationId xmlns:a16="http://schemas.microsoft.com/office/drawing/2014/main" id="{EA1C8E79-522B-4D4E-A73A-9D1ADB8A1800}"/>
+                  </a:ext>
+                </a:extLst>
+              </p:cNvPr>
+              <p:cNvSpPr txBox="1"/>
+              <p:nvPr/>
+            </p:nvSpPr>
+            <p:spPr>
+              <a:xfrm>
+                <a:off x="2007722" y="3666329"/>
+                <a:ext cx="652423" cy="200055"/>
+              </a:xfrm>
+              <a:prstGeom prst="rect">
+                <a:avLst/>
+              </a:prstGeom>
+              <a:noFill/>
+            </p:spPr>
+            <p:txBody>
+              <a:bodyPr wrap="none" lIns="0" tIns="0" rIns="0" bIns="0" rtlCol="0">
+                <a:spAutoFit/>
+              </a:bodyPr>
+              <a:lstStyle/>
+              <a:p>
+                <a14:m>
+                  <m:oMathPara xmlns:m="http://schemas.openxmlformats.org/officeDocument/2006/math">
+                    <m:oMathParaPr>
+                      <m:jc m:val="centerGroup"/>
+                    </m:oMathParaPr>
+                    <m:oMath xmlns:m="http://schemas.openxmlformats.org/officeDocument/2006/math">
+                      <m:r>
+                        <a:rPr lang="en-US" sz="1300" b="0" i="0" smtClean="0">
+                          <a:solidFill>
+                            <a:schemeClr val="tx1">
+                              <a:lumMod val="65000"/>
+                              <a:lumOff val="35000"/>
+                            </a:schemeClr>
+                          </a:solidFill>
+                          <a:latin typeface="Cambria Math" panose="02040503050406030204" pitchFamily="18" charset="0"/>
+                        </a:rPr>
+                        <m:t>[512,64]</m:t>
+                      </m:r>
+                    </m:oMath>
+                  </m:oMathPara>
+                </a14:m>
+                <a:endParaRPr lang="en-US" sz="1300" dirty="0">
+                  <a:solidFill>
+                    <a:schemeClr val="tx1">
+                      <a:lumMod val="65000"/>
+                      <a:lumOff val="35000"/>
+                    </a:schemeClr>
+                  </a:solidFill>
+                </a:endParaRPr>
+              </a:p>
+            </p:txBody>
+          </p:sp>
+        </mc:Choice>
+        <mc:Fallback>
+          <p:sp>
+            <p:nvSpPr>
+              <p:cNvPr id="203" name="TextBox 202">
+                <a:extLst>
+                  <a:ext uri="{FF2B5EF4-FFF2-40B4-BE49-F238E27FC236}">
+                    <a16:creationId xmlns:a16="http://schemas.microsoft.com/office/drawing/2014/main" id="{EA1C8E79-522B-4D4E-A73A-9D1ADB8A1800}"/>
+                  </a:ext>
+                </a:extLst>
+              </p:cNvPr>
+              <p:cNvSpPr txBox="1">
+                <a:spLocks noRot="1" noChangeAspect="1" noMove="1" noResize="1" noEditPoints="1" noAdjustHandles="1" noChangeArrowheads="1" noChangeShapeType="1" noTextEdit="1"/>
+              </p:cNvSpPr>
+              <p:nvPr/>
+            </p:nvSpPr>
+            <p:spPr>
+              <a:xfrm>
+                <a:off x="2007722" y="3666329"/>
+                <a:ext cx="652423" cy="200055"/>
+              </a:xfrm>
+              <a:prstGeom prst="rect">
+                <a:avLst/>
+              </a:prstGeom>
+              <a:blipFill>
+                <a:blip r:embed="rId7"/>
+                <a:stretch>
+                  <a:fillRect l="-7547" r="-9434" b="-35294"/>
+                </a:stretch>
+              </a:blipFill>
+            </p:spPr>
+            <p:txBody>
+              <a:bodyPr/>
+              <a:lstStyle/>
+              <a:p>
+                <a:r>
+                  <a:rPr lang="en-US">
+                    <a:noFill/>
+                  </a:rPr>
+                  <a:t> </a:t>
+                </a:r>
+              </a:p>
+            </p:txBody>
+          </p:sp>
+        </mc:Fallback>
+      </mc:AlternateContent>
+      <mc:AlternateContent xmlns:mc="http://schemas.openxmlformats.org/markup-compatibility/2006">
+        <mc:Choice xmlns:a14="http://schemas.microsoft.com/office/drawing/2010/main" Requires="a14">
+          <p:sp>
+            <p:nvSpPr>
+              <p:cNvPr id="204" name="TextBox 203">
+                <a:extLst>
+                  <a:ext uri="{FF2B5EF4-FFF2-40B4-BE49-F238E27FC236}">
+                    <a16:creationId xmlns:a16="http://schemas.microsoft.com/office/drawing/2014/main" id="{534C9EB2-2D41-1F41-A16E-B8D37FC2A1DD}"/>
+                  </a:ext>
+                </a:extLst>
+              </p:cNvPr>
+              <p:cNvSpPr txBox="1"/>
+              <p:nvPr/>
+            </p:nvSpPr>
+            <p:spPr>
+              <a:xfrm>
+                <a:off x="2817286" y="3689553"/>
+                <a:ext cx="872034" cy="200055"/>
+              </a:xfrm>
+              <a:prstGeom prst="rect">
+                <a:avLst/>
+              </a:prstGeom>
+              <a:noFill/>
+            </p:spPr>
+            <p:txBody>
+              <a:bodyPr wrap="none" lIns="0" tIns="0" rIns="0" bIns="0" rtlCol="0">
+                <a:spAutoFit/>
+              </a:bodyPr>
+              <a:lstStyle/>
+              <a:p>
+                <a14:m>
+                  <m:oMathPara xmlns:m="http://schemas.openxmlformats.org/officeDocument/2006/math">
+                    <m:oMathParaPr>
+                      <m:jc m:val="centerGroup"/>
+                    </m:oMathParaPr>
+                    <m:oMath xmlns:m="http://schemas.openxmlformats.org/officeDocument/2006/math">
+                      <m:r>
+                        <a:rPr lang="en-US" sz="1300" b="0" i="0" smtClean="0">
+                          <a:solidFill>
+                            <a:schemeClr val="tx1">
+                              <a:lumMod val="65000"/>
+                              <a:lumOff val="35000"/>
+                            </a:schemeClr>
+                          </a:solidFill>
+                          <a:latin typeface="Cambria Math" panose="02040503050406030204" pitchFamily="18" charset="0"/>
+                        </a:rPr>
+                        <m:t>[</m:t>
+                      </m:r>
+                      <m:r>
+                        <a:rPr lang="en-US" sz="1300" b="0" i="0" smtClean="0">
+                          <a:solidFill>
+                            <a:schemeClr val="tx1">
+                              <a:lumMod val="65000"/>
+                              <a:lumOff val="35000"/>
+                            </a:schemeClr>
+                          </a:solidFill>
+                          <a:latin typeface="Cambria Math" panose="02040503050406030204" pitchFamily="18" charset="0"/>
+                        </a:rPr>
+                        <m:t>256,24,64]</m:t>
+                      </m:r>
+                    </m:oMath>
+                  </m:oMathPara>
+                </a14:m>
+                <a:endParaRPr lang="en-US" sz="1300" dirty="0">
+                  <a:solidFill>
+                    <a:schemeClr val="tx1">
+                      <a:lumMod val="65000"/>
+                      <a:lumOff val="35000"/>
+                    </a:schemeClr>
+                  </a:solidFill>
+                </a:endParaRPr>
+              </a:p>
+            </p:txBody>
+          </p:sp>
+        </mc:Choice>
+        <mc:Fallback>
+          <p:sp>
+            <p:nvSpPr>
+              <p:cNvPr id="204" name="TextBox 203">
+                <a:extLst>
+                  <a:ext uri="{FF2B5EF4-FFF2-40B4-BE49-F238E27FC236}">
+                    <a16:creationId xmlns:a16="http://schemas.microsoft.com/office/drawing/2014/main" id="{534C9EB2-2D41-1F41-A16E-B8D37FC2A1DD}"/>
+                  </a:ext>
+                </a:extLst>
+              </p:cNvPr>
+              <p:cNvSpPr txBox="1">
+                <a:spLocks noRot="1" noChangeAspect="1" noMove="1" noResize="1" noEditPoints="1" noAdjustHandles="1" noChangeArrowheads="1" noChangeShapeType="1" noTextEdit="1"/>
+              </p:cNvSpPr>
+              <p:nvPr/>
+            </p:nvSpPr>
+            <p:spPr>
+              <a:xfrm>
+                <a:off x="2817286" y="3689553"/>
+                <a:ext cx="872034" cy="200055"/>
+              </a:xfrm>
+              <a:prstGeom prst="rect">
+                <a:avLst/>
+              </a:prstGeom>
+              <a:blipFill>
+                <a:blip r:embed="rId8"/>
+                <a:stretch>
+                  <a:fillRect l="-5714" r="-5714" b="-29412"/>
+                </a:stretch>
+              </a:blipFill>
+            </p:spPr>
+            <p:txBody>
+              <a:bodyPr/>
+              <a:lstStyle/>
+              <a:p>
+                <a:r>
+                  <a:rPr lang="en-US">
+                    <a:noFill/>
+                  </a:rPr>
+                  <a:t> </a:t>
+                </a:r>
+              </a:p>
+            </p:txBody>
+          </p:sp>
+        </mc:Fallback>
+      </mc:AlternateContent>
+      <mc:AlternateContent xmlns:mc="http://schemas.openxmlformats.org/markup-compatibility/2006">
+        <mc:Choice xmlns:a14="http://schemas.microsoft.com/office/drawing/2010/main" Requires="a14">
+          <p:sp>
+            <p:nvSpPr>
+              <p:cNvPr id="205" name="TextBox 204">
+                <a:extLst>
+                  <a:ext uri="{FF2B5EF4-FFF2-40B4-BE49-F238E27FC236}">
+                    <a16:creationId xmlns:a16="http://schemas.microsoft.com/office/drawing/2014/main" id="{75CBB427-5DDB-7149-9057-D3F89B68543E}"/>
+                  </a:ext>
+                </a:extLst>
+              </p:cNvPr>
+              <p:cNvSpPr txBox="1"/>
+              <p:nvPr/>
+            </p:nvSpPr>
+            <p:spPr>
+              <a:xfrm>
+                <a:off x="3386791" y="3503471"/>
+                <a:ext cx="745397" cy="200055"/>
+              </a:xfrm>
+              <a:prstGeom prst="rect">
+                <a:avLst/>
+              </a:prstGeom>
+              <a:noFill/>
+            </p:spPr>
+            <p:txBody>
+              <a:bodyPr wrap="none" lIns="0" tIns="0" rIns="0" bIns="0" rtlCol="0">
+                <a:spAutoFit/>
+              </a:bodyPr>
+              <a:lstStyle/>
+              <a:p>
+                <a14:m>
+                  <m:oMathPara xmlns:m="http://schemas.openxmlformats.org/officeDocument/2006/math">
+                    <m:oMathParaPr>
+                      <m:jc m:val="centerGroup"/>
+                    </m:oMathParaPr>
+                    <m:oMath xmlns:m="http://schemas.openxmlformats.org/officeDocument/2006/math">
+                      <m:r>
+                        <a:rPr lang="en-US" sz="1300" b="0" i="0" smtClean="0">
+                          <a:solidFill>
+                            <a:schemeClr val="tx1">
+                              <a:lumMod val="65000"/>
+                              <a:lumOff val="35000"/>
+                            </a:schemeClr>
+                          </a:solidFill>
+                          <a:latin typeface="Cambria Math" panose="02040503050406030204" pitchFamily="18" charset="0"/>
+                        </a:rPr>
+                        <m:t>[</m:t>
+                      </m:r>
+                      <m:r>
+                        <a:rPr lang="en-US" sz="1300" b="0" i="0" smtClean="0">
+                          <a:solidFill>
+                            <a:schemeClr val="tx1">
+                              <a:lumMod val="65000"/>
+                              <a:lumOff val="35000"/>
+                            </a:schemeClr>
+                          </a:solidFill>
+                          <a:latin typeface="Cambria Math" panose="02040503050406030204" pitchFamily="18" charset="0"/>
+                        </a:rPr>
+                        <m:t>256,128]</m:t>
+                      </m:r>
+                    </m:oMath>
+                  </m:oMathPara>
+                </a14:m>
+                <a:endParaRPr lang="en-US" sz="1300" dirty="0">
+                  <a:solidFill>
+                    <a:schemeClr val="tx1">
+                      <a:lumMod val="65000"/>
+                      <a:lumOff val="35000"/>
+                    </a:schemeClr>
+                  </a:solidFill>
+                </a:endParaRPr>
+              </a:p>
+            </p:txBody>
+          </p:sp>
+        </mc:Choice>
+        <mc:Fallback>
+          <p:sp>
+            <p:nvSpPr>
+              <p:cNvPr id="205" name="TextBox 204">
+                <a:extLst>
+                  <a:ext uri="{FF2B5EF4-FFF2-40B4-BE49-F238E27FC236}">
+                    <a16:creationId xmlns:a16="http://schemas.microsoft.com/office/drawing/2014/main" id="{75CBB427-5DDB-7149-9057-D3F89B68543E}"/>
+                  </a:ext>
+                </a:extLst>
+              </p:cNvPr>
+              <p:cNvSpPr txBox="1">
+                <a:spLocks noRot="1" noChangeAspect="1" noMove="1" noResize="1" noEditPoints="1" noAdjustHandles="1" noChangeArrowheads="1" noChangeShapeType="1" noTextEdit="1"/>
+              </p:cNvSpPr>
+              <p:nvPr/>
+            </p:nvSpPr>
+            <p:spPr>
+              <a:xfrm>
+                <a:off x="3386791" y="3503471"/>
+                <a:ext cx="745397" cy="200055"/>
+              </a:xfrm>
+              <a:prstGeom prst="rect">
+                <a:avLst/>
+              </a:prstGeom>
+              <a:blipFill>
+                <a:blip r:embed="rId9"/>
+                <a:stretch>
+                  <a:fillRect l="-6667" t="-6250" r="-6667" b="-37500"/>
+                </a:stretch>
+              </a:blipFill>
+            </p:spPr>
+            <p:txBody>
+              <a:bodyPr/>
+              <a:lstStyle/>
+              <a:p>
+                <a:r>
+                  <a:rPr lang="en-US">
+                    <a:noFill/>
+                  </a:rPr>
+                  <a:t> </a:t>
+                </a:r>
+              </a:p>
+            </p:txBody>
+          </p:sp>
+        </mc:Fallback>
+      </mc:AlternateContent>
+      <mc:AlternateContent xmlns:mc="http://schemas.openxmlformats.org/markup-compatibility/2006">
+        <mc:Choice xmlns:a14="http://schemas.microsoft.com/office/drawing/2010/main" Requires="a14">
+          <p:sp>
+            <p:nvSpPr>
+              <p:cNvPr id="206" name="TextBox 205">
+                <a:extLst>
+                  <a:ext uri="{FF2B5EF4-FFF2-40B4-BE49-F238E27FC236}">
+                    <a16:creationId xmlns:a16="http://schemas.microsoft.com/office/drawing/2014/main" id="{6E2F04EB-757C-C149-8868-4B362DD1831E}"/>
+                  </a:ext>
+                </a:extLst>
+              </p:cNvPr>
+              <p:cNvSpPr txBox="1"/>
+              <p:nvPr/>
+            </p:nvSpPr>
+            <p:spPr>
+              <a:xfrm>
+                <a:off x="4365427" y="3546471"/>
+                <a:ext cx="965008" cy="200055"/>
+              </a:xfrm>
+              <a:prstGeom prst="rect">
+                <a:avLst/>
+              </a:prstGeom>
+              <a:noFill/>
+            </p:spPr>
+            <p:txBody>
+              <a:bodyPr wrap="none" lIns="0" tIns="0" rIns="0" bIns="0" rtlCol="0">
+                <a:spAutoFit/>
+              </a:bodyPr>
+              <a:lstStyle/>
+              <a:p>
+                <a14:m>
+                  <m:oMathPara xmlns:m="http://schemas.openxmlformats.org/officeDocument/2006/math">
+                    <m:oMathParaPr>
+                      <m:jc m:val="centerGroup"/>
+                    </m:oMathParaPr>
+                    <m:oMath xmlns:m="http://schemas.openxmlformats.org/officeDocument/2006/math">
+                      <m:r>
+                        <a:rPr lang="en-US" sz="1300" b="0" i="0" smtClean="0">
+                          <a:solidFill>
+                            <a:schemeClr val="tx1">
+                              <a:lumMod val="65000"/>
+                              <a:lumOff val="35000"/>
+                            </a:schemeClr>
+                          </a:solidFill>
+                          <a:latin typeface="Cambria Math" panose="02040503050406030204" pitchFamily="18" charset="0"/>
+                        </a:rPr>
+                        <m:t>[</m:t>
+                      </m:r>
+                      <m:r>
+                        <a:rPr lang="en-US" sz="1300" b="0" i="0" smtClean="0">
+                          <a:solidFill>
+                            <a:schemeClr val="tx1">
+                              <a:lumMod val="65000"/>
+                              <a:lumOff val="35000"/>
+                            </a:schemeClr>
+                          </a:solidFill>
+                          <a:latin typeface="Cambria Math" panose="02040503050406030204" pitchFamily="18" charset="0"/>
+                        </a:rPr>
+                        <m:t>128,24,128]</m:t>
+                      </m:r>
+                    </m:oMath>
+                  </m:oMathPara>
+                </a14:m>
+                <a:endParaRPr lang="en-US" sz="1300" dirty="0">
+                  <a:solidFill>
+                    <a:schemeClr val="tx1">
+                      <a:lumMod val="65000"/>
+                      <a:lumOff val="35000"/>
+                    </a:schemeClr>
+                  </a:solidFill>
+                </a:endParaRPr>
+              </a:p>
+            </p:txBody>
+          </p:sp>
+        </mc:Choice>
+        <mc:Fallback>
+          <p:sp>
+            <p:nvSpPr>
+              <p:cNvPr id="206" name="TextBox 205">
+                <a:extLst>
+                  <a:ext uri="{FF2B5EF4-FFF2-40B4-BE49-F238E27FC236}">
+                    <a16:creationId xmlns:a16="http://schemas.microsoft.com/office/drawing/2014/main" id="{6E2F04EB-757C-C149-8868-4B362DD1831E}"/>
+                  </a:ext>
+                </a:extLst>
+              </p:cNvPr>
+              <p:cNvSpPr txBox="1">
+                <a:spLocks noRot="1" noChangeAspect="1" noMove="1" noResize="1" noEditPoints="1" noAdjustHandles="1" noChangeArrowheads="1" noChangeShapeType="1" noTextEdit="1"/>
+              </p:cNvSpPr>
+              <p:nvPr/>
+            </p:nvSpPr>
+            <p:spPr>
+              <a:xfrm>
+                <a:off x="4365427" y="3546471"/>
+                <a:ext cx="965008" cy="200055"/>
+              </a:xfrm>
+              <a:prstGeom prst="rect">
+                <a:avLst/>
+              </a:prstGeom>
+              <a:blipFill>
+                <a:blip r:embed="rId10"/>
+                <a:stretch>
+                  <a:fillRect l="-5195" t="-5882" r="-5195" b="-29412"/>
+                </a:stretch>
+              </a:blipFill>
+            </p:spPr>
+            <p:txBody>
+              <a:bodyPr/>
+              <a:lstStyle/>
+              <a:p>
+                <a:r>
+                  <a:rPr lang="en-US">
+                    <a:noFill/>
+                  </a:rPr>
+                  <a:t> </a:t>
+                </a:r>
+              </a:p>
+            </p:txBody>
+          </p:sp>
+        </mc:Fallback>
+      </mc:AlternateContent>
+      <mc:AlternateContent xmlns:mc="http://schemas.openxmlformats.org/markup-compatibility/2006">
+        <mc:Choice xmlns:a14="http://schemas.microsoft.com/office/drawing/2010/main" Requires="a14">
+          <p:sp>
+            <p:nvSpPr>
+              <p:cNvPr id="207" name="TextBox 206">
+                <a:extLst>
+                  <a:ext uri="{FF2B5EF4-FFF2-40B4-BE49-F238E27FC236}">
+                    <a16:creationId xmlns:a16="http://schemas.microsoft.com/office/drawing/2014/main" id="{C8EE616C-F6F6-8D48-AA7B-98950663209C}"/>
+                  </a:ext>
+                </a:extLst>
+              </p:cNvPr>
+              <p:cNvSpPr txBox="1"/>
+              <p:nvPr/>
+            </p:nvSpPr>
+            <p:spPr>
+              <a:xfrm>
+                <a:off x="5264461" y="3346416"/>
+                <a:ext cx="745397" cy="200055"/>
+              </a:xfrm>
+              <a:prstGeom prst="rect">
+                <a:avLst/>
+              </a:prstGeom>
+              <a:noFill/>
+            </p:spPr>
+            <p:txBody>
+              <a:bodyPr wrap="none" lIns="0" tIns="0" rIns="0" bIns="0" rtlCol="0">
+                <a:spAutoFit/>
+              </a:bodyPr>
+              <a:lstStyle/>
+              <a:p>
+                <a14:m>
+                  <m:oMathPara xmlns:m="http://schemas.openxmlformats.org/officeDocument/2006/math">
+                    <m:oMathParaPr>
+                      <m:jc m:val="centerGroup"/>
+                    </m:oMathParaPr>
+                    <m:oMath xmlns:m="http://schemas.openxmlformats.org/officeDocument/2006/math">
+                      <m:r>
+                        <a:rPr lang="en-US" sz="1300" b="0" i="0" smtClean="0">
+                          <a:solidFill>
+                            <a:schemeClr val="tx1">
+                              <a:lumMod val="65000"/>
+                              <a:lumOff val="35000"/>
+                            </a:schemeClr>
+                          </a:solidFill>
+                          <a:latin typeface="Cambria Math" panose="02040503050406030204" pitchFamily="18" charset="0"/>
+                        </a:rPr>
+                        <m:t>[128,256]</m:t>
+                      </m:r>
+                    </m:oMath>
+                  </m:oMathPara>
+                </a14:m>
+                <a:endParaRPr lang="en-US" sz="1300" dirty="0">
+                  <a:solidFill>
+                    <a:schemeClr val="tx1">
+                      <a:lumMod val="65000"/>
+                      <a:lumOff val="35000"/>
+                    </a:schemeClr>
+                  </a:solidFill>
+                </a:endParaRPr>
+              </a:p>
+            </p:txBody>
+          </p:sp>
+        </mc:Choice>
+        <mc:Fallback>
+          <p:sp>
+            <p:nvSpPr>
+              <p:cNvPr id="207" name="TextBox 206">
+                <a:extLst>
+                  <a:ext uri="{FF2B5EF4-FFF2-40B4-BE49-F238E27FC236}">
+                    <a16:creationId xmlns:a16="http://schemas.microsoft.com/office/drawing/2014/main" id="{C8EE616C-F6F6-8D48-AA7B-98950663209C}"/>
+                  </a:ext>
+                </a:extLst>
+              </p:cNvPr>
+              <p:cNvSpPr txBox="1">
+                <a:spLocks noRot="1" noChangeAspect="1" noMove="1" noResize="1" noEditPoints="1" noAdjustHandles="1" noChangeArrowheads="1" noChangeShapeType="1" noTextEdit="1"/>
+              </p:cNvSpPr>
+              <p:nvPr/>
+            </p:nvSpPr>
+            <p:spPr>
+              <a:xfrm>
+                <a:off x="5264461" y="3346416"/>
+                <a:ext cx="745397" cy="200055"/>
+              </a:xfrm>
+              <a:prstGeom prst="rect">
+                <a:avLst/>
+              </a:prstGeom>
+              <a:blipFill>
+                <a:blip r:embed="rId11"/>
+                <a:stretch>
+                  <a:fillRect l="-8333" r="-6667" b="-29412"/>
+                </a:stretch>
+              </a:blipFill>
+            </p:spPr>
+            <p:txBody>
+              <a:bodyPr/>
+              <a:lstStyle/>
+              <a:p>
+                <a:r>
+                  <a:rPr lang="en-US">
+                    <a:noFill/>
+                  </a:rPr>
+                  <a:t> </a:t>
+                </a:r>
+              </a:p>
+            </p:txBody>
+          </p:sp>
+        </mc:Fallback>
+      </mc:AlternateContent>
+      <mc:AlternateContent xmlns:mc="http://schemas.openxmlformats.org/markup-compatibility/2006">
+        <mc:Choice xmlns:a14="http://schemas.microsoft.com/office/drawing/2010/main" Requires="a14">
+          <p:sp>
+            <p:nvSpPr>
+              <p:cNvPr id="208" name="TextBox 207">
+                <a:extLst>
+                  <a:ext uri="{FF2B5EF4-FFF2-40B4-BE49-F238E27FC236}">
+                    <a16:creationId xmlns:a16="http://schemas.microsoft.com/office/drawing/2014/main" id="{86FA33B5-159E-4B42-BB26-BE5B4EB9B454}"/>
+                  </a:ext>
+                </a:extLst>
+              </p:cNvPr>
+              <p:cNvSpPr txBox="1"/>
+              <p:nvPr/>
+            </p:nvSpPr>
+            <p:spPr>
+              <a:xfrm>
+                <a:off x="6459075" y="3366183"/>
+                <a:ext cx="827150" cy="200055"/>
+              </a:xfrm>
+              <a:prstGeom prst="rect">
+                <a:avLst/>
+              </a:prstGeom>
+              <a:noFill/>
+            </p:spPr>
+            <p:txBody>
+              <a:bodyPr wrap="none" lIns="0" tIns="0" rIns="0" bIns="0" rtlCol="0">
+                <a:spAutoFit/>
+              </a:bodyPr>
+              <a:lstStyle/>
+              <a:p>
+                <a14:m>
+                  <m:oMath xmlns:m="http://schemas.openxmlformats.org/officeDocument/2006/math">
+                    <m:r>
+                      <a:rPr lang="en-US" sz="1300" b="0" i="0" smtClean="0">
+                        <a:solidFill>
+                          <a:schemeClr val="tx1">
+                            <a:lumMod val="65000"/>
+                            <a:lumOff val="35000"/>
+                          </a:schemeClr>
+                        </a:solidFill>
+                        <a:latin typeface="Cambria Math" panose="02040503050406030204" pitchFamily="18" charset="0"/>
+                      </a:rPr>
+                      <m:t>[64,24,256</m:t>
+                    </m:r>
+                  </m:oMath>
+                </a14:m>
+                <a:r>
+                  <a:rPr lang="en-US" sz="1300" dirty="0">
+                    <a:solidFill>
+                      <a:schemeClr val="tx1">
+                        <a:lumMod val="65000"/>
+                        <a:lumOff val="35000"/>
+                      </a:schemeClr>
+                    </a:solidFill>
+                  </a:rPr>
+                  <a:t>]</a:t>
+                </a:r>
+              </a:p>
+            </p:txBody>
+          </p:sp>
+        </mc:Choice>
+        <mc:Fallback>
+          <p:sp>
+            <p:nvSpPr>
+              <p:cNvPr id="208" name="TextBox 207">
+                <a:extLst>
+                  <a:ext uri="{FF2B5EF4-FFF2-40B4-BE49-F238E27FC236}">
+                    <a16:creationId xmlns:a16="http://schemas.microsoft.com/office/drawing/2014/main" id="{86FA33B5-159E-4B42-BB26-BE5B4EB9B454}"/>
+                  </a:ext>
+                </a:extLst>
+              </p:cNvPr>
+              <p:cNvSpPr txBox="1">
+                <a:spLocks noRot="1" noChangeAspect="1" noMove="1" noResize="1" noEditPoints="1" noAdjustHandles="1" noChangeArrowheads="1" noChangeShapeType="1" noTextEdit="1"/>
+              </p:cNvSpPr>
+              <p:nvPr/>
+            </p:nvSpPr>
+            <p:spPr>
+              <a:xfrm>
+                <a:off x="6459075" y="3366183"/>
+                <a:ext cx="827150" cy="200055"/>
+              </a:xfrm>
+              <a:prstGeom prst="rect">
+                <a:avLst/>
+              </a:prstGeom>
+              <a:blipFill>
+                <a:blip r:embed="rId12"/>
+                <a:stretch>
+                  <a:fillRect l="-9091" t="-23529" r="-12121" b="-47059"/>
+                </a:stretch>
+              </a:blipFill>
+            </p:spPr>
+            <p:txBody>
+              <a:bodyPr/>
+              <a:lstStyle/>
+              <a:p>
+                <a:r>
+                  <a:rPr lang="en-US">
+                    <a:noFill/>
+                  </a:rPr>
+                  <a:t> </a:t>
+                </a:r>
+              </a:p>
+            </p:txBody>
+          </p:sp>
+        </mc:Fallback>
+      </mc:AlternateContent>
+      <mc:AlternateContent xmlns:mc="http://schemas.openxmlformats.org/markup-compatibility/2006">
+        <mc:Choice xmlns:a14="http://schemas.microsoft.com/office/drawing/2010/main" Requires="a14">
+          <p:sp>
+            <p:nvSpPr>
+              <p:cNvPr id="209" name="TextBox 208">
+                <a:extLst>
+                  <a:ext uri="{FF2B5EF4-FFF2-40B4-BE49-F238E27FC236}">
+                    <a16:creationId xmlns:a16="http://schemas.microsoft.com/office/drawing/2014/main" id="{6F3C4C68-932F-1543-8966-B3B0B0503DA6}"/>
+                  </a:ext>
+                </a:extLst>
+              </p:cNvPr>
+              <p:cNvSpPr txBox="1"/>
+              <p:nvPr/>
+            </p:nvSpPr>
+            <p:spPr>
+              <a:xfrm>
+                <a:off x="7024070" y="3184688"/>
+                <a:ext cx="652423" cy="200055"/>
+              </a:xfrm>
+              <a:prstGeom prst="rect">
+                <a:avLst/>
+              </a:prstGeom>
+              <a:noFill/>
+            </p:spPr>
+            <p:txBody>
+              <a:bodyPr wrap="none" lIns="0" tIns="0" rIns="0" bIns="0" rtlCol="0">
+                <a:spAutoFit/>
+              </a:bodyPr>
+              <a:lstStyle/>
+              <a:p>
+                <a14:m>
+                  <m:oMathPara xmlns:m="http://schemas.openxmlformats.org/officeDocument/2006/math">
+                    <m:oMathParaPr>
+                      <m:jc m:val="centerGroup"/>
+                    </m:oMathParaPr>
+                    <m:oMath xmlns:m="http://schemas.openxmlformats.org/officeDocument/2006/math">
+                      <m:r>
+                        <a:rPr lang="en-US" sz="1300" b="0" i="0" smtClean="0">
+                          <a:solidFill>
+                            <a:schemeClr val="tx1">
+                              <a:lumMod val="65000"/>
+                              <a:lumOff val="35000"/>
+                            </a:schemeClr>
+                          </a:solidFill>
+                          <a:latin typeface="Cambria Math" panose="02040503050406030204" pitchFamily="18" charset="0"/>
+                        </a:rPr>
+                        <m:t>[64,256]</m:t>
+                      </m:r>
+                    </m:oMath>
+                  </m:oMathPara>
+                </a14:m>
+                <a:endParaRPr lang="en-US" sz="1300" dirty="0">
+                  <a:solidFill>
+                    <a:schemeClr val="tx1">
+                      <a:lumMod val="65000"/>
+                      <a:lumOff val="35000"/>
+                    </a:schemeClr>
+                  </a:solidFill>
+                </a:endParaRPr>
+              </a:p>
+            </p:txBody>
+          </p:sp>
+        </mc:Choice>
+        <mc:Fallback>
+          <p:sp>
+            <p:nvSpPr>
+              <p:cNvPr id="209" name="TextBox 208">
+                <a:extLst>
+                  <a:ext uri="{FF2B5EF4-FFF2-40B4-BE49-F238E27FC236}">
+                    <a16:creationId xmlns:a16="http://schemas.microsoft.com/office/drawing/2014/main" id="{6F3C4C68-932F-1543-8966-B3B0B0503DA6}"/>
+                  </a:ext>
+                </a:extLst>
+              </p:cNvPr>
+              <p:cNvSpPr txBox="1">
+                <a:spLocks noRot="1" noChangeAspect="1" noMove="1" noResize="1" noEditPoints="1" noAdjustHandles="1" noChangeArrowheads="1" noChangeShapeType="1" noTextEdit="1"/>
+              </p:cNvSpPr>
+              <p:nvPr/>
+            </p:nvSpPr>
+            <p:spPr>
+              <a:xfrm>
+                <a:off x="7024070" y="3184688"/>
+                <a:ext cx="652423" cy="200055"/>
+              </a:xfrm>
+              <a:prstGeom prst="rect">
+                <a:avLst/>
+              </a:prstGeom>
+              <a:blipFill>
+                <a:blip r:embed="rId13"/>
+                <a:stretch>
+                  <a:fillRect l="-7547" r="-7547" b="-35294"/>
+                </a:stretch>
+              </a:blipFill>
+            </p:spPr>
+            <p:txBody>
+              <a:bodyPr/>
+              <a:lstStyle/>
+              <a:p>
+                <a:r>
+                  <a:rPr lang="en-US">
+                    <a:noFill/>
+                  </a:rPr>
+                  <a:t> </a:t>
+                </a:r>
+              </a:p>
+            </p:txBody>
+          </p:sp>
+        </mc:Fallback>
+      </mc:AlternateContent>
+      <p:sp>
+        <p:nvSpPr>
+          <p:cNvPr id="210" name="Rounded Rectangle 209">
+            <a:extLst>
+              <a:ext uri="{FF2B5EF4-FFF2-40B4-BE49-F238E27FC236}">
+                <a16:creationId xmlns:a16="http://schemas.microsoft.com/office/drawing/2014/main" id="{237E8E34-98C9-B843-838F-B5A753D61568}"/>
+              </a:ext>
+            </a:extLst>
+          </p:cNvPr>
+          <p:cNvSpPr/>
+          <p:nvPr/>
+        </p:nvSpPr>
+        <p:spPr>
+          <a:xfrm rot="16200000">
+            <a:off x="7604034" y="2752367"/>
+            <a:ext cx="1688011" cy="217795"/>
+          </a:xfrm>
+          <a:prstGeom prst="roundRect">
+            <a:avLst/>
+          </a:prstGeom>
+        </p:spPr>
+        <p:style>
+          <a:lnRef idx="2">
+            <a:schemeClr val="accent1"/>
+          </a:lnRef>
+          <a:fillRef idx="1">
+            <a:schemeClr val="lt1"/>
+          </a:fillRef>
+          <a:effectRef idx="0">
+            <a:schemeClr val="accent1"/>
+          </a:effectRef>
+          <a:fontRef idx="minor">
+            <a:schemeClr val="dk1"/>
+          </a:fontRef>
+        </p:style>
+        <p:txBody>
+          <a:bodyPr rtlCol="0" anchor="ctr"/>
+          <a:lstStyle/>
+          <a:p>
+            <a:pPr algn="ctr"/>
+            <a:r>
+              <a:rPr lang="en-US" sz="1400" dirty="0">
+                <a:solidFill>
+                  <a:schemeClr val="tx1"/>
+                </a:solidFill>
+                <a:latin typeface="Times New Roman" panose="02020603050405020304" pitchFamily="18" charset="0"/>
+                <a:cs typeface="Times New Roman" panose="02020603050405020304" pitchFamily="18" charset="0"/>
+              </a:rPr>
+              <a:t>FC BN </a:t>
+            </a:r>
+            <a:r>
+              <a:rPr lang="en-US" sz="1400" dirty="0" err="1">
+                <a:solidFill>
+                  <a:schemeClr val="tx1"/>
+                </a:solidFill>
+                <a:latin typeface="Times New Roman" panose="02020603050405020304" pitchFamily="18" charset="0"/>
+                <a:cs typeface="Times New Roman" panose="02020603050405020304" pitchFamily="18" charset="0"/>
+              </a:rPr>
+              <a:t>ReLU</a:t>
+            </a:r>
+            <a:r>
+              <a:rPr lang="en-US" sz="1400" dirty="0">
+                <a:solidFill>
+                  <a:schemeClr val="tx1"/>
+                </a:solidFill>
+                <a:latin typeface="Times New Roman" panose="02020603050405020304" pitchFamily="18" charset="0"/>
+                <a:cs typeface="Times New Roman" panose="02020603050405020304" pitchFamily="18" charset="0"/>
+              </a:rPr>
+              <a:t> (512)</a:t>
+            </a:r>
+          </a:p>
+        </p:txBody>
+      </p:sp>
+      <p:sp>
+        <p:nvSpPr>
+          <p:cNvPr id="212" name="Rounded Rectangle 211">
+            <a:extLst>
+              <a:ext uri="{FF2B5EF4-FFF2-40B4-BE49-F238E27FC236}">
+                <a16:creationId xmlns:a16="http://schemas.microsoft.com/office/drawing/2014/main" id="{FE46645E-721A-3A42-B38E-D5807C004CB4}"/>
+              </a:ext>
+            </a:extLst>
+          </p:cNvPr>
+          <p:cNvSpPr/>
+          <p:nvPr/>
+        </p:nvSpPr>
+        <p:spPr>
+          <a:xfrm rot="16200000">
+            <a:off x="7843684" y="2759266"/>
+            <a:ext cx="1688011" cy="217795"/>
+          </a:xfrm>
+          <a:prstGeom prst="roundRect">
+            <a:avLst/>
+          </a:prstGeom>
+        </p:spPr>
+        <p:style>
+          <a:lnRef idx="2">
+            <a:schemeClr val="accent1"/>
+          </a:lnRef>
+          <a:fillRef idx="1">
+            <a:schemeClr val="lt1"/>
+          </a:fillRef>
+          <a:effectRef idx="0">
+            <a:schemeClr val="accent1"/>
+          </a:effectRef>
+          <a:fontRef idx="minor">
+            <a:schemeClr val="dk1"/>
+          </a:fontRef>
+        </p:style>
+        <p:txBody>
+          <a:bodyPr rtlCol="0" anchor="ctr"/>
+          <a:lstStyle/>
+          <a:p>
+            <a:pPr algn="ctr"/>
+            <a:r>
+              <a:rPr lang="en-US" sz="1400" dirty="0">
+                <a:solidFill>
+                  <a:schemeClr val="tx1"/>
+                </a:solidFill>
+                <a:latin typeface="Times New Roman" panose="02020603050405020304" pitchFamily="18" charset="0"/>
+                <a:cs typeface="Times New Roman" panose="02020603050405020304" pitchFamily="18" charset="0"/>
+              </a:rPr>
+              <a:t>Dropout (0.5)</a:t>
+            </a:r>
+          </a:p>
+        </p:txBody>
+      </p:sp>
+      <p:sp>
+        <p:nvSpPr>
+          <p:cNvPr id="213" name="Rounded Rectangle 212">
+            <a:extLst>
+              <a:ext uri="{FF2B5EF4-FFF2-40B4-BE49-F238E27FC236}">
+                <a16:creationId xmlns:a16="http://schemas.microsoft.com/office/drawing/2014/main" id="{FA0CCCF3-328E-284D-A153-6EAD0EE787AB}"/>
+              </a:ext>
+            </a:extLst>
+          </p:cNvPr>
+          <p:cNvSpPr/>
+          <p:nvPr/>
+        </p:nvSpPr>
+        <p:spPr>
+          <a:xfrm rot="16200000">
+            <a:off x="8067232" y="2752366"/>
+            <a:ext cx="1688011" cy="217795"/>
+          </a:xfrm>
+          <a:prstGeom prst="roundRect">
+            <a:avLst/>
+          </a:prstGeom>
+        </p:spPr>
+        <p:style>
+          <a:lnRef idx="2">
+            <a:schemeClr val="accent1"/>
+          </a:lnRef>
+          <a:fillRef idx="1">
+            <a:schemeClr val="lt1"/>
+          </a:fillRef>
+          <a:effectRef idx="0">
+            <a:schemeClr val="accent1"/>
+          </a:effectRef>
+          <a:fontRef idx="minor">
+            <a:schemeClr val="dk1"/>
+          </a:fontRef>
+        </p:style>
+        <p:txBody>
+          <a:bodyPr rtlCol="0" anchor="ctr"/>
+          <a:lstStyle/>
+          <a:p>
+            <a:pPr algn="ctr"/>
+            <a:r>
+              <a:rPr lang="en-US" sz="1400" dirty="0">
+                <a:solidFill>
+                  <a:schemeClr val="tx1"/>
+                </a:solidFill>
+                <a:latin typeface="Times New Roman" panose="02020603050405020304" pitchFamily="18" charset="0"/>
+                <a:cs typeface="Times New Roman" panose="02020603050405020304" pitchFamily="18" charset="0"/>
+              </a:rPr>
+              <a:t>FC BN </a:t>
+            </a:r>
+            <a:r>
+              <a:rPr lang="en-US" sz="1400" dirty="0" err="1">
+                <a:solidFill>
+                  <a:schemeClr val="tx1"/>
+                </a:solidFill>
+                <a:latin typeface="Times New Roman" panose="02020603050405020304" pitchFamily="18" charset="0"/>
+                <a:cs typeface="Times New Roman" panose="02020603050405020304" pitchFamily="18" charset="0"/>
+              </a:rPr>
+              <a:t>ReLU</a:t>
+            </a:r>
+            <a:r>
+              <a:rPr lang="en-US" sz="1400" dirty="0">
+                <a:solidFill>
+                  <a:schemeClr val="tx1"/>
+                </a:solidFill>
+                <a:latin typeface="Times New Roman" panose="02020603050405020304" pitchFamily="18" charset="0"/>
+                <a:cs typeface="Times New Roman" panose="02020603050405020304" pitchFamily="18" charset="0"/>
+              </a:rPr>
+              <a:t> (256)</a:t>
+            </a:r>
+          </a:p>
+        </p:txBody>
+      </p:sp>
+      <p:sp>
+        <p:nvSpPr>
+          <p:cNvPr id="214" name="Rounded Rectangle 213">
+            <a:extLst>
+              <a:ext uri="{FF2B5EF4-FFF2-40B4-BE49-F238E27FC236}">
+                <a16:creationId xmlns:a16="http://schemas.microsoft.com/office/drawing/2014/main" id="{354EC426-C717-4B44-A2CC-E1BBB92E1280}"/>
+              </a:ext>
+            </a:extLst>
+          </p:cNvPr>
+          <p:cNvSpPr/>
+          <p:nvPr/>
+        </p:nvSpPr>
+        <p:spPr>
+          <a:xfrm rot="16200000">
+            <a:off x="8292335" y="2752365"/>
+            <a:ext cx="1688011" cy="217795"/>
+          </a:xfrm>
+          <a:prstGeom prst="roundRect">
+            <a:avLst/>
+          </a:prstGeom>
+        </p:spPr>
+        <p:style>
+          <a:lnRef idx="2">
+            <a:schemeClr val="accent1"/>
+          </a:lnRef>
+          <a:fillRef idx="1">
+            <a:schemeClr val="lt1"/>
+          </a:fillRef>
+          <a:effectRef idx="0">
+            <a:schemeClr val="accent1"/>
+          </a:effectRef>
+          <a:fontRef idx="minor">
+            <a:schemeClr val="dk1"/>
+          </a:fontRef>
+        </p:style>
+        <p:txBody>
+          <a:bodyPr rtlCol="0" anchor="ctr"/>
+          <a:lstStyle/>
+          <a:p>
+            <a:pPr algn="ctr"/>
+            <a:r>
+              <a:rPr lang="en-US" sz="1400" dirty="0">
+                <a:solidFill>
+                  <a:schemeClr val="tx1"/>
+                </a:solidFill>
+                <a:latin typeface="Times New Roman" panose="02020603050405020304" pitchFamily="18" charset="0"/>
+                <a:cs typeface="Times New Roman" panose="02020603050405020304" pitchFamily="18" charset="0"/>
+              </a:rPr>
+              <a:t>Dropout (0.5)</a:t>
+            </a:r>
+          </a:p>
+        </p:txBody>
+      </p:sp>
+      <p:sp>
+        <p:nvSpPr>
+          <p:cNvPr id="215" name="Rounded Rectangle 214">
+            <a:extLst>
+              <a:ext uri="{FF2B5EF4-FFF2-40B4-BE49-F238E27FC236}">
+                <a16:creationId xmlns:a16="http://schemas.microsoft.com/office/drawing/2014/main" id="{22C1263F-DBA8-0F43-87D5-CA12B4821C47}"/>
+              </a:ext>
+            </a:extLst>
+          </p:cNvPr>
+          <p:cNvSpPr/>
+          <p:nvPr/>
+        </p:nvSpPr>
+        <p:spPr>
+          <a:xfrm rot="16200000">
+            <a:off x="8530708" y="2743242"/>
+            <a:ext cx="1688011" cy="217795"/>
+          </a:xfrm>
+          <a:prstGeom prst="roundRect">
+            <a:avLst/>
+          </a:prstGeom>
+        </p:spPr>
+        <p:style>
+          <a:lnRef idx="2">
+            <a:schemeClr val="accent1"/>
+          </a:lnRef>
+          <a:fillRef idx="1">
+            <a:schemeClr val="lt1"/>
+          </a:fillRef>
+          <a:effectRef idx="0">
+            <a:schemeClr val="accent1"/>
+          </a:effectRef>
+          <a:fontRef idx="minor">
+            <a:schemeClr val="dk1"/>
+          </a:fontRef>
+        </p:style>
+        <p:txBody>
+          <a:bodyPr rtlCol="0" anchor="ctr"/>
+          <a:lstStyle/>
+          <a:p>
+            <a:pPr algn="ctr"/>
+            <a:r>
+              <a:rPr lang="en-US" sz="1400" dirty="0">
+                <a:solidFill>
+                  <a:schemeClr val="tx1"/>
+                </a:solidFill>
+                <a:latin typeface="Times New Roman" panose="02020603050405020304" pitchFamily="18" charset="0"/>
+                <a:cs typeface="Times New Roman" panose="02020603050405020304" pitchFamily="18" charset="0"/>
+              </a:rPr>
+              <a:t>FC( </a:t>
+            </a:r>
+            <a:r>
+              <a:rPr lang="en-US" sz="1400" dirty="0" err="1">
+                <a:solidFill>
+                  <a:schemeClr val="tx1"/>
+                </a:solidFill>
+                <a:latin typeface="Times New Roman" panose="02020603050405020304" pitchFamily="18" charset="0"/>
+                <a:cs typeface="Times New Roman" panose="02020603050405020304" pitchFamily="18" charset="0"/>
+              </a:rPr>
+              <a:t>class_num</a:t>
+            </a:r>
+            <a:r>
+              <a:rPr lang="en-US" sz="1400" dirty="0">
+                <a:solidFill>
+                  <a:schemeClr val="tx1"/>
+                </a:solidFill>
+                <a:latin typeface="Times New Roman" panose="02020603050405020304" pitchFamily="18" charset="0"/>
+                <a:cs typeface="Times New Roman" panose="02020603050405020304" pitchFamily="18" charset="0"/>
+              </a:rPr>
+              <a:t>)</a:t>
+            </a:r>
+          </a:p>
+        </p:txBody>
+      </p:sp>
+      <p:sp>
+        <p:nvSpPr>
+          <p:cNvPr id="216" name="Rectangle 215">
+            <a:extLst>
+              <a:ext uri="{FF2B5EF4-FFF2-40B4-BE49-F238E27FC236}">
+                <a16:creationId xmlns:a16="http://schemas.microsoft.com/office/drawing/2014/main" id="{43C8E09E-3FE0-6E46-8818-0AC265C31B3A}"/>
+              </a:ext>
+            </a:extLst>
+          </p:cNvPr>
+          <p:cNvSpPr/>
+          <p:nvPr/>
+        </p:nvSpPr>
+        <p:spPr>
+          <a:xfrm rot="16200000">
+            <a:off x="9442916" y="2657892"/>
+            <a:ext cx="838200" cy="388620"/>
+          </a:xfrm>
+          <a:prstGeom prst="rect">
+            <a:avLst/>
+          </a:prstGeom>
+        </p:spPr>
+        <p:style>
+          <a:lnRef idx="2">
+            <a:schemeClr val="accent1">
+              <a:shade val="50000"/>
+            </a:schemeClr>
+          </a:lnRef>
+          <a:fillRef idx="1">
+            <a:schemeClr val="accent1"/>
+          </a:fillRef>
+          <a:effectRef idx="0">
+            <a:schemeClr val="accent1"/>
+          </a:effectRef>
+          <a:fontRef idx="minor">
+            <a:schemeClr val="lt1"/>
+          </a:fontRef>
+        </p:style>
+        <p:txBody>
+          <a:bodyPr rtlCol="0" anchor="ctr"/>
+          <a:lstStyle/>
+          <a:p>
+            <a:pPr algn="ctr"/>
+            <a:r>
+              <a:rPr lang="en-US" dirty="0">
+                <a:solidFill>
+                  <a:schemeClr val="tx1"/>
+                </a:solidFill>
+                <a:latin typeface="Times New Roman" panose="02020603050405020304" pitchFamily="18" charset="0"/>
+                <a:cs typeface="Times New Roman" panose="02020603050405020304" pitchFamily="18" charset="0"/>
+              </a:rPr>
+              <a:t>Output</a:t>
+            </a:r>
+          </a:p>
+        </p:txBody>
+      </p:sp>
+      <p:cxnSp>
+        <p:nvCxnSpPr>
+          <p:cNvPr id="10" name="Straight Arrow Connector 9">
+            <a:extLst>
+              <a:ext uri="{FF2B5EF4-FFF2-40B4-BE49-F238E27FC236}">
+                <a16:creationId xmlns:a16="http://schemas.microsoft.com/office/drawing/2014/main" id="{4683D876-05EA-D046-BCD1-B8CD0DA5E6ED}"/>
+              </a:ext>
+            </a:extLst>
+          </p:cNvPr>
+          <p:cNvCxnSpPr>
+            <a:stCxn id="2" idx="2"/>
+            <a:endCxn id="5" idx="0"/>
+          </p:cNvCxnSpPr>
+          <p:nvPr/>
+        </p:nvCxnSpPr>
+        <p:spPr>
+          <a:xfrm>
+            <a:off x="653607" y="2947083"/>
+            <a:ext cx="194311" cy="3"/>
+          </a:xfrm>
+          <a:prstGeom prst="straightConnector1">
+            <a:avLst/>
+          </a:prstGeom>
+          <a:ln w="28575">
+            <a:tailEnd type="triangle"/>
+          </a:ln>
+        </p:spPr>
+        <p:style>
+          <a:lnRef idx="1">
+            <a:schemeClr val="dk1"/>
+          </a:lnRef>
+          <a:fillRef idx="0">
+            <a:schemeClr val="dk1"/>
+          </a:fillRef>
+          <a:effectRef idx="0">
+            <a:schemeClr val="dk1"/>
+          </a:effectRef>
+          <a:fontRef idx="minor">
+            <a:schemeClr val="tx1"/>
+          </a:fontRef>
+        </p:style>
+      </p:cxnSp>
+      <p:cxnSp>
+        <p:nvCxnSpPr>
+          <p:cNvPr id="217" name="Straight Arrow Connector 216">
+            <a:extLst>
+              <a:ext uri="{FF2B5EF4-FFF2-40B4-BE49-F238E27FC236}">
+                <a16:creationId xmlns:a16="http://schemas.microsoft.com/office/drawing/2014/main" id="{FF1B79D6-3F17-4047-A2C7-7D43B9485ADE}"/>
+              </a:ext>
+            </a:extLst>
+          </p:cNvPr>
+          <p:cNvCxnSpPr>
+            <a:cxnSpLocks/>
+            <a:stCxn id="5" idx="2"/>
+            <a:endCxn id="6" idx="0"/>
+          </p:cNvCxnSpPr>
+          <p:nvPr/>
+        </p:nvCxnSpPr>
+        <p:spPr>
+          <a:xfrm flipV="1">
+            <a:off x="1132431" y="2947079"/>
+            <a:ext cx="301018" cy="7"/>
+          </a:xfrm>
+          <a:prstGeom prst="straightConnector1">
+            <a:avLst/>
+          </a:prstGeom>
+          <a:ln w="28575">
+            <a:tailEnd type="triangle"/>
+          </a:ln>
+        </p:spPr>
+        <p:style>
+          <a:lnRef idx="1">
+            <a:schemeClr val="dk1"/>
+          </a:lnRef>
+          <a:fillRef idx="0">
+            <a:schemeClr val="dk1"/>
+          </a:fillRef>
+          <a:effectRef idx="0">
+            <a:schemeClr val="dk1"/>
+          </a:effectRef>
+          <a:fontRef idx="minor">
+            <a:schemeClr val="tx1"/>
+          </a:fontRef>
+        </p:style>
+      </p:cxnSp>
+      <p:cxnSp>
+        <p:nvCxnSpPr>
+          <p:cNvPr id="218" name="Straight Arrow Connector 217">
+            <a:extLst>
+              <a:ext uri="{FF2B5EF4-FFF2-40B4-BE49-F238E27FC236}">
+                <a16:creationId xmlns:a16="http://schemas.microsoft.com/office/drawing/2014/main" id="{7D37AC6B-185D-CB4A-81F4-84CB159915D9}"/>
+              </a:ext>
+            </a:extLst>
+          </p:cNvPr>
+          <p:cNvCxnSpPr>
+            <a:cxnSpLocks/>
+            <a:stCxn id="125" idx="2"/>
+            <a:endCxn id="180" idx="0"/>
+          </p:cNvCxnSpPr>
+          <p:nvPr/>
+        </p:nvCxnSpPr>
+        <p:spPr>
+          <a:xfrm flipV="1">
+            <a:off x="2609141" y="2941212"/>
+            <a:ext cx="406136" cy="5873"/>
+          </a:xfrm>
+          <a:prstGeom prst="straightConnector1">
+            <a:avLst/>
+          </a:prstGeom>
+          <a:ln w="28575">
+            <a:tailEnd type="triangle"/>
+          </a:ln>
+        </p:spPr>
+        <p:style>
+          <a:lnRef idx="1">
+            <a:schemeClr val="dk1"/>
+          </a:lnRef>
+          <a:fillRef idx="0">
+            <a:schemeClr val="dk1"/>
+          </a:fillRef>
+          <a:effectRef idx="0">
+            <a:schemeClr val="dk1"/>
+          </a:effectRef>
+          <a:fontRef idx="minor">
+            <a:schemeClr val="tx1"/>
+          </a:fontRef>
+        </p:style>
+      </p:cxnSp>
+      <p:cxnSp>
+        <p:nvCxnSpPr>
+          <p:cNvPr id="219" name="Straight Arrow Connector 218">
+            <a:extLst>
+              <a:ext uri="{FF2B5EF4-FFF2-40B4-BE49-F238E27FC236}">
+                <a16:creationId xmlns:a16="http://schemas.microsoft.com/office/drawing/2014/main" id="{CE2DC9DF-5B86-3B46-A225-0DC7AEEA89F0}"/>
+              </a:ext>
+            </a:extLst>
+          </p:cNvPr>
+          <p:cNvCxnSpPr>
+            <a:cxnSpLocks/>
+            <a:stCxn id="184" idx="2"/>
+            <a:endCxn id="185" idx="0"/>
+          </p:cNvCxnSpPr>
+          <p:nvPr/>
+        </p:nvCxnSpPr>
+        <p:spPr>
+          <a:xfrm flipV="1">
+            <a:off x="4199760" y="2941208"/>
+            <a:ext cx="275437" cy="4811"/>
+          </a:xfrm>
+          <a:prstGeom prst="straightConnector1">
+            <a:avLst/>
+          </a:prstGeom>
+          <a:ln w="28575">
+            <a:tailEnd type="triangle"/>
+          </a:ln>
+        </p:spPr>
+        <p:style>
+          <a:lnRef idx="1">
+            <a:schemeClr val="dk1"/>
+          </a:lnRef>
+          <a:fillRef idx="0">
+            <a:schemeClr val="dk1"/>
+          </a:fillRef>
+          <a:effectRef idx="0">
+            <a:schemeClr val="dk1"/>
+          </a:effectRef>
+          <a:fontRef idx="minor">
+            <a:schemeClr val="tx1"/>
+          </a:fontRef>
+        </p:style>
+      </p:cxnSp>
+      <p:cxnSp>
+        <p:nvCxnSpPr>
+          <p:cNvPr id="220" name="Straight Arrow Connector 219">
+            <a:extLst>
+              <a:ext uri="{FF2B5EF4-FFF2-40B4-BE49-F238E27FC236}">
+                <a16:creationId xmlns:a16="http://schemas.microsoft.com/office/drawing/2014/main" id="{93C5D024-FCE9-5945-960A-D009F8646063}"/>
+              </a:ext>
+            </a:extLst>
+          </p:cNvPr>
+          <p:cNvCxnSpPr>
+            <a:cxnSpLocks/>
+            <a:stCxn id="189" idx="2"/>
+          </p:cNvCxnSpPr>
+          <p:nvPr/>
+        </p:nvCxnSpPr>
+        <p:spPr>
+          <a:xfrm>
+            <a:off x="6355126" y="2910445"/>
+            <a:ext cx="245004" cy="5389"/>
+          </a:xfrm>
+          <a:prstGeom prst="straightConnector1">
+            <a:avLst/>
+          </a:prstGeom>
+          <a:ln w="28575">
+            <a:tailEnd type="triangle"/>
+          </a:ln>
+        </p:spPr>
+        <p:style>
+          <a:lnRef idx="1">
+            <a:schemeClr val="dk1"/>
+          </a:lnRef>
+          <a:fillRef idx="0">
+            <a:schemeClr val="dk1"/>
+          </a:fillRef>
+          <a:effectRef idx="0">
+            <a:schemeClr val="dk1"/>
+          </a:effectRef>
+          <a:fontRef idx="minor">
+            <a:schemeClr val="tx1"/>
+          </a:fontRef>
+        </p:style>
+      </p:cxnSp>
+      <p:cxnSp>
+        <p:nvCxnSpPr>
+          <p:cNvPr id="222" name="Straight Arrow Connector 221">
+            <a:extLst>
+              <a:ext uri="{FF2B5EF4-FFF2-40B4-BE49-F238E27FC236}">
+                <a16:creationId xmlns:a16="http://schemas.microsoft.com/office/drawing/2014/main" id="{FF50D651-6E04-9048-A33C-483AD70D22FF}"/>
+              </a:ext>
+            </a:extLst>
+          </p:cNvPr>
+          <p:cNvCxnSpPr>
+            <a:cxnSpLocks/>
+            <a:stCxn id="194" idx="2"/>
+            <a:endCxn id="210" idx="0"/>
+          </p:cNvCxnSpPr>
+          <p:nvPr/>
+        </p:nvCxnSpPr>
+        <p:spPr>
+          <a:xfrm flipV="1">
+            <a:off x="7765896" y="2861264"/>
+            <a:ext cx="573246" cy="2770"/>
+          </a:xfrm>
+          <a:prstGeom prst="straightConnector1">
+            <a:avLst/>
+          </a:prstGeom>
+          <a:ln w="28575">
+            <a:tailEnd type="triangle"/>
+          </a:ln>
+        </p:spPr>
+        <p:style>
+          <a:lnRef idx="1">
+            <a:schemeClr val="dk1"/>
+          </a:lnRef>
+          <a:fillRef idx="0">
+            <a:schemeClr val="dk1"/>
+          </a:fillRef>
+          <a:effectRef idx="0">
+            <a:schemeClr val="dk1"/>
+          </a:effectRef>
+          <a:fontRef idx="minor">
+            <a:schemeClr val="tx1"/>
+          </a:fontRef>
+        </p:style>
+      </p:cxnSp>
+      <p:cxnSp>
+        <p:nvCxnSpPr>
+          <p:cNvPr id="223" name="Straight Arrow Connector 222">
+            <a:extLst>
+              <a:ext uri="{FF2B5EF4-FFF2-40B4-BE49-F238E27FC236}">
+                <a16:creationId xmlns:a16="http://schemas.microsoft.com/office/drawing/2014/main" id="{E46D07C2-E766-AE41-B841-675D88666DEA}"/>
+              </a:ext>
+            </a:extLst>
+          </p:cNvPr>
+          <p:cNvCxnSpPr>
+            <a:cxnSpLocks/>
+            <a:stCxn id="215" idx="2"/>
+            <a:endCxn id="216" idx="0"/>
+          </p:cNvCxnSpPr>
+          <p:nvPr/>
+        </p:nvCxnSpPr>
+        <p:spPr>
+          <a:xfrm>
+            <a:off x="9483611" y="2852139"/>
+            <a:ext cx="184095" cy="63"/>
+          </a:xfrm>
+          <a:prstGeom prst="straightConnector1">
+            <a:avLst/>
+          </a:prstGeom>
+          <a:ln w="28575">
+            <a:tailEnd type="triangle"/>
+          </a:ln>
+        </p:spPr>
+        <p:style>
+          <a:lnRef idx="1">
+            <a:schemeClr val="dk1"/>
+          </a:lnRef>
+          <a:fillRef idx="0">
+            <a:schemeClr val="dk1"/>
+          </a:fillRef>
+          <a:effectRef idx="0">
+            <a:schemeClr val="dk1"/>
+          </a:effectRef>
+          <a:fontRef idx="minor">
+            <a:schemeClr val="tx1"/>
+          </a:fontRef>
+        </p:style>
+      </p:cxnSp>
+      <p:sp>
+        <p:nvSpPr>
+          <p:cNvPr id="224" name="Rounded Rectangle 223">
+            <a:extLst>
+              <a:ext uri="{FF2B5EF4-FFF2-40B4-BE49-F238E27FC236}">
+                <a16:creationId xmlns:a16="http://schemas.microsoft.com/office/drawing/2014/main" id="{39CF8C5A-516B-8E46-AC6F-6C6A49484F04}"/>
+              </a:ext>
+            </a:extLst>
+          </p:cNvPr>
+          <p:cNvSpPr/>
+          <p:nvPr/>
+        </p:nvSpPr>
+        <p:spPr>
+          <a:xfrm>
+            <a:off x="2834541" y="1859999"/>
+            <a:ext cx="1524402" cy="2347784"/>
+          </a:xfrm>
+          <a:prstGeom prst="roundRect">
+            <a:avLst>
+              <a:gd name="adj" fmla="val 5094"/>
+            </a:avLst>
+          </a:prstGeom>
+          <a:noFill/>
+          <a:ln>
+            <a:solidFill>
+              <a:schemeClr val="tx1">
+                <a:lumMod val="75000"/>
+                <a:lumOff val="25000"/>
+              </a:schemeClr>
+            </a:solidFill>
+            <a:prstDash val="lgDash"/>
+          </a:ln>
+        </p:spPr>
+        <p:style>
+          <a:lnRef idx="2">
+            <a:schemeClr val="accent1">
+              <a:shade val="50000"/>
+            </a:schemeClr>
+          </a:lnRef>
+          <a:fillRef idx="1">
+            <a:schemeClr val="accent1"/>
+          </a:fillRef>
+          <a:effectRef idx="0">
+            <a:schemeClr val="accent1"/>
+          </a:effectRef>
+          <a:fontRef idx="minor">
+            <a:schemeClr val="lt1"/>
+          </a:fontRef>
+        </p:style>
+        <p:txBody>
+          <a:bodyPr rtlCol="0" anchor="ctr"/>
+          <a:lstStyle/>
+          <a:p>
+            <a:pPr algn="ctr"/>
+            <a:endParaRPr lang="en-US"/>
+          </a:p>
+        </p:txBody>
+      </p:sp>
+      <p:sp>
+        <p:nvSpPr>
+          <p:cNvPr id="225" name="Rounded Rectangle 224">
+            <a:extLst>
+              <a:ext uri="{FF2B5EF4-FFF2-40B4-BE49-F238E27FC236}">
+                <a16:creationId xmlns:a16="http://schemas.microsoft.com/office/drawing/2014/main" id="{E91E9D1C-4B62-D449-BED0-C84D7EFC5A67}"/>
+              </a:ext>
+            </a:extLst>
+          </p:cNvPr>
+          <p:cNvSpPr/>
+          <p:nvPr/>
+        </p:nvSpPr>
+        <p:spPr>
+          <a:xfrm>
+            <a:off x="4371180" y="1859999"/>
+            <a:ext cx="2084053" cy="2347784"/>
+          </a:xfrm>
+          <a:prstGeom prst="roundRect">
+            <a:avLst>
+              <a:gd name="adj" fmla="val 5094"/>
+            </a:avLst>
+          </a:prstGeom>
+          <a:noFill/>
+          <a:ln>
+            <a:solidFill>
+              <a:schemeClr val="tx1">
+                <a:lumMod val="75000"/>
+                <a:lumOff val="25000"/>
+              </a:schemeClr>
+            </a:solidFill>
+            <a:prstDash val="lgDash"/>
+          </a:ln>
+        </p:spPr>
+        <p:style>
+          <a:lnRef idx="2">
+            <a:schemeClr val="accent1">
+              <a:shade val="50000"/>
+            </a:schemeClr>
+          </a:lnRef>
+          <a:fillRef idx="1">
+            <a:schemeClr val="accent1"/>
+          </a:fillRef>
+          <a:effectRef idx="0">
+            <a:schemeClr val="accent1"/>
+          </a:effectRef>
+          <a:fontRef idx="minor">
+            <a:schemeClr val="lt1"/>
+          </a:fontRef>
+        </p:style>
+        <p:txBody>
+          <a:bodyPr rtlCol="0" anchor="ctr"/>
+          <a:lstStyle/>
+          <a:p>
+            <a:pPr algn="ctr"/>
+            <a:endParaRPr lang="en-US"/>
+          </a:p>
+        </p:txBody>
+      </p:sp>
+      <p:sp>
+        <p:nvSpPr>
+          <p:cNvPr id="226" name="Rounded Rectangle 225">
+            <a:extLst>
+              <a:ext uri="{FF2B5EF4-FFF2-40B4-BE49-F238E27FC236}">
+                <a16:creationId xmlns:a16="http://schemas.microsoft.com/office/drawing/2014/main" id="{7D043EAA-5B01-1742-80C1-AD623A33ADD4}"/>
+              </a:ext>
+            </a:extLst>
+          </p:cNvPr>
+          <p:cNvSpPr/>
+          <p:nvPr/>
+        </p:nvSpPr>
+        <p:spPr>
+          <a:xfrm>
+            <a:off x="6474590" y="1842544"/>
+            <a:ext cx="1766347" cy="2347784"/>
+          </a:xfrm>
+          <a:prstGeom prst="roundRect">
+            <a:avLst>
+              <a:gd name="adj" fmla="val 5094"/>
+            </a:avLst>
+          </a:prstGeom>
+          <a:noFill/>
+          <a:ln>
+            <a:solidFill>
+              <a:schemeClr val="tx1">
+                <a:lumMod val="75000"/>
+                <a:lumOff val="25000"/>
+              </a:schemeClr>
+            </a:solidFill>
+            <a:prstDash val="lgDash"/>
+          </a:ln>
+        </p:spPr>
+        <p:style>
+          <a:lnRef idx="2">
+            <a:schemeClr val="accent1">
+              <a:shade val="50000"/>
+            </a:schemeClr>
+          </a:lnRef>
+          <a:fillRef idx="1">
+            <a:schemeClr val="accent1"/>
+          </a:fillRef>
+          <a:effectRef idx="0">
+            <a:schemeClr val="accent1"/>
+          </a:effectRef>
+          <a:fontRef idx="minor">
+            <a:schemeClr val="lt1"/>
+          </a:fontRef>
+        </p:style>
+        <p:txBody>
+          <a:bodyPr rtlCol="0" anchor="ctr"/>
+          <a:lstStyle/>
+          <a:p>
+            <a:pPr algn="ctr"/>
+            <a:endParaRPr lang="en-US"/>
+          </a:p>
+        </p:txBody>
+      </p:sp>
+      <p:sp>
+        <p:nvSpPr>
+          <p:cNvPr id="28" name="TextBox 27">
+            <a:extLst>
+              <a:ext uri="{FF2B5EF4-FFF2-40B4-BE49-F238E27FC236}">
+                <a16:creationId xmlns:a16="http://schemas.microsoft.com/office/drawing/2014/main" id="{B2C85984-FBE3-6842-B902-D4A0F273DBE1}"/>
+              </a:ext>
+            </a:extLst>
+          </p:cNvPr>
+          <p:cNvSpPr txBox="1"/>
+          <p:nvPr/>
+        </p:nvSpPr>
+        <p:spPr>
+          <a:xfrm>
+            <a:off x="2116132" y="1844803"/>
+            <a:ext cx="718466" cy="307777"/>
+          </a:xfrm>
+          <a:prstGeom prst="rect">
+            <a:avLst/>
+          </a:prstGeom>
+          <a:noFill/>
+        </p:spPr>
+        <p:txBody>
+          <a:bodyPr wrap="none" rtlCol="0">
+            <a:spAutoFit/>
+          </a:bodyPr>
+          <a:lstStyle/>
+          <a:p>
+            <a:r>
+              <a:rPr lang="en-US" sz="1400" dirty="0">
+                <a:latin typeface="Times New Roman" panose="02020603050405020304" pitchFamily="18" charset="0"/>
+                <a:cs typeface="Times New Roman" panose="02020603050405020304" pitchFamily="18" charset="0"/>
+              </a:rPr>
+              <a:t>Stage 1</a:t>
+            </a:r>
+          </a:p>
+        </p:txBody>
+      </p:sp>
+      <p:sp>
+        <p:nvSpPr>
+          <p:cNvPr id="227" name="TextBox 226">
+            <a:extLst>
+              <a:ext uri="{FF2B5EF4-FFF2-40B4-BE49-F238E27FC236}">
+                <a16:creationId xmlns:a16="http://schemas.microsoft.com/office/drawing/2014/main" id="{8C652835-E0C8-8541-9A97-8A088EF5035B}"/>
+              </a:ext>
+            </a:extLst>
+          </p:cNvPr>
+          <p:cNvSpPr txBox="1"/>
+          <p:nvPr/>
+        </p:nvSpPr>
+        <p:spPr>
+          <a:xfrm>
+            <a:off x="3632136" y="1832034"/>
+            <a:ext cx="718466" cy="307777"/>
+          </a:xfrm>
+          <a:prstGeom prst="rect">
+            <a:avLst/>
+          </a:prstGeom>
+          <a:noFill/>
+        </p:spPr>
+        <p:txBody>
+          <a:bodyPr wrap="none" rtlCol="0">
+            <a:spAutoFit/>
+          </a:bodyPr>
+          <a:lstStyle/>
+          <a:p>
+            <a:r>
+              <a:rPr lang="en-US" sz="1400" dirty="0">
+                <a:latin typeface="Times New Roman" panose="02020603050405020304" pitchFamily="18" charset="0"/>
+                <a:cs typeface="Times New Roman" panose="02020603050405020304" pitchFamily="18" charset="0"/>
+              </a:rPr>
+              <a:t>Stage 2</a:t>
+            </a:r>
+          </a:p>
+        </p:txBody>
+      </p:sp>
+      <p:sp>
+        <p:nvSpPr>
+          <p:cNvPr id="228" name="TextBox 227">
+            <a:extLst>
+              <a:ext uri="{FF2B5EF4-FFF2-40B4-BE49-F238E27FC236}">
+                <a16:creationId xmlns:a16="http://schemas.microsoft.com/office/drawing/2014/main" id="{A3BDC179-2900-8E44-A91A-9E7AF65E79B0}"/>
+              </a:ext>
+            </a:extLst>
+          </p:cNvPr>
+          <p:cNvSpPr txBox="1"/>
+          <p:nvPr/>
+        </p:nvSpPr>
+        <p:spPr>
+          <a:xfrm>
+            <a:off x="5736767" y="1804175"/>
+            <a:ext cx="718466" cy="307777"/>
+          </a:xfrm>
+          <a:prstGeom prst="rect">
+            <a:avLst/>
+          </a:prstGeom>
+          <a:noFill/>
+        </p:spPr>
+        <p:txBody>
+          <a:bodyPr wrap="none" rtlCol="0">
+            <a:spAutoFit/>
+          </a:bodyPr>
+          <a:lstStyle/>
+          <a:p>
+            <a:r>
+              <a:rPr lang="en-US" sz="1400" dirty="0">
+                <a:latin typeface="Times New Roman" panose="02020603050405020304" pitchFamily="18" charset="0"/>
+                <a:cs typeface="Times New Roman" panose="02020603050405020304" pitchFamily="18" charset="0"/>
+              </a:rPr>
+              <a:t>Stage 3</a:t>
+            </a:r>
+          </a:p>
+        </p:txBody>
+      </p:sp>
+      <p:sp>
+        <p:nvSpPr>
+          <p:cNvPr id="229" name="TextBox 228">
+            <a:extLst>
+              <a:ext uri="{FF2B5EF4-FFF2-40B4-BE49-F238E27FC236}">
+                <a16:creationId xmlns:a16="http://schemas.microsoft.com/office/drawing/2014/main" id="{BF38B34F-9991-8D4A-895A-1D456B60891A}"/>
+              </a:ext>
+            </a:extLst>
+          </p:cNvPr>
+          <p:cNvSpPr txBox="1"/>
+          <p:nvPr/>
+        </p:nvSpPr>
+        <p:spPr>
+          <a:xfrm>
+            <a:off x="7573743" y="1804174"/>
+            <a:ext cx="718466" cy="307777"/>
+          </a:xfrm>
+          <a:prstGeom prst="rect">
+            <a:avLst/>
+          </a:prstGeom>
+          <a:noFill/>
+        </p:spPr>
+        <p:txBody>
+          <a:bodyPr wrap="none" rtlCol="0">
+            <a:spAutoFit/>
+          </a:bodyPr>
+          <a:lstStyle/>
+          <a:p>
+            <a:r>
+              <a:rPr lang="en-US" sz="1400" dirty="0">
+                <a:latin typeface="Times New Roman" panose="02020603050405020304" pitchFamily="18" charset="0"/>
+                <a:cs typeface="Times New Roman" panose="02020603050405020304" pitchFamily="18" charset="0"/>
+              </a:rPr>
+              <a:t>Stage 4</a:t>
+            </a:r>
+          </a:p>
+        </p:txBody>
+      </p:sp>
+      <p:sp>
+        <p:nvSpPr>
+          <p:cNvPr id="230" name="TextBox 229">
+            <a:extLst>
+              <a:ext uri="{FF2B5EF4-FFF2-40B4-BE49-F238E27FC236}">
+                <a16:creationId xmlns:a16="http://schemas.microsoft.com/office/drawing/2014/main" id="{B3857C63-6972-824A-998F-BC0C7D236B1E}"/>
+              </a:ext>
+            </a:extLst>
+          </p:cNvPr>
+          <p:cNvSpPr txBox="1"/>
+          <p:nvPr/>
+        </p:nvSpPr>
+        <p:spPr>
+          <a:xfrm>
+            <a:off x="8458606" y="1716381"/>
+            <a:ext cx="833883" cy="307777"/>
+          </a:xfrm>
+          <a:prstGeom prst="rect">
+            <a:avLst/>
+          </a:prstGeom>
+          <a:noFill/>
+        </p:spPr>
+        <p:txBody>
+          <a:bodyPr wrap="none" rtlCol="0">
+            <a:spAutoFit/>
+          </a:bodyPr>
+          <a:lstStyle/>
+          <a:p>
+            <a:r>
+              <a:rPr lang="en-US" sz="1400" dirty="0">
+                <a:latin typeface="Times New Roman" panose="02020603050405020304" pitchFamily="18" charset="0"/>
+                <a:cs typeface="Times New Roman" panose="02020603050405020304" pitchFamily="18" charset="0"/>
+              </a:rPr>
+              <a:t>classifier</a:t>
+            </a:r>
+          </a:p>
+        </p:txBody>
+      </p:sp>
+      <mc:AlternateContent xmlns:mc="http://schemas.openxmlformats.org/markup-compatibility/2006">
+        <mc:Choice xmlns:a14="http://schemas.microsoft.com/office/drawing/2010/main" Requires="a14">
+          <p:sp>
+            <p:nvSpPr>
+              <p:cNvPr id="232" name="TextBox 231">
+                <a:extLst>
+                  <a:ext uri="{FF2B5EF4-FFF2-40B4-BE49-F238E27FC236}">
+                    <a16:creationId xmlns:a16="http://schemas.microsoft.com/office/drawing/2014/main" id="{4621EC99-347E-0F43-973F-BD5FFDB85E16}"/>
+                  </a:ext>
+                </a:extLst>
+              </p:cNvPr>
+              <p:cNvSpPr txBox="1"/>
+              <p:nvPr/>
+            </p:nvSpPr>
+            <p:spPr>
+              <a:xfrm>
+                <a:off x="9445309" y="3305719"/>
+                <a:ext cx="897682" cy="200055"/>
+              </a:xfrm>
+              <a:prstGeom prst="rect">
+                <a:avLst/>
+              </a:prstGeom>
+              <a:noFill/>
+            </p:spPr>
+            <p:txBody>
+              <a:bodyPr wrap="none" lIns="0" tIns="0" rIns="0" bIns="0" rtlCol="0">
+                <a:spAutoFit/>
+              </a:bodyPr>
+              <a:lstStyle/>
+              <a:p>
+                <a14:m>
+                  <m:oMathPara xmlns:m="http://schemas.openxmlformats.org/officeDocument/2006/math">
+                    <m:oMathParaPr>
+                      <m:jc m:val="centerGroup"/>
+                    </m:oMathParaPr>
+                    <m:oMath xmlns:m="http://schemas.openxmlformats.org/officeDocument/2006/math">
+                      <m:r>
+                        <a:rPr lang="en-US" sz="1300" b="0" i="0" smtClean="0">
+                          <a:solidFill>
+                            <a:schemeClr val="tx1">
+                              <a:lumMod val="65000"/>
+                              <a:lumOff val="35000"/>
+                            </a:schemeClr>
+                          </a:solidFill>
+                          <a:latin typeface="Cambria Math" panose="02040503050406030204" pitchFamily="18" charset="0"/>
+                        </a:rPr>
+                        <m:t>[</m:t>
+                      </m:r>
+                      <m:r>
+                        <m:rPr>
+                          <m:sty m:val="p"/>
+                        </m:rPr>
+                        <a:rPr lang="en-US" sz="1300" b="0" i="0" smtClean="0">
+                          <a:solidFill>
+                            <a:schemeClr val="tx1">
+                              <a:lumMod val="65000"/>
+                              <a:lumOff val="35000"/>
+                            </a:schemeClr>
+                          </a:solidFill>
+                          <a:latin typeface="Cambria Math" panose="02040503050406030204" pitchFamily="18" charset="0"/>
+                        </a:rPr>
+                        <m:t>class</m:t>
+                      </m:r>
+                      <m:r>
+                        <a:rPr lang="en-US" sz="1300" b="0" i="0" smtClean="0">
+                          <a:solidFill>
+                            <a:schemeClr val="tx1">
+                              <a:lumMod val="65000"/>
+                              <a:lumOff val="35000"/>
+                            </a:schemeClr>
+                          </a:solidFill>
+                          <a:latin typeface="Cambria Math" panose="02040503050406030204" pitchFamily="18" charset="0"/>
+                        </a:rPr>
+                        <m:t>_</m:t>
+                      </m:r>
+                      <m:r>
+                        <m:rPr>
+                          <m:sty m:val="p"/>
+                        </m:rPr>
+                        <a:rPr lang="en-US" sz="1300" b="0" i="0" smtClean="0">
+                          <a:solidFill>
+                            <a:schemeClr val="tx1">
+                              <a:lumMod val="65000"/>
+                              <a:lumOff val="35000"/>
+                            </a:schemeClr>
+                          </a:solidFill>
+                          <a:latin typeface="Cambria Math" panose="02040503050406030204" pitchFamily="18" charset="0"/>
+                        </a:rPr>
+                        <m:t>num</m:t>
+                      </m:r>
+                      <m:r>
+                        <a:rPr lang="en-US" sz="1300" b="0" i="0" smtClean="0">
+                          <a:solidFill>
+                            <a:schemeClr val="tx1">
+                              <a:lumMod val="65000"/>
+                              <a:lumOff val="35000"/>
+                            </a:schemeClr>
+                          </a:solidFill>
+                          <a:latin typeface="Cambria Math" panose="02040503050406030204" pitchFamily="18" charset="0"/>
+                        </a:rPr>
+                        <m:t>]</m:t>
+                      </m:r>
+                    </m:oMath>
+                  </m:oMathPara>
+                </a14:m>
+                <a:endParaRPr lang="en-US" sz="1300" dirty="0">
+                  <a:solidFill>
+                    <a:schemeClr val="tx1">
+                      <a:lumMod val="65000"/>
+                      <a:lumOff val="35000"/>
+                    </a:schemeClr>
+                  </a:solidFill>
+                </a:endParaRPr>
+              </a:p>
+            </p:txBody>
+          </p:sp>
+        </mc:Choice>
+        <mc:Fallback>
+          <p:sp>
+            <p:nvSpPr>
+              <p:cNvPr id="232" name="TextBox 231">
+                <a:extLst>
+                  <a:ext uri="{FF2B5EF4-FFF2-40B4-BE49-F238E27FC236}">
+                    <a16:creationId xmlns:a16="http://schemas.microsoft.com/office/drawing/2014/main" id="{4621EC99-347E-0F43-973F-BD5FFDB85E16}"/>
+                  </a:ext>
+                </a:extLst>
+              </p:cNvPr>
+              <p:cNvSpPr txBox="1">
+                <a:spLocks noRot="1" noChangeAspect="1" noMove="1" noResize="1" noEditPoints="1" noAdjustHandles="1" noChangeArrowheads="1" noChangeShapeType="1" noTextEdit="1"/>
+              </p:cNvSpPr>
+              <p:nvPr/>
+            </p:nvSpPr>
+            <p:spPr>
+              <a:xfrm>
+                <a:off x="9445309" y="3305719"/>
+                <a:ext cx="897682" cy="200055"/>
+              </a:xfrm>
+              <a:prstGeom prst="rect">
+                <a:avLst/>
+              </a:prstGeom>
+              <a:blipFill>
+                <a:blip r:embed="rId14"/>
+                <a:stretch>
+                  <a:fillRect l="-5556" r="-5556" b="-37500"/>
+                </a:stretch>
+              </a:blipFill>
+            </p:spPr>
+            <p:txBody>
+              <a:bodyPr/>
+              <a:lstStyle/>
+              <a:p>
+                <a:r>
+                  <a:rPr lang="en-US">
+                    <a:noFill/>
+                  </a:rPr>
+                  <a:t> </a:t>
+                </a:r>
+              </a:p>
+            </p:txBody>
+          </p:sp>
+        </mc:Fallback>
+      </mc:AlternateContent>
+    </p:spTree>
+    <p:extLst>
+      <p:ext uri="{BB962C8B-B14F-4D97-AF65-F5344CB8AC3E}">
+        <p14:creationId xmlns:p14="http://schemas.microsoft.com/office/powerpoint/2010/main" val="2691521850"/>
       </p:ext>
     </p:extLst>
   </p:cSld>

--- a/sldies.pptx
+++ b/sldies.pptx
@@ -22454,6 +22454,465 @@
           </p:sp>
         </mc:Fallback>
       </mc:AlternateContent>
+      <p:sp>
+        <p:nvSpPr>
+          <p:cNvPr id="66" name="Rounded Rectangle 65">
+            <a:extLst>
+              <a:ext uri="{FF2B5EF4-FFF2-40B4-BE49-F238E27FC236}">
+                <a16:creationId xmlns:a16="http://schemas.microsoft.com/office/drawing/2014/main" id="{D06B4D95-DB4A-CA40-9AFA-319FDFCB4CAC}"/>
+              </a:ext>
+            </a:extLst>
+          </p:cNvPr>
+          <p:cNvSpPr/>
+          <p:nvPr/>
+        </p:nvSpPr>
+        <p:spPr>
+          <a:xfrm rot="16200000">
+            <a:off x="9944890" y="2342044"/>
+            <a:ext cx="2473947" cy="1222620"/>
+          </a:xfrm>
+          <a:prstGeom prst="roundRect">
+            <a:avLst/>
+          </a:prstGeom>
+          <a:ln>
+            <a:prstDash val="sysDash"/>
+          </a:ln>
+        </p:spPr>
+        <p:style>
+          <a:lnRef idx="2">
+            <a:schemeClr val="accent2"/>
+          </a:lnRef>
+          <a:fillRef idx="1">
+            <a:schemeClr val="lt1"/>
+          </a:fillRef>
+          <a:effectRef idx="0">
+            <a:schemeClr val="accent2"/>
+          </a:effectRef>
+          <a:fontRef idx="minor">
+            <a:schemeClr val="dk1"/>
+          </a:fontRef>
+        </p:style>
+        <p:txBody>
+          <a:bodyPr rtlCol="0" anchor="ctr"/>
+          <a:lstStyle/>
+          <a:p>
+            <a:pPr algn="ctr"/>
+            <a:endParaRPr lang="en-US" dirty="0">
+              <a:solidFill>
+                <a:schemeClr val="tx1"/>
+              </a:solidFill>
+              <a:latin typeface="Times New Roman" panose="02020603050405020304" pitchFamily="18" charset="0"/>
+              <a:cs typeface="Times New Roman" panose="02020603050405020304" pitchFamily="18" charset="0"/>
+            </a:endParaRPr>
+          </a:p>
+        </p:txBody>
+      </p:sp>
+      <p:sp>
+        <p:nvSpPr>
+          <p:cNvPr id="14" name="Trapezoid 13">
+            <a:extLst>
+              <a:ext uri="{FF2B5EF4-FFF2-40B4-BE49-F238E27FC236}">
+                <a16:creationId xmlns:a16="http://schemas.microsoft.com/office/drawing/2014/main" id="{91A182B0-E9BC-3248-AC10-9D6658FAE625}"/>
+              </a:ext>
+            </a:extLst>
+          </p:cNvPr>
+          <p:cNvSpPr/>
+          <p:nvPr/>
+        </p:nvSpPr>
+        <p:spPr>
+          <a:xfrm rot="5400000">
+            <a:off x="10633944" y="2493737"/>
+            <a:ext cx="768283" cy="165488"/>
+          </a:xfrm>
+          <a:prstGeom prst="trapezoid">
+            <a:avLst>
+              <a:gd name="adj" fmla="val 127776"/>
+            </a:avLst>
+          </a:prstGeom>
+        </p:spPr>
+        <p:style>
+          <a:lnRef idx="2">
+            <a:schemeClr val="accent1">
+              <a:shade val="50000"/>
+            </a:schemeClr>
+          </a:lnRef>
+          <a:fillRef idx="1">
+            <a:schemeClr val="accent1"/>
+          </a:fillRef>
+          <a:effectRef idx="0">
+            <a:schemeClr val="accent1"/>
+          </a:effectRef>
+          <a:fontRef idx="minor">
+            <a:schemeClr val="lt1"/>
+          </a:fontRef>
+        </p:style>
+        <p:txBody>
+          <a:bodyPr rtlCol="0" anchor="ctr"/>
+          <a:lstStyle/>
+          <a:p>
+            <a:pPr algn="ctr"/>
+            <a:endParaRPr lang="en-US"/>
+          </a:p>
+        </p:txBody>
+      </p:sp>
+      <p:sp>
+        <p:nvSpPr>
+          <p:cNvPr id="68" name="Trapezoid 67">
+            <a:extLst>
+              <a:ext uri="{FF2B5EF4-FFF2-40B4-BE49-F238E27FC236}">
+                <a16:creationId xmlns:a16="http://schemas.microsoft.com/office/drawing/2014/main" id="{56242B79-2B43-014F-8B41-B01647250A64}"/>
+              </a:ext>
+            </a:extLst>
+          </p:cNvPr>
+          <p:cNvSpPr/>
+          <p:nvPr/>
+        </p:nvSpPr>
+        <p:spPr>
+          <a:xfrm rot="16200000">
+            <a:off x="10931686" y="2493737"/>
+            <a:ext cx="768283" cy="165488"/>
+          </a:xfrm>
+          <a:prstGeom prst="trapezoid">
+            <a:avLst>
+              <a:gd name="adj" fmla="val 127776"/>
+            </a:avLst>
+          </a:prstGeom>
+        </p:spPr>
+        <p:style>
+          <a:lnRef idx="2">
+            <a:schemeClr val="accent1">
+              <a:shade val="50000"/>
+            </a:schemeClr>
+          </a:lnRef>
+          <a:fillRef idx="1">
+            <a:schemeClr val="accent1"/>
+          </a:fillRef>
+          <a:effectRef idx="0">
+            <a:schemeClr val="accent1"/>
+          </a:effectRef>
+          <a:fontRef idx="minor">
+            <a:schemeClr val="lt1"/>
+          </a:fontRef>
+        </p:style>
+        <p:txBody>
+          <a:bodyPr rtlCol="0" anchor="ctr"/>
+          <a:lstStyle/>
+          <a:p>
+            <a:pPr algn="ctr"/>
+            <a:endParaRPr lang="en-US"/>
+          </a:p>
+        </p:txBody>
+      </p:sp>
+      <p:cxnSp>
+        <p:nvCxnSpPr>
+          <p:cNvPr id="69" name="Straight Arrow Connector 68">
+            <a:extLst>
+              <a:ext uri="{FF2B5EF4-FFF2-40B4-BE49-F238E27FC236}">
+                <a16:creationId xmlns:a16="http://schemas.microsoft.com/office/drawing/2014/main" id="{30AEAE4C-6FBC-7C43-B6E6-91156C7DBE0D}"/>
+              </a:ext>
+            </a:extLst>
+          </p:cNvPr>
+          <p:cNvCxnSpPr>
+            <a:cxnSpLocks/>
+            <a:stCxn id="14" idx="0"/>
+            <a:endCxn id="68" idx="0"/>
+          </p:cNvCxnSpPr>
+          <p:nvPr/>
+        </p:nvCxnSpPr>
+        <p:spPr>
+          <a:xfrm flipV="1">
+            <a:off x="11100830" y="2576481"/>
+            <a:ext cx="132254" cy="1"/>
+          </a:xfrm>
+          <a:prstGeom prst="straightConnector1">
+            <a:avLst/>
+          </a:prstGeom>
+          <a:ln w="28575">
+            <a:tailEnd type="triangle"/>
+          </a:ln>
+        </p:spPr>
+        <p:style>
+          <a:lnRef idx="1">
+            <a:schemeClr val="dk1"/>
+          </a:lnRef>
+          <a:fillRef idx="0">
+            <a:schemeClr val="dk1"/>
+          </a:fillRef>
+          <a:effectRef idx="0">
+            <a:schemeClr val="dk1"/>
+          </a:effectRef>
+          <a:fontRef idx="minor">
+            <a:schemeClr val="tx1"/>
+          </a:fontRef>
+        </p:style>
+      </p:cxnSp>
+      <p:cxnSp>
+        <p:nvCxnSpPr>
+          <p:cNvPr id="72" name="Straight Arrow Connector 71">
+            <a:extLst>
+              <a:ext uri="{FF2B5EF4-FFF2-40B4-BE49-F238E27FC236}">
+                <a16:creationId xmlns:a16="http://schemas.microsoft.com/office/drawing/2014/main" id="{AF295CC5-DA85-3E44-AAD0-684B1EB48DA7}"/>
+              </a:ext>
+            </a:extLst>
+          </p:cNvPr>
+          <p:cNvCxnSpPr>
+            <a:cxnSpLocks/>
+            <a:endCxn id="14" idx="2"/>
+          </p:cNvCxnSpPr>
+          <p:nvPr/>
+        </p:nvCxnSpPr>
+        <p:spPr>
+          <a:xfrm>
+            <a:off x="10684746" y="2576481"/>
+            <a:ext cx="250596" cy="1"/>
+          </a:xfrm>
+          <a:prstGeom prst="straightConnector1">
+            <a:avLst/>
+          </a:prstGeom>
+          <a:ln w="28575">
+            <a:tailEnd type="triangle"/>
+          </a:ln>
+        </p:spPr>
+        <p:style>
+          <a:lnRef idx="1">
+            <a:schemeClr val="dk1"/>
+          </a:lnRef>
+          <a:fillRef idx="0">
+            <a:schemeClr val="dk1"/>
+          </a:fillRef>
+          <a:effectRef idx="0">
+            <a:schemeClr val="dk1"/>
+          </a:effectRef>
+          <a:fontRef idx="minor">
+            <a:schemeClr val="tx1"/>
+          </a:fontRef>
+        </p:style>
+      </p:cxnSp>
+      <p:cxnSp>
+        <p:nvCxnSpPr>
+          <p:cNvPr id="76" name="Straight Arrow Connector 75">
+            <a:extLst>
+              <a:ext uri="{FF2B5EF4-FFF2-40B4-BE49-F238E27FC236}">
+                <a16:creationId xmlns:a16="http://schemas.microsoft.com/office/drawing/2014/main" id="{3135A589-0A08-4A4A-A2F4-0864558AB5B3}"/>
+              </a:ext>
+            </a:extLst>
+          </p:cNvPr>
+          <p:cNvCxnSpPr>
+            <a:cxnSpLocks/>
+            <a:stCxn id="68" idx="2"/>
+          </p:cNvCxnSpPr>
+          <p:nvPr/>
+        </p:nvCxnSpPr>
+        <p:spPr>
+          <a:xfrm>
+            <a:off x="11398572" y="2576481"/>
+            <a:ext cx="259559" cy="0"/>
+          </a:xfrm>
+          <a:prstGeom prst="straightConnector1">
+            <a:avLst/>
+          </a:prstGeom>
+          <a:ln w="28575">
+            <a:tailEnd type="triangle"/>
+          </a:ln>
+        </p:spPr>
+        <p:style>
+          <a:lnRef idx="1">
+            <a:schemeClr val="dk1"/>
+          </a:lnRef>
+          <a:fillRef idx="0">
+            <a:schemeClr val="dk1"/>
+          </a:fillRef>
+          <a:effectRef idx="0">
+            <a:schemeClr val="dk1"/>
+          </a:effectRef>
+          <a:fontRef idx="minor">
+            <a:schemeClr val="tx1"/>
+          </a:fontRef>
+        </p:style>
+      </p:cxnSp>
+      <p:cxnSp>
+        <p:nvCxnSpPr>
+          <p:cNvPr id="86" name="Straight Arrow Connector 85">
+            <a:extLst>
+              <a:ext uri="{FF2B5EF4-FFF2-40B4-BE49-F238E27FC236}">
+                <a16:creationId xmlns:a16="http://schemas.microsoft.com/office/drawing/2014/main" id="{1086A0E7-9A95-274D-B2DF-3BF6B4378C0C}"/>
+              </a:ext>
+            </a:extLst>
+          </p:cNvPr>
+          <p:cNvCxnSpPr>
+            <a:cxnSpLocks/>
+          </p:cNvCxnSpPr>
+          <p:nvPr/>
+        </p:nvCxnSpPr>
+        <p:spPr>
+          <a:xfrm flipV="1">
+            <a:off x="10800168" y="2118844"/>
+            <a:ext cx="0" cy="457637"/>
+          </a:xfrm>
+          <a:prstGeom prst="straightConnector1">
+            <a:avLst/>
+          </a:prstGeom>
+          <a:ln w="28575">
+            <a:headEnd type="none"/>
+            <a:tailEnd type="none"/>
+          </a:ln>
+        </p:spPr>
+        <p:style>
+          <a:lnRef idx="1">
+            <a:schemeClr val="dk1"/>
+          </a:lnRef>
+          <a:fillRef idx="0">
+            <a:schemeClr val="dk1"/>
+          </a:fillRef>
+          <a:effectRef idx="0">
+            <a:schemeClr val="dk1"/>
+          </a:effectRef>
+          <a:fontRef idx="minor">
+            <a:schemeClr val="tx1"/>
+          </a:fontRef>
+        </p:style>
+      </p:cxnSp>
+      <p:cxnSp>
+        <p:nvCxnSpPr>
+          <p:cNvPr id="89" name="Straight Arrow Connector 88">
+            <a:extLst>
+              <a:ext uri="{FF2B5EF4-FFF2-40B4-BE49-F238E27FC236}">
+                <a16:creationId xmlns:a16="http://schemas.microsoft.com/office/drawing/2014/main" id="{88A321A2-C5B6-7740-A791-1B3750C9DE70}"/>
+              </a:ext>
+            </a:extLst>
+          </p:cNvPr>
+          <p:cNvCxnSpPr>
+            <a:cxnSpLocks/>
+          </p:cNvCxnSpPr>
+          <p:nvPr/>
+        </p:nvCxnSpPr>
+        <p:spPr>
+          <a:xfrm flipV="1">
+            <a:off x="10790427" y="2118843"/>
+            <a:ext cx="726746" cy="1"/>
+          </a:xfrm>
+          <a:prstGeom prst="straightConnector1">
+            <a:avLst/>
+          </a:prstGeom>
+          <a:ln w="28575">
+            <a:tailEnd type="none"/>
+          </a:ln>
+        </p:spPr>
+        <p:style>
+          <a:lnRef idx="1">
+            <a:schemeClr val="dk1"/>
+          </a:lnRef>
+          <a:fillRef idx="0">
+            <a:schemeClr val="dk1"/>
+          </a:fillRef>
+          <a:effectRef idx="0">
+            <a:schemeClr val="dk1"/>
+          </a:effectRef>
+          <a:fontRef idx="minor">
+            <a:schemeClr val="tx1"/>
+          </a:fontRef>
+        </p:style>
+      </p:cxnSp>
+      <p:cxnSp>
+        <p:nvCxnSpPr>
+          <p:cNvPr id="93" name="Straight Arrow Connector 92">
+            <a:extLst>
+              <a:ext uri="{FF2B5EF4-FFF2-40B4-BE49-F238E27FC236}">
+                <a16:creationId xmlns:a16="http://schemas.microsoft.com/office/drawing/2014/main" id="{BD03690D-3394-A843-8D06-410965FAC82E}"/>
+              </a:ext>
+            </a:extLst>
+          </p:cNvPr>
+          <p:cNvCxnSpPr>
+            <a:cxnSpLocks/>
+          </p:cNvCxnSpPr>
+          <p:nvPr/>
+        </p:nvCxnSpPr>
+        <p:spPr>
+          <a:xfrm>
+            <a:off x="11517173" y="2118843"/>
+            <a:ext cx="0" cy="457638"/>
+          </a:xfrm>
+          <a:prstGeom prst="straightConnector1">
+            <a:avLst/>
+          </a:prstGeom>
+          <a:ln w="28575">
+            <a:tailEnd type="triangle"/>
+          </a:ln>
+        </p:spPr>
+        <p:style>
+          <a:lnRef idx="1">
+            <a:schemeClr val="dk1"/>
+          </a:lnRef>
+          <a:fillRef idx="0">
+            <a:schemeClr val="dk1"/>
+          </a:fillRef>
+          <a:effectRef idx="0">
+            <a:schemeClr val="dk1"/>
+          </a:effectRef>
+          <a:fontRef idx="minor">
+            <a:schemeClr val="tx1"/>
+          </a:fontRef>
+        </p:style>
+      </p:cxnSp>
+      <p:sp>
+        <p:nvSpPr>
+          <p:cNvPr id="46" name="TextBox 45">
+            <a:extLst>
+              <a:ext uri="{FF2B5EF4-FFF2-40B4-BE49-F238E27FC236}">
+                <a16:creationId xmlns:a16="http://schemas.microsoft.com/office/drawing/2014/main" id="{F7A25AFA-CD39-FE47-8C5F-A212F932CA19}"/>
+              </a:ext>
+            </a:extLst>
+          </p:cNvPr>
+          <p:cNvSpPr txBox="1"/>
+          <p:nvPr/>
+        </p:nvSpPr>
+        <p:spPr>
+          <a:xfrm>
+            <a:off x="10631446" y="3067192"/>
+            <a:ext cx="1075936" cy="830997"/>
+          </a:xfrm>
+          <a:prstGeom prst="rect">
+            <a:avLst/>
+          </a:prstGeom>
+          <a:noFill/>
+        </p:spPr>
+        <p:txBody>
+          <a:bodyPr wrap="none" rtlCol="0">
+            <a:spAutoFit/>
+          </a:bodyPr>
+          <a:lstStyle/>
+          <a:p>
+            <a:pPr algn="ctr"/>
+            <a:r>
+              <a:rPr lang="en-US" sz="1600" dirty="0">
+                <a:latin typeface="Times New Roman" panose="02020603050405020304" pitchFamily="18" charset="0"/>
+                <a:cs typeface="Times New Roman" panose="02020603050405020304" pitchFamily="18" charset="0"/>
+              </a:rPr>
+              <a:t>Bottleneck</a:t>
+            </a:r>
+          </a:p>
+          <a:p>
+            <a:pPr algn="ctr"/>
+            <a:r>
+              <a:rPr lang="en-US" sz="1600" dirty="0">
+                <a:latin typeface="Times New Roman" panose="02020603050405020304" pitchFamily="18" charset="0"/>
+                <a:cs typeface="Times New Roman" panose="02020603050405020304" pitchFamily="18" charset="0"/>
+              </a:rPr>
+              <a:t>Resp MLP</a:t>
+            </a:r>
+          </a:p>
+          <a:p>
+            <a:pPr algn="ctr"/>
+            <a:r>
+              <a:rPr lang="en-US" sz="1600" dirty="0">
+                <a:latin typeface="Times New Roman" panose="02020603050405020304" pitchFamily="18" charset="0"/>
+                <a:cs typeface="Times New Roman" panose="02020603050405020304" pitchFamily="18" charset="0"/>
+              </a:rPr>
+              <a:t>In elite</a:t>
+            </a:r>
+          </a:p>
+        </p:txBody>
+      </p:sp>
     </p:spTree>
     <p:extLst>
       <p:ext uri="{BB962C8B-B14F-4D97-AF65-F5344CB8AC3E}">
